--- a/Fig/Intro/Intro_Problematics/Intro_Problematics.pptx
+++ b/Fig/Intro/Intro_Problematics/Intro_Problematics.pptx
@@ -2,11 +2,13 @@
 <file path=ppt/presentation.xml><?xml version="1.0" encoding="utf-8"?>
 <p:presentation xmlns:a="http://schemas.openxmlformats.org/drawingml/2006/main" xmlns:r="http://schemas.openxmlformats.org/officeDocument/2006/relationships" xmlns:p="http://schemas.openxmlformats.org/presentationml/2006/main" saveSubsetFonts="1">
   <p:sldMasterIdLst>
-    <p:sldMasterId id="2147483684" r:id="rId1"/>
+    <p:sldMasterId id="2147483708" r:id="rId1"/>
   </p:sldMasterIdLst>
   <p:sldIdLst>
-    <p:sldId id="259" r:id="rId2"/>
-    <p:sldId id="258" r:id="rId3"/>
+    <p:sldId id="261" r:id="rId2"/>
+    <p:sldId id="259" r:id="rId3"/>
+    <p:sldId id="260" r:id="rId4"/>
+    <p:sldId id="258" r:id="rId5"/>
   </p:sldIdLst>
   <p:sldSz cx="6858000" cy="5040313"/>
   <p:notesSz cx="6858000" cy="9144000"/>
@@ -113,7 +115,7 @@
             <a:srgbClr val="A4A3A4"/>
           </p15:clr>
         </p15:guide>
-        <p15:guide id="2" pos="2160">
+        <p15:guide id="2" pos="4088" userDrawn="1">
           <p15:clr>
             <a:srgbClr val="A4A3A4"/>
           </p15:clr>
@@ -306,7 +308,7 @@
     </p:spTree>
     <p:extLst>
       <p:ext uri="{BB962C8B-B14F-4D97-AF65-F5344CB8AC3E}">
-        <p14:creationId xmlns:p14="http://schemas.microsoft.com/office/powerpoint/2010/main" val="1451580475"/>
+        <p14:creationId xmlns:p14="http://schemas.microsoft.com/office/powerpoint/2010/main" val="2093426505"/>
       </p:ext>
     </p:extLst>
   </p:cSld>
@@ -476,7 +478,7 @@
     </p:spTree>
     <p:extLst>
       <p:ext uri="{BB962C8B-B14F-4D97-AF65-F5344CB8AC3E}">
-        <p14:creationId xmlns:p14="http://schemas.microsoft.com/office/powerpoint/2010/main" val="6283345"/>
+        <p14:creationId xmlns:p14="http://schemas.microsoft.com/office/powerpoint/2010/main" val="1812756082"/>
       </p:ext>
     </p:extLst>
   </p:cSld>
@@ -656,7 +658,7 @@
     </p:spTree>
     <p:extLst>
       <p:ext uri="{BB962C8B-B14F-4D97-AF65-F5344CB8AC3E}">
-        <p14:creationId xmlns:p14="http://schemas.microsoft.com/office/powerpoint/2010/main" val="2364305750"/>
+        <p14:creationId xmlns:p14="http://schemas.microsoft.com/office/powerpoint/2010/main" val="2699970945"/>
       </p:ext>
     </p:extLst>
   </p:cSld>
@@ -826,7 +828,7 @@
     </p:spTree>
     <p:extLst>
       <p:ext uri="{BB962C8B-B14F-4D97-AF65-F5344CB8AC3E}">
-        <p14:creationId xmlns:p14="http://schemas.microsoft.com/office/powerpoint/2010/main" val="3287734882"/>
+        <p14:creationId xmlns:p14="http://schemas.microsoft.com/office/powerpoint/2010/main" val="1746285597"/>
       </p:ext>
     </p:extLst>
   </p:cSld>
@@ -1070,7 +1072,7 @@
     </p:spTree>
     <p:extLst>
       <p:ext uri="{BB962C8B-B14F-4D97-AF65-F5344CB8AC3E}">
-        <p14:creationId xmlns:p14="http://schemas.microsoft.com/office/powerpoint/2010/main" val="2125806717"/>
+        <p14:creationId xmlns:p14="http://schemas.microsoft.com/office/powerpoint/2010/main" val="3062569250"/>
       </p:ext>
     </p:extLst>
   </p:cSld>
@@ -1302,7 +1304,7 @@
     </p:spTree>
     <p:extLst>
       <p:ext uri="{BB962C8B-B14F-4D97-AF65-F5344CB8AC3E}">
-        <p14:creationId xmlns:p14="http://schemas.microsoft.com/office/powerpoint/2010/main" val="4004595528"/>
+        <p14:creationId xmlns:p14="http://schemas.microsoft.com/office/powerpoint/2010/main" val="1771701696"/>
       </p:ext>
     </p:extLst>
   </p:cSld>
@@ -1669,7 +1671,7 @@
     </p:spTree>
     <p:extLst>
       <p:ext uri="{BB962C8B-B14F-4D97-AF65-F5344CB8AC3E}">
-        <p14:creationId xmlns:p14="http://schemas.microsoft.com/office/powerpoint/2010/main" val="3034919969"/>
+        <p14:creationId xmlns:p14="http://schemas.microsoft.com/office/powerpoint/2010/main" val="638325962"/>
       </p:ext>
     </p:extLst>
   </p:cSld>
@@ -1787,7 +1789,7 @@
     </p:spTree>
     <p:extLst>
       <p:ext uri="{BB962C8B-B14F-4D97-AF65-F5344CB8AC3E}">
-        <p14:creationId xmlns:p14="http://schemas.microsoft.com/office/powerpoint/2010/main" val="381446625"/>
+        <p14:creationId xmlns:p14="http://schemas.microsoft.com/office/powerpoint/2010/main" val="43141604"/>
       </p:ext>
     </p:extLst>
   </p:cSld>
@@ -1882,7 +1884,7 @@
     </p:spTree>
     <p:extLst>
       <p:ext uri="{BB962C8B-B14F-4D97-AF65-F5344CB8AC3E}">
-        <p14:creationId xmlns:p14="http://schemas.microsoft.com/office/powerpoint/2010/main" val="2019869764"/>
+        <p14:creationId xmlns:p14="http://schemas.microsoft.com/office/powerpoint/2010/main" val="1627408822"/>
       </p:ext>
     </p:extLst>
   </p:cSld>
@@ -2159,7 +2161,7 @@
     </p:spTree>
     <p:extLst>
       <p:ext uri="{BB962C8B-B14F-4D97-AF65-F5344CB8AC3E}">
-        <p14:creationId xmlns:p14="http://schemas.microsoft.com/office/powerpoint/2010/main" val="3829767038"/>
+        <p14:creationId xmlns:p14="http://schemas.microsoft.com/office/powerpoint/2010/main" val="862710337"/>
       </p:ext>
     </p:extLst>
   </p:cSld>
@@ -2416,7 +2418,7 @@
     </p:spTree>
     <p:extLst>
       <p:ext uri="{BB962C8B-B14F-4D97-AF65-F5344CB8AC3E}">
-        <p14:creationId xmlns:p14="http://schemas.microsoft.com/office/powerpoint/2010/main" val="2485672417"/>
+        <p14:creationId xmlns:p14="http://schemas.microsoft.com/office/powerpoint/2010/main" val="1533276195"/>
       </p:ext>
     </p:extLst>
   </p:cSld>
@@ -2665,23 +2667,23 @@
     </p:spTree>
     <p:extLst>
       <p:ext uri="{BB962C8B-B14F-4D97-AF65-F5344CB8AC3E}">
-        <p14:creationId xmlns:p14="http://schemas.microsoft.com/office/powerpoint/2010/main" val="2761665224"/>
+        <p14:creationId xmlns:p14="http://schemas.microsoft.com/office/powerpoint/2010/main" val="1022314637"/>
       </p:ext>
     </p:extLst>
   </p:cSld>
   <p:clrMap bg1="lt1" tx1="dk1" bg2="lt2" tx2="dk2" accent1="accent1" accent2="accent2" accent3="accent3" accent4="accent4" accent5="accent5" accent6="accent6" hlink="hlink" folHlink="folHlink"/>
   <p:sldLayoutIdLst>
-    <p:sldLayoutId id="2147483685" r:id="rId1"/>
-    <p:sldLayoutId id="2147483686" r:id="rId2"/>
-    <p:sldLayoutId id="2147483687" r:id="rId3"/>
-    <p:sldLayoutId id="2147483688" r:id="rId4"/>
-    <p:sldLayoutId id="2147483689" r:id="rId5"/>
-    <p:sldLayoutId id="2147483690" r:id="rId6"/>
-    <p:sldLayoutId id="2147483691" r:id="rId7"/>
-    <p:sldLayoutId id="2147483692" r:id="rId8"/>
-    <p:sldLayoutId id="2147483693" r:id="rId9"/>
-    <p:sldLayoutId id="2147483694" r:id="rId10"/>
-    <p:sldLayoutId id="2147483695" r:id="rId11"/>
+    <p:sldLayoutId id="2147483709" r:id="rId1"/>
+    <p:sldLayoutId id="2147483710" r:id="rId2"/>
+    <p:sldLayoutId id="2147483711" r:id="rId3"/>
+    <p:sldLayoutId id="2147483712" r:id="rId4"/>
+    <p:sldLayoutId id="2147483713" r:id="rId5"/>
+    <p:sldLayoutId id="2147483714" r:id="rId6"/>
+    <p:sldLayoutId id="2147483715" r:id="rId7"/>
+    <p:sldLayoutId id="2147483716" r:id="rId8"/>
+    <p:sldLayoutId id="2147483717" r:id="rId9"/>
+    <p:sldLayoutId id="2147483718" r:id="rId10"/>
+    <p:sldLayoutId id="2147483719" r:id="rId11"/>
   </p:sldLayoutIdLst>
   <p:txStyles>
     <p:titleStyle>
@@ -2985,7 +2987,7 @@
       </p:grpSpPr>
       <p:sp>
         <p:nvSpPr>
-          <p:cNvPr id="3" name="Rectangle 2"/>
+          <p:cNvPr id="3" name="Rectangle à coins arrondis 2"/>
           <p:cNvSpPr/>
           <p:nvPr/>
         </p:nvSpPr>
@@ -2994,8 +2996,993 @@
             <a:off x="66054" y="359348"/>
             <a:ext cx="532801" cy="4311161"/>
           </a:xfrm>
+          <a:prstGeom prst="roundRect">
+            <a:avLst>
+              <a:gd name="adj" fmla="val 10645"/>
+            </a:avLst>
+          </a:prstGeom>
+          <a:solidFill>
+            <a:srgbClr val="F3F3FA"/>
+          </a:solidFill>
+          <a:ln>
+            <a:noFill/>
+          </a:ln>
+          <a:effectLst>
+            <a:outerShdw blurRad="25400" dist="25400" dir="2700000" algn="tl" rotWithShape="0">
+              <a:schemeClr val="tx1">
+                <a:lumMod val="50000"/>
+                <a:lumOff val="50000"/>
+                <a:alpha val="70000"/>
+              </a:schemeClr>
+            </a:outerShdw>
+          </a:effectLst>
+        </p:spPr>
+        <p:style>
+          <a:lnRef idx="2">
+            <a:schemeClr val="accent1">
+              <a:shade val="50000"/>
+            </a:schemeClr>
+          </a:lnRef>
+          <a:fillRef idx="1">
+            <a:schemeClr val="accent1"/>
+          </a:fillRef>
+          <a:effectRef idx="0">
+            <a:schemeClr val="accent1"/>
+          </a:effectRef>
+          <a:fontRef idx="minor">
+            <a:schemeClr val="lt1"/>
+          </a:fontRef>
+        </p:style>
+        <p:txBody>
+          <a:bodyPr rtlCol="0" anchor="ctr"/>
+          <a:lstStyle/>
+          <a:p>
+            <a:pPr algn="ctr"/>
+            <a:endParaRPr lang="en-US"/>
+          </a:p>
+        </p:txBody>
+      </p:sp>
+      <p:sp>
+        <p:nvSpPr>
+          <p:cNvPr id="8" name="ZoneTexte 7"/>
+          <p:cNvSpPr txBox="1"/>
+          <p:nvPr/>
+        </p:nvSpPr>
+        <p:spPr>
+          <a:xfrm>
+            <a:off x="86232" y="359348"/>
+            <a:ext cx="492443" cy="1332000"/>
+          </a:xfrm>
           <a:prstGeom prst="rect">
             <a:avLst/>
+          </a:prstGeom>
+          <a:noFill/>
+          <a:ln>
+            <a:noFill/>
+          </a:ln>
+        </p:spPr>
+        <p:txBody>
+          <a:bodyPr vert="vert270" wrap="square" rtlCol="0">
+            <a:spAutoFit/>
+          </a:bodyPr>
+          <a:lstStyle/>
+          <a:p>
+            <a:pPr algn="ctr">
+              <a:spcAft>
+                <a:spcPts val="300"/>
+              </a:spcAft>
+            </a:pPr>
+            <a:r>
+              <a:rPr lang="en-US" sz="1000" dirty="0" smtClean="0">
+                <a:solidFill>
+                  <a:srgbClr val="061229"/>
+                </a:solidFill>
+                <a:latin typeface="Helvetica" pitchFamily="2" charset="0"/>
+                <a:ea typeface="Roboto" pitchFamily="2" charset="0"/>
+                <a:cs typeface="Times New Roman" panose="02020603050405020304" pitchFamily="18" charset="0"/>
+              </a:rPr>
+              <a:t>NEURO-PHYSIOLOGY</a:t>
+            </a:r>
+            <a:endParaRPr lang="en-US" sz="1000" dirty="0">
+              <a:solidFill>
+                <a:srgbClr val="061229"/>
+              </a:solidFill>
+              <a:latin typeface="Helvetica" pitchFamily="2" charset="0"/>
+              <a:ea typeface="Roboto" pitchFamily="2" charset="0"/>
+              <a:cs typeface="Times New Roman" panose="02020603050405020304" pitchFamily="18" charset="0"/>
+            </a:endParaRPr>
+          </a:p>
+        </p:txBody>
+      </p:sp>
+      <p:sp>
+        <p:nvSpPr>
+          <p:cNvPr id="20" name="ZoneTexte 19"/>
+          <p:cNvSpPr txBox="1"/>
+          <p:nvPr/>
+        </p:nvSpPr>
+        <p:spPr>
+          <a:xfrm>
+            <a:off x="142999" y="1847138"/>
+            <a:ext cx="338554" cy="1332000"/>
+          </a:xfrm>
+          <a:prstGeom prst="rect">
+            <a:avLst/>
+          </a:prstGeom>
+          <a:noFill/>
+          <a:ln>
+            <a:noFill/>
+          </a:ln>
+        </p:spPr>
+        <p:txBody>
+          <a:bodyPr vert="vert270" wrap="square" rtlCol="0">
+            <a:spAutoFit/>
+          </a:bodyPr>
+          <a:lstStyle/>
+          <a:p>
+            <a:pPr algn="ctr">
+              <a:spcAft>
+                <a:spcPts val="300"/>
+              </a:spcAft>
+            </a:pPr>
+            <a:r>
+              <a:rPr lang="en-US" sz="1000" dirty="0" smtClean="0">
+                <a:solidFill>
+                  <a:srgbClr val="061229"/>
+                </a:solidFill>
+                <a:latin typeface="Helvetica" pitchFamily="2" charset="0"/>
+                <a:ea typeface="Roboto" pitchFamily="2" charset="0"/>
+                <a:cs typeface="Times New Roman" panose="02020603050405020304" pitchFamily="18" charset="0"/>
+              </a:rPr>
+              <a:t>BEHAVIOR</a:t>
+            </a:r>
+            <a:endParaRPr lang="en-US" sz="1000" dirty="0">
+              <a:solidFill>
+                <a:srgbClr val="061229"/>
+              </a:solidFill>
+              <a:latin typeface="Helvetica" pitchFamily="2" charset="0"/>
+              <a:ea typeface="Roboto" pitchFamily="2" charset="0"/>
+              <a:cs typeface="Times New Roman" panose="02020603050405020304" pitchFamily="18" charset="0"/>
+            </a:endParaRPr>
+          </a:p>
+        </p:txBody>
+      </p:sp>
+      <p:sp>
+        <p:nvSpPr>
+          <p:cNvPr id="22" name="ZoneTexte 21"/>
+          <p:cNvSpPr txBox="1"/>
+          <p:nvPr/>
+        </p:nvSpPr>
+        <p:spPr>
+          <a:xfrm>
+            <a:off x="66055" y="3338509"/>
+            <a:ext cx="492443" cy="1332000"/>
+          </a:xfrm>
+          <a:prstGeom prst="rect">
+            <a:avLst/>
+          </a:prstGeom>
+          <a:noFill/>
+          <a:ln>
+            <a:noFill/>
+          </a:ln>
+        </p:spPr>
+        <p:txBody>
+          <a:bodyPr vert="vert270" wrap="square" rtlCol="0">
+            <a:spAutoFit/>
+          </a:bodyPr>
+          <a:lstStyle/>
+          <a:p>
+            <a:pPr algn="ctr">
+              <a:spcAft>
+                <a:spcPts val="300"/>
+              </a:spcAft>
+            </a:pPr>
+            <a:r>
+              <a:rPr lang="en-US" sz="1000" dirty="0" smtClean="0">
+                <a:solidFill>
+                  <a:srgbClr val="061229"/>
+                </a:solidFill>
+                <a:latin typeface="Helvetica" pitchFamily="2" charset="0"/>
+                <a:ea typeface="Roboto" pitchFamily="2" charset="0"/>
+                <a:cs typeface="Times New Roman" panose="02020603050405020304" pitchFamily="18" charset="0"/>
+              </a:rPr>
+              <a:t>SOFTWARE DEVELOPEMENT</a:t>
+            </a:r>
+            <a:endParaRPr lang="en-US" sz="1000" dirty="0">
+              <a:solidFill>
+                <a:srgbClr val="061229"/>
+              </a:solidFill>
+              <a:latin typeface="Helvetica" pitchFamily="2" charset="0"/>
+              <a:ea typeface="Roboto" pitchFamily="2" charset="0"/>
+              <a:cs typeface="Times New Roman" panose="02020603050405020304" pitchFamily="18" charset="0"/>
+            </a:endParaRPr>
+          </a:p>
+        </p:txBody>
+      </p:sp>
+      <p:sp>
+        <p:nvSpPr>
+          <p:cNvPr id="19" name="ZoneTexte 18"/>
+          <p:cNvSpPr txBox="1"/>
+          <p:nvPr/>
+        </p:nvSpPr>
+        <p:spPr>
+          <a:xfrm>
+            <a:off x="683640" y="459809"/>
+            <a:ext cx="2520000" cy="1138773"/>
+          </a:xfrm>
+          <a:prstGeom prst="rect">
+            <a:avLst/>
+          </a:prstGeom>
+          <a:solidFill>
+            <a:srgbClr val="D9F2FB"/>
+          </a:solidFill>
+          <a:effectLst>
+            <a:outerShdw blurRad="25400" dist="25400" dir="2700000" algn="tl" rotWithShape="0">
+              <a:schemeClr val="tx1">
+                <a:lumMod val="50000"/>
+                <a:lumOff val="50000"/>
+                <a:alpha val="60000"/>
+              </a:schemeClr>
+            </a:outerShdw>
+          </a:effectLst>
+        </p:spPr>
+        <p:txBody>
+          <a:bodyPr wrap="square" rtlCol="0">
+            <a:spAutoFit/>
+          </a:bodyPr>
+          <a:lstStyle/>
+          <a:p>
+            <a:pPr>
+              <a:spcAft>
+                <a:spcPts val="600"/>
+              </a:spcAft>
+            </a:pPr>
+            <a:r>
+              <a:rPr lang="en-US" sz="1000" dirty="0">
+                <a:latin typeface="Roboto Light" panose="02000000000000000000" pitchFamily="2" charset="0"/>
+                <a:ea typeface="Roboto Light" panose="02000000000000000000" pitchFamily="2" charset="0"/>
+              </a:rPr>
+              <a:t>Study </a:t>
+            </a:r>
+            <a:r>
+              <a:rPr lang="en-US" sz="1000" dirty="0" smtClean="0">
+                <a:latin typeface="Roboto Light" panose="02000000000000000000" pitchFamily="2" charset="0"/>
+                <a:ea typeface="Roboto Light" panose="02000000000000000000" pitchFamily="2" charset="0"/>
+              </a:rPr>
+              <a:t>1 	            </a:t>
+            </a:r>
+            <a:r>
+              <a:rPr lang="en-US" sz="1000" dirty="0" smtClean="0">
+                <a:latin typeface="Roboto Light" panose="02000000000000000000" pitchFamily="2" charset="0"/>
+                <a:ea typeface="Roboto Light" panose="02000000000000000000" pitchFamily="2" charset="0"/>
+              </a:rPr>
+              <a:t>	         </a:t>
+            </a:r>
+            <a:r>
+              <a:rPr lang="en-US" sz="1000" i="1" dirty="0" smtClean="0">
+                <a:solidFill>
+                  <a:schemeClr val="tx1">
+                    <a:lumMod val="75000"/>
+                    <a:lumOff val="25000"/>
+                  </a:schemeClr>
+                </a:solidFill>
+                <a:latin typeface="Roboto Light" panose="02000000000000000000" pitchFamily="2" charset="0"/>
+                <a:ea typeface="Roboto Light" panose="02000000000000000000" pitchFamily="2" charset="0"/>
+              </a:rPr>
+              <a:t>EEG</a:t>
+            </a:r>
+            <a:endParaRPr lang="en-US" sz="1000" dirty="0" smtClean="0">
+              <a:solidFill>
+                <a:schemeClr val="tx1">
+                  <a:lumMod val="75000"/>
+                  <a:lumOff val="25000"/>
+                </a:schemeClr>
+              </a:solidFill>
+              <a:latin typeface="Roboto Light" panose="02000000000000000000" pitchFamily="2" charset="0"/>
+              <a:ea typeface="Roboto Light" panose="02000000000000000000" pitchFamily="2" charset="0"/>
+            </a:endParaRPr>
+          </a:p>
+          <a:p>
+            <a:pPr>
+              <a:spcAft>
+                <a:spcPts val="300"/>
+              </a:spcAft>
+            </a:pPr>
+            <a:r>
+              <a:rPr lang="en-US" sz="1050" b="1" dirty="0" smtClean="0">
+                <a:latin typeface="Helvetica Neue" panose="02000503000000020004" pitchFamily="50"/>
+              </a:rPr>
+              <a:t>DRF and arousals</a:t>
+            </a:r>
+            <a:endParaRPr lang="en-US" sz="1050" b="1" dirty="0">
+              <a:latin typeface="Helvetica Neue" panose="02000503000000020004" pitchFamily="50"/>
+            </a:endParaRPr>
+          </a:p>
+          <a:p>
+            <a:pPr algn="just"/>
+            <a:r>
+              <a:rPr lang="en-US" sz="1000" dirty="0" smtClean="0">
+                <a:latin typeface="Helvetica Neue" panose="02000503000000020004" pitchFamily="50"/>
+              </a:rPr>
+              <a:t>We investigated the sleep macro- and micro-structure of high and low dream-recallers, as well as their brain responses to arousing stimuli during sleep.</a:t>
+            </a:r>
+            <a:endParaRPr lang="en-US" sz="1000" dirty="0" smtClean="0">
+              <a:latin typeface="Helvetica Neue" panose="02000503000000020004" pitchFamily="50"/>
+            </a:endParaRPr>
+          </a:p>
+        </p:txBody>
+      </p:sp>
+      <p:sp>
+        <p:nvSpPr>
+          <p:cNvPr id="27" name="ZoneTexte 26"/>
+          <p:cNvSpPr txBox="1"/>
+          <p:nvPr/>
+        </p:nvSpPr>
+        <p:spPr>
+          <a:xfrm>
+            <a:off x="3321123" y="459809"/>
+            <a:ext cx="2520001" cy="1138773"/>
+          </a:xfrm>
+          <a:prstGeom prst="rect">
+            <a:avLst/>
+          </a:prstGeom>
+          <a:solidFill>
+            <a:srgbClr val="9DDEF5"/>
+          </a:solidFill>
+          <a:effectLst>
+            <a:outerShdw blurRad="25400" dist="25400" dir="2700000" algn="tl" rotWithShape="0">
+              <a:schemeClr val="tx1">
+                <a:lumMod val="50000"/>
+                <a:lumOff val="50000"/>
+                <a:alpha val="60000"/>
+              </a:schemeClr>
+            </a:outerShdw>
+          </a:effectLst>
+        </p:spPr>
+        <p:txBody>
+          <a:bodyPr wrap="square" rtlCol="0">
+            <a:spAutoFit/>
+          </a:bodyPr>
+          <a:lstStyle/>
+          <a:p>
+            <a:pPr>
+              <a:spcAft>
+                <a:spcPts val="600"/>
+              </a:spcAft>
+            </a:pPr>
+            <a:r>
+              <a:rPr lang="en-US" sz="1000" dirty="0">
+                <a:latin typeface="Roboto Light" panose="02000000000000000000" pitchFamily="2" charset="0"/>
+                <a:ea typeface="Roboto Light" panose="02000000000000000000" pitchFamily="2" charset="0"/>
+              </a:rPr>
+              <a:t>Study </a:t>
+            </a:r>
+            <a:r>
+              <a:rPr lang="en-US" sz="1000" dirty="0" smtClean="0">
+                <a:latin typeface="Roboto Light" panose="02000000000000000000" pitchFamily="2" charset="0"/>
+                <a:ea typeface="Roboto Light" panose="02000000000000000000" pitchFamily="2" charset="0"/>
+              </a:rPr>
+              <a:t>2	  </a:t>
+            </a:r>
+            <a:r>
+              <a:rPr lang="en-US" sz="1000" dirty="0" smtClean="0">
+                <a:latin typeface="Roboto Light" panose="02000000000000000000" pitchFamily="2" charset="0"/>
+                <a:ea typeface="Roboto Light" panose="02000000000000000000" pitchFamily="2" charset="0"/>
+              </a:rPr>
+              <a:t>                           </a:t>
+            </a:r>
+            <a:r>
+              <a:rPr lang="en-US" sz="1000" i="1" dirty="0" smtClean="0">
+                <a:solidFill>
+                  <a:schemeClr val="tx1">
+                    <a:lumMod val="75000"/>
+                    <a:lumOff val="25000"/>
+                  </a:schemeClr>
+                </a:solidFill>
+                <a:latin typeface="Roboto Light" panose="02000000000000000000" pitchFamily="2" charset="0"/>
+                <a:ea typeface="Roboto Light" panose="02000000000000000000" pitchFamily="2" charset="0"/>
+              </a:rPr>
+              <a:t>EEG-fMRI</a:t>
+            </a:r>
+            <a:endParaRPr lang="en-US" sz="1000" i="1" dirty="0" smtClean="0">
+              <a:solidFill>
+                <a:schemeClr val="tx1">
+                  <a:lumMod val="75000"/>
+                  <a:lumOff val="25000"/>
+                </a:schemeClr>
+              </a:solidFill>
+              <a:latin typeface="Roboto Light" panose="02000000000000000000" pitchFamily="2" charset="0"/>
+              <a:ea typeface="Roboto Light" panose="02000000000000000000" pitchFamily="2" charset="0"/>
+            </a:endParaRPr>
+          </a:p>
+          <a:p>
+            <a:pPr>
+              <a:spcAft>
+                <a:spcPts val="300"/>
+              </a:spcAft>
+            </a:pPr>
+            <a:r>
+              <a:rPr lang="en-US" sz="1050" b="1" dirty="0" smtClean="0">
+                <a:latin typeface="Helvetica Neue" panose="02000503000000020004" pitchFamily="50"/>
+              </a:rPr>
+              <a:t>DRF and sleep inertia</a:t>
+            </a:r>
+            <a:endParaRPr lang="en-US" sz="1050" b="1" dirty="0">
+              <a:latin typeface="Helvetica Neue" panose="02000503000000020004" pitchFamily="50"/>
+            </a:endParaRPr>
+          </a:p>
+          <a:p>
+            <a:pPr algn="just"/>
+            <a:r>
+              <a:rPr lang="en-US" sz="1000" dirty="0" smtClean="0">
+                <a:latin typeface="Helvetica Neue" panose="02000503000000020004" pitchFamily="50"/>
+              </a:rPr>
+              <a:t>We tested the hypothesis of a differential sleep inertia in </a:t>
+            </a:r>
+            <a:r>
+              <a:rPr lang="en-US" sz="1000" dirty="0" smtClean="0">
+                <a:latin typeface="Helvetica Neue" panose="02000503000000020004" pitchFamily="50"/>
+              </a:rPr>
+              <a:t>high and low dream recallers and provided at the same time an overview of the awakening brain.</a:t>
+            </a:r>
+            <a:endParaRPr lang="en-US" sz="1000" dirty="0">
+              <a:latin typeface="Helvetica Neue" panose="02000503000000020004" pitchFamily="50"/>
+            </a:endParaRPr>
+          </a:p>
+        </p:txBody>
+      </p:sp>
+      <p:sp>
+        <p:nvSpPr>
+          <p:cNvPr id="36" name="ZoneTexte 35"/>
+          <p:cNvSpPr txBox="1"/>
+          <p:nvPr/>
+        </p:nvSpPr>
+        <p:spPr>
+          <a:xfrm>
+            <a:off x="686976" y="1943751"/>
+            <a:ext cx="2520000" cy="1138773"/>
+          </a:xfrm>
+          <a:prstGeom prst="rect">
+            <a:avLst/>
+          </a:prstGeom>
+          <a:solidFill>
+            <a:schemeClr val="accent6">
+              <a:lumMod val="20000"/>
+              <a:lumOff val="80000"/>
+            </a:schemeClr>
+          </a:solidFill>
+          <a:effectLst>
+            <a:outerShdw blurRad="25400" dist="25400" dir="2700000" algn="tl" rotWithShape="0">
+              <a:schemeClr val="tx1">
+                <a:lumMod val="50000"/>
+                <a:lumOff val="50000"/>
+                <a:alpha val="60000"/>
+              </a:schemeClr>
+            </a:outerShdw>
+          </a:effectLst>
+        </p:spPr>
+        <p:txBody>
+          <a:bodyPr wrap="square" rtlCol="0">
+            <a:spAutoFit/>
+          </a:bodyPr>
+          <a:lstStyle/>
+          <a:p>
+            <a:pPr>
+              <a:spcAft>
+                <a:spcPts val="600"/>
+              </a:spcAft>
+            </a:pPr>
+            <a:r>
+              <a:rPr lang="en-US" sz="1000" dirty="0">
+                <a:latin typeface="Roboto Light" panose="02000000000000000000" pitchFamily="2" charset="0"/>
+                <a:ea typeface="Roboto Light" panose="02000000000000000000" pitchFamily="2" charset="0"/>
+              </a:rPr>
+              <a:t>Study </a:t>
+            </a:r>
+            <a:r>
+              <a:rPr lang="en-US" sz="1000" dirty="0" smtClean="0">
+                <a:latin typeface="Roboto Light" panose="02000000000000000000" pitchFamily="2" charset="0"/>
+                <a:ea typeface="Roboto Light" panose="02000000000000000000" pitchFamily="2" charset="0"/>
+              </a:rPr>
+              <a:t>3 	       </a:t>
+            </a:r>
+            <a:r>
+              <a:rPr lang="en-US" sz="1000" dirty="0" smtClean="0">
+                <a:latin typeface="Roboto Light" panose="02000000000000000000" pitchFamily="2" charset="0"/>
+                <a:ea typeface="Roboto Light" panose="02000000000000000000" pitchFamily="2" charset="0"/>
+              </a:rPr>
+              <a:t>	    </a:t>
+            </a:r>
+            <a:r>
+              <a:rPr lang="en-US" sz="1000" i="1" dirty="0" smtClean="0">
+                <a:solidFill>
+                  <a:schemeClr val="tx1">
+                    <a:lumMod val="75000"/>
+                    <a:lumOff val="25000"/>
+                  </a:schemeClr>
+                </a:solidFill>
+                <a:latin typeface="Roboto Light" panose="02000000000000000000" pitchFamily="2" charset="0"/>
+                <a:ea typeface="Roboto Light" panose="02000000000000000000" pitchFamily="2" charset="0"/>
+              </a:rPr>
+              <a:t>Survey</a:t>
+            </a:r>
+            <a:endParaRPr lang="en-US" sz="1000" i="1" dirty="0" smtClean="0">
+              <a:solidFill>
+                <a:schemeClr val="tx1">
+                  <a:lumMod val="75000"/>
+                  <a:lumOff val="25000"/>
+                </a:schemeClr>
+              </a:solidFill>
+              <a:latin typeface="Roboto Light" panose="02000000000000000000" pitchFamily="2" charset="0"/>
+              <a:ea typeface="Roboto Light" panose="02000000000000000000" pitchFamily="2" charset="0"/>
+            </a:endParaRPr>
+          </a:p>
+          <a:p>
+            <a:pPr>
+              <a:spcAft>
+                <a:spcPts val="300"/>
+              </a:spcAft>
+            </a:pPr>
+            <a:r>
+              <a:rPr lang="en-US" sz="1050" b="1" dirty="0" smtClean="0">
+                <a:latin typeface="Helvetica Neue" panose="02000503000000020004" pitchFamily="50"/>
+              </a:rPr>
+              <a:t>Sleep and dream habits</a:t>
+            </a:r>
+          </a:p>
+          <a:p>
+            <a:pPr algn="just">
+              <a:spcAft>
+                <a:spcPts val="300"/>
+              </a:spcAft>
+            </a:pPr>
+            <a:r>
+              <a:rPr lang="en-US" sz="1000" dirty="0" smtClean="0">
+                <a:latin typeface="Helvetica Neue" panose="02000503000000020004" pitchFamily="50"/>
+              </a:rPr>
+              <a:t>We used an online questionnaire to collect data on sleep </a:t>
+            </a:r>
+            <a:r>
+              <a:rPr lang="en-US" sz="1000" dirty="0" smtClean="0">
+                <a:latin typeface="Helvetica Neue" panose="02000503000000020004" pitchFamily="50"/>
+              </a:rPr>
+              <a:t>and dream habits of a large sample of French college students.</a:t>
+            </a:r>
+            <a:endParaRPr lang="en-US" sz="1000" dirty="0">
+              <a:latin typeface="Helvetica Neue" panose="02000503000000020004" pitchFamily="50"/>
+            </a:endParaRPr>
+          </a:p>
+        </p:txBody>
+      </p:sp>
+      <p:sp>
+        <p:nvSpPr>
+          <p:cNvPr id="37" name="ZoneTexte 36"/>
+          <p:cNvSpPr txBox="1"/>
+          <p:nvPr/>
+        </p:nvSpPr>
+        <p:spPr>
+          <a:xfrm>
+            <a:off x="3321124" y="1942739"/>
+            <a:ext cx="2520000" cy="1138773"/>
+          </a:xfrm>
+          <a:prstGeom prst="rect">
+            <a:avLst/>
+          </a:prstGeom>
+          <a:solidFill>
+            <a:srgbClr val="FFCDB7"/>
+          </a:solidFill>
+          <a:effectLst>
+            <a:outerShdw blurRad="25400" dist="25400" dir="2700000" algn="tl" rotWithShape="0">
+              <a:schemeClr val="tx1">
+                <a:lumMod val="50000"/>
+                <a:lumOff val="50000"/>
+                <a:alpha val="60000"/>
+              </a:schemeClr>
+            </a:outerShdw>
+          </a:effectLst>
+        </p:spPr>
+        <p:txBody>
+          <a:bodyPr wrap="square" rtlCol="0">
+            <a:spAutoFit/>
+          </a:bodyPr>
+          <a:lstStyle/>
+          <a:p>
+            <a:pPr>
+              <a:spcAft>
+                <a:spcPts val="600"/>
+              </a:spcAft>
+            </a:pPr>
+            <a:r>
+              <a:rPr lang="en-US" sz="1000" dirty="0">
+                <a:latin typeface="Roboto Light" panose="02000000000000000000" pitchFamily="2" charset="0"/>
+                <a:ea typeface="Roboto Light" panose="02000000000000000000" pitchFamily="2" charset="0"/>
+              </a:rPr>
+              <a:t>Study </a:t>
+            </a:r>
+            <a:r>
+              <a:rPr lang="en-US" sz="1000" dirty="0" smtClean="0">
+                <a:latin typeface="Roboto Light" panose="02000000000000000000" pitchFamily="2" charset="0"/>
+                <a:ea typeface="Roboto Light" panose="02000000000000000000" pitchFamily="2" charset="0"/>
+              </a:rPr>
+              <a:t>4 	      </a:t>
+            </a:r>
+            <a:r>
+              <a:rPr lang="en-US" sz="1000" i="1" dirty="0" smtClean="0">
+                <a:solidFill>
+                  <a:schemeClr val="tx1">
+                    <a:lumMod val="75000"/>
+                    <a:lumOff val="25000"/>
+                  </a:schemeClr>
+                </a:solidFill>
+                <a:latin typeface="Roboto Light" panose="02000000000000000000" pitchFamily="2" charset="0"/>
+                <a:ea typeface="Roboto Light" panose="02000000000000000000" pitchFamily="2" charset="0"/>
+              </a:rPr>
+              <a:t>Dream questionnaires  </a:t>
+            </a:r>
+            <a:r>
+              <a:rPr lang="en-US" sz="1000" dirty="0" smtClean="0">
+                <a:solidFill>
+                  <a:schemeClr val="tx1">
+                    <a:lumMod val="75000"/>
+                    <a:lumOff val="25000"/>
+                  </a:schemeClr>
+                </a:solidFill>
+                <a:latin typeface="Roboto Light" panose="02000000000000000000" pitchFamily="2" charset="0"/>
+                <a:ea typeface="Roboto Light" panose="02000000000000000000" pitchFamily="2" charset="0"/>
+              </a:rPr>
+              <a:t> </a:t>
+            </a:r>
+            <a:endParaRPr lang="en-US" sz="1000" dirty="0" smtClean="0">
+              <a:solidFill>
+                <a:schemeClr val="tx1">
+                  <a:lumMod val="75000"/>
+                  <a:lumOff val="25000"/>
+                </a:schemeClr>
+              </a:solidFill>
+              <a:latin typeface="Roboto Light" panose="02000000000000000000" pitchFamily="2" charset="0"/>
+              <a:ea typeface="Roboto Light" panose="02000000000000000000" pitchFamily="2" charset="0"/>
+            </a:endParaRPr>
+          </a:p>
+          <a:p>
+            <a:pPr>
+              <a:spcAft>
+                <a:spcPts val="300"/>
+              </a:spcAft>
+            </a:pPr>
+            <a:r>
+              <a:rPr lang="en-US" sz="1050" b="1" dirty="0" smtClean="0">
+                <a:latin typeface="Helvetica Neue" panose="02000503000000020004" pitchFamily="50"/>
+              </a:rPr>
+              <a:t>The memory sources of dreams</a:t>
+            </a:r>
+            <a:endParaRPr lang="en-US" sz="1050" b="1" dirty="0">
+              <a:latin typeface="Helvetica Neue" panose="02000503000000020004" pitchFamily="50"/>
+            </a:endParaRPr>
+          </a:p>
+          <a:p>
+            <a:pPr algn="just"/>
+            <a:r>
+              <a:rPr lang="en-US" sz="1000" dirty="0" smtClean="0">
+                <a:latin typeface="Helvetica Neue" panose="02000503000000020004" pitchFamily="50"/>
+              </a:rPr>
+              <a:t>We investigated the </a:t>
+            </a:r>
+            <a:r>
+              <a:rPr lang="en-US" sz="1000" dirty="0" smtClean="0">
+                <a:latin typeface="Helvetica Neue" panose="02000503000000020004" pitchFamily="50"/>
+              </a:rPr>
+              <a:t>characteristics of the memory sources incorporated into dreams, especially remote and trivial </a:t>
+            </a:r>
+            <a:r>
+              <a:rPr lang="en-US" sz="1000" dirty="0" smtClean="0">
+                <a:latin typeface="Helvetica Neue" panose="02000503000000020004" pitchFamily="50"/>
+              </a:rPr>
+              <a:t>ones.</a:t>
+            </a:r>
+            <a:endParaRPr lang="en-US" sz="1000" dirty="0" smtClean="0">
+              <a:latin typeface="Helvetica Neue" panose="02000503000000020004" pitchFamily="50"/>
+            </a:endParaRPr>
+          </a:p>
+        </p:txBody>
+      </p:sp>
+      <p:cxnSp>
+        <p:nvCxnSpPr>
+          <p:cNvPr id="16" name="Connecteur droit 15"/>
+          <p:cNvCxnSpPr/>
+          <p:nvPr/>
+        </p:nvCxnSpPr>
+        <p:spPr>
+          <a:xfrm>
+            <a:off x="66054" y="1765530"/>
+            <a:ext cx="5796000" cy="0"/>
+          </a:xfrm>
+          <a:prstGeom prst="line">
+            <a:avLst/>
+          </a:prstGeom>
+          <a:ln w="12700">
+            <a:solidFill>
+              <a:srgbClr val="1D1F21"/>
+            </a:solidFill>
+            <a:prstDash val="sysDot"/>
+          </a:ln>
+        </p:spPr>
+        <p:style>
+          <a:lnRef idx="1">
+            <a:schemeClr val="dk1"/>
+          </a:lnRef>
+          <a:fillRef idx="0">
+            <a:schemeClr val="dk1"/>
+          </a:fillRef>
+          <a:effectRef idx="0">
+            <a:schemeClr val="dk1"/>
+          </a:effectRef>
+          <a:fontRef idx="minor">
+            <a:schemeClr val="tx1"/>
+          </a:fontRef>
+        </p:style>
+      </p:cxnSp>
+      <p:cxnSp>
+        <p:nvCxnSpPr>
+          <p:cNvPr id="24" name="Connecteur droit 23"/>
+          <p:cNvCxnSpPr/>
+          <p:nvPr/>
+        </p:nvCxnSpPr>
+        <p:spPr>
+          <a:xfrm>
+            <a:off x="66054" y="3260240"/>
+            <a:ext cx="5796000" cy="0"/>
+          </a:xfrm>
+          <a:prstGeom prst="line">
+            <a:avLst/>
+          </a:prstGeom>
+          <a:ln w="12700">
+            <a:solidFill>
+              <a:srgbClr val="1D1F21"/>
+            </a:solidFill>
+            <a:prstDash val="sysDot"/>
+          </a:ln>
+        </p:spPr>
+        <p:style>
+          <a:lnRef idx="1">
+            <a:schemeClr val="dk1"/>
+          </a:lnRef>
+          <a:fillRef idx="0">
+            <a:schemeClr val="dk1"/>
+          </a:fillRef>
+          <a:effectRef idx="0">
+            <a:schemeClr val="dk1"/>
+          </a:effectRef>
+          <a:fontRef idx="minor">
+            <a:schemeClr val="tx1"/>
+          </a:fontRef>
+        </p:style>
+      </p:cxnSp>
+      <p:sp>
+        <p:nvSpPr>
+          <p:cNvPr id="14" name="ZoneTexte 13"/>
+          <p:cNvSpPr txBox="1"/>
+          <p:nvPr/>
+        </p:nvSpPr>
+        <p:spPr>
+          <a:xfrm>
+            <a:off x="683641" y="3438969"/>
+            <a:ext cx="5157484" cy="1138773"/>
+          </a:xfrm>
+          <a:prstGeom prst="rect">
+            <a:avLst/>
+          </a:prstGeom>
+          <a:solidFill>
+            <a:srgbClr val="B2CEBF"/>
+          </a:solidFill>
+          <a:effectLst>
+            <a:outerShdw blurRad="25400" dist="25400" dir="2700000" algn="tl" rotWithShape="0">
+              <a:schemeClr val="tx1">
+                <a:lumMod val="50000"/>
+                <a:lumOff val="50000"/>
+                <a:alpha val="60000"/>
+              </a:schemeClr>
+            </a:outerShdw>
+          </a:effectLst>
+        </p:spPr>
+        <p:txBody>
+          <a:bodyPr wrap="square" rtlCol="0">
+            <a:spAutoFit/>
+          </a:bodyPr>
+          <a:lstStyle/>
+          <a:p>
+            <a:pPr>
+              <a:spcAft>
+                <a:spcPts val="600"/>
+              </a:spcAft>
+            </a:pPr>
+            <a:r>
+              <a:rPr lang="en-US" sz="1000" dirty="0">
+                <a:latin typeface="Roboto Light" panose="02000000000000000000" pitchFamily="2" charset="0"/>
+                <a:ea typeface="Roboto Light" panose="02000000000000000000" pitchFamily="2" charset="0"/>
+              </a:rPr>
+              <a:t>Study </a:t>
+            </a:r>
+            <a:r>
+              <a:rPr lang="en-US" sz="1000" dirty="0" smtClean="0">
+                <a:latin typeface="Roboto Light" panose="02000000000000000000" pitchFamily="2" charset="0"/>
+                <a:ea typeface="Roboto Light" panose="02000000000000000000" pitchFamily="2" charset="0"/>
+              </a:rPr>
+              <a:t>5		</a:t>
+            </a:r>
+            <a:r>
+              <a:rPr lang="en-US" sz="1000" dirty="0">
+                <a:solidFill>
+                  <a:schemeClr val="tx1">
+                    <a:lumMod val="75000"/>
+                    <a:lumOff val="25000"/>
+                  </a:schemeClr>
+                </a:solidFill>
+                <a:latin typeface="Roboto Light" panose="02000000000000000000" pitchFamily="2" charset="0"/>
+                <a:ea typeface="Roboto Light" panose="02000000000000000000" pitchFamily="2" charset="0"/>
+              </a:rPr>
+              <a:t> </a:t>
+            </a:r>
+            <a:r>
+              <a:rPr lang="en-US" sz="1000" dirty="0" smtClean="0">
+                <a:solidFill>
+                  <a:schemeClr val="tx1">
+                    <a:lumMod val="75000"/>
+                    <a:lumOff val="25000"/>
+                  </a:schemeClr>
+                </a:solidFill>
+                <a:latin typeface="Roboto Light" panose="02000000000000000000" pitchFamily="2" charset="0"/>
+                <a:ea typeface="Roboto Light" panose="02000000000000000000" pitchFamily="2" charset="0"/>
+              </a:rPr>
+              <a:t>                      </a:t>
+            </a:r>
+            <a:r>
+              <a:rPr lang="en-US" sz="1000" dirty="0" smtClean="0">
+                <a:solidFill>
+                  <a:schemeClr val="tx1">
+                    <a:lumMod val="75000"/>
+                    <a:lumOff val="25000"/>
+                  </a:schemeClr>
+                </a:solidFill>
+                <a:latin typeface="Roboto Light" panose="02000000000000000000" pitchFamily="2" charset="0"/>
+                <a:ea typeface="Roboto Light" panose="02000000000000000000" pitchFamily="2" charset="0"/>
+              </a:rPr>
+              <a:t> 	 	                  </a:t>
+            </a:r>
+            <a:r>
+              <a:rPr lang="en-US" sz="1000" i="1" dirty="0" smtClean="0">
+                <a:solidFill>
+                  <a:schemeClr val="tx1">
+                    <a:lumMod val="75000"/>
+                    <a:lumOff val="25000"/>
+                  </a:schemeClr>
+                </a:solidFill>
+                <a:latin typeface="Roboto Light" panose="02000000000000000000" pitchFamily="2" charset="0"/>
+                <a:ea typeface="Roboto Light" panose="02000000000000000000" pitchFamily="2" charset="0"/>
+              </a:rPr>
+              <a:t>Programming</a:t>
+            </a:r>
+            <a:endParaRPr lang="en-US" sz="1000" i="1" dirty="0" smtClean="0">
+              <a:solidFill>
+                <a:schemeClr val="tx1">
+                  <a:lumMod val="75000"/>
+                  <a:lumOff val="25000"/>
+                </a:schemeClr>
+              </a:solidFill>
+              <a:latin typeface="Roboto Light" panose="02000000000000000000" pitchFamily="2" charset="0"/>
+              <a:ea typeface="Roboto Light" panose="02000000000000000000" pitchFamily="2" charset="0"/>
+            </a:endParaRPr>
+          </a:p>
+          <a:p>
+            <a:pPr>
+              <a:spcAft>
+                <a:spcPts val="300"/>
+              </a:spcAft>
+            </a:pPr>
+            <a:r>
+              <a:rPr lang="en-US" sz="1050" b="1" dirty="0" smtClean="0">
+                <a:latin typeface="Helvetica Neue" panose="02000503000000020004" pitchFamily="50"/>
+              </a:rPr>
+              <a:t>An open-source software for sleep data</a:t>
+            </a:r>
+            <a:endParaRPr lang="en-US" sz="1050" b="1" dirty="0">
+              <a:latin typeface="Helvetica Neue" panose="02000503000000020004" pitchFamily="50"/>
+            </a:endParaRPr>
+          </a:p>
+          <a:p>
+            <a:pPr algn="just"/>
+            <a:r>
+              <a:rPr lang="en-US" sz="1000" dirty="0" smtClean="0">
+                <a:latin typeface="Helvetica Neue" panose="02000503000000020004" pitchFamily="50"/>
+              </a:rPr>
+              <a:t>There is a lack of free and </a:t>
+            </a:r>
+            <a:r>
+              <a:rPr lang="en-US" sz="1000" dirty="0">
+                <a:latin typeface="Helvetica Neue" panose="02000503000000020004" pitchFamily="50"/>
+              </a:rPr>
+              <a:t>easy-to-use </a:t>
+            </a:r>
+            <a:r>
+              <a:rPr lang="en-US" sz="1000" dirty="0" smtClean="0">
+                <a:latin typeface="Helvetica Neue" panose="02000503000000020004" pitchFamily="50"/>
+              </a:rPr>
+              <a:t>graphical user interface dedicated to sleep data visualization, scoring and analysis. To fill this gap, we developed an </a:t>
+            </a:r>
+            <a:r>
+              <a:rPr lang="en-US" sz="1000" dirty="0" smtClean="0">
+                <a:latin typeface="Helvetica Neue" panose="02000503000000020004" pitchFamily="50"/>
+              </a:rPr>
+              <a:t>open-source </a:t>
+            </a:r>
+            <a:r>
+              <a:rPr lang="en-US" sz="1000" dirty="0" smtClean="0">
+                <a:latin typeface="Helvetica Neue" panose="02000503000000020004" pitchFamily="50"/>
+              </a:rPr>
+              <a:t>Python </a:t>
+            </a:r>
+            <a:r>
+              <a:rPr lang="en-US" sz="1000" dirty="0" smtClean="0">
+                <a:latin typeface="Helvetica Neue" panose="02000503000000020004" pitchFamily="50"/>
+              </a:rPr>
+              <a:t>software capable of handling efficiently large datasets from several file formats, and integrating automatic detection of several sleep microstructural features.</a:t>
+            </a:r>
+            <a:endParaRPr lang="en-US" sz="1000" dirty="0">
+              <a:latin typeface="Helvetica Neue" panose="02000503000000020004" pitchFamily="50"/>
+            </a:endParaRPr>
+          </a:p>
+        </p:txBody>
+      </p:sp>
+    </p:spTree>
+    <p:extLst>
+      <p:ext uri="{BB962C8B-B14F-4D97-AF65-F5344CB8AC3E}">
+        <p14:creationId xmlns:p14="http://schemas.microsoft.com/office/powerpoint/2010/main" val="3792130701"/>
+      </p:ext>
+    </p:extLst>
+  </p:cSld>
+  <p:clrMapOvr>
+    <a:masterClrMapping/>
+  </p:clrMapOvr>
+  <p:timing>
+    <p:tnLst>
+      <p:par>
+        <p:cTn id="1" dur="indefinite" restart="never" nodeType="tmRoot"/>
+      </p:par>
+    </p:tnLst>
+  </p:timing>
+</p:sld>
+</file>
+
+<file path=ppt/slides/slide2.xml><?xml version="1.0" encoding="utf-8"?>
+<p:sld xmlns:a="http://schemas.openxmlformats.org/drawingml/2006/main" xmlns:r="http://schemas.openxmlformats.org/officeDocument/2006/relationships" xmlns:p="http://schemas.openxmlformats.org/presentationml/2006/main">
+  <p:cSld>
+    <p:spTree>
+      <p:nvGrpSpPr>
+        <p:cNvPr id="1" name=""/>
+        <p:cNvGrpSpPr/>
+        <p:nvPr/>
+      </p:nvGrpSpPr>
+      <p:grpSpPr>
+        <a:xfrm>
+          <a:off x="0" y="0"/>
+          <a:ext cx="0" cy="0"/>
+          <a:chOff x="0" y="0"/>
+          <a:chExt cx="0" cy="0"/>
+        </a:xfrm>
+      </p:grpSpPr>
+      <p:sp>
+        <p:nvSpPr>
+          <p:cNvPr id="3" name="Rectangle à coins arrondis 2"/>
+          <p:cNvSpPr/>
+          <p:nvPr/>
+        </p:nvSpPr>
+        <p:spPr>
+          <a:xfrm>
+            <a:off x="66054" y="359348"/>
+            <a:ext cx="532801" cy="4311161"/>
+          </a:xfrm>
+          <a:prstGeom prst="roundRect">
+            <a:avLst>
+              <a:gd name="adj" fmla="val 10645"/>
+            </a:avLst>
           </a:prstGeom>
           <a:gradFill flip="none" rotWithShape="1">
             <a:gsLst>
@@ -3246,6 +4233,1919 @@
               <a:latin typeface="Helvetica Neue" panose="02000503000000020004" pitchFamily="50"/>
               <a:ea typeface="Roboto" pitchFamily="2" charset="0"/>
               <a:cs typeface="Times New Roman" panose="02020603050405020304" pitchFamily="18" charset="0"/>
+            </a:endParaRPr>
+          </a:p>
+        </p:txBody>
+      </p:sp>
+      <p:sp>
+        <p:nvSpPr>
+          <p:cNvPr id="34" name="ZoneTexte 33"/>
+          <p:cNvSpPr txBox="1"/>
+          <p:nvPr/>
+        </p:nvSpPr>
+        <p:spPr>
+          <a:xfrm>
+            <a:off x="683641" y="3438969"/>
+            <a:ext cx="3488384" cy="1138773"/>
+          </a:xfrm>
+          <a:prstGeom prst="rect">
+            <a:avLst/>
+          </a:prstGeom>
+          <a:solidFill>
+            <a:srgbClr val="A2D2C8"/>
+          </a:solidFill>
+          <a:effectLst>
+            <a:outerShdw blurRad="50800" dist="25400" dir="2700000" algn="tl" rotWithShape="0">
+              <a:schemeClr val="tx1">
+                <a:lumMod val="50000"/>
+                <a:lumOff val="50000"/>
+                <a:alpha val="20000"/>
+              </a:schemeClr>
+            </a:outerShdw>
+          </a:effectLst>
+        </p:spPr>
+        <p:txBody>
+          <a:bodyPr wrap="square" rtlCol="0">
+            <a:spAutoFit/>
+          </a:bodyPr>
+          <a:lstStyle/>
+          <a:p>
+            <a:pPr>
+              <a:spcAft>
+                <a:spcPts val="600"/>
+              </a:spcAft>
+            </a:pPr>
+            <a:r>
+              <a:rPr lang="en-US" sz="1000" dirty="0">
+                <a:latin typeface="Roboto Light" panose="02000000000000000000" pitchFamily="2" charset="0"/>
+                <a:ea typeface="Roboto Light" panose="02000000000000000000" pitchFamily="2" charset="0"/>
+              </a:rPr>
+              <a:t>Study </a:t>
+            </a:r>
+            <a:r>
+              <a:rPr lang="en-US" sz="1000" dirty="0" smtClean="0">
+                <a:latin typeface="Roboto Light" panose="02000000000000000000" pitchFamily="2" charset="0"/>
+                <a:ea typeface="Roboto Light" panose="02000000000000000000" pitchFamily="2" charset="0"/>
+              </a:rPr>
+              <a:t>5		</a:t>
+            </a:r>
+            <a:r>
+              <a:rPr lang="en-US" sz="1000" dirty="0">
+                <a:solidFill>
+                  <a:schemeClr val="tx1">
+                    <a:lumMod val="75000"/>
+                    <a:lumOff val="25000"/>
+                  </a:schemeClr>
+                </a:solidFill>
+                <a:latin typeface="Roboto Light" panose="02000000000000000000" pitchFamily="2" charset="0"/>
+                <a:ea typeface="Roboto Light" panose="02000000000000000000" pitchFamily="2" charset="0"/>
+              </a:rPr>
+              <a:t> </a:t>
+            </a:r>
+            <a:r>
+              <a:rPr lang="en-US" sz="1000" dirty="0" smtClean="0">
+                <a:solidFill>
+                  <a:schemeClr val="tx1">
+                    <a:lumMod val="75000"/>
+                    <a:lumOff val="25000"/>
+                  </a:schemeClr>
+                </a:solidFill>
+                <a:latin typeface="Roboto Light" panose="02000000000000000000" pitchFamily="2" charset="0"/>
+                <a:ea typeface="Roboto Light" panose="02000000000000000000" pitchFamily="2" charset="0"/>
+              </a:rPr>
+              <a:t>                      </a:t>
+            </a:r>
+            <a:r>
+              <a:rPr lang="en-US" sz="1000" i="1" dirty="0" smtClean="0">
+                <a:solidFill>
+                  <a:schemeClr val="tx1">
+                    <a:lumMod val="75000"/>
+                    <a:lumOff val="25000"/>
+                  </a:schemeClr>
+                </a:solidFill>
+                <a:latin typeface="Roboto Light" panose="02000000000000000000" pitchFamily="2" charset="0"/>
+                <a:ea typeface="Roboto Light" panose="02000000000000000000" pitchFamily="2" charset="0"/>
+              </a:rPr>
+              <a:t>Programming</a:t>
+            </a:r>
+          </a:p>
+          <a:p>
+            <a:pPr>
+              <a:spcAft>
+                <a:spcPts val="300"/>
+              </a:spcAft>
+            </a:pPr>
+            <a:r>
+              <a:rPr lang="en-US" sz="1050" b="1" dirty="0" smtClean="0">
+                <a:latin typeface="Helvetica Neue" panose="02000503000000020004" pitchFamily="50"/>
+              </a:rPr>
+              <a:t>An open-source software for sleep data</a:t>
+            </a:r>
+            <a:endParaRPr lang="en-US" sz="1050" b="1" dirty="0">
+              <a:latin typeface="Helvetica Neue" panose="02000503000000020004" pitchFamily="50"/>
+            </a:endParaRPr>
+          </a:p>
+          <a:p>
+            <a:pPr algn="just"/>
+            <a:r>
+              <a:rPr lang="en-US" sz="1000" dirty="0" smtClean="0">
+                <a:latin typeface="Helvetica Neue" panose="02000503000000020004" pitchFamily="50"/>
+              </a:rPr>
+              <a:t>Development of an open-source Python software for visualizing, scoring and analyzing polysomnographic sleep data.</a:t>
+            </a:r>
+          </a:p>
+          <a:p>
+            <a:pPr algn="just"/>
+            <a:endParaRPr lang="en-US" sz="1000" dirty="0">
+              <a:latin typeface="Helvetica Neue" panose="02000503000000020004" pitchFamily="50"/>
+            </a:endParaRPr>
+          </a:p>
+        </p:txBody>
+      </p:sp>
+      <p:grpSp>
+        <p:nvGrpSpPr>
+          <p:cNvPr id="2" name="Groupe 1"/>
+          <p:cNvGrpSpPr/>
+          <p:nvPr/>
+        </p:nvGrpSpPr>
+        <p:grpSpPr>
+          <a:xfrm>
+            <a:off x="683640" y="459808"/>
+            <a:ext cx="5274970" cy="1138774"/>
+            <a:chOff x="683641" y="531253"/>
+            <a:chExt cx="5274970" cy="1138774"/>
+          </a:xfrm>
+          <a:solidFill>
+            <a:srgbClr val="F9FBFD"/>
+          </a:solidFill>
+          <a:effectLst>
+            <a:outerShdw blurRad="50800" dist="25400" dir="2700000" algn="tl" rotWithShape="0">
+              <a:schemeClr val="tx1">
+                <a:lumMod val="50000"/>
+                <a:lumOff val="50000"/>
+                <a:alpha val="20000"/>
+              </a:schemeClr>
+            </a:outerShdw>
+          </a:effectLst>
+        </p:grpSpPr>
+        <p:sp>
+          <p:nvSpPr>
+            <p:cNvPr id="19" name="ZoneTexte 18"/>
+            <p:cNvSpPr txBox="1"/>
+            <p:nvPr/>
+          </p:nvSpPr>
+          <p:spPr>
+            <a:xfrm>
+              <a:off x="683641" y="531254"/>
+              <a:ext cx="1701800" cy="1138773"/>
+            </a:xfrm>
+            <a:prstGeom prst="rect">
+              <a:avLst/>
+            </a:prstGeom>
+            <a:solidFill>
+              <a:srgbClr val="E7F7FD"/>
+            </a:solidFill>
+            <a:effectLst>
+              <a:outerShdw blurRad="50800" dist="38100" dir="2700000" sx="82000" sy="82000" algn="tl" rotWithShape="0">
+                <a:prstClr val="black">
+                  <a:alpha val="40000"/>
+                </a:prstClr>
+              </a:outerShdw>
+            </a:effectLst>
+          </p:spPr>
+          <p:txBody>
+            <a:bodyPr wrap="square" rtlCol="0">
+              <a:spAutoFit/>
+            </a:bodyPr>
+            <a:lstStyle/>
+            <a:p>
+              <a:pPr>
+                <a:spcAft>
+                  <a:spcPts val="600"/>
+                </a:spcAft>
+              </a:pPr>
+              <a:r>
+                <a:rPr lang="en-US" sz="1000" dirty="0">
+                  <a:latin typeface="Roboto Light" panose="02000000000000000000" pitchFamily="2" charset="0"/>
+                  <a:ea typeface="Roboto Light" panose="02000000000000000000" pitchFamily="2" charset="0"/>
+                </a:rPr>
+                <a:t>Study </a:t>
+              </a:r>
+              <a:r>
+                <a:rPr lang="en-US" sz="1000" dirty="0" smtClean="0">
+                  <a:latin typeface="Roboto Light" panose="02000000000000000000" pitchFamily="2" charset="0"/>
+                  <a:ea typeface="Roboto Light" panose="02000000000000000000" pitchFamily="2" charset="0"/>
+                </a:rPr>
+                <a:t>1 	            </a:t>
+              </a:r>
+              <a:r>
+                <a:rPr lang="en-US" sz="1000" i="1" dirty="0" smtClean="0">
+                  <a:solidFill>
+                    <a:schemeClr val="tx1">
+                      <a:lumMod val="75000"/>
+                      <a:lumOff val="25000"/>
+                    </a:schemeClr>
+                  </a:solidFill>
+                  <a:latin typeface="Roboto Light" panose="02000000000000000000" pitchFamily="2" charset="0"/>
+                  <a:ea typeface="Roboto Light" panose="02000000000000000000" pitchFamily="2" charset="0"/>
+                </a:rPr>
+                <a:t>EEG</a:t>
+              </a:r>
+              <a:endParaRPr lang="en-US" sz="1000" dirty="0" smtClean="0">
+                <a:solidFill>
+                  <a:schemeClr val="tx1">
+                    <a:lumMod val="75000"/>
+                    <a:lumOff val="25000"/>
+                  </a:schemeClr>
+                </a:solidFill>
+                <a:latin typeface="Roboto Light" panose="02000000000000000000" pitchFamily="2" charset="0"/>
+                <a:ea typeface="Roboto Light" panose="02000000000000000000" pitchFamily="2" charset="0"/>
+              </a:endParaRPr>
+            </a:p>
+            <a:p>
+              <a:pPr>
+                <a:spcAft>
+                  <a:spcPts val="300"/>
+                </a:spcAft>
+              </a:pPr>
+              <a:r>
+                <a:rPr lang="en-US" sz="1050" b="1" dirty="0" smtClean="0">
+                  <a:latin typeface="Helvetica Neue" panose="02000503000000020004" pitchFamily="50"/>
+                </a:rPr>
+                <a:t>DRF and arousals</a:t>
+              </a:r>
+              <a:endParaRPr lang="en-US" sz="1050" b="1" dirty="0">
+                <a:latin typeface="Helvetica Neue" panose="02000503000000020004" pitchFamily="50"/>
+              </a:endParaRPr>
+            </a:p>
+            <a:p>
+              <a:pPr algn="just"/>
+              <a:r>
+                <a:rPr lang="en-US" sz="1000" dirty="0">
+                  <a:latin typeface="Helvetica Neue" panose="02000503000000020004" pitchFamily="50"/>
+                </a:rPr>
+                <a:t>Are there </a:t>
+              </a:r>
+              <a:r>
+                <a:rPr lang="en-US" sz="1000" dirty="0" smtClean="0">
+                  <a:latin typeface="Helvetica Neue" panose="02000503000000020004" pitchFamily="50"/>
+                </a:rPr>
+                <a:t>differences in arousals between high and low dream recallers?</a:t>
+              </a:r>
+            </a:p>
+            <a:p>
+              <a:pPr algn="just"/>
+              <a:endParaRPr lang="en-US" sz="1000" dirty="0" smtClean="0">
+                <a:latin typeface="Helvetica Neue" panose="02000503000000020004" pitchFamily="50"/>
+              </a:endParaRPr>
+            </a:p>
+          </p:txBody>
+        </p:sp>
+        <p:sp>
+          <p:nvSpPr>
+            <p:cNvPr id="27" name="ZoneTexte 26"/>
+            <p:cNvSpPr txBox="1"/>
+            <p:nvPr/>
+          </p:nvSpPr>
+          <p:spPr>
+            <a:xfrm>
+              <a:off x="2470226" y="531253"/>
+              <a:ext cx="1701800" cy="1138773"/>
+            </a:xfrm>
+            <a:prstGeom prst="rect">
+              <a:avLst/>
+            </a:prstGeom>
+            <a:solidFill>
+              <a:srgbClr val="C7ECF9"/>
+            </a:solidFill>
+            <a:effectLst>
+              <a:outerShdw blurRad="50800" dist="38100" dir="2700000" sx="82000" sy="82000" algn="tl" rotWithShape="0">
+                <a:prstClr val="black">
+                  <a:alpha val="40000"/>
+                </a:prstClr>
+              </a:outerShdw>
+            </a:effectLst>
+          </p:spPr>
+          <p:txBody>
+            <a:bodyPr wrap="square" rtlCol="0">
+              <a:spAutoFit/>
+            </a:bodyPr>
+            <a:lstStyle/>
+            <a:p>
+              <a:pPr>
+                <a:spcAft>
+                  <a:spcPts val="600"/>
+                </a:spcAft>
+              </a:pPr>
+              <a:r>
+                <a:rPr lang="en-US" sz="1000" dirty="0">
+                  <a:latin typeface="Roboto Light" panose="02000000000000000000" pitchFamily="2" charset="0"/>
+                  <a:ea typeface="Roboto Light" panose="02000000000000000000" pitchFamily="2" charset="0"/>
+                </a:rPr>
+                <a:t>Study </a:t>
+              </a:r>
+              <a:r>
+                <a:rPr lang="en-US" sz="1000" dirty="0" smtClean="0">
+                  <a:latin typeface="Roboto Light" panose="02000000000000000000" pitchFamily="2" charset="0"/>
+                  <a:ea typeface="Roboto Light" panose="02000000000000000000" pitchFamily="2" charset="0"/>
+                </a:rPr>
+                <a:t>2	  </a:t>
+              </a:r>
+              <a:r>
+                <a:rPr lang="en-US" sz="1000" i="1" dirty="0" smtClean="0">
+                  <a:solidFill>
+                    <a:schemeClr val="tx1">
+                      <a:lumMod val="75000"/>
+                      <a:lumOff val="25000"/>
+                    </a:schemeClr>
+                  </a:solidFill>
+                  <a:latin typeface="Roboto Light" panose="02000000000000000000" pitchFamily="2" charset="0"/>
+                  <a:ea typeface="Roboto Light" panose="02000000000000000000" pitchFamily="2" charset="0"/>
+                </a:rPr>
+                <a:t>EEG-fMRI</a:t>
+              </a:r>
+            </a:p>
+            <a:p>
+              <a:pPr>
+                <a:spcAft>
+                  <a:spcPts val="300"/>
+                </a:spcAft>
+              </a:pPr>
+              <a:r>
+                <a:rPr lang="en-US" sz="1050" b="1" dirty="0" smtClean="0">
+                  <a:latin typeface="Helvetica Neue" panose="02000503000000020004" pitchFamily="50"/>
+                </a:rPr>
+                <a:t>DRF and sleep inertia</a:t>
+              </a:r>
+              <a:endParaRPr lang="en-US" sz="1050" b="1" dirty="0">
+                <a:latin typeface="Helvetica Neue" panose="02000503000000020004" pitchFamily="50"/>
+              </a:endParaRPr>
+            </a:p>
+            <a:p>
+              <a:pPr algn="just"/>
+              <a:r>
+                <a:rPr lang="en-US" sz="1000" dirty="0">
+                  <a:latin typeface="Helvetica Neue" panose="02000503000000020004" pitchFamily="50"/>
+                </a:rPr>
+                <a:t>Are there differences in sleep </a:t>
+              </a:r>
+              <a:r>
+                <a:rPr lang="en-US" sz="1000" dirty="0" smtClean="0">
+                  <a:latin typeface="Helvetica Neue" panose="02000503000000020004" pitchFamily="50"/>
+                </a:rPr>
+                <a:t>inertia between high and low dream recallers?</a:t>
+              </a:r>
+            </a:p>
+            <a:p>
+              <a:endParaRPr lang="en-US" sz="1000" dirty="0">
+                <a:latin typeface="Helvetica Neue" panose="02000503000000020004" pitchFamily="50"/>
+              </a:endParaRPr>
+            </a:p>
+          </p:txBody>
+        </p:sp>
+        <p:sp>
+          <p:nvSpPr>
+            <p:cNvPr id="36" name="ZoneTexte 35"/>
+            <p:cNvSpPr txBox="1"/>
+            <p:nvPr/>
+          </p:nvSpPr>
+          <p:spPr>
+            <a:xfrm>
+              <a:off x="4256811" y="531253"/>
+              <a:ext cx="1701800" cy="1138773"/>
+            </a:xfrm>
+            <a:prstGeom prst="rect">
+              <a:avLst/>
+            </a:prstGeom>
+            <a:solidFill>
+              <a:srgbClr val="9DDEF5"/>
+            </a:solidFill>
+            <a:effectLst>
+              <a:outerShdw blurRad="50800" dist="38100" dir="2700000" sx="82000" sy="82000" algn="tl" rotWithShape="0">
+                <a:prstClr val="black">
+                  <a:alpha val="40000"/>
+                </a:prstClr>
+              </a:outerShdw>
+            </a:effectLst>
+          </p:spPr>
+          <p:txBody>
+            <a:bodyPr wrap="square" rtlCol="0">
+              <a:spAutoFit/>
+            </a:bodyPr>
+            <a:lstStyle/>
+            <a:p>
+              <a:pPr>
+                <a:spcAft>
+                  <a:spcPts val="600"/>
+                </a:spcAft>
+              </a:pPr>
+              <a:r>
+                <a:rPr lang="en-US" sz="1000" dirty="0">
+                  <a:latin typeface="Roboto Light" panose="02000000000000000000" pitchFamily="2" charset="0"/>
+                  <a:ea typeface="Roboto Light" panose="02000000000000000000" pitchFamily="2" charset="0"/>
+                </a:rPr>
+                <a:t>Study </a:t>
+              </a:r>
+              <a:r>
+                <a:rPr lang="en-US" sz="1000" dirty="0" smtClean="0">
+                  <a:latin typeface="Roboto Light" panose="02000000000000000000" pitchFamily="2" charset="0"/>
+                  <a:ea typeface="Roboto Light" panose="02000000000000000000" pitchFamily="2" charset="0"/>
+                </a:rPr>
+                <a:t>3 	       </a:t>
+              </a:r>
+              <a:r>
+                <a:rPr lang="en-US" sz="1000" i="1" dirty="0" smtClean="0">
+                  <a:solidFill>
+                    <a:schemeClr val="tx1">
+                      <a:lumMod val="75000"/>
+                      <a:lumOff val="25000"/>
+                    </a:schemeClr>
+                  </a:solidFill>
+                  <a:latin typeface="Roboto Light" panose="02000000000000000000" pitchFamily="2" charset="0"/>
+                  <a:ea typeface="Roboto Light" panose="02000000000000000000" pitchFamily="2" charset="0"/>
+                </a:rPr>
+                <a:t>Survey</a:t>
+              </a:r>
+            </a:p>
+            <a:p>
+              <a:pPr>
+                <a:spcAft>
+                  <a:spcPts val="300"/>
+                </a:spcAft>
+              </a:pPr>
+              <a:r>
+                <a:rPr lang="en-US" sz="1050" b="1" dirty="0" smtClean="0">
+                  <a:latin typeface="Helvetica Neue" panose="02000503000000020004" pitchFamily="50"/>
+                </a:rPr>
+                <a:t>Sleep and dream habits</a:t>
+              </a:r>
+            </a:p>
+            <a:p>
+              <a:pPr algn="just">
+                <a:spcAft>
+                  <a:spcPts val="300"/>
+                </a:spcAft>
+              </a:pPr>
+              <a:r>
+                <a:rPr lang="en-US" sz="1000" dirty="0" smtClean="0">
+                  <a:latin typeface="Helvetica Neue" panose="02000503000000020004" pitchFamily="50"/>
+                </a:rPr>
+                <a:t>Survey of the sleep and dream habits of a large sample of French college students.</a:t>
+              </a:r>
+              <a:endParaRPr lang="en-US" sz="1000" dirty="0">
+                <a:latin typeface="Helvetica Neue" panose="02000503000000020004" pitchFamily="50"/>
+              </a:endParaRPr>
+            </a:p>
+          </p:txBody>
+        </p:sp>
+      </p:grpSp>
+      <p:sp>
+        <p:nvSpPr>
+          <p:cNvPr id="37" name="ZoneTexte 36"/>
+          <p:cNvSpPr txBox="1"/>
+          <p:nvPr/>
+        </p:nvSpPr>
+        <p:spPr>
+          <a:xfrm>
+            <a:off x="683640" y="1943752"/>
+            <a:ext cx="3488385" cy="1138773"/>
+          </a:xfrm>
+          <a:prstGeom prst="rect">
+            <a:avLst/>
+          </a:prstGeom>
+          <a:solidFill>
+            <a:srgbClr val="FFDCCD"/>
+          </a:solidFill>
+          <a:effectLst>
+            <a:outerShdw blurRad="50800" dist="25400" dir="2700000" algn="tl" rotWithShape="0">
+              <a:schemeClr val="tx1">
+                <a:lumMod val="50000"/>
+                <a:lumOff val="50000"/>
+                <a:alpha val="20000"/>
+              </a:schemeClr>
+            </a:outerShdw>
+          </a:effectLst>
+        </p:spPr>
+        <p:txBody>
+          <a:bodyPr wrap="square" rtlCol="0">
+            <a:spAutoFit/>
+          </a:bodyPr>
+          <a:lstStyle/>
+          <a:p>
+            <a:pPr>
+              <a:spcAft>
+                <a:spcPts val="600"/>
+              </a:spcAft>
+            </a:pPr>
+            <a:r>
+              <a:rPr lang="en-US" sz="1000" dirty="0">
+                <a:latin typeface="Roboto Light" panose="02000000000000000000" pitchFamily="2" charset="0"/>
+                <a:ea typeface="Roboto Light" panose="02000000000000000000" pitchFamily="2" charset="0"/>
+              </a:rPr>
+              <a:t>Study </a:t>
+            </a:r>
+            <a:r>
+              <a:rPr lang="en-US" sz="1000" dirty="0" smtClean="0">
+                <a:latin typeface="Roboto Light" panose="02000000000000000000" pitchFamily="2" charset="0"/>
+                <a:ea typeface="Roboto Light" panose="02000000000000000000" pitchFamily="2" charset="0"/>
+              </a:rPr>
+              <a:t>4			</a:t>
+            </a:r>
+            <a:r>
+              <a:rPr lang="en-US" sz="1000" dirty="0" smtClean="0">
+                <a:solidFill>
+                  <a:schemeClr val="tx1">
+                    <a:lumMod val="75000"/>
+                    <a:lumOff val="25000"/>
+                  </a:schemeClr>
+                </a:solidFill>
+                <a:latin typeface="Roboto Light" panose="02000000000000000000" pitchFamily="2" charset="0"/>
+                <a:ea typeface="Roboto Light" panose="02000000000000000000" pitchFamily="2" charset="0"/>
+              </a:rPr>
+              <a:t>  </a:t>
+            </a:r>
+            <a:r>
+              <a:rPr lang="en-US" sz="1000" i="1" dirty="0" smtClean="0">
+                <a:solidFill>
+                  <a:schemeClr val="tx1">
+                    <a:lumMod val="75000"/>
+                    <a:lumOff val="25000"/>
+                  </a:schemeClr>
+                </a:solidFill>
+                <a:latin typeface="Roboto Light" panose="02000000000000000000" pitchFamily="2" charset="0"/>
+                <a:ea typeface="Roboto Light" panose="02000000000000000000" pitchFamily="2" charset="0"/>
+              </a:rPr>
+              <a:t>Behavior </a:t>
+            </a:r>
+            <a:r>
+              <a:rPr lang="en-US" sz="1000" dirty="0" smtClean="0">
+                <a:solidFill>
+                  <a:schemeClr val="tx1">
+                    <a:lumMod val="75000"/>
+                    <a:lumOff val="25000"/>
+                  </a:schemeClr>
+                </a:solidFill>
+                <a:latin typeface="Roboto Light" panose="02000000000000000000" pitchFamily="2" charset="0"/>
+                <a:ea typeface="Roboto Light" panose="02000000000000000000" pitchFamily="2" charset="0"/>
+              </a:rPr>
+              <a:t> </a:t>
+            </a:r>
+          </a:p>
+          <a:p>
+            <a:pPr>
+              <a:spcAft>
+                <a:spcPts val="300"/>
+              </a:spcAft>
+            </a:pPr>
+            <a:r>
+              <a:rPr lang="en-US" sz="1050" b="1" dirty="0" smtClean="0">
+                <a:latin typeface="Helvetica Neue" panose="02000503000000020004" pitchFamily="50"/>
+              </a:rPr>
+              <a:t>The memory sources of dreams</a:t>
+            </a:r>
+            <a:endParaRPr lang="en-US" sz="1050" b="1" dirty="0">
+              <a:latin typeface="Helvetica Neue" panose="02000503000000020004" pitchFamily="50"/>
+            </a:endParaRPr>
+          </a:p>
+          <a:p>
+            <a:r>
+              <a:rPr lang="en-US" sz="1000" dirty="0" smtClean="0">
+                <a:latin typeface="Helvetica Neue" panose="02000503000000020004" pitchFamily="50"/>
+              </a:rPr>
+              <a:t>Investigation of the characteristics of the memory sources incorporated into dreams, especially remote and trivial memories.</a:t>
+            </a:r>
+          </a:p>
+          <a:p>
+            <a:endParaRPr lang="en-US" sz="1000" dirty="0" smtClean="0">
+              <a:latin typeface="Helvetica Neue" panose="02000503000000020004" pitchFamily="50"/>
+            </a:endParaRPr>
+          </a:p>
+        </p:txBody>
+      </p:sp>
+      <p:cxnSp>
+        <p:nvCxnSpPr>
+          <p:cNvPr id="16" name="Connecteur droit 15"/>
+          <p:cNvCxnSpPr/>
+          <p:nvPr/>
+        </p:nvCxnSpPr>
+        <p:spPr>
+          <a:xfrm>
+            <a:off x="66054" y="1765530"/>
+            <a:ext cx="5940000" cy="0"/>
+          </a:xfrm>
+          <a:prstGeom prst="line">
+            <a:avLst/>
+          </a:prstGeom>
+          <a:ln w="12700">
+            <a:solidFill>
+              <a:srgbClr val="1D1F21"/>
+            </a:solidFill>
+            <a:prstDash val="sysDot"/>
+          </a:ln>
+        </p:spPr>
+        <p:style>
+          <a:lnRef idx="1">
+            <a:schemeClr val="dk1"/>
+          </a:lnRef>
+          <a:fillRef idx="0">
+            <a:schemeClr val="dk1"/>
+          </a:fillRef>
+          <a:effectRef idx="0">
+            <a:schemeClr val="dk1"/>
+          </a:effectRef>
+          <a:fontRef idx="minor">
+            <a:schemeClr val="tx1"/>
+          </a:fontRef>
+        </p:style>
+      </p:cxnSp>
+      <p:cxnSp>
+        <p:nvCxnSpPr>
+          <p:cNvPr id="24" name="Connecteur droit 23"/>
+          <p:cNvCxnSpPr/>
+          <p:nvPr/>
+        </p:nvCxnSpPr>
+        <p:spPr>
+          <a:xfrm>
+            <a:off x="66054" y="3260240"/>
+            <a:ext cx="5940000" cy="0"/>
+          </a:xfrm>
+          <a:prstGeom prst="line">
+            <a:avLst/>
+          </a:prstGeom>
+          <a:ln w="12700">
+            <a:solidFill>
+              <a:srgbClr val="1D1F21"/>
+            </a:solidFill>
+            <a:prstDash val="sysDot"/>
+          </a:ln>
+        </p:spPr>
+        <p:style>
+          <a:lnRef idx="1">
+            <a:schemeClr val="dk1"/>
+          </a:lnRef>
+          <a:fillRef idx="0">
+            <a:schemeClr val="dk1"/>
+          </a:fillRef>
+          <a:effectRef idx="0">
+            <a:schemeClr val="dk1"/>
+          </a:effectRef>
+          <a:fontRef idx="minor">
+            <a:schemeClr val="tx1"/>
+          </a:fontRef>
+        </p:style>
+      </p:cxnSp>
+    </p:spTree>
+    <p:extLst>
+      <p:ext uri="{BB962C8B-B14F-4D97-AF65-F5344CB8AC3E}">
+        <p14:creationId xmlns:p14="http://schemas.microsoft.com/office/powerpoint/2010/main" val="4203217391"/>
+      </p:ext>
+    </p:extLst>
+  </p:cSld>
+  <p:clrMapOvr>
+    <a:masterClrMapping/>
+  </p:clrMapOvr>
+  <p:timing>
+    <p:tnLst>
+      <p:par>
+        <p:cTn id="1" dur="indefinite" restart="never" nodeType="tmRoot"/>
+      </p:par>
+    </p:tnLst>
+  </p:timing>
+</p:sld>
+</file>
+
+<file path=ppt/slides/slide3.xml><?xml version="1.0" encoding="utf-8"?>
+<p:sld xmlns:a="http://schemas.openxmlformats.org/drawingml/2006/main" xmlns:r="http://schemas.openxmlformats.org/officeDocument/2006/relationships" xmlns:p="http://schemas.openxmlformats.org/presentationml/2006/main">
+  <p:cSld>
+    <p:spTree>
+      <p:nvGrpSpPr>
+        <p:cNvPr id="1" name=""/>
+        <p:cNvGrpSpPr/>
+        <p:nvPr/>
+      </p:nvGrpSpPr>
+      <p:grpSpPr>
+        <a:xfrm>
+          <a:off x="0" y="0"/>
+          <a:ext cx="0" cy="0"/>
+          <a:chOff x="0" y="0"/>
+          <a:chExt cx="0" cy="0"/>
+        </a:xfrm>
+      </p:grpSpPr>
+      <p:sp>
+        <p:nvSpPr>
+          <p:cNvPr id="3" name="Rectangle à coins arrondis 2"/>
+          <p:cNvSpPr/>
+          <p:nvPr/>
+        </p:nvSpPr>
+        <p:spPr>
+          <a:xfrm>
+            <a:off x="66054" y="359348"/>
+            <a:ext cx="532801" cy="4311161"/>
+          </a:xfrm>
+          <a:prstGeom prst="roundRect">
+            <a:avLst>
+              <a:gd name="adj" fmla="val 10645"/>
+            </a:avLst>
+          </a:prstGeom>
+          <a:gradFill flip="none" rotWithShape="1">
+            <a:gsLst>
+              <a:gs pos="11000">
+                <a:srgbClr val="061229"/>
+              </a:gs>
+              <a:gs pos="44000">
+                <a:srgbClr val="717885"/>
+              </a:gs>
+              <a:gs pos="73000">
+                <a:srgbClr val="DBDDE0"/>
+              </a:gs>
+            </a:gsLst>
+            <a:lin ang="16200000" scaled="1"/>
+            <a:tileRect/>
+          </a:gradFill>
+          <a:ln>
+            <a:noFill/>
+          </a:ln>
+          <a:effectLst>
+            <a:outerShdw blurRad="25400" dist="25400" dir="2700000" algn="tl" rotWithShape="0">
+              <a:schemeClr val="tx1">
+                <a:lumMod val="50000"/>
+                <a:lumOff val="50000"/>
+                <a:alpha val="70000"/>
+              </a:schemeClr>
+            </a:outerShdw>
+          </a:effectLst>
+        </p:spPr>
+        <p:style>
+          <a:lnRef idx="2">
+            <a:schemeClr val="accent1">
+              <a:shade val="50000"/>
+            </a:schemeClr>
+          </a:lnRef>
+          <a:fillRef idx="1">
+            <a:schemeClr val="accent1"/>
+          </a:fillRef>
+          <a:effectRef idx="0">
+            <a:schemeClr val="accent1"/>
+          </a:effectRef>
+          <a:fontRef idx="minor">
+            <a:schemeClr val="lt1"/>
+          </a:fontRef>
+        </p:style>
+        <p:txBody>
+          <a:bodyPr rtlCol="0" anchor="ctr"/>
+          <a:lstStyle/>
+          <a:p>
+            <a:pPr algn="ctr"/>
+            <a:endParaRPr lang="en-US"/>
+          </a:p>
+        </p:txBody>
+      </p:sp>
+      <p:sp>
+        <p:nvSpPr>
+          <p:cNvPr id="8" name="ZoneTexte 7"/>
+          <p:cNvSpPr txBox="1"/>
+          <p:nvPr/>
+        </p:nvSpPr>
+        <p:spPr>
+          <a:xfrm>
+            <a:off x="67941" y="359348"/>
+            <a:ext cx="530915" cy="1332000"/>
+          </a:xfrm>
+          <a:prstGeom prst="rect">
+            <a:avLst/>
+          </a:prstGeom>
+          <a:noFill/>
+          <a:ln>
+            <a:noFill/>
+          </a:ln>
+        </p:spPr>
+        <p:txBody>
+          <a:bodyPr vert="vert270" wrap="square" rtlCol="0">
+            <a:spAutoFit/>
+          </a:bodyPr>
+          <a:lstStyle/>
+          <a:p>
+            <a:pPr algn="ctr">
+              <a:spcAft>
+                <a:spcPts val="300"/>
+              </a:spcAft>
+            </a:pPr>
+            <a:r>
+              <a:rPr lang="en-US" sz="1000" b="1" dirty="0">
+                <a:solidFill>
+                  <a:srgbClr val="061229"/>
+                </a:solidFill>
+                <a:latin typeface="Helvetica Neue" panose="02000503000000020004" pitchFamily="50"/>
+                <a:ea typeface="Roboto" pitchFamily="2" charset="0"/>
+                <a:cs typeface="Times New Roman" panose="02020603050405020304" pitchFamily="18" charset="0"/>
+              </a:rPr>
+              <a:t>DREAM RECALL </a:t>
+            </a:r>
+            <a:endParaRPr lang="en-US" sz="1000" b="1" dirty="0" smtClean="0">
+              <a:solidFill>
+                <a:srgbClr val="061229"/>
+              </a:solidFill>
+              <a:latin typeface="Helvetica Neue" panose="02000503000000020004" pitchFamily="50"/>
+              <a:ea typeface="Roboto" pitchFamily="2" charset="0"/>
+              <a:cs typeface="Times New Roman" panose="02020603050405020304" pitchFamily="18" charset="0"/>
+            </a:endParaRPr>
+          </a:p>
+          <a:p>
+            <a:pPr algn="ctr">
+              <a:spcAft>
+                <a:spcPts val="300"/>
+              </a:spcAft>
+            </a:pPr>
+            <a:r>
+              <a:rPr lang="en-US" sz="1000" b="1" dirty="0" smtClean="0">
+                <a:solidFill>
+                  <a:srgbClr val="061229"/>
+                </a:solidFill>
+                <a:latin typeface="Helvetica Neue" panose="02000503000000020004" pitchFamily="50"/>
+                <a:ea typeface="Roboto" pitchFamily="2" charset="0"/>
+                <a:cs typeface="Times New Roman" panose="02020603050405020304" pitchFamily="18" charset="0"/>
+              </a:rPr>
+              <a:t>FREQUENCY</a:t>
+            </a:r>
+            <a:endParaRPr lang="en-US" sz="1000" b="1" dirty="0">
+              <a:solidFill>
+                <a:srgbClr val="061229"/>
+              </a:solidFill>
+              <a:latin typeface="Helvetica Neue" panose="02000503000000020004" pitchFamily="50"/>
+              <a:ea typeface="Roboto" pitchFamily="2" charset="0"/>
+              <a:cs typeface="Times New Roman" panose="02020603050405020304" pitchFamily="18" charset="0"/>
+            </a:endParaRPr>
+          </a:p>
+        </p:txBody>
+      </p:sp>
+      <p:sp>
+        <p:nvSpPr>
+          <p:cNvPr id="20" name="ZoneTexte 19"/>
+          <p:cNvSpPr txBox="1"/>
+          <p:nvPr/>
+        </p:nvSpPr>
+        <p:spPr>
+          <a:xfrm>
+            <a:off x="67941" y="1847139"/>
+            <a:ext cx="530915" cy="1332000"/>
+          </a:xfrm>
+          <a:prstGeom prst="rect">
+            <a:avLst/>
+          </a:prstGeom>
+          <a:noFill/>
+          <a:ln>
+            <a:noFill/>
+          </a:ln>
+        </p:spPr>
+        <p:txBody>
+          <a:bodyPr vert="vert270" wrap="square" rtlCol="0">
+            <a:spAutoFit/>
+          </a:bodyPr>
+          <a:lstStyle/>
+          <a:p>
+            <a:pPr algn="ctr">
+              <a:spcAft>
+                <a:spcPts val="300"/>
+              </a:spcAft>
+            </a:pPr>
+            <a:r>
+              <a:rPr lang="en-US" sz="1000" b="1" dirty="0" smtClean="0">
+                <a:solidFill>
+                  <a:srgbClr val="FFFFFF"/>
+                </a:solidFill>
+                <a:latin typeface="Helvetica Neue" panose="02000503000000020004" pitchFamily="50"/>
+                <a:ea typeface="Roboto" pitchFamily="2" charset="0"/>
+                <a:cs typeface="Times New Roman" panose="02020603050405020304" pitchFamily="18" charset="0"/>
+              </a:rPr>
+              <a:t>DREAM </a:t>
+            </a:r>
+          </a:p>
+          <a:p>
+            <a:pPr algn="ctr">
+              <a:spcAft>
+                <a:spcPts val="300"/>
+              </a:spcAft>
+            </a:pPr>
+            <a:r>
+              <a:rPr lang="en-US" sz="1000" b="1" dirty="0" smtClean="0">
+                <a:solidFill>
+                  <a:srgbClr val="FFFFFF"/>
+                </a:solidFill>
+                <a:latin typeface="Helvetica Neue" panose="02000503000000020004" pitchFamily="50"/>
+                <a:ea typeface="Roboto" pitchFamily="2" charset="0"/>
+                <a:cs typeface="Times New Roman" panose="02020603050405020304" pitchFamily="18" charset="0"/>
+              </a:rPr>
+              <a:t>CONTENT</a:t>
+            </a:r>
+            <a:endParaRPr lang="en-US" sz="1000" b="1" dirty="0">
+              <a:solidFill>
+                <a:srgbClr val="FFFFFF"/>
+              </a:solidFill>
+              <a:latin typeface="Helvetica Neue" panose="02000503000000020004" pitchFamily="50"/>
+              <a:ea typeface="Roboto" pitchFamily="2" charset="0"/>
+              <a:cs typeface="Times New Roman" panose="02020603050405020304" pitchFamily="18" charset="0"/>
+            </a:endParaRPr>
+          </a:p>
+        </p:txBody>
+      </p:sp>
+      <p:sp>
+        <p:nvSpPr>
+          <p:cNvPr id="22" name="ZoneTexte 21"/>
+          <p:cNvSpPr txBox="1"/>
+          <p:nvPr/>
+        </p:nvSpPr>
+        <p:spPr>
+          <a:xfrm>
+            <a:off x="66055" y="3338509"/>
+            <a:ext cx="492443" cy="1332000"/>
+          </a:xfrm>
+          <a:prstGeom prst="rect">
+            <a:avLst/>
+          </a:prstGeom>
+          <a:noFill/>
+          <a:ln>
+            <a:noFill/>
+          </a:ln>
+        </p:spPr>
+        <p:txBody>
+          <a:bodyPr vert="vert270" wrap="square" rtlCol="0">
+            <a:spAutoFit/>
+          </a:bodyPr>
+          <a:lstStyle/>
+          <a:p>
+            <a:pPr algn="ctr">
+              <a:spcAft>
+                <a:spcPts val="300"/>
+              </a:spcAft>
+            </a:pPr>
+            <a:r>
+              <a:rPr lang="en-US" sz="1000" b="1" dirty="0" smtClean="0">
+                <a:solidFill>
+                  <a:srgbClr val="FFFFFF"/>
+                </a:solidFill>
+                <a:latin typeface="Helvetica Neue" panose="02000503000000020004" pitchFamily="50"/>
+                <a:ea typeface="Roboto" pitchFamily="2" charset="0"/>
+                <a:cs typeface="Times New Roman" panose="02020603050405020304" pitchFamily="18" charset="0"/>
+              </a:rPr>
+              <a:t>SOFTWARE DEVELOPEMENT</a:t>
+            </a:r>
+            <a:endParaRPr lang="en-US" sz="1000" b="1" dirty="0">
+              <a:solidFill>
+                <a:srgbClr val="FFFFFF"/>
+              </a:solidFill>
+              <a:latin typeface="Helvetica Neue" panose="02000503000000020004" pitchFamily="50"/>
+              <a:ea typeface="Roboto" pitchFamily="2" charset="0"/>
+              <a:cs typeface="Times New Roman" panose="02020603050405020304" pitchFamily="18" charset="0"/>
+            </a:endParaRPr>
+          </a:p>
+        </p:txBody>
+      </p:sp>
+      <p:sp>
+        <p:nvSpPr>
+          <p:cNvPr id="34" name="ZoneTexte 33"/>
+          <p:cNvSpPr txBox="1"/>
+          <p:nvPr/>
+        </p:nvSpPr>
+        <p:spPr>
+          <a:xfrm>
+            <a:off x="683640" y="3438969"/>
+            <a:ext cx="5274969" cy="1138773"/>
+          </a:xfrm>
+          <a:prstGeom prst="rect">
+            <a:avLst/>
+          </a:prstGeom>
+          <a:solidFill>
+            <a:srgbClr val="A2D2C8"/>
+          </a:solidFill>
+          <a:effectLst>
+            <a:outerShdw blurRad="50800" dist="25400" dir="2700000" algn="tl" rotWithShape="0">
+              <a:schemeClr val="tx1">
+                <a:lumMod val="50000"/>
+                <a:lumOff val="50000"/>
+                <a:alpha val="20000"/>
+              </a:schemeClr>
+            </a:outerShdw>
+          </a:effectLst>
+        </p:spPr>
+        <p:txBody>
+          <a:bodyPr wrap="square" rtlCol="0">
+            <a:spAutoFit/>
+          </a:bodyPr>
+          <a:lstStyle/>
+          <a:p>
+            <a:pPr>
+              <a:spcAft>
+                <a:spcPts val="600"/>
+              </a:spcAft>
+            </a:pPr>
+            <a:r>
+              <a:rPr lang="en-US" sz="1000" dirty="0">
+                <a:latin typeface="Roboto Light" panose="02000000000000000000" pitchFamily="2" charset="0"/>
+                <a:ea typeface="Roboto Light" panose="02000000000000000000" pitchFamily="2" charset="0"/>
+              </a:rPr>
+              <a:t>Study </a:t>
+            </a:r>
+            <a:r>
+              <a:rPr lang="en-US" sz="1000" dirty="0" smtClean="0">
+                <a:latin typeface="Roboto Light" panose="02000000000000000000" pitchFamily="2" charset="0"/>
+                <a:ea typeface="Roboto Light" panose="02000000000000000000" pitchFamily="2" charset="0"/>
+              </a:rPr>
+              <a:t>5		</a:t>
+            </a:r>
+            <a:r>
+              <a:rPr lang="en-US" sz="1000" dirty="0">
+                <a:solidFill>
+                  <a:schemeClr val="tx1">
+                    <a:lumMod val="75000"/>
+                    <a:lumOff val="25000"/>
+                  </a:schemeClr>
+                </a:solidFill>
+                <a:latin typeface="Roboto Light" panose="02000000000000000000" pitchFamily="2" charset="0"/>
+                <a:ea typeface="Roboto Light" panose="02000000000000000000" pitchFamily="2" charset="0"/>
+              </a:rPr>
+              <a:t> </a:t>
+            </a:r>
+            <a:r>
+              <a:rPr lang="en-US" sz="1000" dirty="0" smtClean="0">
+                <a:solidFill>
+                  <a:schemeClr val="tx1">
+                    <a:lumMod val="75000"/>
+                    <a:lumOff val="25000"/>
+                  </a:schemeClr>
+                </a:solidFill>
+                <a:latin typeface="Roboto Light" panose="02000000000000000000" pitchFamily="2" charset="0"/>
+                <a:ea typeface="Roboto Light" panose="02000000000000000000" pitchFamily="2" charset="0"/>
+              </a:rPr>
+              <a:t>                      </a:t>
+            </a:r>
+            <a:r>
+              <a:rPr lang="en-US" sz="1000" dirty="0" smtClean="0">
+                <a:solidFill>
+                  <a:schemeClr val="tx1">
+                    <a:lumMod val="75000"/>
+                    <a:lumOff val="25000"/>
+                  </a:schemeClr>
+                </a:solidFill>
+                <a:latin typeface="Roboto Light" panose="02000000000000000000" pitchFamily="2" charset="0"/>
+                <a:ea typeface="Roboto Light" panose="02000000000000000000" pitchFamily="2" charset="0"/>
+              </a:rPr>
+              <a:t> 	 	                      </a:t>
+            </a:r>
+            <a:r>
+              <a:rPr lang="en-US" sz="1000" i="1" dirty="0" smtClean="0">
+                <a:solidFill>
+                  <a:schemeClr val="tx1">
+                    <a:lumMod val="75000"/>
+                    <a:lumOff val="25000"/>
+                  </a:schemeClr>
+                </a:solidFill>
+                <a:latin typeface="Roboto Light" panose="02000000000000000000" pitchFamily="2" charset="0"/>
+                <a:ea typeface="Roboto Light" panose="02000000000000000000" pitchFamily="2" charset="0"/>
+              </a:rPr>
+              <a:t>Programming</a:t>
+            </a:r>
+            <a:endParaRPr lang="en-US" sz="1000" i="1" dirty="0" smtClean="0">
+              <a:solidFill>
+                <a:schemeClr val="tx1">
+                  <a:lumMod val="75000"/>
+                  <a:lumOff val="25000"/>
+                </a:schemeClr>
+              </a:solidFill>
+              <a:latin typeface="Roboto Light" panose="02000000000000000000" pitchFamily="2" charset="0"/>
+              <a:ea typeface="Roboto Light" panose="02000000000000000000" pitchFamily="2" charset="0"/>
+            </a:endParaRPr>
+          </a:p>
+          <a:p>
+            <a:pPr>
+              <a:spcAft>
+                <a:spcPts val="300"/>
+              </a:spcAft>
+            </a:pPr>
+            <a:r>
+              <a:rPr lang="en-US" sz="1050" b="1" dirty="0" smtClean="0">
+                <a:latin typeface="Helvetica Neue" panose="02000503000000020004" pitchFamily="50"/>
+              </a:rPr>
+              <a:t>An open-source software for sleep data</a:t>
+            </a:r>
+            <a:endParaRPr lang="en-US" sz="1050" b="1" dirty="0">
+              <a:latin typeface="Helvetica Neue" panose="02000503000000020004" pitchFamily="50"/>
+            </a:endParaRPr>
+          </a:p>
+          <a:p>
+            <a:pPr algn="just"/>
+            <a:r>
+              <a:rPr lang="en-US" sz="1000" dirty="0" smtClean="0">
+                <a:latin typeface="Helvetica Neue" panose="02000503000000020004" pitchFamily="50"/>
+              </a:rPr>
+              <a:t>There is a lack of free and </a:t>
+            </a:r>
+            <a:r>
+              <a:rPr lang="en-US" sz="1000" dirty="0">
+                <a:latin typeface="Helvetica Neue" panose="02000503000000020004" pitchFamily="50"/>
+              </a:rPr>
+              <a:t>easy-to-use </a:t>
+            </a:r>
+            <a:r>
+              <a:rPr lang="en-US" sz="1000" dirty="0" smtClean="0">
+                <a:latin typeface="Helvetica Neue" panose="02000503000000020004" pitchFamily="50"/>
+              </a:rPr>
+              <a:t>graphical user interface dedicated to sleep data visualization, scoring and analysis. To fill this gap, we developed an </a:t>
+            </a:r>
+            <a:r>
+              <a:rPr lang="en-US" sz="1000" dirty="0" smtClean="0">
+                <a:latin typeface="Helvetica Neue" panose="02000503000000020004" pitchFamily="50"/>
+              </a:rPr>
+              <a:t>open-source </a:t>
+            </a:r>
+            <a:r>
+              <a:rPr lang="en-US" sz="1000" dirty="0" smtClean="0">
+                <a:latin typeface="Helvetica Neue" panose="02000503000000020004" pitchFamily="50"/>
+              </a:rPr>
+              <a:t>Python </a:t>
+            </a:r>
+            <a:r>
+              <a:rPr lang="en-US" sz="1000" dirty="0" smtClean="0">
+                <a:latin typeface="Helvetica Neue" panose="02000503000000020004" pitchFamily="50"/>
+              </a:rPr>
+              <a:t>software capable of handling efficiently large datasets from several file formats, and integrating automatic detection of several sleep microstructural features.</a:t>
+            </a:r>
+            <a:endParaRPr lang="en-US" sz="1000" dirty="0">
+              <a:latin typeface="Helvetica Neue" panose="02000503000000020004" pitchFamily="50"/>
+            </a:endParaRPr>
+          </a:p>
+        </p:txBody>
+      </p:sp>
+      <p:grpSp>
+        <p:nvGrpSpPr>
+          <p:cNvPr id="2" name="Groupe 1"/>
+          <p:cNvGrpSpPr/>
+          <p:nvPr/>
+        </p:nvGrpSpPr>
+        <p:grpSpPr>
+          <a:xfrm>
+            <a:off x="683640" y="459808"/>
+            <a:ext cx="5274970" cy="1138774"/>
+            <a:chOff x="683641" y="531253"/>
+            <a:chExt cx="5274970" cy="1138774"/>
+          </a:xfrm>
+          <a:solidFill>
+            <a:srgbClr val="F9FBFD"/>
+          </a:solidFill>
+          <a:effectLst>
+            <a:outerShdw blurRad="50800" dist="25400" dir="2700000" algn="tl" rotWithShape="0">
+              <a:schemeClr val="tx1">
+                <a:lumMod val="50000"/>
+                <a:lumOff val="50000"/>
+                <a:alpha val="20000"/>
+              </a:schemeClr>
+            </a:outerShdw>
+          </a:effectLst>
+        </p:grpSpPr>
+        <p:sp>
+          <p:nvSpPr>
+            <p:cNvPr id="19" name="ZoneTexte 18"/>
+            <p:cNvSpPr txBox="1"/>
+            <p:nvPr/>
+          </p:nvSpPr>
+          <p:spPr>
+            <a:xfrm>
+              <a:off x="683641" y="531254"/>
+              <a:ext cx="1701800" cy="1138773"/>
+            </a:xfrm>
+            <a:prstGeom prst="rect">
+              <a:avLst/>
+            </a:prstGeom>
+            <a:solidFill>
+              <a:srgbClr val="E7F7FD"/>
+            </a:solidFill>
+            <a:effectLst>
+              <a:outerShdw blurRad="50800" dist="38100" dir="2700000" sx="82000" sy="82000" algn="tl" rotWithShape="0">
+                <a:prstClr val="black">
+                  <a:alpha val="40000"/>
+                </a:prstClr>
+              </a:outerShdw>
+            </a:effectLst>
+          </p:spPr>
+          <p:txBody>
+            <a:bodyPr wrap="square" rtlCol="0">
+              <a:spAutoFit/>
+            </a:bodyPr>
+            <a:lstStyle/>
+            <a:p>
+              <a:pPr>
+                <a:spcAft>
+                  <a:spcPts val="600"/>
+                </a:spcAft>
+              </a:pPr>
+              <a:r>
+                <a:rPr lang="en-US" sz="1000" dirty="0">
+                  <a:latin typeface="Roboto Light" panose="02000000000000000000" pitchFamily="2" charset="0"/>
+                  <a:ea typeface="Roboto Light" panose="02000000000000000000" pitchFamily="2" charset="0"/>
+                </a:rPr>
+                <a:t>Study </a:t>
+              </a:r>
+              <a:r>
+                <a:rPr lang="en-US" sz="1000" dirty="0" smtClean="0">
+                  <a:latin typeface="Roboto Light" panose="02000000000000000000" pitchFamily="2" charset="0"/>
+                  <a:ea typeface="Roboto Light" panose="02000000000000000000" pitchFamily="2" charset="0"/>
+                </a:rPr>
+                <a:t>1 	            </a:t>
+              </a:r>
+              <a:r>
+                <a:rPr lang="en-US" sz="1000" i="1" dirty="0" smtClean="0">
+                  <a:solidFill>
+                    <a:schemeClr val="tx1">
+                      <a:lumMod val="75000"/>
+                      <a:lumOff val="25000"/>
+                    </a:schemeClr>
+                  </a:solidFill>
+                  <a:latin typeface="Roboto Light" panose="02000000000000000000" pitchFamily="2" charset="0"/>
+                  <a:ea typeface="Roboto Light" panose="02000000000000000000" pitchFamily="2" charset="0"/>
+                </a:rPr>
+                <a:t>EEG</a:t>
+              </a:r>
+              <a:endParaRPr lang="en-US" sz="1000" dirty="0" smtClean="0">
+                <a:solidFill>
+                  <a:schemeClr val="tx1">
+                    <a:lumMod val="75000"/>
+                    <a:lumOff val="25000"/>
+                  </a:schemeClr>
+                </a:solidFill>
+                <a:latin typeface="Roboto Light" panose="02000000000000000000" pitchFamily="2" charset="0"/>
+                <a:ea typeface="Roboto Light" panose="02000000000000000000" pitchFamily="2" charset="0"/>
+              </a:endParaRPr>
+            </a:p>
+            <a:p>
+              <a:pPr>
+                <a:spcAft>
+                  <a:spcPts val="300"/>
+                </a:spcAft>
+              </a:pPr>
+              <a:r>
+                <a:rPr lang="en-US" sz="1050" b="1" dirty="0" smtClean="0">
+                  <a:latin typeface="Helvetica Neue" panose="02000503000000020004" pitchFamily="50"/>
+                </a:rPr>
+                <a:t>DRF and arousals</a:t>
+              </a:r>
+              <a:endParaRPr lang="en-US" sz="1050" b="1" dirty="0">
+                <a:latin typeface="Helvetica Neue" panose="02000503000000020004" pitchFamily="50"/>
+              </a:endParaRPr>
+            </a:p>
+            <a:p>
+              <a:pPr algn="just"/>
+              <a:r>
+                <a:rPr lang="en-US" sz="1000" dirty="0">
+                  <a:latin typeface="Helvetica Neue" panose="02000503000000020004" pitchFamily="50"/>
+                </a:rPr>
+                <a:t>Are there </a:t>
+              </a:r>
+              <a:r>
+                <a:rPr lang="en-US" sz="1000" dirty="0" smtClean="0">
+                  <a:latin typeface="Helvetica Neue" panose="02000503000000020004" pitchFamily="50"/>
+                </a:rPr>
+                <a:t>differences in arousals between high and low dream recallers?</a:t>
+              </a:r>
+            </a:p>
+            <a:p>
+              <a:pPr algn="just"/>
+              <a:endParaRPr lang="en-US" sz="1000" dirty="0" smtClean="0">
+                <a:latin typeface="Helvetica Neue" panose="02000503000000020004" pitchFamily="50"/>
+              </a:endParaRPr>
+            </a:p>
+          </p:txBody>
+        </p:sp>
+        <p:sp>
+          <p:nvSpPr>
+            <p:cNvPr id="27" name="ZoneTexte 26"/>
+            <p:cNvSpPr txBox="1"/>
+            <p:nvPr/>
+          </p:nvSpPr>
+          <p:spPr>
+            <a:xfrm>
+              <a:off x="2470226" y="531253"/>
+              <a:ext cx="1701800" cy="1138773"/>
+            </a:xfrm>
+            <a:prstGeom prst="rect">
+              <a:avLst/>
+            </a:prstGeom>
+            <a:solidFill>
+              <a:srgbClr val="C7ECF9"/>
+            </a:solidFill>
+            <a:effectLst>
+              <a:outerShdw blurRad="50800" dist="38100" dir="2700000" sx="82000" sy="82000" algn="tl" rotWithShape="0">
+                <a:prstClr val="black">
+                  <a:alpha val="40000"/>
+                </a:prstClr>
+              </a:outerShdw>
+            </a:effectLst>
+          </p:spPr>
+          <p:txBody>
+            <a:bodyPr wrap="square" rtlCol="0">
+              <a:spAutoFit/>
+            </a:bodyPr>
+            <a:lstStyle/>
+            <a:p>
+              <a:pPr>
+                <a:spcAft>
+                  <a:spcPts val="600"/>
+                </a:spcAft>
+              </a:pPr>
+              <a:r>
+                <a:rPr lang="en-US" sz="1000" dirty="0">
+                  <a:latin typeface="Roboto Light" panose="02000000000000000000" pitchFamily="2" charset="0"/>
+                  <a:ea typeface="Roboto Light" panose="02000000000000000000" pitchFamily="2" charset="0"/>
+                </a:rPr>
+                <a:t>Study </a:t>
+              </a:r>
+              <a:r>
+                <a:rPr lang="en-US" sz="1000" dirty="0" smtClean="0">
+                  <a:latin typeface="Roboto Light" panose="02000000000000000000" pitchFamily="2" charset="0"/>
+                  <a:ea typeface="Roboto Light" panose="02000000000000000000" pitchFamily="2" charset="0"/>
+                </a:rPr>
+                <a:t>2	  </a:t>
+              </a:r>
+              <a:r>
+                <a:rPr lang="en-US" sz="1000" i="1" dirty="0" smtClean="0">
+                  <a:solidFill>
+                    <a:schemeClr val="tx1">
+                      <a:lumMod val="75000"/>
+                      <a:lumOff val="25000"/>
+                    </a:schemeClr>
+                  </a:solidFill>
+                  <a:latin typeface="Roboto Light" panose="02000000000000000000" pitchFamily="2" charset="0"/>
+                  <a:ea typeface="Roboto Light" panose="02000000000000000000" pitchFamily="2" charset="0"/>
+                </a:rPr>
+                <a:t>EEG-fMRI</a:t>
+              </a:r>
+            </a:p>
+            <a:p>
+              <a:pPr>
+                <a:spcAft>
+                  <a:spcPts val="300"/>
+                </a:spcAft>
+              </a:pPr>
+              <a:r>
+                <a:rPr lang="en-US" sz="1050" b="1" dirty="0" smtClean="0">
+                  <a:latin typeface="Helvetica Neue" panose="02000503000000020004" pitchFamily="50"/>
+                </a:rPr>
+                <a:t>DRF and sleep inertia</a:t>
+              </a:r>
+              <a:endParaRPr lang="en-US" sz="1050" b="1" dirty="0">
+                <a:latin typeface="Helvetica Neue" panose="02000503000000020004" pitchFamily="50"/>
+              </a:endParaRPr>
+            </a:p>
+            <a:p>
+              <a:pPr algn="just"/>
+              <a:r>
+                <a:rPr lang="en-US" sz="1000" dirty="0">
+                  <a:latin typeface="Helvetica Neue" panose="02000503000000020004" pitchFamily="50"/>
+                </a:rPr>
+                <a:t>Are there differences in sleep </a:t>
+              </a:r>
+              <a:r>
+                <a:rPr lang="en-US" sz="1000" dirty="0" smtClean="0">
+                  <a:latin typeface="Helvetica Neue" panose="02000503000000020004" pitchFamily="50"/>
+                </a:rPr>
+                <a:t>inertia between high and low dream recallers?</a:t>
+              </a:r>
+            </a:p>
+            <a:p>
+              <a:endParaRPr lang="en-US" sz="1000" dirty="0">
+                <a:latin typeface="Helvetica Neue" panose="02000503000000020004" pitchFamily="50"/>
+              </a:endParaRPr>
+            </a:p>
+          </p:txBody>
+        </p:sp>
+        <p:sp>
+          <p:nvSpPr>
+            <p:cNvPr id="36" name="ZoneTexte 35"/>
+            <p:cNvSpPr txBox="1"/>
+            <p:nvPr/>
+          </p:nvSpPr>
+          <p:spPr>
+            <a:xfrm>
+              <a:off x="4256811" y="531253"/>
+              <a:ext cx="1701800" cy="1138773"/>
+            </a:xfrm>
+            <a:prstGeom prst="rect">
+              <a:avLst/>
+            </a:prstGeom>
+            <a:solidFill>
+              <a:srgbClr val="9DDEF5"/>
+            </a:solidFill>
+            <a:effectLst>
+              <a:outerShdw blurRad="50800" dist="38100" dir="2700000" sx="82000" sy="82000" algn="tl" rotWithShape="0">
+                <a:prstClr val="black">
+                  <a:alpha val="40000"/>
+                </a:prstClr>
+              </a:outerShdw>
+            </a:effectLst>
+          </p:spPr>
+          <p:txBody>
+            <a:bodyPr wrap="square" rtlCol="0">
+              <a:spAutoFit/>
+            </a:bodyPr>
+            <a:lstStyle/>
+            <a:p>
+              <a:pPr>
+                <a:spcAft>
+                  <a:spcPts val="600"/>
+                </a:spcAft>
+              </a:pPr>
+              <a:r>
+                <a:rPr lang="en-US" sz="1000" dirty="0">
+                  <a:latin typeface="Roboto Light" panose="02000000000000000000" pitchFamily="2" charset="0"/>
+                  <a:ea typeface="Roboto Light" panose="02000000000000000000" pitchFamily="2" charset="0"/>
+                </a:rPr>
+                <a:t>Study </a:t>
+              </a:r>
+              <a:r>
+                <a:rPr lang="en-US" sz="1000" dirty="0" smtClean="0">
+                  <a:latin typeface="Roboto Light" panose="02000000000000000000" pitchFamily="2" charset="0"/>
+                  <a:ea typeface="Roboto Light" panose="02000000000000000000" pitchFamily="2" charset="0"/>
+                </a:rPr>
+                <a:t>3 	       </a:t>
+              </a:r>
+              <a:r>
+                <a:rPr lang="en-US" sz="1000" i="1" dirty="0" smtClean="0">
+                  <a:solidFill>
+                    <a:schemeClr val="tx1">
+                      <a:lumMod val="75000"/>
+                      <a:lumOff val="25000"/>
+                    </a:schemeClr>
+                  </a:solidFill>
+                  <a:latin typeface="Roboto Light" panose="02000000000000000000" pitchFamily="2" charset="0"/>
+                  <a:ea typeface="Roboto Light" panose="02000000000000000000" pitchFamily="2" charset="0"/>
+                </a:rPr>
+                <a:t>Survey</a:t>
+              </a:r>
+            </a:p>
+            <a:p>
+              <a:pPr>
+                <a:spcAft>
+                  <a:spcPts val="300"/>
+                </a:spcAft>
+              </a:pPr>
+              <a:r>
+                <a:rPr lang="en-US" sz="1050" b="1" dirty="0" smtClean="0">
+                  <a:latin typeface="Helvetica Neue" panose="02000503000000020004" pitchFamily="50"/>
+                </a:rPr>
+                <a:t>Sleep and dream habits</a:t>
+              </a:r>
+            </a:p>
+            <a:p>
+              <a:pPr algn="just">
+                <a:spcAft>
+                  <a:spcPts val="300"/>
+                </a:spcAft>
+              </a:pPr>
+              <a:r>
+                <a:rPr lang="en-US" sz="1000" dirty="0" smtClean="0">
+                  <a:latin typeface="Helvetica Neue" panose="02000503000000020004" pitchFamily="50"/>
+                </a:rPr>
+                <a:t>Survey of the sleep </a:t>
+              </a:r>
+              <a:r>
+                <a:rPr lang="en-US" sz="1000" dirty="0" smtClean="0">
+                  <a:latin typeface="Helvetica Neue" panose="02000503000000020004" pitchFamily="50"/>
+                </a:rPr>
+                <a:t>and dream habits of a large sample of </a:t>
+              </a:r>
+              <a:r>
+                <a:rPr lang="en-US" sz="1000" dirty="0" smtClean="0">
+                  <a:latin typeface="Helvetica Neue" panose="02000503000000020004" pitchFamily="50"/>
+                </a:rPr>
+                <a:t>French college students.</a:t>
+              </a:r>
+              <a:endParaRPr lang="en-US" sz="1000" dirty="0">
+                <a:latin typeface="Helvetica Neue" panose="02000503000000020004" pitchFamily="50"/>
+              </a:endParaRPr>
+            </a:p>
+          </p:txBody>
+        </p:sp>
+      </p:grpSp>
+      <p:sp>
+        <p:nvSpPr>
+          <p:cNvPr id="37" name="ZoneTexte 36"/>
+          <p:cNvSpPr txBox="1"/>
+          <p:nvPr/>
+        </p:nvSpPr>
+        <p:spPr>
+          <a:xfrm>
+            <a:off x="683640" y="1943752"/>
+            <a:ext cx="5274970" cy="1138773"/>
+          </a:xfrm>
+          <a:prstGeom prst="rect">
+            <a:avLst/>
+          </a:prstGeom>
+          <a:solidFill>
+            <a:srgbClr val="FFDCCD"/>
+          </a:solidFill>
+          <a:effectLst>
+            <a:outerShdw blurRad="50800" dist="25400" dir="2700000" algn="tl" rotWithShape="0">
+              <a:schemeClr val="tx1">
+                <a:lumMod val="50000"/>
+                <a:lumOff val="50000"/>
+                <a:alpha val="20000"/>
+              </a:schemeClr>
+            </a:outerShdw>
+          </a:effectLst>
+        </p:spPr>
+        <p:txBody>
+          <a:bodyPr wrap="square" rtlCol="0">
+            <a:spAutoFit/>
+          </a:bodyPr>
+          <a:lstStyle/>
+          <a:p>
+            <a:pPr>
+              <a:spcAft>
+                <a:spcPts val="600"/>
+              </a:spcAft>
+            </a:pPr>
+            <a:r>
+              <a:rPr lang="en-US" sz="1000" dirty="0">
+                <a:latin typeface="Roboto Light" panose="02000000000000000000" pitchFamily="2" charset="0"/>
+                <a:ea typeface="Roboto Light" panose="02000000000000000000" pitchFamily="2" charset="0"/>
+              </a:rPr>
+              <a:t>Study </a:t>
+            </a:r>
+            <a:r>
+              <a:rPr lang="en-US" sz="1000" dirty="0" smtClean="0">
+                <a:latin typeface="Roboto Light" panose="02000000000000000000" pitchFamily="2" charset="0"/>
+                <a:ea typeface="Roboto Light" panose="02000000000000000000" pitchFamily="2" charset="0"/>
+              </a:rPr>
+              <a:t>4			</a:t>
+            </a:r>
+            <a:r>
+              <a:rPr lang="en-US" sz="1000" dirty="0" smtClean="0">
+                <a:solidFill>
+                  <a:schemeClr val="tx1">
+                    <a:lumMod val="75000"/>
+                    <a:lumOff val="25000"/>
+                  </a:schemeClr>
+                </a:solidFill>
+                <a:latin typeface="Roboto Light" panose="02000000000000000000" pitchFamily="2" charset="0"/>
+                <a:ea typeface="Roboto Light" panose="02000000000000000000" pitchFamily="2" charset="0"/>
+              </a:rPr>
+              <a:t>  </a:t>
+            </a:r>
+            <a:r>
+              <a:rPr lang="en-US" sz="1000" dirty="0" smtClean="0">
+                <a:solidFill>
+                  <a:schemeClr val="tx1">
+                    <a:lumMod val="75000"/>
+                    <a:lumOff val="25000"/>
+                  </a:schemeClr>
+                </a:solidFill>
+                <a:latin typeface="Roboto Light" panose="02000000000000000000" pitchFamily="2" charset="0"/>
+                <a:ea typeface="Roboto Light" panose="02000000000000000000" pitchFamily="2" charset="0"/>
+              </a:rPr>
+              <a:t>		 </a:t>
+            </a:r>
+            <a:r>
+              <a:rPr lang="en-US" sz="1000" i="1" dirty="0" smtClean="0">
+                <a:solidFill>
+                  <a:schemeClr val="tx1">
+                    <a:lumMod val="75000"/>
+                    <a:lumOff val="25000"/>
+                  </a:schemeClr>
+                </a:solidFill>
+                <a:latin typeface="Roboto Light" panose="02000000000000000000" pitchFamily="2" charset="0"/>
+                <a:ea typeface="Roboto Light" panose="02000000000000000000" pitchFamily="2" charset="0"/>
+              </a:rPr>
+              <a:t>Behavior </a:t>
+            </a:r>
+            <a:r>
+              <a:rPr lang="en-US" sz="1000" dirty="0" smtClean="0">
+                <a:solidFill>
+                  <a:schemeClr val="tx1">
+                    <a:lumMod val="75000"/>
+                    <a:lumOff val="25000"/>
+                  </a:schemeClr>
+                </a:solidFill>
+                <a:latin typeface="Roboto Light" panose="02000000000000000000" pitchFamily="2" charset="0"/>
+                <a:ea typeface="Roboto Light" panose="02000000000000000000" pitchFamily="2" charset="0"/>
+              </a:rPr>
+              <a:t> </a:t>
+            </a:r>
+            <a:endParaRPr lang="en-US" sz="1000" dirty="0" smtClean="0">
+              <a:solidFill>
+                <a:schemeClr val="tx1">
+                  <a:lumMod val="75000"/>
+                  <a:lumOff val="25000"/>
+                </a:schemeClr>
+              </a:solidFill>
+              <a:latin typeface="Roboto Light" panose="02000000000000000000" pitchFamily="2" charset="0"/>
+              <a:ea typeface="Roboto Light" panose="02000000000000000000" pitchFamily="2" charset="0"/>
+            </a:endParaRPr>
+          </a:p>
+          <a:p>
+            <a:pPr>
+              <a:spcAft>
+                <a:spcPts val="300"/>
+              </a:spcAft>
+            </a:pPr>
+            <a:r>
+              <a:rPr lang="en-US" sz="1050" b="1" dirty="0" smtClean="0">
+                <a:latin typeface="Helvetica Neue" panose="02000503000000020004" pitchFamily="50"/>
+              </a:rPr>
+              <a:t>The memory sources of dreams</a:t>
+            </a:r>
+            <a:endParaRPr lang="en-US" sz="1050" b="1" dirty="0">
+              <a:latin typeface="Helvetica Neue" panose="02000503000000020004" pitchFamily="50"/>
+            </a:endParaRPr>
+          </a:p>
+          <a:p>
+            <a:pPr algn="just"/>
+            <a:r>
+              <a:rPr lang="en-US" sz="1000" dirty="0" smtClean="0">
+                <a:latin typeface="Helvetica Neue" panose="02000503000000020004" pitchFamily="50"/>
+              </a:rPr>
+              <a:t>Dream content is related to the waking life of the dreamer. Yet, the </a:t>
+            </a:r>
+            <a:r>
+              <a:rPr lang="en-US" sz="1000" dirty="0">
+                <a:latin typeface="Helvetica Neue" panose="02000503000000020004" pitchFamily="50"/>
+              </a:rPr>
+              <a:t>characteristics of the memory sources incorporated into dreams are still </a:t>
+            </a:r>
+            <a:r>
+              <a:rPr lang="en-US" sz="1000" dirty="0" smtClean="0">
+                <a:latin typeface="Helvetica Neue" panose="02000503000000020004" pitchFamily="50"/>
+              </a:rPr>
+              <a:t>unclear. We designed a new protocol to investigate remote and / or mundane memories that are hitherto relatively unexplored.</a:t>
+            </a:r>
+            <a:endParaRPr lang="en-US" sz="1000" dirty="0" smtClean="0">
+              <a:latin typeface="Helvetica Neue" panose="02000503000000020004" pitchFamily="50"/>
+            </a:endParaRPr>
+          </a:p>
+          <a:p>
+            <a:endParaRPr lang="en-US" sz="1000" dirty="0" smtClean="0">
+              <a:latin typeface="Helvetica Neue" panose="02000503000000020004" pitchFamily="50"/>
+            </a:endParaRPr>
+          </a:p>
+        </p:txBody>
+      </p:sp>
+      <p:cxnSp>
+        <p:nvCxnSpPr>
+          <p:cNvPr id="16" name="Connecteur droit 15"/>
+          <p:cNvCxnSpPr/>
+          <p:nvPr/>
+        </p:nvCxnSpPr>
+        <p:spPr>
+          <a:xfrm>
+            <a:off x="66054" y="1765530"/>
+            <a:ext cx="5940000" cy="0"/>
+          </a:xfrm>
+          <a:prstGeom prst="line">
+            <a:avLst/>
+          </a:prstGeom>
+          <a:ln w="12700">
+            <a:solidFill>
+              <a:srgbClr val="1D1F21"/>
+            </a:solidFill>
+            <a:prstDash val="sysDot"/>
+          </a:ln>
+        </p:spPr>
+        <p:style>
+          <a:lnRef idx="1">
+            <a:schemeClr val="dk1"/>
+          </a:lnRef>
+          <a:fillRef idx="0">
+            <a:schemeClr val="dk1"/>
+          </a:fillRef>
+          <a:effectRef idx="0">
+            <a:schemeClr val="dk1"/>
+          </a:effectRef>
+          <a:fontRef idx="minor">
+            <a:schemeClr val="tx1"/>
+          </a:fontRef>
+        </p:style>
+      </p:cxnSp>
+      <p:cxnSp>
+        <p:nvCxnSpPr>
+          <p:cNvPr id="24" name="Connecteur droit 23"/>
+          <p:cNvCxnSpPr/>
+          <p:nvPr/>
+        </p:nvCxnSpPr>
+        <p:spPr>
+          <a:xfrm>
+            <a:off x="66054" y="3260240"/>
+            <a:ext cx="5940000" cy="0"/>
+          </a:xfrm>
+          <a:prstGeom prst="line">
+            <a:avLst/>
+          </a:prstGeom>
+          <a:ln w="12700">
+            <a:solidFill>
+              <a:srgbClr val="1D1F21"/>
+            </a:solidFill>
+            <a:prstDash val="sysDot"/>
+          </a:ln>
+        </p:spPr>
+        <p:style>
+          <a:lnRef idx="1">
+            <a:schemeClr val="dk1"/>
+          </a:lnRef>
+          <a:fillRef idx="0">
+            <a:schemeClr val="dk1"/>
+          </a:fillRef>
+          <a:effectRef idx="0">
+            <a:schemeClr val="dk1"/>
+          </a:effectRef>
+          <a:fontRef idx="minor">
+            <a:schemeClr val="tx1"/>
+          </a:fontRef>
+        </p:style>
+      </p:cxnSp>
+    </p:spTree>
+    <p:extLst>
+      <p:ext uri="{BB962C8B-B14F-4D97-AF65-F5344CB8AC3E}">
+        <p14:creationId xmlns:p14="http://schemas.microsoft.com/office/powerpoint/2010/main" val="2133675662"/>
+      </p:ext>
+    </p:extLst>
+  </p:cSld>
+  <p:clrMapOvr>
+    <a:masterClrMapping/>
+  </p:clrMapOvr>
+  <p:timing>
+    <p:tnLst>
+      <p:par>
+        <p:cTn id="1" dur="indefinite" restart="never" nodeType="tmRoot"/>
+      </p:par>
+    </p:tnLst>
+  </p:timing>
+</p:sld>
+</file>
+
+<file path=ppt/slides/slide4.xml><?xml version="1.0" encoding="utf-8"?>
+<p:sld xmlns:a="http://schemas.openxmlformats.org/drawingml/2006/main" xmlns:r="http://schemas.openxmlformats.org/officeDocument/2006/relationships" xmlns:p="http://schemas.openxmlformats.org/presentationml/2006/main">
+  <p:cSld>
+    <p:spTree>
+      <p:nvGrpSpPr>
+        <p:cNvPr id="1" name=""/>
+        <p:cNvGrpSpPr/>
+        <p:nvPr/>
+      </p:nvGrpSpPr>
+      <p:grpSpPr>
+        <a:xfrm>
+          <a:off x="0" y="0"/>
+          <a:ext cx="0" cy="0"/>
+          <a:chOff x="0" y="0"/>
+          <a:chExt cx="0" cy="0"/>
+        </a:xfrm>
+      </p:grpSpPr>
+      <p:sp>
+        <p:nvSpPr>
+          <p:cNvPr id="8" name="ZoneTexte 7"/>
+          <p:cNvSpPr txBox="1"/>
+          <p:nvPr/>
+        </p:nvSpPr>
+        <p:spPr>
+          <a:xfrm>
+            <a:off x="67941" y="359348"/>
+            <a:ext cx="530915" cy="1332000"/>
+          </a:xfrm>
+          <a:prstGeom prst="rect">
+            <a:avLst/>
+          </a:prstGeom>
+          <a:noFill/>
+          <a:ln>
+            <a:noFill/>
+          </a:ln>
+        </p:spPr>
+        <p:txBody>
+          <a:bodyPr vert="vert270" wrap="square" rtlCol="0">
+            <a:spAutoFit/>
+          </a:bodyPr>
+          <a:lstStyle/>
+          <a:p>
+            <a:pPr algn="ctr">
+              <a:spcAft>
+                <a:spcPts val="300"/>
+              </a:spcAft>
+            </a:pPr>
+            <a:r>
+              <a:rPr lang="en-US" sz="1000" b="1" dirty="0">
+                <a:latin typeface="Helvetica Neue" panose="02000503000000020004" pitchFamily="50"/>
+              </a:rPr>
+              <a:t>DREAM RECALL </a:t>
+            </a:r>
+            <a:endParaRPr lang="en-US" sz="1000" b="1" dirty="0" smtClean="0">
+              <a:latin typeface="Helvetica Neue" panose="02000503000000020004" pitchFamily="50"/>
+            </a:endParaRPr>
+          </a:p>
+          <a:p>
+            <a:pPr algn="ctr">
+              <a:spcAft>
+                <a:spcPts val="300"/>
+              </a:spcAft>
+            </a:pPr>
+            <a:r>
+              <a:rPr lang="en-US" sz="1000" b="1" dirty="0" smtClean="0">
+                <a:latin typeface="Helvetica Neue" panose="02000503000000020004" pitchFamily="50"/>
+              </a:rPr>
+              <a:t>FREQUENCY</a:t>
+            </a:r>
+            <a:endParaRPr lang="en-US" sz="1000" b="1" dirty="0">
+              <a:latin typeface="Helvetica Neue" panose="02000503000000020004" pitchFamily="50"/>
+            </a:endParaRPr>
+          </a:p>
+        </p:txBody>
+      </p:sp>
+      <p:sp>
+        <p:nvSpPr>
+          <p:cNvPr id="20" name="ZoneTexte 19"/>
+          <p:cNvSpPr txBox="1"/>
+          <p:nvPr/>
+        </p:nvSpPr>
+        <p:spPr>
+          <a:xfrm>
+            <a:off x="67941" y="1847139"/>
+            <a:ext cx="530915" cy="1332000"/>
+          </a:xfrm>
+          <a:prstGeom prst="rect">
+            <a:avLst/>
+          </a:prstGeom>
+          <a:noFill/>
+          <a:ln>
+            <a:noFill/>
+          </a:ln>
+        </p:spPr>
+        <p:txBody>
+          <a:bodyPr vert="vert270" wrap="square" rtlCol="0">
+            <a:spAutoFit/>
+          </a:bodyPr>
+          <a:lstStyle/>
+          <a:p>
+            <a:pPr algn="ctr">
+              <a:spcAft>
+                <a:spcPts val="300"/>
+              </a:spcAft>
+            </a:pPr>
+            <a:r>
+              <a:rPr lang="en-US" sz="1000" b="1" dirty="0" smtClean="0">
+                <a:latin typeface="Helvetica Neue" panose="02000503000000020004" pitchFamily="50"/>
+              </a:rPr>
+              <a:t>DREAM </a:t>
+            </a:r>
+          </a:p>
+          <a:p>
+            <a:pPr algn="ctr">
+              <a:spcAft>
+                <a:spcPts val="300"/>
+              </a:spcAft>
+            </a:pPr>
+            <a:r>
+              <a:rPr lang="en-US" sz="1000" b="1" dirty="0" smtClean="0">
+                <a:latin typeface="Helvetica Neue" panose="02000503000000020004" pitchFamily="50"/>
+              </a:rPr>
+              <a:t>CONTENT</a:t>
+            </a:r>
+            <a:endParaRPr lang="en-US" sz="1000" b="1" dirty="0">
+              <a:latin typeface="Helvetica Neue" panose="02000503000000020004" pitchFamily="50"/>
+            </a:endParaRPr>
+          </a:p>
+        </p:txBody>
+      </p:sp>
+      <p:sp>
+        <p:nvSpPr>
+          <p:cNvPr id="22" name="ZoneTexte 21"/>
+          <p:cNvSpPr txBox="1"/>
+          <p:nvPr/>
+        </p:nvSpPr>
+        <p:spPr>
+          <a:xfrm>
+            <a:off x="66055" y="3338509"/>
+            <a:ext cx="532800" cy="1332000"/>
+          </a:xfrm>
+          <a:prstGeom prst="rect">
+            <a:avLst/>
+          </a:prstGeom>
+          <a:noFill/>
+          <a:ln>
+            <a:noFill/>
+          </a:ln>
+        </p:spPr>
+        <p:txBody>
+          <a:bodyPr vert="vert270" wrap="square" rtlCol="0">
+            <a:spAutoFit/>
+          </a:bodyPr>
+          <a:lstStyle/>
+          <a:p>
+            <a:pPr algn="ctr">
+              <a:spcAft>
+                <a:spcPts val="300"/>
+              </a:spcAft>
+            </a:pPr>
+            <a:r>
+              <a:rPr lang="en-US" sz="1000" b="1" dirty="0" smtClean="0">
+                <a:latin typeface="Helvetica Neue" panose="02000503000000020004" pitchFamily="50"/>
+              </a:rPr>
+              <a:t>SOFTWARE DEVELOPEMENT</a:t>
+            </a:r>
+            <a:endParaRPr lang="en-US" sz="1000" b="1" dirty="0">
+              <a:latin typeface="Helvetica Neue" panose="02000503000000020004" pitchFamily="50"/>
             </a:endParaRPr>
           </a:p>
         </p:txBody>
@@ -3831,849 +6731,6 @@
       </p:sp>
       <p:cxnSp>
         <p:nvCxnSpPr>
-          <p:cNvPr id="16" name="Connecteur droit 15"/>
-          <p:cNvCxnSpPr/>
-          <p:nvPr/>
-        </p:nvCxnSpPr>
-        <p:spPr>
-          <a:xfrm>
-            <a:off x="66054" y="1765530"/>
-            <a:ext cx="5940000" cy="0"/>
-          </a:xfrm>
-          <a:prstGeom prst="line">
-            <a:avLst/>
-          </a:prstGeom>
-          <a:ln w="12700">
-            <a:solidFill>
-              <a:srgbClr val="1D1F21"/>
-            </a:solidFill>
-            <a:prstDash val="sysDot"/>
-          </a:ln>
-        </p:spPr>
-        <p:style>
-          <a:lnRef idx="1">
-            <a:schemeClr val="dk1"/>
-          </a:lnRef>
-          <a:fillRef idx="0">
-            <a:schemeClr val="dk1"/>
-          </a:fillRef>
-          <a:effectRef idx="0">
-            <a:schemeClr val="dk1"/>
-          </a:effectRef>
-          <a:fontRef idx="minor">
-            <a:schemeClr val="tx1"/>
-          </a:fontRef>
-        </p:style>
-      </p:cxnSp>
-      <p:cxnSp>
-        <p:nvCxnSpPr>
-          <p:cNvPr id="24" name="Connecteur droit 23"/>
-          <p:cNvCxnSpPr/>
-          <p:nvPr/>
-        </p:nvCxnSpPr>
-        <p:spPr>
-          <a:xfrm>
-            <a:off x="66054" y="3260240"/>
-            <a:ext cx="5940000" cy="0"/>
-          </a:xfrm>
-          <a:prstGeom prst="line">
-            <a:avLst/>
-          </a:prstGeom>
-          <a:ln w="12700">
-            <a:solidFill>
-              <a:srgbClr val="1D1F21"/>
-            </a:solidFill>
-            <a:prstDash val="sysDot"/>
-          </a:ln>
-        </p:spPr>
-        <p:style>
-          <a:lnRef idx="1">
-            <a:schemeClr val="dk1"/>
-          </a:lnRef>
-          <a:fillRef idx="0">
-            <a:schemeClr val="dk1"/>
-          </a:fillRef>
-          <a:effectRef idx="0">
-            <a:schemeClr val="dk1"/>
-          </a:effectRef>
-          <a:fontRef idx="minor">
-            <a:schemeClr val="tx1"/>
-          </a:fontRef>
-        </p:style>
-      </p:cxnSp>
-    </p:spTree>
-    <p:extLst>
-      <p:ext uri="{BB962C8B-B14F-4D97-AF65-F5344CB8AC3E}">
-        <p14:creationId xmlns:p14="http://schemas.microsoft.com/office/powerpoint/2010/main" val="4203217391"/>
-      </p:ext>
-    </p:extLst>
-  </p:cSld>
-  <p:clrMapOvr>
-    <a:masterClrMapping/>
-  </p:clrMapOvr>
-  <p:timing>
-    <p:tnLst>
-      <p:par>
-        <p:cTn id="1" dur="indefinite" restart="never" nodeType="tmRoot"/>
-      </p:par>
-    </p:tnLst>
-  </p:timing>
-</p:sld>
-</file>
-
-<file path=ppt/slides/slide2.xml><?xml version="1.0" encoding="utf-8"?>
-<p:sld xmlns:a="http://schemas.openxmlformats.org/drawingml/2006/main" xmlns:r="http://schemas.openxmlformats.org/officeDocument/2006/relationships" xmlns:p="http://schemas.openxmlformats.org/presentationml/2006/main">
-  <p:cSld>
-    <p:spTree>
-      <p:nvGrpSpPr>
-        <p:cNvPr id="1" name=""/>
-        <p:cNvGrpSpPr/>
-        <p:nvPr/>
-      </p:nvGrpSpPr>
-      <p:grpSpPr>
-        <a:xfrm>
-          <a:off x="0" y="0"/>
-          <a:ext cx="0" cy="0"/>
-          <a:chOff x="0" y="0"/>
-          <a:chExt cx="0" cy="0"/>
-        </a:xfrm>
-      </p:grpSpPr>
-      <p:sp>
-        <p:nvSpPr>
-          <p:cNvPr id="8" name="ZoneTexte 7"/>
-          <p:cNvSpPr txBox="1"/>
-          <p:nvPr/>
-        </p:nvSpPr>
-        <p:spPr>
-          <a:xfrm>
-            <a:off x="67941" y="359348"/>
-            <a:ext cx="530915" cy="1332000"/>
-          </a:xfrm>
-          <a:prstGeom prst="rect">
-            <a:avLst/>
-          </a:prstGeom>
-          <a:noFill/>
-          <a:ln>
-            <a:noFill/>
-          </a:ln>
-        </p:spPr>
-        <p:txBody>
-          <a:bodyPr vert="vert270" wrap="square" rtlCol="0">
-            <a:spAutoFit/>
-          </a:bodyPr>
-          <a:lstStyle/>
-          <a:p>
-            <a:pPr algn="ctr">
-              <a:spcAft>
-                <a:spcPts val="300"/>
-              </a:spcAft>
-            </a:pPr>
-            <a:r>
-              <a:rPr lang="en-US" sz="1000" b="1" dirty="0">
-                <a:latin typeface="Helvetica Neue" panose="02000503000000020004" pitchFamily="50"/>
-              </a:rPr>
-              <a:t>DREAM RECALL </a:t>
-            </a:r>
-            <a:endParaRPr lang="en-US" sz="1000" b="1" dirty="0" smtClean="0">
-              <a:latin typeface="Helvetica Neue" panose="02000503000000020004" pitchFamily="50"/>
-            </a:endParaRPr>
-          </a:p>
-          <a:p>
-            <a:pPr algn="ctr">
-              <a:spcAft>
-                <a:spcPts val="300"/>
-              </a:spcAft>
-            </a:pPr>
-            <a:r>
-              <a:rPr lang="en-US" sz="1000" b="1" dirty="0" smtClean="0">
-                <a:latin typeface="Helvetica Neue" panose="02000503000000020004" pitchFamily="50"/>
-              </a:rPr>
-              <a:t>FREQUENCY</a:t>
-            </a:r>
-            <a:endParaRPr lang="en-US" sz="1000" b="1" dirty="0">
-              <a:latin typeface="Helvetica Neue" panose="02000503000000020004" pitchFamily="50"/>
-            </a:endParaRPr>
-          </a:p>
-        </p:txBody>
-      </p:sp>
-      <p:sp>
-        <p:nvSpPr>
-          <p:cNvPr id="20" name="ZoneTexte 19"/>
-          <p:cNvSpPr txBox="1"/>
-          <p:nvPr/>
-        </p:nvSpPr>
-        <p:spPr>
-          <a:xfrm>
-            <a:off x="67941" y="1847139"/>
-            <a:ext cx="530915" cy="1332000"/>
-          </a:xfrm>
-          <a:prstGeom prst="rect">
-            <a:avLst/>
-          </a:prstGeom>
-          <a:noFill/>
-          <a:ln>
-            <a:noFill/>
-          </a:ln>
-        </p:spPr>
-        <p:txBody>
-          <a:bodyPr vert="vert270" wrap="square" rtlCol="0">
-            <a:spAutoFit/>
-          </a:bodyPr>
-          <a:lstStyle/>
-          <a:p>
-            <a:pPr algn="ctr">
-              <a:spcAft>
-                <a:spcPts val="300"/>
-              </a:spcAft>
-            </a:pPr>
-            <a:r>
-              <a:rPr lang="en-US" sz="1000" b="1" dirty="0" smtClean="0">
-                <a:latin typeface="Helvetica Neue" panose="02000503000000020004" pitchFamily="50"/>
-              </a:rPr>
-              <a:t>DREAM </a:t>
-            </a:r>
-          </a:p>
-          <a:p>
-            <a:pPr algn="ctr">
-              <a:spcAft>
-                <a:spcPts val="300"/>
-              </a:spcAft>
-            </a:pPr>
-            <a:r>
-              <a:rPr lang="en-US" sz="1000" b="1" dirty="0" smtClean="0">
-                <a:latin typeface="Helvetica Neue" panose="02000503000000020004" pitchFamily="50"/>
-              </a:rPr>
-              <a:t>CONTENT</a:t>
-            </a:r>
-            <a:endParaRPr lang="en-US" sz="1000" b="1" dirty="0">
-              <a:latin typeface="Helvetica Neue" panose="02000503000000020004" pitchFamily="50"/>
-            </a:endParaRPr>
-          </a:p>
-        </p:txBody>
-      </p:sp>
-      <p:sp>
-        <p:nvSpPr>
-          <p:cNvPr id="22" name="ZoneTexte 21"/>
-          <p:cNvSpPr txBox="1"/>
-          <p:nvPr/>
-        </p:nvSpPr>
-        <p:spPr>
-          <a:xfrm>
-            <a:off x="66055" y="3338509"/>
-            <a:ext cx="532800" cy="1332000"/>
-          </a:xfrm>
-          <a:prstGeom prst="rect">
-            <a:avLst/>
-          </a:prstGeom>
-          <a:noFill/>
-          <a:ln>
-            <a:noFill/>
-          </a:ln>
-        </p:spPr>
-        <p:txBody>
-          <a:bodyPr vert="vert270" wrap="square" rtlCol="0">
-            <a:spAutoFit/>
-          </a:bodyPr>
-          <a:lstStyle/>
-          <a:p>
-            <a:pPr algn="ctr">
-              <a:spcAft>
-                <a:spcPts val="300"/>
-              </a:spcAft>
-            </a:pPr>
-            <a:r>
-              <a:rPr lang="en-US" sz="1000" b="1" dirty="0" smtClean="0">
-                <a:latin typeface="Helvetica Neue" panose="02000503000000020004" pitchFamily="50"/>
-              </a:rPr>
-              <a:t>SOFTWARE DEVELOPEMENT</a:t>
-            </a:r>
-            <a:endParaRPr lang="en-US" sz="1000" b="1" dirty="0">
-              <a:latin typeface="Helvetica Neue" panose="02000503000000020004" pitchFamily="50"/>
-            </a:endParaRPr>
-          </a:p>
-        </p:txBody>
-      </p:sp>
-      <p:sp>
-        <p:nvSpPr>
-          <p:cNvPr id="34" name="ZoneTexte 33"/>
-          <p:cNvSpPr txBox="1"/>
-          <p:nvPr/>
-        </p:nvSpPr>
-        <p:spPr>
-          <a:xfrm>
-            <a:off x="683641" y="3438969"/>
-            <a:ext cx="3488384" cy="1138773"/>
-          </a:xfrm>
-          <a:prstGeom prst="rect">
-            <a:avLst/>
-          </a:prstGeom>
-          <a:solidFill>
-            <a:srgbClr val="FFF6E7"/>
-          </a:solidFill>
-          <a:effectLst>
-            <a:outerShdw blurRad="50800" dist="25400" dir="2700000" algn="tl" rotWithShape="0">
-              <a:schemeClr val="tx1">
-                <a:lumMod val="50000"/>
-                <a:lumOff val="50000"/>
-                <a:alpha val="20000"/>
-              </a:schemeClr>
-            </a:outerShdw>
-          </a:effectLst>
-        </p:spPr>
-        <p:txBody>
-          <a:bodyPr wrap="square" rtlCol="0">
-            <a:spAutoFit/>
-          </a:bodyPr>
-          <a:lstStyle/>
-          <a:p>
-            <a:pPr>
-              <a:spcAft>
-                <a:spcPts val="600"/>
-              </a:spcAft>
-            </a:pPr>
-            <a:r>
-              <a:rPr lang="en-US" sz="1000" dirty="0">
-                <a:latin typeface="Roboto Light" panose="02000000000000000000" pitchFamily="2" charset="0"/>
-                <a:ea typeface="Roboto Light" panose="02000000000000000000" pitchFamily="2" charset="0"/>
-              </a:rPr>
-              <a:t>Study </a:t>
-            </a:r>
-            <a:r>
-              <a:rPr lang="en-US" sz="1000" dirty="0" smtClean="0">
-                <a:latin typeface="Roboto Light" panose="02000000000000000000" pitchFamily="2" charset="0"/>
-                <a:ea typeface="Roboto Light" panose="02000000000000000000" pitchFamily="2" charset="0"/>
-              </a:rPr>
-              <a:t>5		</a:t>
-            </a:r>
-            <a:r>
-              <a:rPr lang="en-US" sz="1000" dirty="0">
-                <a:solidFill>
-                  <a:schemeClr val="tx1">
-                    <a:lumMod val="75000"/>
-                    <a:lumOff val="25000"/>
-                  </a:schemeClr>
-                </a:solidFill>
-                <a:latin typeface="Roboto Light" panose="02000000000000000000" pitchFamily="2" charset="0"/>
-                <a:ea typeface="Roboto Light" panose="02000000000000000000" pitchFamily="2" charset="0"/>
-              </a:rPr>
-              <a:t> </a:t>
-            </a:r>
-            <a:r>
-              <a:rPr lang="en-US" sz="1000" dirty="0" smtClean="0">
-                <a:solidFill>
-                  <a:schemeClr val="tx1">
-                    <a:lumMod val="75000"/>
-                    <a:lumOff val="25000"/>
-                  </a:schemeClr>
-                </a:solidFill>
-                <a:latin typeface="Roboto Light" panose="02000000000000000000" pitchFamily="2" charset="0"/>
-                <a:ea typeface="Roboto Light" panose="02000000000000000000" pitchFamily="2" charset="0"/>
-              </a:rPr>
-              <a:t>                      </a:t>
-            </a:r>
-            <a:r>
-              <a:rPr lang="en-US" sz="1000" i="1" dirty="0" smtClean="0">
-                <a:solidFill>
-                  <a:schemeClr val="tx1">
-                    <a:lumMod val="75000"/>
-                    <a:lumOff val="25000"/>
-                  </a:schemeClr>
-                </a:solidFill>
-                <a:latin typeface="Roboto Light" panose="02000000000000000000" pitchFamily="2" charset="0"/>
-                <a:ea typeface="Roboto Light" panose="02000000000000000000" pitchFamily="2" charset="0"/>
-              </a:rPr>
-              <a:t>Programming</a:t>
-            </a:r>
-          </a:p>
-          <a:p>
-            <a:pPr>
-              <a:spcAft>
-                <a:spcPts val="300"/>
-              </a:spcAft>
-            </a:pPr>
-            <a:r>
-              <a:rPr lang="en-US" sz="1050" b="1" dirty="0" smtClean="0">
-                <a:latin typeface="Helvetica Neue" panose="02000503000000020004" pitchFamily="50"/>
-              </a:rPr>
-              <a:t>An open-source software for sleep data</a:t>
-            </a:r>
-            <a:endParaRPr lang="en-US" sz="1050" b="1" dirty="0">
-              <a:latin typeface="Helvetica Neue" panose="02000503000000020004" pitchFamily="50"/>
-            </a:endParaRPr>
-          </a:p>
-          <a:p>
-            <a:pPr algn="just"/>
-            <a:r>
-              <a:rPr lang="en-US" sz="1000" dirty="0" smtClean="0">
-                <a:latin typeface="Helvetica Neue" panose="02000503000000020004" pitchFamily="50"/>
-              </a:rPr>
-              <a:t>Development of an open-source Python software for visualizing, scoring and analyzing polysomnographic sleep data.</a:t>
-            </a:r>
-          </a:p>
-          <a:p>
-            <a:pPr algn="just"/>
-            <a:endParaRPr lang="en-US" sz="1000" dirty="0">
-              <a:latin typeface="Helvetica Neue" panose="02000503000000020004" pitchFamily="50"/>
-            </a:endParaRPr>
-          </a:p>
-        </p:txBody>
-      </p:sp>
-      <p:grpSp>
-        <p:nvGrpSpPr>
-          <p:cNvPr id="2" name="Groupe 1"/>
-          <p:cNvGrpSpPr/>
-          <p:nvPr/>
-        </p:nvGrpSpPr>
-        <p:grpSpPr>
-          <a:xfrm>
-            <a:off x="683640" y="459808"/>
-            <a:ext cx="5274970" cy="1138774"/>
-            <a:chOff x="683641" y="531253"/>
-            <a:chExt cx="5274970" cy="1138774"/>
-          </a:xfrm>
-          <a:solidFill>
-            <a:srgbClr val="F9FBFD"/>
-          </a:solidFill>
-          <a:effectLst>
-            <a:outerShdw blurRad="50800" dist="25400" dir="2700000" algn="tl" rotWithShape="0">
-              <a:schemeClr val="tx1">
-                <a:lumMod val="50000"/>
-                <a:lumOff val="50000"/>
-                <a:alpha val="20000"/>
-              </a:schemeClr>
-            </a:outerShdw>
-          </a:effectLst>
-        </p:grpSpPr>
-        <p:sp>
-          <p:nvSpPr>
-            <p:cNvPr id="19" name="ZoneTexte 18"/>
-            <p:cNvSpPr txBox="1"/>
-            <p:nvPr/>
-          </p:nvSpPr>
-          <p:spPr>
-            <a:xfrm>
-              <a:off x="683641" y="531254"/>
-              <a:ext cx="1701800" cy="1138773"/>
-            </a:xfrm>
-            <a:prstGeom prst="rect">
-              <a:avLst/>
-            </a:prstGeom>
-            <a:grpFill/>
-            <a:effectLst>
-              <a:outerShdw blurRad="50800" dist="38100" dir="2700000" sx="82000" sy="82000" algn="tl" rotWithShape="0">
-                <a:prstClr val="black">
-                  <a:alpha val="40000"/>
-                </a:prstClr>
-              </a:outerShdw>
-            </a:effectLst>
-          </p:spPr>
-          <p:txBody>
-            <a:bodyPr wrap="square" rtlCol="0">
-              <a:spAutoFit/>
-            </a:bodyPr>
-            <a:lstStyle/>
-            <a:p>
-              <a:pPr>
-                <a:spcAft>
-                  <a:spcPts val="600"/>
-                </a:spcAft>
-              </a:pPr>
-              <a:r>
-                <a:rPr lang="en-US" sz="1000" dirty="0">
-                  <a:latin typeface="Roboto Light" panose="02000000000000000000" pitchFamily="2" charset="0"/>
-                  <a:ea typeface="Roboto Light" panose="02000000000000000000" pitchFamily="2" charset="0"/>
-                </a:rPr>
-                <a:t>Study </a:t>
-              </a:r>
-              <a:r>
-                <a:rPr lang="en-US" sz="1000" dirty="0" smtClean="0">
-                  <a:latin typeface="Roboto Light" panose="02000000000000000000" pitchFamily="2" charset="0"/>
-                  <a:ea typeface="Roboto Light" panose="02000000000000000000" pitchFamily="2" charset="0"/>
-                </a:rPr>
-                <a:t>1 	            </a:t>
-              </a:r>
-              <a:r>
-                <a:rPr lang="en-US" sz="1000" i="1" dirty="0" smtClean="0">
-                  <a:solidFill>
-                    <a:schemeClr val="tx1">
-                      <a:lumMod val="75000"/>
-                      <a:lumOff val="25000"/>
-                    </a:schemeClr>
-                  </a:solidFill>
-                  <a:latin typeface="Roboto Light" panose="02000000000000000000" pitchFamily="2" charset="0"/>
-                  <a:ea typeface="Roboto Light" panose="02000000000000000000" pitchFamily="2" charset="0"/>
-                </a:rPr>
-                <a:t>EEG</a:t>
-              </a:r>
-              <a:endParaRPr lang="en-US" sz="1000" dirty="0" smtClean="0">
-                <a:solidFill>
-                  <a:schemeClr val="tx1">
-                    <a:lumMod val="75000"/>
-                    <a:lumOff val="25000"/>
-                  </a:schemeClr>
-                </a:solidFill>
-                <a:latin typeface="Roboto Light" panose="02000000000000000000" pitchFamily="2" charset="0"/>
-                <a:ea typeface="Roboto Light" panose="02000000000000000000" pitchFamily="2" charset="0"/>
-              </a:endParaRPr>
-            </a:p>
-            <a:p>
-              <a:pPr>
-                <a:spcAft>
-                  <a:spcPts val="300"/>
-                </a:spcAft>
-              </a:pPr>
-              <a:r>
-                <a:rPr lang="en-US" sz="1050" b="1" dirty="0" smtClean="0">
-                  <a:latin typeface="Helvetica Neue" panose="02000503000000020004" pitchFamily="50"/>
-                </a:rPr>
-                <a:t>DRF and arousals</a:t>
-              </a:r>
-              <a:endParaRPr lang="en-US" sz="1050" b="1" dirty="0">
-                <a:latin typeface="Helvetica Neue" panose="02000503000000020004" pitchFamily="50"/>
-              </a:endParaRPr>
-            </a:p>
-            <a:p>
-              <a:pPr algn="just"/>
-              <a:r>
-                <a:rPr lang="en-US" sz="1000" dirty="0">
-                  <a:latin typeface="Helvetica Neue" panose="02000503000000020004" pitchFamily="50"/>
-                </a:rPr>
-                <a:t>Are there </a:t>
-              </a:r>
-              <a:r>
-                <a:rPr lang="en-US" sz="1000" dirty="0" smtClean="0">
-                  <a:latin typeface="Helvetica Neue" panose="02000503000000020004" pitchFamily="50"/>
-                </a:rPr>
-                <a:t>differences in arousals between high and low dream recallers?</a:t>
-              </a:r>
-            </a:p>
-            <a:p>
-              <a:pPr algn="just"/>
-              <a:endParaRPr lang="en-US" sz="1000" dirty="0" smtClean="0">
-                <a:latin typeface="Helvetica Neue" panose="02000503000000020004" pitchFamily="50"/>
-              </a:endParaRPr>
-            </a:p>
-          </p:txBody>
-        </p:sp>
-        <p:sp>
-          <p:nvSpPr>
-            <p:cNvPr id="27" name="ZoneTexte 26"/>
-            <p:cNvSpPr txBox="1"/>
-            <p:nvPr/>
-          </p:nvSpPr>
-          <p:spPr>
-            <a:xfrm>
-              <a:off x="2470226" y="531253"/>
-              <a:ext cx="1701800" cy="1138773"/>
-            </a:xfrm>
-            <a:prstGeom prst="rect">
-              <a:avLst/>
-            </a:prstGeom>
-            <a:grpFill/>
-            <a:effectLst>
-              <a:outerShdw blurRad="50800" dist="38100" dir="2700000" sx="82000" sy="82000" algn="tl" rotWithShape="0">
-                <a:prstClr val="black">
-                  <a:alpha val="40000"/>
-                </a:prstClr>
-              </a:outerShdw>
-            </a:effectLst>
-          </p:spPr>
-          <p:txBody>
-            <a:bodyPr wrap="square" rtlCol="0">
-              <a:spAutoFit/>
-            </a:bodyPr>
-            <a:lstStyle/>
-            <a:p>
-              <a:pPr>
-                <a:spcAft>
-                  <a:spcPts val="600"/>
-                </a:spcAft>
-              </a:pPr>
-              <a:r>
-                <a:rPr lang="en-US" sz="1000" dirty="0">
-                  <a:latin typeface="Roboto Light" panose="02000000000000000000" pitchFamily="2" charset="0"/>
-                  <a:ea typeface="Roboto Light" panose="02000000000000000000" pitchFamily="2" charset="0"/>
-                </a:rPr>
-                <a:t>Study </a:t>
-              </a:r>
-              <a:r>
-                <a:rPr lang="en-US" sz="1000" dirty="0" smtClean="0">
-                  <a:latin typeface="Roboto Light" panose="02000000000000000000" pitchFamily="2" charset="0"/>
-                  <a:ea typeface="Roboto Light" panose="02000000000000000000" pitchFamily="2" charset="0"/>
-                </a:rPr>
-                <a:t>2	  </a:t>
-              </a:r>
-              <a:r>
-                <a:rPr lang="en-US" sz="1000" i="1" dirty="0" smtClean="0">
-                  <a:solidFill>
-                    <a:schemeClr val="tx1">
-                      <a:lumMod val="75000"/>
-                      <a:lumOff val="25000"/>
-                    </a:schemeClr>
-                  </a:solidFill>
-                  <a:latin typeface="Roboto Light" panose="02000000000000000000" pitchFamily="2" charset="0"/>
-                  <a:ea typeface="Roboto Light" panose="02000000000000000000" pitchFamily="2" charset="0"/>
-                </a:rPr>
-                <a:t>EEG-fMRI</a:t>
-              </a:r>
-            </a:p>
-            <a:p>
-              <a:pPr>
-                <a:spcAft>
-                  <a:spcPts val="300"/>
-                </a:spcAft>
-              </a:pPr>
-              <a:r>
-                <a:rPr lang="en-US" sz="1050" b="1" dirty="0" smtClean="0">
-                  <a:latin typeface="Helvetica Neue" panose="02000503000000020004" pitchFamily="50"/>
-                </a:rPr>
-                <a:t>DRF and sleep inertia</a:t>
-              </a:r>
-              <a:endParaRPr lang="en-US" sz="1050" b="1" dirty="0">
-                <a:latin typeface="Helvetica Neue" panose="02000503000000020004" pitchFamily="50"/>
-              </a:endParaRPr>
-            </a:p>
-            <a:p>
-              <a:pPr algn="just"/>
-              <a:r>
-                <a:rPr lang="en-US" sz="1000" dirty="0">
-                  <a:latin typeface="Helvetica Neue" panose="02000503000000020004" pitchFamily="50"/>
-                </a:rPr>
-                <a:t>Are there differences in sleep </a:t>
-              </a:r>
-              <a:r>
-                <a:rPr lang="en-US" sz="1000" dirty="0" smtClean="0">
-                  <a:latin typeface="Helvetica Neue" panose="02000503000000020004" pitchFamily="50"/>
-                </a:rPr>
-                <a:t>inertia between high and low dream recallers?</a:t>
-              </a:r>
-            </a:p>
-            <a:p>
-              <a:endParaRPr lang="en-US" sz="1000" dirty="0">
-                <a:latin typeface="Helvetica Neue" panose="02000503000000020004" pitchFamily="50"/>
-              </a:endParaRPr>
-            </a:p>
-          </p:txBody>
-        </p:sp>
-        <p:sp>
-          <p:nvSpPr>
-            <p:cNvPr id="36" name="ZoneTexte 35"/>
-            <p:cNvSpPr txBox="1"/>
-            <p:nvPr/>
-          </p:nvSpPr>
-          <p:spPr>
-            <a:xfrm>
-              <a:off x="4256811" y="531253"/>
-              <a:ext cx="1701800" cy="1138773"/>
-            </a:xfrm>
-            <a:prstGeom prst="rect">
-              <a:avLst/>
-            </a:prstGeom>
-            <a:grpFill/>
-            <a:effectLst>
-              <a:outerShdw blurRad="50800" dist="38100" dir="2700000" sx="82000" sy="82000" algn="tl" rotWithShape="0">
-                <a:prstClr val="black">
-                  <a:alpha val="40000"/>
-                </a:prstClr>
-              </a:outerShdw>
-            </a:effectLst>
-          </p:spPr>
-          <p:txBody>
-            <a:bodyPr wrap="square" rtlCol="0">
-              <a:spAutoFit/>
-            </a:bodyPr>
-            <a:lstStyle/>
-            <a:p>
-              <a:pPr>
-                <a:spcAft>
-                  <a:spcPts val="600"/>
-                </a:spcAft>
-              </a:pPr>
-              <a:r>
-                <a:rPr lang="en-US" sz="1000" dirty="0">
-                  <a:latin typeface="Roboto Light" panose="02000000000000000000" pitchFamily="2" charset="0"/>
-                  <a:ea typeface="Roboto Light" panose="02000000000000000000" pitchFamily="2" charset="0"/>
-                </a:rPr>
-                <a:t>Study </a:t>
-              </a:r>
-              <a:r>
-                <a:rPr lang="en-US" sz="1000" dirty="0" smtClean="0">
-                  <a:latin typeface="Roboto Light" panose="02000000000000000000" pitchFamily="2" charset="0"/>
-                  <a:ea typeface="Roboto Light" panose="02000000000000000000" pitchFamily="2" charset="0"/>
-                </a:rPr>
-                <a:t>3 	       </a:t>
-              </a:r>
-              <a:r>
-                <a:rPr lang="en-US" sz="1000" i="1" dirty="0" smtClean="0">
-                  <a:solidFill>
-                    <a:schemeClr val="tx1">
-                      <a:lumMod val="75000"/>
-                      <a:lumOff val="25000"/>
-                    </a:schemeClr>
-                  </a:solidFill>
-                  <a:latin typeface="Roboto Light" panose="02000000000000000000" pitchFamily="2" charset="0"/>
-                  <a:ea typeface="Roboto Light" panose="02000000000000000000" pitchFamily="2" charset="0"/>
-                </a:rPr>
-                <a:t>Survey</a:t>
-              </a:r>
-            </a:p>
-            <a:p>
-              <a:pPr>
-                <a:spcAft>
-                  <a:spcPts val="300"/>
-                </a:spcAft>
-              </a:pPr>
-              <a:r>
-                <a:rPr lang="en-US" sz="1050" b="1" dirty="0" smtClean="0">
-                  <a:latin typeface="Helvetica Neue" panose="02000503000000020004" pitchFamily="50"/>
-                </a:rPr>
-                <a:t>Sleep and dream habits</a:t>
-              </a:r>
-            </a:p>
-            <a:p>
-              <a:pPr algn="just">
-                <a:spcAft>
-                  <a:spcPts val="300"/>
-                </a:spcAft>
-              </a:pPr>
-              <a:r>
-                <a:rPr lang="en-US" sz="1000" dirty="0" smtClean="0">
-                  <a:latin typeface="Helvetica Neue" panose="02000503000000020004" pitchFamily="50"/>
-                </a:rPr>
-                <a:t>Survey of the sleep and dream habits of a large sample of French college students.</a:t>
-              </a:r>
-              <a:endParaRPr lang="en-US" sz="1000" dirty="0">
-                <a:latin typeface="Helvetica Neue" panose="02000503000000020004" pitchFamily="50"/>
-              </a:endParaRPr>
-            </a:p>
-          </p:txBody>
-        </p:sp>
-      </p:grpSp>
-      <p:sp>
-        <p:nvSpPr>
-          <p:cNvPr id="37" name="ZoneTexte 36"/>
-          <p:cNvSpPr txBox="1"/>
-          <p:nvPr/>
-        </p:nvSpPr>
-        <p:spPr>
-          <a:xfrm>
-            <a:off x="683640" y="1943752"/>
-            <a:ext cx="3488385" cy="1138773"/>
-          </a:xfrm>
-          <a:prstGeom prst="rect">
-            <a:avLst/>
-          </a:prstGeom>
-          <a:solidFill>
-            <a:srgbClr val="F8F6FA"/>
-          </a:solidFill>
-          <a:effectLst>
-            <a:outerShdw blurRad="50800" dist="25400" dir="2700000" algn="tl" rotWithShape="0">
-              <a:schemeClr val="tx1">
-                <a:lumMod val="50000"/>
-                <a:lumOff val="50000"/>
-                <a:alpha val="20000"/>
-              </a:schemeClr>
-            </a:outerShdw>
-          </a:effectLst>
-        </p:spPr>
-        <p:txBody>
-          <a:bodyPr wrap="square" rtlCol="0">
-            <a:spAutoFit/>
-          </a:bodyPr>
-          <a:lstStyle/>
-          <a:p>
-            <a:pPr>
-              <a:spcAft>
-                <a:spcPts val="600"/>
-              </a:spcAft>
-            </a:pPr>
-            <a:r>
-              <a:rPr lang="en-US" sz="1000" dirty="0">
-                <a:latin typeface="Roboto Light" panose="02000000000000000000" pitchFamily="2" charset="0"/>
-                <a:ea typeface="Roboto Light" panose="02000000000000000000" pitchFamily="2" charset="0"/>
-              </a:rPr>
-              <a:t>Study </a:t>
-            </a:r>
-            <a:r>
-              <a:rPr lang="en-US" sz="1000" dirty="0" smtClean="0">
-                <a:latin typeface="Roboto Light" panose="02000000000000000000" pitchFamily="2" charset="0"/>
-                <a:ea typeface="Roboto Light" panose="02000000000000000000" pitchFamily="2" charset="0"/>
-              </a:rPr>
-              <a:t>4			</a:t>
-            </a:r>
-            <a:r>
-              <a:rPr lang="en-US" sz="1000" dirty="0" smtClean="0">
-                <a:solidFill>
-                  <a:schemeClr val="tx1">
-                    <a:lumMod val="75000"/>
-                    <a:lumOff val="25000"/>
-                  </a:schemeClr>
-                </a:solidFill>
-                <a:latin typeface="Roboto Light" panose="02000000000000000000" pitchFamily="2" charset="0"/>
-                <a:ea typeface="Roboto Light" panose="02000000000000000000" pitchFamily="2" charset="0"/>
-              </a:rPr>
-              <a:t>  </a:t>
-            </a:r>
-            <a:r>
-              <a:rPr lang="en-US" sz="1000" i="1" dirty="0" smtClean="0">
-                <a:solidFill>
-                  <a:schemeClr val="tx1">
-                    <a:lumMod val="75000"/>
-                    <a:lumOff val="25000"/>
-                  </a:schemeClr>
-                </a:solidFill>
-                <a:latin typeface="Roboto Light" panose="02000000000000000000" pitchFamily="2" charset="0"/>
-                <a:ea typeface="Roboto Light" panose="02000000000000000000" pitchFamily="2" charset="0"/>
-              </a:rPr>
-              <a:t>Behavior </a:t>
-            </a:r>
-            <a:r>
-              <a:rPr lang="en-US" sz="1000" dirty="0" smtClean="0">
-                <a:solidFill>
-                  <a:schemeClr val="tx1">
-                    <a:lumMod val="75000"/>
-                    <a:lumOff val="25000"/>
-                  </a:schemeClr>
-                </a:solidFill>
-                <a:latin typeface="Roboto Light" panose="02000000000000000000" pitchFamily="2" charset="0"/>
-                <a:ea typeface="Roboto Light" panose="02000000000000000000" pitchFamily="2" charset="0"/>
-              </a:rPr>
-              <a:t> </a:t>
-            </a:r>
-          </a:p>
-          <a:p>
-            <a:pPr>
-              <a:spcAft>
-                <a:spcPts val="300"/>
-              </a:spcAft>
-            </a:pPr>
-            <a:r>
-              <a:rPr lang="en-US" sz="1050" b="1" dirty="0" smtClean="0">
-                <a:latin typeface="Helvetica Neue" panose="02000503000000020004" pitchFamily="50"/>
-              </a:rPr>
-              <a:t>The memory sources of dreams</a:t>
-            </a:r>
-            <a:endParaRPr lang="en-US" sz="1050" b="1" dirty="0">
-              <a:latin typeface="Helvetica Neue" panose="02000503000000020004" pitchFamily="50"/>
-            </a:endParaRPr>
-          </a:p>
-          <a:p>
-            <a:r>
-              <a:rPr lang="en-US" sz="1000" dirty="0" smtClean="0">
-                <a:latin typeface="Helvetica Neue" panose="02000503000000020004" pitchFamily="50"/>
-              </a:rPr>
-              <a:t>Investigation of the characteristics of the memory sources incorporated into dreams, especially remote and trivial memories.</a:t>
-            </a:r>
-          </a:p>
-          <a:p>
-            <a:endParaRPr lang="en-US" sz="1000" dirty="0" smtClean="0">
-              <a:latin typeface="Helvetica Neue" panose="02000503000000020004" pitchFamily="50"/>
-            </a:endParaRPr>
-          </a:p>
-        </p:txBody>
-      </p:sp>
-      <p:cxnSp>
-        <p:nvCxnSpPr>
           <p:cNvPr id="4" name="Connecteur droit 3"/>
           <p:cNvCxnSpPr/>
           <p:nvPr/>
@@ -4800,7 +6857,7 @@
 </file>
 
 <file path=ppt/theme/theme1.xml><?xml version="1.0" encoding="utf-8"?>
-<a:theme xmlns:a="http://schemas.openxmlformats.org/drawingml/2006/main" name="Thème Office">
+<a:theme xmlns:a="http://schemas.openxmlformats.org/drawingml/2006/main" name="Office Theme">
   <a:themeElements>
     <a:clrScheme name="Thème Office">
       <a:dk1>
@@ -4816,22 +6873,22 @@
         <a:srgbClr val="E7E6E6"/>
       </a:lt2>
       <a:accent1>
-        <a:srgbClr val="5B9BD5"/>
+        <a:srgbClr val="1D9A78"/>
       </a:accent1>
       <a:accent2>
-        <a:srgbClr val="ED7D31"/>
+        <a:srgbClr val="8BC145"/>
       </a:accent2>
       <a:accent3>
-        <a:srgbClr val="A5A5A5"/>
+        <a:srgbClr val="36AFCE"/>
       </a:accent3>
       <a:accent4>
-        <a:srgbClr val="FFC000"/>
+        <a:srgbClr val="1D6FA9"/>
       </a:accent4>
       <a:accent5>
-        <a:srgbClr val="4472C4"/>
+        <a:srgbClr val="B74919"/>
       </a:accent5>
       <a:accent6>
-        <a:srgbClr val="70AD47"/>
+        <a:srgbClr val="F19D19"/>
       </a:accent6>
       <a:hlink>
         <a:srgbClr val="0563C1"/>
@@ -5054,7 +7111,7 @@
   <a:extraClrSchemeLst/>
   <a:extLst>
     <a:ext uri="{05A4C25C-085E-4340-85A3-A5531E510DB2}">
-      <thm15:themeFamily xmlns:thm15="http://schemas.microsoft.com/office/thememl/2012/main" name="Office Theme" id="{62F939B6-93AF-4DB8-9C6B-D6C7DFDC589F}" vid="{4A3C46E8-61CC-4603-A589-7422A47A8E4A}"/>
+      <thm15:themeFamily xmlns:thm15="http://schemas.microsoft.com/office/thememl/2012/main" name="Office Theme" id="{62F939B6-93AF-4DB8-9C6B-D6C7DFDC589F}" vid="{AE6F2518-B084-4896-AF52-66CC2144AA26}"/>
     </a:ext>
   </a:extLst>
 </a:theme>

--- a/Fig/Intro/Intro_Problematics/Intro_Problematics.pptx
+++ b/Fig/Intro/Intro_Problematics/Intro_Problematics.pptx
@@ -2,15 +2,13 @@
 <file path=ppt/presentation.xml><?xml version="1.0" encoding="utf-8"?>
 <p:presentation xmlns:a="http://schemas.openxmlformats.org/drawingml/2006/main" xmlns:r="http://schemas.openxmlformats.org/officeDocument/2006/relationships" xmlns:p="http://schemas.openxmlformats.org/presentationml/2006/main" saveSubsetFonts="1">
   <p:sldMasterIdLst>
-    <p:sldMasterId id="2147483708" r:id="rId1"/>
+    <p:sldMasterId id="2147483720" r:id="rId1"/>
   </p:sldMasterIdLst>
   <p:sldIdLst>
-    <p:sldId id="261" r:id="rId2"/>
-    <p:sldId id="259" r:id="rId3"/>
-    <p:sldId id="260" r:id="rId4"/>
-    <p:sldId id="258" r:id="rId5"/>
+    <p:sldId id="262" r:id="rId2"/>
+    <p:sldId id="261" r:id="rId3"/>
   </p:sldIdLst>
-  <p:sldSz cx="6858000" cy="5040313"/>
+  <p:sldSz cx="8675688" cy="5040313"/>
   <p:notesSz cx="6858000" cy="9144000"/>
   <p:defaultTextStyle>
     <a:defPPr>
@@ -115,7 +113,17 @@
             <a:srgbClr val="A4A3A4"/>
           </p15:clr>
         </p15:guide>
-        <p15:guide id="2" pos="4088" userDrawn="1">
+        <p15:guide id="2" pos="5172" userDrawn="1">
+          <p15:clr>
+            <a:srgbClr val="A4A3A4"/>
+          </p15:clr>
+        </p15:guide>
+        <p15:guide id="3" pos="5454" userDrawn="1">
+          <p15:clr>
+            <a:srgbClr val="A4A3A4"/>
+          </p15:clr>
+        </p15:guide>
+        <p15:guide id="4" orient="horz" pos="295" userDrawn="1">
           <p15:clr>
             <a:srgbClr val="A4A3A4"/>
           </p15:clr>
@@ -155,15 +163,15 @@
         </p:nvSpPr>
         <p:spPr>
           <a:xfrm>
-            <a:off x="514350" y="824885"/>
-            <a:ext cx="5829300" cy="1754776"/>
+            <a:off x="1084461" y="824885"/>
+            <a:ext cx="6506766" cy="1754776"/>
           </a:xfrm>
         </p:spPr>
         <p:txBody>
           <a:bodyPr anchor="b"/>
           <a:lstStyle>
             <a:lvl1pPr algn="ctr">
-              <a:defRPr sz="4410"/>
+              <a:defRPr sz="4270"/>
             </a:lvl1pPr>
           </a:lstStyle>
           <a:p>
@@ -187,8 +195,8 @@
         </p:nvSpPr>
         <p:spPr>
           <a:xfrm>
-            <a:off x="857250" y="2647331"/>
-            <a:ext cx="5143500" cy="1216909"/>
+            <a:off x="1084461" y="2647331"/>
+            <a:ext cx="6506766" cy="1216909"/>
           </a:xfrm>
         </p:spPr>
         <p:txBody>
@@ -196,39 +204,39 @@
           <a:lstStyle>
             <a:lvl1pPr marL="0" indent="0" algn="ctr">
               <a:buNone/>
-              <a:defRPr sz="1764"/>
+              <a:defRPr sz="1708"/>
             </a:lvl1pPr>
-            <a:lvl2pPr marL="336042" indent="0" algn="ctr">
-              <a:buNone/>
-              <a:defRPr sz="1470"/>
+            <a:lvl2pPr marL="325344" indent="0" algn="ctr">
+              <a:buNone/>
+              <a:defRPr sz="1423"/>
             </a:lvl2pPr>
-            <a:lvl3pPr marL="672084" indent="0" algn="ctr">
-              <a:buNone/>
-              <a:defRPr sz="1323"/>
+            <a:lvl3pPr marL="650687" indent="0" algn="ctr">
+              <a:buNone/>
+              <a:defRPr sz="1281"/>
             </a:lvl3pPr>
-            <a:lvl4pPr marL="1008126" indent="0" algn="ctr">
-              <a:buNone/>
-              <a:defRPr sz="1176"/>
+            <a:lvl4pPr marL="976031" indent="0" algn="ctr">
+              <a:buNone/>
+              <a:defRPr sz="1139"/>
             </a:lvl4pPr>
-            <a:lvl5pPr marL="1344168" indent="0" algn="ctr">
-              <a:buNone/>
-              <a:defRPr sz="1176"/>
+            <a:lvl5pPr marL="1301374" indent="0" algn="ctr">
+              <a:buNone/>
+              <a:defRPr sz="1139"/>
             </a:lvl5pPr>
-            <a:lvl6pPr marL="1680210" indent="0" algn="ctr">
-              <a:buNone/>
-              <a:defRPr sz="1176"/>
+            <a:lvl6pPr marL="1626718" indent="0" algn="ctr">
+              <a:buNone/>
+              <a:defRPr sz="1139"/>
             </a:lvl6pPr>
-            <a:lvl7pPr marL="2016252" indent="0" algn="ctr">
-              <a:buNone/>
-              <a:defRPr sz="1176"/>
+            <a:lvl7pPr marL="1952061" indent="0" algn="ctr">
+              <a:buNone/>
+              <a:defRPr sz="1139"/>
             </a:lvl7pPr>
-            <a:lvl8pPr marL="2352294" indent="0" algn="ctr">
-              <a:buNone/>
-              <a:defRPr sz="1176"/>
+            <a:lvl8pPr marL="2277405" indent="0" algn="ctr">
+              <a:buNone/>
+              <a:defRPr sz="1139"/>
             </a:lvl8pPr>
-            <a:lvl9pPr marL="2688336" indent="0" algn="ctr">
-              <a:buNone/>
-              <a:defRPr sz="1176"/>
+            <a:lvl9pPr marL="2602748" indent="0" algn="ctr">
+              <a:buNone/>
+              <a:defRPr sz="1139"/>
             </a:lvl9pPr>
           </a:lstStyle>
           <a:p>
@@ -257,7 +265,7 @@
           <a:p>
             <a:fld id="{B39C0367-C9DB-4397-8272-6097457C4212}" type="datetimeFigureOut">
               <a:rPr lang="en-US" smtClean="0"/>
-              <a:t>9/15/2017</a:t>
+              <a:t>10/22/2017</a:t>
             </a:fld>
             <a:endParaRPr lang="en-US"/>
           </a:p>
@@ -308,7 +316,7 @@
     </p:spTree>
     <p:extLst>
       <p:ext uri="{BB962C8B-B14F-4D97-AF65-F5344CB8AC3E}">
-        <p14:creationId xmlns:p14="http://schemas.microsoft.com/office/powerpoint/2010/main" val="2093426505"/>
+        <p14:creationId xmlns:p14="http://schemas.microsoft.com/office/powerpoint/2010/main" val="1191322341"/>
       </p:ext>
     </p:extLst>
   </p:cSld>
@@ -427,7 +435,7 @@
           <a:p>
             <a:fld id="{B39C0367-C9DB-4397-8272-6097457C4212}" type="datetimeFigureOut">
               <a:rPr lang="en-US" smtClean="0"/>
-              <a:t>9/15/2017</a:t>
+              <a:t>10/22/2017</a:t>
             </a:fld>
             <a:endParaRPr lang="en-US"/>
           </a:p>
@@ -478,7 +486,7 @@
     </p:spTree>
     <p:extLst>
       <p:ext uri="{BB962C8B-B14F-4D97-AF65-F5344CB8AC3E}">
-        <p14:creationId xmlns:p14="http://schemas.microsoft.com/office/powerpoint/2010/main" val="1812756082"/>
+        <p14:creationId xmlns:p14="http://schemas.microsoft.com/office/powerpoint/2010/main" val="1593282998"/>
       </p:ext>
     </p:extLst>
   </p:cSld>
@@ -517,8 +525,8 @@
         </p:nvSpPr>
         <p:spPr>
           <a:xfrm>
-            <a:off x="4907757" y="268350"/>
-            <a:ext cx="1478756" cy="4271432"/>
+            <a:off x="6208539" y="268350"/>
+            <a:ext cx="1870695" cy="4271432"/>
           </a:xfrm>
         </p:spPr>
         <p:txBody>
@@ -545,8 +553,8 @@
         </p:nvSpPr>
         <p:spPr>
           <a:xfrm>
-            <a:off x="471488" y="268350"/>
-            <a:ext cx="4350544" cy="4271432"/>
+            <a:off x="596453" y="268350"/>
+            <a:ext cx="5503640" cy="4271432"/>
           </a:xfrm>
         </p:spPr>
         <p:txBody>
@@ -607,7 +615,7 @@
           <a:p>
             <a:fld id="{B39C0367-C9DB-4397-8272-6097457C4212}" type="datetimeFigureOut">
               <a:rPr lang="en-US" smtClean="0"/>
-              <a:t>9/15/2017</a:t>
+              <a:t>10/22/2017</a:t>
             </a:fld>
             <a:endParaRPr lang="en-US"/>
           </a:p>
@@ -658,7 +666,7 @@
     </p:spTree>
     <p:extLst>
       <p:ext uri="{BB962C8B-B14F-4D97-AF65-F5344CB8AC3E}">
-        <p14:creationId xmlns:p14="http://schemas.microsoft.com/office/powerpoint/2010/main" val="2699970945"/>
+        <p14:creationId xmlns:p14="http://schemas.microsoft.com/office/powerpoint/2010/main" val="2370823488"/>
       </p:ext>
     </p:extLst>
   </p:cSld>
@@ -777,7 +785,7 @@
           <a:p>
             <a:fld id="{B39C0367-C9DB-4397-8272-6097457C4212}" type="datetimeFigureOut">
               <a:rPr lang="en-US" smtClean="0"/>
-              <a:t>9/15/2017</a:t>
+              <a:t>10/22/2017</a:t>
             </a:fld>
             <a:endParaRPr lang="en-US"/>
           </a:p>
@@ -828,7 +836,7 @@
     </p:spTree>
     <p:extLst>
       <p:ext uri="{BB962C8B-B14F-4D97-AF65-F5344CB8AC3E}">
-        <p14:creationId xmlns:p14="http://schemas.microsoft.com/office/powerpoint/2010/main" val="1746285597"/>
+        <p14:creationId xmlns:p14="http://schemas.microsoft.com/office/powerpoint/2010/main" val="1131956387"/>
       </p:ext>
     </p:extLst>
   </p:cSld>
@@ -867,15 +875,15 @@
         </p:nvSpPr>
         <p:spPr>
           <a:xfrm>
-            <a:off x="467916" y="1256579"/>
-            <a:ext cx="5915025" cy="2096630"/>
+            <a:off x="591935" y="1256579"/>
+            <a:ext cx="7482781" cy="2096630"/>
           </a:xfrm>
         </p:spPr>
         <p:txBody>
           <a:bodyPr anchor="b"/>
           <a:lstStyle>
             <a:lvl1pPr>
-              <a:defRPr sz="4410"/>
+              <a:defRPr sz="4270"/>
             </a:lvl1pPr>
           </a:lstStyle>
           <a:p>
@@ -899,8 +907,8 @@
         </p:nvSpPr>
         <p:spPr>
           <a:xfrm>
-            <a:off x="467916" y="3373044"/>
-            <a:ext cx="5915025" cy="1102568"/>
+            <a:off x="591935" y="3373044"/>
+            <a:ext cx="7482781" cy="1102568"/>
           </a:xfrm>
         </p:spPr>
         <p:txBody>
@@ -908,15 +916,17 @@
           <a:lstStyle>
             <a:lvl1pPr marL="0" indent="0">
               <a:buNone/>
-              <a:defRPr sz="1764">
+              <a:defRPr sz="1708">
                 <a:solidFill>
-                  <a:schemeClr val="tx1"/>
+                  <a:schemeClr val="tx1">
+                    <a:tint val="75000"/>
+                  </a:schemeClr>
                 </a:solidFill>
               </a:defRPr>
             </a:lvl1pPr>
-            <a:lvl2pPr marL="336042" indent="0">
-              <a:buNone/>
-              <a:defRPr sz="1470">
+            <a:lvl2pPr marL="325344" indent="0">
+              <a:buNone/>
+              <a:defRPr sz="1423">
                 <a:solidFill>
                   <a:schemeClr val="tx1">
                     <a:tint val="75000"/>
@@ -924,9 +934,9 @@
                 </a:solidFill>
               </a:defRPr>
             </a:lvl2pPr>
-            <a:lvl3pPr marL="672084" indent="0">
-              <a:buNone/>
-              <a:defRPr sz="1323">
+            <a:lvl3pPr marL="650687" indent="0">
+              <a:buNone/>
+              <a:defRPr sz="1281">
                 <a:solidFill>
                   <a:schemeClr val="tx1">
                     <a:tint val="75000"/>
@@ -934,9 +944,9 @@
                 </a:solidFill>
               </a:defRPr>
             </a:lvl3pPr>
-            <a:lvl4pPr marL="1008126" indent="0">
-              <a:buNone/>
-              <a:defRPr sz="1176">
+            <a:lvl4pPr marL="976031" indent="0">
+              <a:buNone/>
+              <a:defRPr sz="1139">
                 <a:solidFill>
                   <a:schemeClr val="tx1">
                     <a:tint val="75000"/>
@@ -944,9 +954,9 @@
                 </a:solidFill>
               </a:defRPr>
             </a:lvl4pPr>
-            <a:lvl5pPr marL="1344168" indent="0">
-              <a:buNone/>
-              <a:defRPr sz="1176">
+            <a:lvl5pPr marL="1301374" indent="0">
+              <a:buNone/>
+              <a:defRPr sz="1139">
                 <a:solidFill>
                   <a:schemeClr val="tx1">
                     <a:tint val="75000"/>
@@ -954,9 +964,9 @@
                 </a:solidFill>
               </a:defRPr>
             </a:lvl5pPr>
-            <a:lvl6pPr marL="1680210" indent="0">
-              <a:buNone/>
-              <a:defRPr sz="1176">
+            <a:lvl6pPr marL="1626718" indent="0">
+              <a:buNone/>
+              <a:defRPr sz="1139">
                 <a:solidFill>
                   <a:schemeClr val="tx1">
                     <a:tint val="75000"/>
@@ -964,9 +974,9 @@
                 </a:solidFill>
               </a:defRPr>
             </a:lvl6pPr>
-            <a:lvl7pPr marL="2016252" indent="0">
-              <a:buNone/>
-              <a:defRPr sz="1176">
+            <a:lvl7pPr marL="1952061" indent="0">
+              <a:buNone/>
+              <a:defRPr sz="1139">
                 <a:solidFill>
                   <a:schemeClr val="tx1">
                     <a:tint val="75000"/>
@@ -974,9 +984,9 @@
                 </a:solidFill>
               </a:defRPr>
             </a:lvl7pPr>
-            <a:lvl8pPr marL="2352294" indent="0">
-              <a:buNone/>
-              <a:defRPr sz="1176">
+            <a:lvl8pPr marL="2277405" indent="0">
+              <a:buNone/>
+              <a:defRPr sz="1139">
                 <a:solidFill>
                   <a:schemeClr val="tx1">
                     <a:tint val="75000"/>
@@ -984,9 +994,9 @@
                 </a:solidFill>
               </a:defRPr>
             </a:lvl8pPr>
-            <a:lvl9pPr marL="2688336" indent="0">
-              <a:buNone/>
-              <a:defRPr sz="1176">
+            <a:lvl9pPr marL="2602748" indent="0">
+              <a:buNone/>
+              <a:defRPr sz="1139">
                 <a:solidFill>
                   <a:schemeClr val="tx1">
                     <a:tint val="75000"/>
@@ -1021,7 +1031,7 @@
           <a:p>
             <a:fld id="{B39C0367-C9DB-4397-8272-6097457C4212}" type="datetimeFigureOut">
               <a:rPr lang="en-US" smtClean="0"/>
-              <a:t>9/15/2017</a:t>
+              <a:t>10/22/2017</a:t>
             </a:fld>
             <a:endParaRPr lang="en-US"/>
           </a:p>
@@ -1072,7 +1082,7 @@
     </p:spTree>
     <p:extLst>
       <p:ext uri="{BB962C8B-B14F-4D97-AF65-F5344CB8AC3E}">
-        <p14:creationId xmlns:p14="http://schemas.microsoft.com/office/powerpoint/2010/main" val="3062569250"/>
+        <p14:creationId xmlns:p14="http://schemas.microsoft.com/office/powerpoint/2010/main" val="2502716396"/>
       </p:ext>
     </p:extLst>
   </p:cSld>
@@ -1134,8 +1144,8 @@
         </p:nvSpPr>
         <p:spPr>
           <a:xfrm>
-            <a:off x="471488" y="1341750"/>
-            <a:ext cx="2914650" cy="3198032"/>
+            <a:off x="596454" y="1341750"/>
+            <a:ext cx="3687167" cy="3198032"/>
           </a:xfrm>
         </p:spPr>
         <p:txBody>
@@ -1191,8 +1201,8 @@
         </p:nvSpPr>
         <p:spPr>
           <a:xfrm>
-            <a:off x="3471863" y="1341750"/>
-            <a:ext cx="2914650" cy="3198032"/>
+            <a:off x="4392067" y="1341750"/>
+            <a:ext cx="3687167" cy="3198032"/>
           </a:xfrm>
         </p:spPr>
         <p:txBody>
@@ -1253,7 +1263,7 @@
           <a:p>
             <a:fld id="{B39C0367-C9DB-4397-8272-6097457C4212}" type="datetimeFigureOut">
               <a:rPr lang="en-US" smtClean="0"/>
-              <a:t>9/15/2017</a:t>
+              <a:t>10/22/2017</a:t>
             </a:fld>
             <a:endParaRPr lang="en-US"/>
           </a:p>
@@ -1304,7 +1314,7 @@
     </p:spTree>
     <p:extLst>
       <p:ext uri="{BB962C8B-B14F-4D97-AF65-F5344CB8AC3E}">
-        <p14:creationId xmlns:p14="http://schemas.microsoft.com/office/powerpoint/2010/main" val="1771701696"/>
+        <p14:creationId xmlns:p14="http://schemas.microsoft.com/office/powerpoint/2010/main" val="154125508"/>
       </p:ext>
     </p:extLst>
   </p:cSld>
@@ -1343,8 +1353,8 @@
         </p:nvSpPr>
         <p:spPr>
           <a:xfrm>
-            <a:off x="472381" y="268351"/>
-            <a:ext cx="5915025" cy="974228"/>
+            <a:off x="597584" y="268350"/>
+            <a:ext cx="7482781" cy="974228"/>
           </a:xfrm>
         </p:spPr>
         <p:txBody>
@@ -1371,8 +1381,8 @@
         </p:nvSpPr>
         <p:spPr>
           <a:xfrm>
-            <a:off x="472381" y="1235577"/>
-            <a:ext cx="2901255" cy="605537"/>
+            <a:off x="597584" y="1235577"/>
+            <a:ext cx="3670222" cy="605537"/>
           </a:xfrm>
         </p:spPr>
         <p:txBody>
@@ -1380,39 +1390,39 @@
           <a:lstStyle>
             <a:lvl1pPr marL="0" indent="0">
               <a:buNone/>
-              <a:defRPr sz="1764" b="1"/>
+              <a:defRPr sz="1708" b="1"/>
             </a:lvl1pPr>
-            <a:lvl2pPr marL="336042" indent="0">
-              <a:buNone/>
-              <a:defRPr sz="1470" b="1"/>
+            <a:lvl2pPr marL="325344" indent="0">
+              <a:buNone/>
+              <a:defRPr sz="1423" b="1"/>
             </a:lvl2pPr>
-            <a:lvl3pPr marL="672084" indent="0">
-              <a:buNone/>
-              <a:defRPr sz="1323" b="1"/>
+            <a:lvl3pPr marL="650687" indent="0">
+              <a:buNone/>
+              <a:defRPr sz="1281" b="1"/>
             </a:lvl3pPr>
-            <a:lvl4pPr marL="1008126" indent="0">
-              <a:buNone/>
-              <a:defRPr sz="1176" b="1"/>
+            <a:lvl4pPr marL="976031" indent="0">
+              <a:buNone/>
+              <a:defRPr sz="1139" b="1"/>
             </a:lvl4pPr>
-            <a:lvl5pPr marL="1344168" indent="0">
-              <a:buNone/>
-              <a:defRPr sz="1176" b="1"/>
+            <a:lvl5pPr marL="1301374" indent="0">
+              <a:buNone/>
+              <a:defRPr sz="1139" b="1"/>
             </a:lvl5pPr>
-            <a:lvl6pPr marL="1680210" indent="0">
-              <a:buNone/>
-              <a:defRPr sz="1176" b="1"/>
+            <a:lvl6pPr marL="1626718" indent="0">
+              <a:buNone/>
+              <a:defRPr sz="1139" b="1"/>
             </a:lvl6pPr>
-            <a:lvl7pPr marL="2016252" indent="0">
-              <a:buNone/>
-              <a:defRPr sz="1176" b="1"/>
+            <a:lvl7pPr marL="1952061" indent="0">
+              <a:buNone/>
+              <a:defRPr sz="1139" b="1"/>
             </a:lvl7pPr>
-            <a:lvl8pPr marL="2352294" indent="0">
-              <a:buNone/>
-              <a:defRPr sz="1176" b="1"/>
+            <a:lvl8pPr marL="2277405" indent="0">
+              <a:buNone/>
+              <a:defRPr sz="1139" b="1"/>
             </a:lvl8pPr>
-            <a:lvl9pPr marL="2688336" indent="0">
-              <a:buNone/>
-              <a:defRPr sz="1176" b="1"/>
+            <a:lvl9pPr marL="2602748" indent="0">
+              <a:buNone/>
+              <a:defRPr sz="1139" b="1"/>
             </a:lvl9pPr>
           </a:lstStyle>
           <a:p>
@@ -1436,8 +1446,8 @@
         </p:nvSpPr>
         <p:spPr>
           <a:xfrm>
-            <a:off x="472381" y="1841114"/>
-            <a:ext cx="2901255" cy="2708002"/>
+            <a:off x="597584" y="1841114"/>
+            <a:ext cx="3670222" cy="2708002"/>
           </a:xfrm>
         </p:spPr>
         <p:txBody>
@@ -1493,8 +1503,8 @@
         </p:nvSpPr>
         <p:spPr>
           <a:xfrm>
-            <a:off x="3471863" y="1235577"/>
-            <a:ext cx="2915543" cy="605537"/>
+            <a:off x="4392067" y="1235577"/>
+            <a:ext cx="3688297" cy="605537"/>
           </a:xfrm>
         </p:spPr>
         <p:txBody>
@@ -1502,39 +1512,39 @@
           <a:lstStyle>
             <a:lvl1pPr marL="0" indent="0">
               <a:buNone/>
-              <a:defRPr sz="1764" b="1"/>
+              <a:defRPr sz="1708" b="1"/>
             </a:lvl1pPr>
-            <a:lvl2pPr marL="336042" indent="0">
-              <a:buNone/>
-              <a:defRPr sz="1470" b="1"/>
+            <a:lvl2pPr marL="325344" indent="0">
+              <a:buNone/>
+              <a:defRPr sz="1423" b="1"/>
             </a:lvl2pPr>
-            <a:lvl3pPr marL="672084" indent="0">
-              <a:buNone/>
-              <a:defRPr sz="1323" b="1"/>
+            <a:lvl3pPr marL="650687" indent="0">
+              <a:buNone/>
+              <a:defRPr sz="1281" b="1"/>
             </a:lvl3pPr>
-            <a:lvl4pPr marL="1008126" indent="0">
-              <a:buNone/>
-              <a:defRPr sz="1176" b="1"/>
+            <a:lvl4pPr marL="976031" indent="0">
+              <a:buNone/>
+              <a:defRPr sz="1139" b="1"/>
             </a:lvl4pPr>
-            <a:lvl5pPr marL="1344168" indent="0">
-              <a:buNone/>
-              <a:defRPr sz="1176" b="1"/>
+            <a:lvl5pPr marL="1301374" indent="0">
+              <a:buNone/>
+              <a:defRPr sz="1139" b="1"/>
             </a:lvl5pPr>
-            <a:lvl6pPr marL="1680210" indent="0">
-              <a:buNone/>
-              <a:defRPr sz="1176" b="1"/>
+            <a:lvl6pPr marL="1626718" indent="0">
+              <a:buNone/>
+              <a:defRPr sz="1139" b="1"/>
             </a:lvl6pPr>
-            <a:lvl7pPr marL="2016252" indent="0">
-              <a:buNone/>
-              <a:defRPr sz="1176" b="1"/>
+            <a:lvl7pPr marL="1952061" indent="0">
+              <a:buNone/>
+              <a:defRPr sz="1139" b="1"/>
             </a:lvl7pPr>
-            <a:lvl8pPr marL="2352294" indent="0">
-              <a:buNone/>
-              <a:defRPr sz="1176" b="1"/>
+            <a:lvl8pPr marL="2277405" indent="0">
+              <a:buNone/>
+              <a:defRPr sz="1139" b="1"/>
             </a:lvl8pPr>
-            <a:lvl9pPr marL="2688336" indent="0">
-              <a:buNone/>
-              <a:defRPr sz="1176" b="1"/>
+            <a:lvl9pPr marL="2602748" indent="0">
+              <a:buNone/>
+              <a:defRPr sz="1139" b="1"/>
             </a:lvl9pPr>
           </a:lstStyle>
           <a:p>
@@ -1558,8 +1568,8 @@
         </p:nvSpPr>
         <p:spPr>
           <a:xfrm>
-            <a:off x="3471863" y="1841114"/>
-            <a:ext cx="2915543" cy="2708002"/>
+            <a:off x="4392067" y="1841114"/>
+            <a:ext cx="3688297" cy="2708002"/>
           </a:xfrm>
         </p:spPr>
         <p:txBody>
@@ -1620,7 +1630,7 @@
           <a:p>
             <a:fld id="{B39C0367-C9DB-4397-8272-6097457C4212}" type="datetimeFigureOut">
               <a:rPr lang="en-US" smtClean="0"/>
-              <a:t>9/15/2017</a:t>
+              <a:t>10/22/2017</a:t>
             </a:fld>
             <a:endParaRPr lang="en-US"/>
           </a:p>
@@ -1671,7 +1681,7 @@
     </p:spTree>
     <p:extLst>
       <p:ext uri="{BB962C8B-B14F-4D97-AF65-F5344CB8AC3E}">
-        <p14:creationId xmlns:p14="http://schemas.microsoft.com/office/powerpoint/2010/main" val="638325962"/>
+        <p14:creationId xmlns:p14="http://schemas.microsoft.com/office/powerpoint/2010/main" val="4196650373"/>
       </p:ext>
     </p:extLst>
   </p:cSld>
@@ -1738,7 +1748,7 @@
           <a:p>
             <a:fld id="{B39C0367-C9DB-4397-8272-6097457C4212}" type="datetimeFigureOut">
               <a:rPr lang="en-US" smtClean="0"/>
-              <a:t>9/15/2017</a:t>
+              <a:t>10/22/2017</a:t>
             </a:fld>
             <a:endParaRPr lang="en-US"/>
           </a:p>
@@ -1789,7 +1799,7 @@
     </p:spTree>
     <p:extLst>
       <p:ext uri="{BB962C8B-B14F-4D97-AF65-F5344CB8AC3E}">
-        <p14:creationId xmlns:p14="http://schemas.microsoft.com/office/powerpoint/2010/main" val="43141604"/>
+        <p14:creationId xmlns:p14="http://schemas.microsoft.com/office/powerpoint/2010/main" val="1366517316"/>
       </p:ext>
     </p:extLst>
   </p:cSld>
@@ -1833,7 +1843,7 @@
           <a:p>
             <a:fld id="{B39C0367-C9DB-4397-8272-6097457C4212}" type="datetimeFigureOut">
               <a:rPr lang="en-US" smtClean="0"/>
-              <a:t>9/15/2017</a:t>
+              <a:t>10/22/2017</a:t>
             </a:fld>
             <a:endParaRPr lang="en-US"/>
           </a:p>
@@ -1884,7 +1894,7 @@
     </p:spTree>
     <p:extLst>
       <p:ext uri="{BB962C8B-B14F-4D97-AF65-F5344CB8AC3E}">
-        <p14:creationId xmlns:p14="http://schemas.microsoft.com/office/powerpoint/2010/main" val="1627408822"/>
+        <p14:creationId xmlns:p14="http://schemas.microsoft.com/office/powerpoint/2010/main" val="3421859985"/>
       </p:ext>
     </p:extLst>
   </p:cSld>
@@ -1923,15 +1933,15 @@
         </p:nvSpPr>
         <p:spPr>
           <a:xfrm>
-            <a:off x="472381" y="336021"/>
-            <a:ext cx="2211884" cy="1176073"/>
+            <a:off x="597584" y="336021"/>
+            <a:ext cx="2798135" cy="1176073"/>
           </a:xfrm>
         </p:spPr>
         <p:txBody>
           <a:bodyPr anchor="b"/>
           <a:lstStyle>
             <a:lvl1pPr>
-              <a:defRPr sz="2352"/>
+              <a:defRPr sz="2277"/>
             </a:lvl1pPr>
           </a:lstStyle>
           <a:p>
@@ -1955,39 +1965,39 @@
         </p:nvSpPr>
         <p:spPr>
           <a:xfrm>
-            <a:off x="2915543" y="725713"/>
-            <a:ext cx="3471863" cy="3581889"/>
+            <a:off x="3688297" y="725712"/>
+            <a:ext cx="4392067" cy="3581889"/>
           </a:xfrm>
         </p:spPr>
         <p:txBody>
           <a:bodyPr/>
           <a:lstStyle>
             <a:lvl1pPr>
-              <a:defRPr sz="2352"/>
+              <a:defRPr sz="2277"/>
             </a:lvl1pPr>
             <a:lvl2pPr>
-              <a:defRPr sz="2058"/>
+              <a:defRPr sz="1992"/>
             </a:lvl2pPr>
             <a:lvl3pPr>
-              <a:defRPr sz="1764"/>
+              <a:defRPr sz="1708"/>
             </a:lvl3pPr>
             <a:lvl4pPr>
-              <a:defRPr sz="1470"/>
+              <a:defRPr sz="1423"/>
             </a:lvl4pPr>
             <a:lvl5pPr>
-              <a:defRPr sz="1470"/>
+              <a:defRPr sz="1423"/>
             </a:lvl5pPr>
             <a:lvl6pPr>
-              <a:defRPr sz="1470"/>
+              <a:defRPr sz="1423"/>
             </a:lvl6pPr>
             <a:lvl7pPr>
-              <a:defRPr sz="1470"/>
+              <a:defRPr sz="1423"/>
             </a:lvl7pPr>
             <a:lvl8pPr>
-              <a:defRPr sz="1470"/>
+              <a:defRPr sz="1423"/>
             </a:lvl8pPr>
             <a:lvl9pPr>
-              <a:defRPr sz="1470"/>
+              <a:defRPr sz="1423"/>
             </a:lvl9pPr>
           </a:lstStyle>
           <a:p>
@@ -2040,8 +2050,8 @@
         </p:nvSpPr>
         <p:spPr>
           <a:xfrm>
-            <a:off x="472381" y="1512094"/>
-            <a:ext cx="2211884" cy="2801341"/>
+            <a:off x="597584" y="1512094"/>
+            <a:ext cx="2798135" cy="2801341"/>
           </a:xfrm>
         </p:spPr>
         <p:txBody>
@@ -2049,39 +2059,39 @@
           <a:lstStyle>
             <a:lvl1pPr marL="0" indent="0">
               <a:buNone/>
-              <a:defRPr sz="1176"/>
+              <a:defRPr sz="1139"/>
             </a:lvl1pPr>
-            <a:lvl2pPr marL="336042" indent="0">
-              <a:buNone/>
-              <a:defRPr sz="1029"/>
+            <a:lvl2pPr marL="325344" indent="0">
+              <a:buNone/>
+              <a:defRPr sz="996"/>
             </a:lvl2pPr>
-            <a:lvl3pPr marL="672084" indent="0">
-              <a:buNone/>
-              <a:defRPr sz="882"/>
+            <a:lvl3pPr marL="650687" indent="0">
+              <a:buNone/>
+              <a:defRPr sz="854"/>
             </a:lvl3pPr>
-            <a:lvl4pPr marL="1008126" indent="0">
-              <a:buNone/>
-              <a:defRPr sz="735"/>
+            <a:lvl4pPr marL="976031" indent="0">
+              <a:buNone/>
+              <a:defRPr sz="712"/>
             </a:lvl4pPr>
-            <a:lvl5pPr marL="1344168" indent="0">
-              <a:buNone/>
-              <a:defRPr sz="735"/>
+            <a:lvl5pPr marL="1301374" indent="0">
+              <a:buNone/>
+              <a:defRPr sz="712"/>
             </a:lvl5pPr>
-            <a:lvl6pPr marL="1680210" indent="0">
-              <a:buNone/>
-              <a:defRPr sz="735"/>
+            <a:lvl6pPr marL="1626718" indent="0">
+              <a:buNone/>
+              <a:defRPr sz="712"/>
             </a:lvl6pPr>
-            <a:lvl7pPr marL="2016252" indent="0">
-              <a:buNone/>
-              <a:defRPr sz="735"/>
+            <a:lvl7pPr marL="1952061" indent="0">
+              <a:buNone/>
+              <a:defRPr sz="712"/>
             </a:lvl7pPr>
-            <a:lvl8pPr marL="2352294" indent="0">
-              <a:buNone/>
-              <a:defRPr sz="735"/>
+            <a:lvl8pPr marL="2277405" indent="0">
+              <a:buNone/>
+              <a:defRPr sz="712"/>
             </a:lvl8pPr>
-            <a:lvl9pPr marL="2688336" indent="0">
-              <a:buNone/>
-              <a:defRPr sz="735"/>
+            <a:lvl9pPr marL="2602748" indent="0">
+              <a:buNone/>
+              <a:defRPr sz="712"/>
             </a:lvl9pPr>
           </a:lstStyle>
           <a:p>
@@ -2110,7 +2120,7 @@
           <a:p>
             <a:fld id="{B39C0367-C9DB-4397-8272-6097457C4212}" type="datetimeFigureOut">
               <a:rPr lang="en-US" smtClean="0"/>
-              <a:t>9/15/2017</a:t>
+              <a:t>10/22/2017</a:t>
             </a:fld>
             <a:endParaRPr lang="en-US"/>
           </a:p>
@@ -2161,7 +2171,7 @@
     </p:spTree>
     <p:extLst>
       <p:ext uri="{BB962C8B-B14F-4D97-AF65-F5344CB8AC3E}">
-        <p14:creationId xmlns:p14="http://schemas.microsoft.com/office/powerpoint/2010/main" val="862710337"/>
+        <p14:creationId xmlns:p14="http://schemas.microsoft.com/office/powerpoint/2010/main" val="3519637978"/>
       </p:ext>
     </p:extLst>
   </p:cSld>
@@ -2200,15 +2210,15 @@
         </p:nvSpPr>
         <p:spPr>
           <a:xfrm>
-            <a:off x="472381" y="336021"/>
-            <a:ext cx="2211884" cy="1176073"/>
+            <a:off x="597584" y="336021"/>
+            <a:ext cx="2798135" cy="1176073"/>
           </a:xfrm>
         </p:spPr>
         <p:txBody>
           <a:bodyPr anchor="b"/>
           <a:lstStyle>
             <a:lvl1pPr>
-              <a:defRPr sz="2352"/>
+              <a:defRPr sz="2277"/>
             </a:lvl1pPr>
           </a:lstStyle>
           <a:p>
@@ -2232,8 +2242,8 @@
         </p:nvSpPr>
         <p:spPr>
           <a:xfrm>
-            <a:off x="2915543" y="725713"/>
-            <a:ext cx="3471863" cy="3581889"/>
+            <a:off x="3688297" y="725712"/>
+            <a:ext cx="4392067" cy="3581889"/>
           </a:xfrm>
         </p:spPr>
         <p:txBody>
@@ -2241,39 +2251,39 @@
           <a:lstStyle>
             <a:lvl1pPr marL="0" indent="0">
               <a:buNone/>
-              <a:defRPr sz="2352"/>
+              <a:defRPr sz="2277"/>
             </a:lvl1pPr>
-            <a:lvl2pPr marL="336042" indent="0">
-              <a:buNone/>
-              <a:defRPr sz="2058"/>
+            <a:lvl2pPr marL="325344" indent="0">
+              <a:buNone/>
+              <a:defRPr sz="1992"/>
             </a:lvl2pPr>
-            <a:lvl3pPr marL="672084" indent="0">
-              <a:buNone/>
-              <a:defRPr sz="1764"/>
+            <a:lvl3pPr marL="650687" indent="0">
+              <a:buNone/>
+              <a:defRPr sz="1708"/>
             </a:lvl3pPr>
-            <a:lvl4pPr marL="1008126" indent="0">
-              <a:buNone/>
-              <a:defRPr sz="1470"/>
+            <a:lvl4pPr marL="976031" indent="0">
+              <a:buNone/>
+              <a:defRPr sz="1423"/>
             </a:lvl4pPr>
-            <a:lvl5pPr marL="1344168" indent="0">
-              <a:buNone/>
-              <a:defRPr sz="1470"/>
+            <a:lvl5pPr marL="1301374" indent="0">
+              <a:buNone/>
+              <a:defRPr sz="1423"/>
             </a:lvl5pPr>
-            <a:lvl6pPr marL="1680210" indent="0">
-              <a:buNone/>
-              <a:defRPr sz="1470"/>
+            <a:lvl6pPr marL="1626718" indent="0">
+              <a:buNone/>
+              <a:defRPr sz="1423"/>
             </a:lvl6pPr>
-            <a:lvl7pPr marL="2016252" indent="0">
-              <a:buNone/>
-              <a:defRPr sz="1470"/>
+            <a:lvl7pPr marL="1952061" indent="0">
+              <a:buNone/>
+              <a:defRPr sz="1423"/>
             </a:lvl7pPr>
-            <a:lvl8pPr marL="2352294" indent="0">
-              <a:buNone/>
-              <a:defRPr sz="1470"/>
+            <a:lvl8pPr marL="2277405" indent="0">
+              <a:buNone/>
+              <a:defRPr sz="1423"/>
             </a:lvl8pPr>
-            <a:lvl9pPr marL="2688336" indent="0">
-              <a:buNone/>
-              <a:defRPr sz="1470"/>
+            <a:lvl9pPr marL="2602748" indent="0">
+              <a:buNone/>
+              <a:defRPr sz="1423"/>
             </a:lvl9pPr>
           </a:lstStyle>
           <a:p>
@@ -2297,8 +2307,8 @@
         </p:nvSpPr>
         <p:spPr>
           <a:xfrm>
-            <a:off x="472381" y="1512094"/>
-            <a:ext cx="2211884" cy="2801341"/>
+            <a:off x="597584" y="1512094"/>
+            <a:ext cx="2798135" cy="2801341"/>
           </a:xfrm>
         </p:spPr>
         <p:txBody>
@@ -2306,39 +2316,39 @@
           <a:lstStyle>
             <a:lvl1pPr marL="0" indent="0">
               <a:buNone/>
-              <a:defRPr sz="1176"/>
+              <a:defRPr sz="1139"/>
             </a:lvl1pPr>
-            <a:lvl2pPr marL="336042" indent="0">
-              <a:buNone/>
-              <a:defRPr sz="1029"/>
+            <a:lvl2pPr marL="325344" indent="0">
+              <a:buNone/>
+              <a:defRPr sz="996"/>
             </a:lvl2pPr>
-            <a:lvl3pPr marL="672084" indent="0">
-              <a:buNone/>
-              <a:defRPr sz="882"/>
+            <a:lvl3pPr marL="650687" indent="0">
+              <a:buNone/>
+              <a:defRPr sz="854"/>
             </a:lvl3pPr>
-            <a:lvl4pPr marL="1008126" indent="0">
-              <a:buNone/>
-              <a:defRPr sz="735"/>
+            <a:lvl4pPr marL="976031" indent="0">
+              <a:buNone/>
+              <a:defRPr sz="712"/>
             </a:lvl4pPr>
-            <a:lvl5pPr marL="1344168" indent="0">
-              <a:buNone/>
-              <a:defRPr sz="735"/>
+            <a:lvl5pPr marL="1301374" indent="0">
+              <a:buNone/>
+              <a:defRPr sz="712"/>
             </a:lvl5pPr>
-            <a:lvl6pPr marL="1680210" indent="0">
-              <a:buNone/>
-              <a:defRPr sz="735"/>
+            <a:lvl6pPr marL="1626718" indent="0">
+              <a:buNone/>
+              <a:defRPr sz="712"/>
             </a:lvl6pPr>
-            <a:lvl7pPr marL="2016252" indent="0">
-              <a:buNone/>
-              <a:defRPr sz="735"/>
+            <a:lvl7pPr marL="1952061" indent="0">
+              <a:buNone/>
+              <a:defRPr sz="712"/>
             </a:lvl7pPr>
-            <a:lvl8pPr marL="2352294" indent="0">
-              <a:buNone/>
-              <a:defRPr sz="735"/>
+            <a:lvl8pPr marL="2277405" indent="0">
+              <a:buNone/>
+              <a:defRPr sz="712"/>
             </a:lvl8pPr>
-            <a:lvl9pPr marL="2688336" indent="0">
-              <a:buNone/>
-              <a:defRPr sz="735"/>
+            <a:lvl9pPr marL="2602748" indent="0">
+              <a:buNone/>
+              <a:defRPr sz="712"/>
             </a:lvl9pPr>
           </a:lstStyle>
           <a:p>
@@ -2367,7 +2377,7 @@
           <a:p>
             <a:fld id="{B39C0367-C9DB-4397-8272-6097457C4212}" type="datetimeFigureOut">
               <a:rPr lang="en-US" smtClean="0"/>
-              <a:t>9/15/2017</a:t>
+              <a:t>10/22/2017</a:t>
             </a:fld>
             <a:endParaRPr lang="en-US"/>
           </a:p>
@@ -2418,7 +2428,7 @@
     </p:spTree>
     <p:extLst>
       <p:ext uri="{BB962C8B-B14F-4D97-AF65-F5344CB8AC3E}">
-        <p14:creationId xmlns:p14="http://schemas.microsoft.com/office/powerpoint/2010/main" val="1533276195"/>
+        <p14:creationId xmlns:p14="http://schemas.microsoft.com/office/powerpoint/2010/main" val="3896318933"/>
       </p:ext>
     </p:extLst>
   </p:cSld>
@@ -2462,8 +2472,8 @@
         </p:nvSpPr>
         <p:spPr>
           <a:xfrm>
-            <a:off x="471488" y="268351"/>
-            <a:ext cx="5915025" cy="974228"/>
+            <a:off x="596454" y="268350"/>
+            <a:ext cx="7482781" cy="974228"/>
           </a:xfrm>
           <a:prstGeom prst="rect">
             <a:avLst/>
@@ -2495,8 +2505,8 @@
         </p:nvSpPr>
         <p:spPr>
           <a:xfrm>
-            <a:off x="471488" y="1341750"/>
-            <a:ext cx="5915025" cy="3198032"/>
+            <a:off x="596454" y="1341750"/>
+            <a:ext cx="7482781" cy="3198032"/>
           </a:xfrm>
           <a:prstGeom prst="rect">
             <a:avLst/>
@@ -2557,8 +2567,8 @@
         </p:nvSpPr>
         <p:spPr>
           <a:xfrm>
-            <a:off x="471488" y="4671625"/>
-            <a:ext cx="1543050" cy="268350"/>
+            <a:off x="596453" y="4671624"/>
+            <a:ext cx="1952030" cy="268350"/>
           </a:xfrm>
           <a:prstGeom prst="rect">
             <a:avLst/>
@@ -2568,7 +2578,7 @@
           <a:bodyPr vert="horz" lIns="91440" tIns="45720" rIns="91440" bIns="45720" rtlCol="0" anchor="ctr"/>
           <a:lstStyle>
             <a:lvl1pPr algn="l">
-              <a:defRPr sz="882">
+              <a:defRPr sz="854">
                 <a:solidFill>
                   <a:schemeClr val="tx1">
                     <a:tint val="75000"/>
@@ -2580,7 +2590,7 @@
           <a:p>
             <a:fld id="{B39C0367-C9DB-4397-8272-6097457C4212}" type="datetimeFigureOut">
               <a:rPr lang="en-US" smtClean="0"/>
-              <a:t>9/15/2017</a:t>
+              <a:t>10/22/2017</a:t>
             </a:fld>
             <a:endParaRPr lang="en-US"/>
           </a:p>
@@ -2598,8 +2608,8 @@
         </p:nvSpPr>
         <p:spPr>
           <a:xfrm>
-            <a:off x="2271713" y="4671625"/>
-            <a:ext cx="2314575" cy="268350"/>
+            <a:off x="2873822" y="4671624"/>
+            <a:ext cx="2928045" cy="268350"/>
           </a:xfrm>
           <a:prstGeom prst="rect">
             <a:avLst/>
@@ -2609,7 +2619,7 @@
           <a:bodyPr vert="horz" lIns="91440" tIns="45720" rIns="91440" bIns="45720" rtlCol="0" anchor="ctr"/>
           <a:lstStyle>
             <a:lvl1pPr algn="ctr">
-              <a:defRPr sz="882">
+              <a:defRPr sz="854">
                 <a:solidFill>
                   <a:schemeClr val="tx1">
                     <a:tint val="75000"/>
@@ -2635,8 +2645,8 @@
         </p:nvSpPr>
         <p:spPr>
           <a:xfrm>
-            <a:off x="4843463" y="4671625"/>
-            <a:ext cx="1543050" cy="268350"/>
+            <a:off x="6127205" y="4671624"/>
+            <a:ext cx="1952030" cy="268350"/>
           </a:xfrm>
           <a:prstGeom prst="rect">
             <a:avLst/>
@@ -2646,7 +2656,7 @@
           <a:bodyPr vert="horz" lIns="91440" tIns="45720" rIns="91440" bIns="45720" rtlCol="0" anchor="ctr"/>
           <a:lstStyle>
             <a:lvl1pPr algn="r">
-              <a:defRPr sz="882">
+              <a:defRPr sz="854">
                 <a:solidFill>
                   <a:schemeClr val="tx1">
                     <a:tint val="75000"/>
@@ -2667,27 +2677,27 @@
     </p:spTree>
     <p:extLst>
       <p:ext uri="{BB962C8B-B14F-4D97-AF65-F5344CB8AC3E}">
-        <p14:creationId xmlns:p14="http://schemas.microsoft.com/office/powerpoint/2010/main" val="1022314637"/>
+        <p14:creationId xmlns:p14="http://schemas.microsoft.com/office/powerpoint/2010/main" val="4059879805"/>
       </p:ext>
     </p:extLst>
   </p:cSld>
   <p:clrMap bg1="lt1" tx1="dk1" bg2="lt2" tx2="dk2" accent1="accent1" accent2="accent2" accent3="accent3" accent4="accent4" accent5="accent5" accent6="accent6" hlink="hlink" folHlink="folHlink"/>
   <p:sldLayoutIdLst>
-    <p:sldLayoutId id="2147483709" r:id="rId1"/>
-    <p:sldLayoutId id="2147483710" r:id="rId2"/>
-    <p:sldLayoutId id="2147483711" r:id="rId3"/>
-    <p:sldLayoutId id="2147483712" r:id="rId4"/>
-    <p:sldLayoutId id="2147483713" r:id="rId5"/>
-    <p:sldLayoutId id="2147483714" r:id="rId6"/>
-    <p:sldLayoutId id="2147483715" r:id="rId7"/>
-    <p:sldLayoutId id="2147483716" r:id="rId8"/>
-    <p:sldLayoutId id="2147483717" r:id="rId9"/>
-    <p:sldLayoutId id="2147483718" r:id="rId10"/>
-    <p:sldLayoutId id="2147483719" r:id="rId11"/>
+    <p:sldLayoutId id="2147483721" r:id="rId1"/>
+    <p:sldLayoutId id="2147483722" r:id="rId2"/>
+    <p:sldLayoutId id="2147483723" r:id="rId3"/>
+    <p:sldLayoutId id="2147483724" r:id="rId4"/>
+    <p:sldLayoutId id="2147483725" r:id="rId5"/>
+    <p:sldLayoutId id="2147483726" r:id="rId6"/>
+    <p:sldLayoutId id="2147483727" r:id="rId7"/>
+    <p:sldLayoutId id="2147483728" r:id="rId8"/>
+    <p:sldLayoutId id="2147483729" r:id="rId9"/>
+    <p:sldLayoutId id="2147483730" r:id="rId10"/>
+    <p:sldLayoutId id="2147483731" r:id="rId11"/>
   </p:sldLayoutIdLst>
   <p:txStyles>
     <p:titleStyle>
-      <a:lvl1pPr algn="l" defTabSz="672084" rtl="0" eaLnBrk="1" latinLnBrk="0" hangingPunct="1">
+      <a:lvl1pPr algn="l" defTabSz="650687" rtl="0" eaLnBrk="1" latinLnBrk="0" hangingPunct="1">
         <a:lnSpc>
           <a:spcPct val="90000"/>
         </a:lnSpc>
@@ -2695,7 +2705,7 @@
           <a:spcPct val="0"/>
         </a:spcBef>
         <a:buNone/>
-        <a:defRPr sz="3234" kern="1200">
+        <a:defRPr sz="3131" kern="1200">
           <a:solidFill>
             <a:schemeClr val="tx1"/>
           </a:solidFill>
@@ -2706,16 +2716,16 @@
       </a:lvl1pPr>
     </p:titleStyle>
     <p:bodyStyle>
-      <a:lvl1pPr marL="168021" indent="-168021" algn="l" defTabSz="672084" rtl="0" eaLnBrk="1" latinLnBrk="0" hangingPunct="1">
+      <a:lvl1pPr marL="162672" indent="-162672" algn="l" defTabSz="650687" rtl="0" eaLnBrk="1" latinLnBrk="0" hangingPunct="1">
         <a:lnSpc>
           <a:spcPct val="90000"/>
         </a:lnSpc>
         <a:spcBef>
-          <a:spcPts val="735"/>
+          <a:spcPts val="712"/>
         </a:spcBef>
         <a:buFont typeface="Arial" panose="020B0604020202020204" pitchFamily="34" charset="0"/>
         <a:buChar char="•"/>
-        <a:defRPr sz="2058" kern="1200">
+        <a:defRPr sz="1992" kern="1200">
           <a:solidFill>
             <a:schemeClr val="tx1"/>
           </a:solidFill>
@@ -2724,16 +2734,16 @@
           <a:cs typeface="+mn-cs"/>
         </a:defRPr>
       </a:lvl1pPr>
-      <a:lvl2pPr marL="504063" indent="-168021" algn="l" defTabSz="672084" rtl="0" eaLnBrk="1" latinLnBrk="0" hangingPunct="1">
+      <a:lvl2pPr marL="488015" indent="-162672" algn="l" defTabSz="650687" rtl="0" eaLnBrk="1" latinLnBrk="0" hangingPunct="1">
         <a:lnSpc>
           <a:spcPct val="90000"/>
         </a:lnSpc>
         <a:spcBef>
-          <a:spcPts val="368"/>
+          <a:spcPts val="356"/>
         </a:spcBef>
         <a:buFont typeface="Arial" panose="020B0604020202020204" pitchFamily="34" charset="0"/>
         <a:buChar char="•"/>
-        <a:defRPr sz="1764" kern="1200">
+        <a:defRPr sz="1708" kern="1200">
           <a:solidFill>
             <a:schemeClr val="tx1"/>
           </a:solidFill>
@@ -2742,16 +2752,16 @@
           <a:cs typeface="+mn-cs"/>
         </a:defRPr>
       </a:lvl2pPr>
-      <a:lvl3pPr marL="840105" indent="-168021" algn="l" defTabSz="672084" rtl="0" eaLnBrk="1" latinLnBrk="0" hangingPunct="1">
+      <a:lvl3pPr marL="813359" indent="-162672" algn="l" defTabSz="650687" rtl="0" eaLnBrk="1" latinLnBrk="0" hangingPunct="1">
         <a:lnSpc>
           <a:spcPct val="90000"/>
         </a:lnSpc>
         <a:spcBef>
-          <a:spcPts val="368"/>
+          <a:spcPts val="356"/>
         </a:spcBef>
         <a:buFont typeface="Arial" panose="020B0604020202020204" pitchFamily="34" charset="0"/>
         <a:buChar char="•"/>
-        <a:defRPr sz="1470" kern="1200">
+        <a:defRPr sz="1423" kern="1200">
           <a:solidFill>
             <a:schemeClr val="tx1"/>
           </a:solidFill>
@@ -2760,16 +2770,16 @@
           <a:cs typeface="+mn-cs"/>
         </a:defRPr>
       </a:lvl3pPr>
-      <a:lvl4pPr marL="1176147" indent="-168021" algn="l" defTabSz="672084" rtl="0" eaLnBrk="1" latinLnBrk="0" hangingPunct="1">
+      <a:lvl4pPr marL="1138702" indent="-162672" algn="l" defTabSz="650687" rtl="0" eaLnBrk="1" latinLnBrk="0" hangingPunct="1">
         <a:lnSpc>
           <a:spcPct val="90000"/>
         </a:lnSpc>
         <a:spcBef>
-          <a:spcPts val="368"/>
+          <a:spcPts val="356"/>
         </a:spcBef>
         <a:buFont typeface="Arial" panose="020B0604020202020204" pitchFamily="34" charset="0"/>
         <a:buChar char="•"/>
-        <a:defRPr sz="1323" kern="1200">
+        <a:defRPr sz="1281" kern="1200">
           <a:solidFill>
             <a:schemeClr val="tx1"/>
           </a:solidFill>
@@ -2778,16 +2788,16 @@
           <a:cs typeface="+mn-cs"/>
         </a:defRPr>
       </a:lvl4pPr>
-      <a:lvl5pPr marL="1512189" indent="-168021" algn="l" defTabSz="672084" rtl="0" eaLnBrk="1" latinLnBrk="0" hangingPunct="1">
+      <a:lvl5pPr marL="1464046" indent="-162672" algn="l" defTabSz="650687" rtl="0" eaLnBrk="1" latinLnBrk="0" hangingPunct="1">
         <a:lnSpc>
           <a:spcPct val="90000"/>
         </a:lnSpc>
         <a:spcBef>
-          <a:spcPts val="368"/>
+          <a:spcPts val="356"/>
         </a:spcBef>
         <a:buFont typeface="Arial" panose="020B0604020202020204" pitchFamily="34" charset="0"/>
         <a:buChar char="•"/>
-        <a:defRPr sz="1323" kern="1200">
+        <a:defRPr sz="1281" kern="1200">
           <a:solidFill>
             <a:schemeClr val="tx1"/>
           </a:solidFill>
@@ -2796,16 +2806,16 @@
           <a:cs typeface="+mn-cs"/>
         </a:defRPr>
       </a:lvl5pPr>
-      <a:lvl6pPr marL="1848231" indent="-168021" algn="l" defTabSz="672084" rtl="0" eaLnBrk="1" latinLnBrk="0" hangingPunct="1">
+      <a:lvl6pPr marL="1789389" indent="-162672" algn="l" defTabSz="650687" rtl="0" eaLnBrk="1" latinLnBrk="0" hangingPunct="1">
         <a:lnSpc>
           <a:spcPct val="90000"/>
         </a:lnSpc>
         <a:spcBef>
-          <a:spcPts val="368"/>
+          <a:spcPts val="356"/>
         </a:spcBef>
         <a:buFont typeface="Arial" panose="020B0604020202020204" pitchFamily="34" charset="0"/>
         <a:buChar char="•"/>
-        <a:defRPr sz="1323" kern="1200">
+        <a:defRPr sz="1281" kern="1200">
           <a:solidFill>
             <a:schemeClr val="tx1"/>
           </a:solidFill>
@@ -2814,16 +2824,16 @@
           <a:cs typeface="+mn-cs"/>
         </a:defRPr>
       </a:lvl6pPr>
-      <a:lvl7pPr marL="2184273" indent="-168021" algn="l" defTabSz="672084" rtl="0" eaLnBrk="1" latinLnBrk="0" hangingPunct="1">
+      <a:lvl7pPr marL="2114733" indent="-162672" algn="l" defTabSz="650687" rtl="0" eaLnBrk="1" latinLnBrk="0" hangingPunct="1">
         <a:lnSpc>
           <a:spcPct val="90000"/>
         </a:lnSpc>
         <a:spcBef>
-          <a:spcPts val="368"/>
+          <a:spcPts val="356"/>
         </a:spcBef>
         <a:buFont typeface="Arial" panose="020B0604020202020204" pitchFamily="34" charset="0"/>
         <a:buChar char="•"/>
-        <a:defRPr sz="1323" kern="1200">
+        <a:defRPr sz="1281" kern="1200">
           <a:solidFill>
             <a:schemeClr val="tx1"/>
           </a:solidFill>
@@ -2832,16 +2842,16 @@
           <a:cs typeface="+mn-cs"/>
         </a:defRPr>
       </a:lvl7pPr>
-      <a:lvl8pPr marL="2520315" indent="-168021" algn="l" defTabSz="672084" rtl="0" eaLnBrk="1" latinLnBrk="0" hangingPunct="1">
+      <a:lvl8pPr marL="2440076" indent="-162672" algn="l" defTabSz="650687" rtl="0" eaLnBrk="1" latinLnBrk="0" hangingPunct="1">
         <a:lnSpc>
           <a:spcPct val="90000"/>
         </a:lnSpc>
         <a:spcBef>
-          <a:spcPts val="368"/>
+          <a:spcPts val="356"/>
         </a:spcBef>
         <a:buFont typeface="Arial" panose="020B0604020202020204" pitchFamily="34" charset="0"/>
         <a:buChar char="•"/>
-        <a:defRPr sz="1323" kern="1200">
+        <a:defRPr sz="1281" kern="1200">
           <a:solidFill>
             <a:schemeClr val="tx1"/>
           </a:solidFill>
@@ -2850,16 +2860,16 @@
           <a:cs typeface="+mn-cs"/>
         </a:defRPr>
       </a:lvl8pPr>
-      <a:lvl9pPr marL="2856357" indent="-168021" algn="l" defTabSz="672084" rtl="0" eaLnBrk="1" latinLnBrk="0" hangingPunct="1">
+      <a:lvl9pPr marL="2765420" indent="-162672" algn="l" defTabSz="650687" rtl="0" eaLnBrk="1" latinLnBrk="0" hangingPunct="1">
         <a:lnSpc>
           <a:spcPct val="90000"/>
         </a:lnSpc>
         <a:spcBef>
-          <a:spcPts val="368"/>
+          <a:spcPts val="356"/>
         </a:spcBef>
         <a:buFont typeface="Arial" panose="020B0604020202020204" pitchFamily="34" charset="0"/>
         <a:buChar char="•"/>
-        <a:defRPr sz="1323" kern="1200">
+        <a:defRPr sz="1281" kern="1200">
           <a:solidFill>
             <a:schemeClr val="tx1"/>
           </a:solidFill>
@@ -2873,8 +2883,8 @@
       <a:defPPr>
         <a:defRPr lang="en-US"/>
       </a:defPPr>
-      <a:lvl1pPr marL="0" algn="l" defTabSz="672084" rtl="0" eaLnBrk="1" latinLnBrk="0" hangingPunct="1">
-        <a:defRPr sz="1323" kern="1200">
+      <a:lvl1pPr marL="0" algn="l" defTabSz="650687" rtl="0" eaLnBrk="1" latinLnBrk="0" hangingPunct="1">
+        <a:defRPr sz="1281" kern="1200">
           <a:solidFill>
             <a:schemeClr val="tx1"/>
           </a:solidFill>
@@ -2883,8 +2893,8 @@
           <a:cs typeface="+mn-cs"/>
         </a:defRPr>
       </a:lvl1pPr>
-      <a:lvl2pPr marL="336042" algn="l" defTabSz="672084" rtl="0" eaLnBrk="1" latinLnBrk="0" hangingPunct="1">
-        <a:defRPr sz="1323" kern="1200">
+      <a:lvl2pPr marL="325344" algn="l" defTabSz="650687" rtl="0" eaLnBrk="1" latinLnBrk="0" hangingPunct="1">
+        <a:defRPr sz="1281" kern="1200">
           <a:solidFill>
             <a:schemeClr val="tx1"/>
           </a:solidFill>
@@ -2893,8 +2903,8 @@
           <a:cs typeface="+mn-cs"/>
         </a:defRPr>
       </a:lvl2pPr>
-      <a:lvl3pPr marL="672084" algn="l" defTabSz="672084" rtl="0" eaLnBrk="1" latinLnBrk="0" hangingPunct="1">
-        <a:defRPr sz="1323" kern="1200">
+      <a:lvl3pPr marL="650687" algn="l" defTabSz="650687" rtl="0" eaLnBrk="1" latinLnBrk="0" hangingPunct="1">
+        <a:defRPr sz="1281" kern="1200">
           <a:solidFill>
             <a:schemeClr val="tx1"/>
           </a:solidFill>
@@ -2903,8 +2913,8 @@
           <a:cs typeface="+mn-cs"/>
         </a:defRPr>
       </a:lvl3pPr>
-      <a:lvl4pPr marL="1008126" algn="l" defTabSz="672084" rtl="0" eaLnBrk="1" latinLnBrk="0" hangingPunct="1">
-        <a:defRPr sz="1323" kern="1200">
+      <a:lvl4pPr marL="976031" algn="l" defTabSz="650687" rtl="0" eaLnBrk="1" latinLnBrk="0" hangingPunct="1">
+        <a:defRPr sz="1281" kern="1200">
           <a:solidFill>
             <a:schemeClr val="tx1"/>
           </a:solidFill>
@@ -2913,8 +2923,8 @@
           <a:cs typeface="+mn-cs"/>
         </a:defRPr>
       </a:lvl4pPr>
-      <a:lvl5pPr marL="1344168" algn="l" defTabSz="672084" rtl="0" eaLnBrk="1" latinLnBrk="0" hangingPunct="1">
-        <a:defRPr sz="1323" kern="1200">
+      <a:lvl5pPr marL="1301374" algn="l" defTabSz="650687" rtl="0" eaLnBrk="1" latinLnBrk="0" hangingPunct="1">
+        <a:defRPr sz="1281" kern="1200">
           <a:solidFill>
             <a:schemeClr val="tx1"/>
           </a:solidFill>
@@ -2923,8 +2933,8 @@
           <a:cs typeface="+mn-cs"/>
         </a:defRPr>
       </a:lvl5pPr>
-      <a:lvl6pPr marL="1680210" algn="l" defTabSz="672084" rtl="0" eaLnBrk="1" latinLnBrk="0" hangingPunct="1">
-        <a:defRPr sz="1323" kern="1200">
+      <a:lvl6pPr marL="1626718" algn="l" defTabSz="650687" rtl="0" eaLnBrk="1" latinLnBrk="0" hangingPunct="1">
+        <a:defRPr sz="1281" kern="1200">
           <a:solidFill>
             <a:schemeClr val="tx1"/>
           </a:solidFill>
@@ -2933,8 +2943,8 @@
           <a:cs typeface="+mn-cs"/>
         </a:defRPr>
       </a:lvl6pPr>
-      <a:lvl7pPr marL="2016252" algn="l" defTabSz="672084" rtl="0" eaLnBrk="1" latinLnBrk="0" hangingPunct="1">
-        <a:defRPr sz="1323" kern="1200">
+      <a:lvl7pPr marL="1952061" algn="l" defTabSz="650687" rtl="0" eaLnBrk="1" latinLnBrk="0" hangingPunct="1">
+        <a:defRPr sz="1281" kern="1200">
           <a:solidFill>
             <a:schemeClr val="tx1"/>
           </a:solidFill>
@@ -2943,8 +2953,8 @@
           <a:cs typeface="+mn-cs"/>
         </a:defRPr>
       </a:lvl7pPr>
-      <a:lvl8pPr marL="2352294" algn="l" defTabSz="672084" rtl="0" eaLnBrk="1" latinLnBrk="0" hangingPunct="1">
-        <a:defRPr sz="1323" kern="1200">
+      <a:lvl8pPr marL="2277405" algn="l" defTabSz="650687" rtl="0" eaLnBrk="1" latinLnBrk="0" hangingPunct="1">
+        <a:defRPr sz="1281" kern="1200">
           <a:solidFill>
             <a:schemeClr val="tx1"/>
           </a:solidFill>
@@ -2953,8 +2963,8 @@
           <a:cs typeface="+mn-cs"/>
         </a:defRPr>
       </a:lvl8pPr>
-      <a:lvl9pPr marL="2688336" algn="l" defTabSz="672084" rtl="0" eaLnBrk="1" latinLnBrk="0" hangingPunct="1">
-        <a:defRPr sz="1323" kern="1200">
+      <a:lvl9pPr marL="2602748" algn="l" defTabSz="650687" rtl="0" eaLnBrk="1" latinLnBrk="0" hangingPunct="1">
+        <a:defRPr sz="1281" kern="1200">
           <a:solidFill>
             <a:schemeClr val="tx1"/>
           </a:solidFill>
@@ -2993,7 +3003,7 @@
         </p:nvSpPr>
         <p:spPr>
           <a:xfrm>
-            <a:off x="66054" y="359348"/>
+            <a:off x="81549" y="359349"/>
             <a:ext cx="532801" cy="4311161"/>
           </a:xfrm>
           <a:prstGeom prst="roundRect">
@@ -3050,7 +3060,7 @@
         </p:nvSpPr>
         <p:spPr>
           <a:xfrm>
-            <a:off x="86232" y="359348"/>
+            <a:off x="101727" y="359348"/>
             <a:ext cx="492443" cy="1332000"/>
           </a:xfrm>
           <a:prstGeom prst="rect">
@@ -3073,11 +3083,11 @@
               </a:spcAft>
             </a:pPr>
             <a:r>
-              <a:rPr lang="en-US" sz="1000" dirty="0" smtClean="0">
+              <a:rPr lang="en-US" sz="1000" dirty="0">
                 <a:solidFill>
                   <a:srgbClr val="061229"/>
                 </a:solidFill>
-                <a:latin typeface="Helvetica" pitchFamily="2" charset="0"/>
+                <a:latin typeface="Helvetica Neue" panose="02000503000000020004" pitchFamily="50"/>
                 <a:ea typeface="Roboto" pitchFamily="2" charset="0"/>
                 <a:cs typeface="Times New Roman" panose="02020603050405020304" pitchFamily="18" charset="0"/>
               </a:rPr>
@@ -3087,7 +3097,7 @@
               <a:solidFill>
                 <a:srgbClr val="061229"/>
               </a:solidFill>
-              <a:latin typeface="Helvetica" pitchFamily="2" charset="0"/>
+              <a:latin typeface="Helvetica Neue" panose="02000503000000020004" pitchFamily="50"/>
               <a:ea typeface="Roboto" pitchFamily="2" charset="0"/>
               <a:cs typeface="Times New Roman" panose="02020603050405020304" pitchFamily="18" charset="0"/>
             </a:endParaRPr>
@@ -3102,7 +3112,7 @@
         </p:nvSpPr>
         <p:spPr>
           <a:xfrm>
-            <a:off x="142999" y="1847138"/>
+            <a:off x="158493" y="1847138"/>
             <a:ext cx="338554" cy="1332000"/>
           </a:xfrm>
           <a:prstGeom prst="rect">
@@ -3125,11 +3135,11 @@
               </a:spcAft>
             </a:pPr>
             <a:r>
-              <a:rPr lang="en-US" sz="1000" dirty="0" smtClean="0">
+              <a:rPr lang="en-US" sz="1000" dirty="0">
                 <a:solidFill>
                   <a:srgbClr val="061229"/>
                 </a:solidFill>
-                <a:latin typeface="Helvetica" pitchFamily="2" charset="0"/>
+                <a:latin typeface="Helvetica Neue" panose="02000503000000020004" pitchFamily="50"/>
                 <a:ea typeface="Roboto" pitchFamily="2" charset="0"/>
                 <a:cs typeface="Times New Roman" panose="02020603050405020304" pitchFamily="18" charset="0"/>
               </a:rPr>
@@ -3139,7 +3149,7 @@
               <a:solidFill>
                 <a:srgbClr val="061229"/>
               </a:solidFill>
-              <a:latin typeface="Helvetica" pitchFamily="2" charset="0"/>
+              <a:latin typeface="Helvetica Neue" panose="02000503000000020004" pitchFamily="50"/>
               <a:ea typeface="Roboto" pitchFamily="2" charset="0"/>
               <a:cs typeface="Times New Roman" panose="02020603050405020304" pitchFamily="18" charset="0"/>
             </a:endParaRPr>
@@ -3154,7 +3164,7 @@
         </p:nvSpPr>
         <p:spPr>
           <a:xfrm>
-            <a:off x="66055" y="3338509"/>
+            <a:off x="81550" y="3338509"/>
             <a:ext cx="492443" cy="1332000"/>
           </a:xfrm>
           <a:prstGeom prst="rect">
@@ -3177,7 +3187,1179 @@
               </a:spcAft>
             </a:pPr>
             <a:r>
+              <a:rPr lang="en-US" sz="1000" dirty="0">
+                <a:solidFill>
+                  <a:srgbClr val="061229"/>
+                </a:solidFill>
+                <a:latin typeface="Helvetica Neue" panose="02000503000000020004" pitchFamily="50"/>
+                <a:ea typeface="Roboto" pitchFamily="2" charset="0"/>
+                <a:cs typeface="Times New Roman" panose="02020603050405020304" pitchFamily="18" charset="0"/>
+              </a:rPr>
+              <a:t>SOFTWARE DEVELOPEMENT</a:t>
+            </a:r>
+            <a:endParaRPr lang="en-US" sz="1000" dirty="0">
+              <a:solidFill>
+                <a:srgbClr val="061229"/>
+              </a:solidFill>
+              <a:latin typeface="Helvetica Neue" panose="02000503000000020004" pitchFamily="50"/>
+              <a:ea typeface="Roboto" pitchFamily="2" charset="0"/>
+              <a:cs typeface="Times New Roman" panose="02020603050405020304" pitchFamily="18" charset="0"/>
+            </a:endParaRPr>
+          </a:p>
+        </p:txBody>
+      </p:sp>
+      <p:sp>
+        <p:nvSpPr>
+          <p:cNvPr id="19" name="ZoneTexte 18"/>
+          <p:cNvSpPr txBox="1"/>
+          <p:nvPr/>
+        </p:nvSpPr>
+        <p:spPr>
+          <a:xfrm>
+            <a:off x="699134" y="463287"/>
+            <a:ext cx="2124000" cy="1138773"/>
+          </a:xfrm>
+          <a:prstGeom prst="rect">
+            <a:avLst/>
+          </a:prstGeom>
+          <a:solidFill>
+            <a:srgbClr val="E8E8FF"/>
+          </a:solidFill>
+          <a:effectLst>
+            <a:outerShdw blurRad="25400" dist="25400" dir="2700000" algn="tl" rotWithShape="0">
+              <a:schemeClr val="tx1">
+                <a:lumMod val="50000"/>
+                <a:lumOff val="50000"/>
+                <a:alpha val="60000"/>
+              </a:schemeClr>
+            </a:outerShdw>
+          </a:effectLst>
+        </p:spPr>
+        <p:txBody>
+          <a:bodyPr wrap="square" rtlCol="0">
+            <a:spAutoFit/>
+          </a:bodyPr>
+          <a:lstStyle/>
+          <a:p>
+            <a:pPr>
+              <a:spcAft>
+                <a:spcPts val="600"/>
+              </a:spcAft>
+            </a:pPr>
+            <a:r>
+              <a:rPr lang="en-US" sz="1000" dirty="0">
+                <a:latin typeface="Roboto Light" panose="02000000000000000000" pitchFamily="2" charset="0"/>
+                <a:ea typeface="Roboto Light" panose="02000000000000000000" pitchFamily="2" charset="0"/>
+              </a:rPr>
+              <a:t>Study </a:t>
+            </a:r>
+            <a:r>
+              <a:rPr lang="en-US" sz="1000" dirty="0">
+                <a:latin typeface="Roboto Light" panose="02000000000000000000" pitchFamily="2" charset="0"/>
+                <a:ea typeface="Roboto Light" panose="02000000000000000000" pitchFamily="2" charset="0"/>
+              </a:rPr>
+              <a:t>1 	 </a:t>
+            </a:r>
+            <a:r>
               <a:rPr lang="en-US" sz="1000" dirty="0" smtClean="0">
+                <a:latin typeface="Roboto Light" panose="02000000000000000000" pitchFamily="2" charset="0"/>
+                <a:ea typeface="Roboto Light" panose="02000000000000000000" pitchFamily="2" charset="0"/>
+              </a:rPr>
+              <a:t>                        </a:t>
+            </a:r>
+            <a:r>
+              <a:rPr lang="en-US" sz="1000" dirty="0">
+                <a:latin typeface="Roboto Light" panose="02000000000000000000" pitchFamily="2" charset="0"/>
+                <a:ea typeface="Roboto Light" panose="02000000000000000000" pitchFamily="2" charset="0"/>
+              </a:rPr>
+              <a:t> </a:t>
+            </a:r>
+            <a:r>
+              <a:rPr lang="en-US" sz="1000" i="1" dirty="0" smtClean="0">
+                <a:solidFill>
+                  <a:schemeClr val="tx1">
+                    <a:lumMod val="75000"/>
+                    <a:lumOff val="25000"/>
+                  </a:schemeClr>
+                </a:solidFill>
+                <a:latin typeface="Roboto Light" panose="02000000000000000000" pitchFamily="2" charset="0"/>
+                <a:ea typeface="Roboto Light" panose="02000000000000000000" pitchFamily="2" charset="0"/>
+              </a:rPr>
+              <a:t>EEG</a:t>
+            </a:r>
+            <a:endParaRPr lang="en-US" sz="1000" dirty="0">
+              <a:solidFill>
+                <a:schemeClr val="tx1">
+                  <a:lumMod val="75000"/>
+                  <a:lumOff val="25000"/>
+                </a:schemeClr>
+              </a:solidFill>
+              <a:latin typeface="Roboto Light" panose="02000000000000000000" pitchFamily="2" charset="0"/>
+              <a:ea typeface="Roboto Light" panose="02000000000000000000" pitchFamily="2" charset="0"/>
+            </a:endParaRPr>
+          </a:p>
+          <a:p>
+            <a:pPr>
+              <a:spcAft>
+                <a:spcPts val="300"/>
+              </a:spcAft>
+            </a:pPr>
+            <a:r>
+              <a:rPr lang="en-US" sz="1050" b="1" dirty="0">
+                <a:latin typeface="Helvetica Neue" panose="02000503000000020004" pitchFamily="50"/>
+              </a:rPr>
+              <a:t>DRF and arousals</a:t>
+            </a:r>
+            <a:endParaRPr lang="en-US" sz="1050" b="1" dirty="0">
+              <a:latin typeface="Helvetica Neue" panose="02000503000000020004" pitchFamily="50"/>
+            </a:endParaRPr>
+          </a:p>
+          <a:p>
+            <a:pPr algn="just"/>
+            <a:r>
+              <a:rPr lang="en-US" sz="1000" dirty="0">
+                <a:latin typeface="Helvetica Neue" panose="02000503000000020004" pitchFamily="50"/>
+              </a:rPr>
+              <a:t>We </a:t>
+            </a:r>
+            <a:r>
+              <a:rPr lang="en-US" sz="1000" dirty="0" smtClean="0">
+                <a:latin typeface="Helvetica Neue" panose="02000503000000020004" pitchFamily="50"/>
+              </a:rPr>
+              <a:t>compared the </a:t>
+            </a:r>
+            <a:r>
+              <a:rPr lang="en-US" sz="1000" dirty="0">
+                <a:latin typeface="Helvetica Neue" panose="02000503000000020004" pitchFamily="50"/>
+              </a:rPr>
+              <a:t>sleep macro- and micro-structure of </a:t>
+            </a:r>
+            <a:r>
+              <a:rPr lang="en-US" sz="1000" dirty="0" smtClean="0">
+                <a:latin typeface="Helvetica Neue" panose="02000503000000020004" pitchFamily="50"/>
+              </a:rPr>
+              <a:t>HR and LR, </a:t>
+            </a:r>
+            <a:r>
+              <a:rPr lang="en-US" sz="1000" dirty="0">
+                <a:latin typeface="Helvetica Neue" panose="02000503000000020004" pitchFamily="50"/>
+              </a:rPr>
+              <a:t>as well as their brain responses to </a:t>
+            </a:r>
+            <a:r>
+              <a:rPr lang="en-US" sz="1000" dirty="0" smtClean="0">
+                <a:latin typeface="Helvetica Neue" panose="02000503000000020004" pitchFamily="50"/>
+              </a:rPr>
+              <a:t>stimuli </a:t>
+            </a:r>
+            <a:r>
+              <a:rPr lang="en-US" sz="1000" dirty="0">
+                <a:latin typeface="Helvetica Neue" panose="02000503000000020004" pitchFamily="50"/>
+              </a:rPr>
+              <a:t>during sleep.</a:t>
+            </a:r>
+          </a:p>
+        </p:txBody>
+      </p:sp>
+      <p:sp>
+        <p:nvSpPr>
+          <p:cNvPr id="27" name="ZoneTexte 26"/>
+          <p:cNvSpPr txBox="1"/>
+          <p:nvPr/>
+        </p:nvSpPr>
+        <p:spPr>
+          <a:xfrm>
+            <a:off x="2907918" y="462420"/>
+            <a:ext cx="2124000" cy="1138773"/>
+          </a:xfrm>
+          <a:prstGeom prst="rect">
+            <a:avLst/>
+          </a:prstGeom>
+          <a:solidFill>
+            <a:srgbClr val="C9DBFF"/>
+          </a:solidFill>
+          <a:effectLst>
+            <a:outerShdw blurRad="25400" dist="25400" dir="2700000" algn="tl" rotWithShape="0">
+              <a:schemeClr val="tx1">
+                <a:lumMod val="50000"/>
+                <a:lumOff val="50000"/>
+                <a:alpha val="60000"/>
+              </a:schemeClr>
+            </a:outerShdw>
+          </a:effectLst>
+        </p:spPr>
+        <p:txBody>
+          <a:bodyPr wrap="square" rtlCol="0">
+            <a:spAutoFit/>
+          </a:bodyPr>
+          <a:lstStyle/>
+          <a:p>
+            <a:pPr>
+              <a:spcAft>
+                <a:spcPts val="600"/>
+              </a:spcAft>
+            </a:pPr>
+            <a:r>
+              <a:rPr lang="en-US" sz="1000" dirty="0">
+                <a:latin typeface="Roboto Light" panose="02000000000000000000" pitchFamily="2" charset="0"/>
+                <a:ea typeface="Roboto Light" panose="02000000000000000000" pitchFamily="2" charset="0"/>
+              </a:rPr>
+              <a:t>Study </a:t>
+            </a:r>
+            <a:r>
+              <a:rPr lang="en-US" sz="1000" dirty="0">
+                <a:latin typeface="Roboto Light" panose="02000000000000000000" pitchFamily="2" charset="0"/>
+                <a:ea typeface="Roboto Light" panose="02000000000000000000" pitchFamily="2" charset="0"/>
+              </a:rPr>
+              <a:t>2	               </a:t>
+            </a:r>
+            <a:r>
+              <a:rPr lang="en-US" sz="1000" dirty="0" smtClean="0">
+                <a:latin typeface="Roboto Light" panose="02000000000000000000" pitchFamily="2" charset="0"/>
+                <a:ea typeface="Roboto Light" panose="02000000000000000000" pitchFamily="2" charset="0"/>
+              </a:rPr>
+              <a:t> </a:t>
+            </a:r>
+            <a:r>
+              <a:rPr lang="en-US" sz="1000" i="1" dirty="0" smtClean="0">
+                <a:solidFill>
+                  <a:schemeClr val="tx1">
+                    <a:lumMod val="75000"/>
+                    <a:lumOff val="25000"/>
+                  </a:schemeClr>
+                </a:solidFill>
+                <a:latin typeface="Roboto Light" panose="02000000000000000000" pitchFamily="2" charset="0"/>
+                <a:ea typeface="Roboto Light" panose="02000000000000000000" pitchFamily="2" charset="0"/>
+              </a:rPr>
+              <a:t>EEG-fMRI</a:t>
+            </a:r>
+            <a:endParaRPr lang="en-US" sz="1000" i="1" dirty="0">
+              <a:solidFill>
+                <a:schemeClr val="tx1">
+                  <a:lumMod val="75000"/>
+                  <a:lumOff val="25000"/>
+                </a:schemeClr>
+              </a:solidFill>
+              <a:latin typeface="Roboto Light" panose="02000000000000000000" pitchFamily="2" charset="0"/>
+              <a:ea typeface="Roboto Light" panose="02000000000000000000" pitchFamily="2" charset="0"/>
+            </a:endParaRPr>
+          </a:p>
+          <a:p>
+            <a:pPr>
+              <a:spcAft>
+                <a:spcPts val="300"/>
+              </a:spcAft>
+            </a:pPr>
+            <a:r>
+              <a:rPr lang="en-US" sz="1050" b="1" dirty="0">
+                <a:latin typeface="Helvetica Neue" panose="02000503000000020004" pitchFamily="50"/>
+              </a:rPr>
+              <a:t>DRF and sleep inertia</a:t>
+            </a:r>
+            <a:endParaRPr lang="en-US" sz="1050" b="1" dirty="0">
+              <a:latin typeface="Helvetica Neue" panose="02000503000000020004" pitchFamily="50"/>
+            </a:endParaRPr>
+          </a:p>
+          <a:p>
+            <a:pPr algn="just"/>
+            <a:r>
+              <a:rPr lang="en-US" sz="1000" dirty="0">
+                <a:latin typeface="Helvetica Neue" panose="02000503000000020004" pitchFamily="50"/>
+              </a:rPr>
+              <a:t>We </a:t>
+            </a:r>
+            <a:r>
+              <a:rPr lang="en-US" sz="1000" dirty="0" smtClean="0">
+                <a:latin typeface="Helvetica Neue" panose="02000503000000020004" pitchFamily="50"/>
+              </a:rPr>
+              <a:t>(1) tested </a:t>
+            </a:r>
+            <a:r>
+              <a:rPr lang="en-US" sz="1000" dirty="0">
+                <a:latin typeface="Helvetica Neue" panose="02000503000000020004" pitchFamily="50"/>
+              </a:rPr>
+              <a:t>the hypothesis of a differential sleep inertia in </a:t>
+            </a:r>
+            <a:r>
+              <a:rPr lang="en-US" sz="1000" dirty="0" smtClean="0">
+                <a:latin typeface="Helvetica Neue" panose="02000503000000020004" pitchFamily="50"/>
+              </a:rPr>
+              <a:t>HR and LR </a:t>
+            </a:r>
+            <a:r>
+              <a:rPr lang="en-US" sz="1000" dirty="0">
+                <a:latin typeface="Helvetica Neue" panose="02000503000000020004" pitchFamily="50"/>
+              </a:rPr>
+              <a:t>and </a:t>
+            </a:r>
+            <a:r>
+              <a:rPr lang="en-US" sz="1000" dirty="0" smtClean="0">
+                <a:latin typeface="Helvetica Neue" panose="02000503000000020004" pitchFamily="50"/>
+              </a:rPr>
+              <a:t>(2) provided an </a:t>
+            </a:r>
+            <a:r>
+              <a:rPr lang="en-US" sz="1000" dirty="0">
+                <a:latin typeface="Helvetica Neue" panose="02000503000000020004" pitchFamily="50"/>
+              </a:rPr>
+              <a:t>overview of the awakening brain.</a:t>
+            </a:r>
+            <a:endParaRPr lang="en-US" sz="1000" dirty="0">
+              <a:latin typeface="Helvetica Neue" panose="02000503000000020004" pitchFamily="50"/>
+            </a:endParaRPr>
+          </a:p>
+        </p:txBody>
+      </p:sp>
+      <p:sp>
+        <p:nvSpPr>
+          <p:cNvPr id="36" name="ZoneTexte 35"/>
+          <p:cNvSpPr txBox="1"/>
+          <p:nvPr/>
+        </p:nvSpPr>
+        <p:spPr>
+          <a:xfrm>
+            <a:off x="701654" y="1943499"/>
+            <a:ext cx="3204000" cy="1138773"/>
+          </a:xfrm>
+          <a:prstGeom prst="rect">
+            <a:avLst/>
+          </a:prstGeom>
+          <a:solidFill>
+            <a:srgbClr val="FFE8C9"/>
+          </a:solidFill>
+          <a:effectLst>
+            <a:outerShdw blurRad="25400" dist="25400" dir="2700000" algn="tl" rotWithShape="0">
+              <a:schemeClr val="tx1">
+                <a:lumMod val="50000"/>
+                <a:lumOff val="50000"/>
+                <a:alpha val="60000"/>
+              </a:schemeClr>
+            </a:outerShdw>
+          </a:effectLst>
+        </p:spPr>
+        <p:txBody>
+          <a:bodyPr wrap="square" rtlCol="0">
+            <a:spAutoFit/>
+          </a:bodyPr>
+          <a:lstStyle/>
+          <a:p>
+            <a:pPr>
+              <a:spcAft>
+                <a:spcPts val="600"/>
+              </a:spcAft>
+            </a:pPr>
+            <a:r>
+              <a:rPr lang="en-US" sz="1000" dirty="0">
+                <a:latin typeface="Roboto Light" panose="02000000000000000000" pitchFamily="2" charset="0"/>
+                <a:ea typeface="Roboto Light" panose="02000000000000000000" pitchFamily="2" charset="0"/>
+              </a:rPr>
+              <a:t>Study </a:t>
+            </a:r>
+            <a:r>
+              <a:rPr lang="en-US" sz="1000" dirty="0" smtClean="0">
+                <a:latin typeface="Roboto Light" panose="02000000000000000000" pitchFamily="2" charset="0"/>
+                <a:ea typeface="Roboto Light" panose="02000000000000000000" pitchFamily="2" charset="0"/>
+              </a:rPr>
+              <a:t>4 </a:t>
+            </a:r>
+            <a:r>
+              <a:rPr lang="en-US" sz="1000" dirty="0">
+                <a:latin typeface="Roboto Light" panose="02000000000000000000" pitchFamily="2" charset="0"/>
+                <a:ea typeface="Roboto Light" panose="02000000000000000000" pitchFamily="2" charset="0"/>
+              </a:rPr>
+              <a:t>	       	    </a:t>
+            </a:r>
+            <a:r>
+              <a:rPr lang="en-US" sz="1000" dirty="0" smtClean="0">
+                <a:latin typeface="Roboto Light" panose="02000000000000000000" pitchFamily="2" charset="0"/>
+                <a:ea typeface="Roboto Light" panose="02000000000000000000" pitchFamily="2" charset="0"/>
+              </a:rPr>
+              <a:t>                       </a:t>
+            </a:r>
+            <a:r>
+              <a:rPr lang="en-US" sz="1000" i="1" dirty="0" smtClean="0">
+                <a:solidFill>
+                  <a:schemeClr val="tx1">
+                    <a:lumMod val="75000"/>
+                    <a:lumOff val="25000"/>
+                  </a:schemeClr>
+                </a:solidFill>
+                <a:latin typeface="Roboto Light" panose="02000000000000000000" pitchFamily="2" charset="0"/>
+                <a:ea typeface="Roboto Light" panose="02000000000000000000" pitchFamily="2" charset="0"/>
+              </a:rPr>
+              <a:t>Survey</a:t>
+            </a:r>
+            <a:endParaRPr lang="en-US" sz="1000" i="1" dirty="0">
+              <a:solidFill>
+                <a:schemeClr val="tx1">
+                  <a:lumMod val="75000"/>
+                  <a:lumOff val="25000"/>
+                </a:schemeClr>
+              </a:solidFill>
+              <a:latin typeface="Roboto Light" panose="02000000000000000000" pitchFamily="2" charset="0"/>
+              <a:ea typeface="Roboto Light" panose="02000000000000000000" pitchFamily="2" charset="0"/>
+            </a:endParaRPr>
+          </a:p>
+          <a:p>
+            <a:pPr>
+              <a:spcAft>
+                <a:spcPts val="300"/>
+              </a:spcAft>
+            </a:pPr>
+            <a:r>
+              <a:rPr lang="en-US" sz="1050" b="1" dirty="0">
+                <a:latin typeface="Helvetica Neue" panose="02000503000000020004" pitchFamily="50"/>
+              </a:rPr>
+              <a:t>Sleep and dream </a:t>
+            </a:r>
+            <a:r>
+              <a:rPr lang="en-US" sz="1050" b="1" dirty="0" smtClean="0">
+                <a:latin typeface="Helvetica Neue" panose="02000503000000020004" pitchFamily="50"/>
+              </a:rPr>
+              <a:t>habits of French students</a:t>
+            </a:r>
+            <a:endParaRPr lang="en-US" sz="1050" b="1" dirty="0">
+              <a:latin typeface="Helvetica Neue" panose="02000503000000020004" pitchFamily="50"/>
+            </a:endParaRPr>
+          </a:p>
+          <a:p>
+            <a:pPr algn="just">
+              <a:spcAft>
+                <a:spcPts val="300"/>
+              </a:spcAft>
+            </a:pPr>
+            <a:r>
+              <a:rPr lang="en-US" sz="1000" dirty="0">
+                <a:latin typeface="Helvetica Neue" panose="02000503000000020004" pitchFamily="50"/>
+              </a:rPr>
+              <a:t>We used an online questionnaire to collect </a:t>
+            </a:r>
+            <a:r>
+              <a:rPr lang="en-US" sz="1000" dirty="0" smtClean="0">
+                <a:latin typeface="Helvetica Neue" panose="02000503000000020004" pitchFamily="50"/>
+              </a:rPr>
+              <a:t>and analyze data on the sleep </a:t>
+            </a:r>
+            <a:r>
+              <a:rPr lang="en-US" sz="1000" dirty="0">
+                <a:latin typeface="Helvetica Neue" panose="02000503000000020004" pitchFamily="50"/>
+              </a:rPr>
+              <a:t>and </a:t>
+            </a:r>
+            <a:r>
+              <a:rPr lang="en-US" sz="1000" dirty="0" smtClean="0">
+                <a:latin typeface="Helvetica Neue" panose="02000503000000020004" pitchFamily="50"/>
+              </a:rPr>
+              <a:t>dream habits of </a:t>
+            </a:r>
+            <a:r>
+              <a:rPr lang="en-US" sz="1000" dirty="0">
+                <a:latin typeface="Helvetica Neue" panose="02000503000000020004" pitchFamily="50"/>
+              </a:rPr>
+              <a:t>a large sample of French college </a:t>
+            </a:r>
+            <a:r>
+              <a:rPr lang="en-US" sz="1000" dirty="0" smtClean="0">
+                <a:latin typeface="Helvetica Neue" panose="02000503000000020004" pitchFamily="50"/>
+              </a:rPr>
+              <a:t>students</a:t>
+            </a:r>
+            <a:r>
+              <a:rPr lang="en-US" sz="1000" dirty="0">
+                <a:latin typeface="Helvetica Neue" panose="02000503000000020004" pitchFamily="50"/>
+              </a:rPr>
+              <a:t> </a:t>
+            </a:r>
+            <a:r>
+              <a:rPr lang="en-US" sz="1000" dirty="0" smtClean="0">
+                <a:latin typeface="Helvetica Neue" panose="02000503000000020004" pitchFamily="50"/>
+              </a:rPr>
+              <a:t>from Lyon University.</a:t>
+            </a:r>
+          </a:p>
+        </p:txBody>
+      </p:sp>
+      <p:sp>
+        <p:nvSpPr>
+          <p:cNvPr id="37" name="ZoneTexte 36"/>
+          <p:cNvSpPr txBox="1"/>
+          <p:nvPr/>
+        </p:nvSpPr>
+        <p:spPr>
+          <a:xfrm>
+            <a:off x="4000702" y="1943911"/>
+            <a:ext cx="3240000" cy="1138773"/>
+          </a:xfrm>
+          <a:prstGeom prst="rect">
+            <a:avLst/>
+          </a:prstGeom>
+          <a:solidFill>
+            <a:srgbClr val="FFC4AD"/>
+          </a:solidFill>
+          <a:effectLst>
+            <a:outerShdw blurRad="25400" dist="25400" dir="2700000" algn="tl" rotWithShape="0">
+              <a:schemeClr val="tx1">
+                <a:lumMod val="50000"/>
+                <a:lumOff val="50000"/>
+                <a:alpha val="60000"/>
+              </a:schemeClr>
+            </a:outerShdw>
+          </a:effectLst>
+        </p:spPr>
+        <p:txBody>
+          <a:bodyPr wrap="square" rtlCol="0">
+            <a:spAutoFit/>
+          </a:bodyPr>
+          <a:lstStyle/>
+          <a:p>
+            <a:pPr>
+              <a:spcAft>
+                <a:spcPts val="600"/>
+              </a:spcAft>
+            </a:pPr>
+            <a:r>
+              <a:rPr lang="en-US" sz="1000" dirty="0">
+                <a:latin typeface="Roboto Light" panose="02000000000000000000" pitchFamily="2" charset="0"/>
+                <a:ea typeface="Roboto Light" panose="02000000000000000000" pitchFamily="2" charset="0"/>
+              </a:rPr>
+              <a:t>Study </a:t>
+            </a:r>
+            <a:r>
+              <a:rPr lang="en-US" sz="1000" dirty="0" smtClean="0">
+                <a:latin typeface="Roboto Light" panose="02000000000000000000" pitchFamily="2" charset="0"/>
+                <a:ea typeface="Roboto Light" panose="02000000000000000000" pitchFamily="2" charset="0"/>
+              </a:rPr>
+              <a:t>5 </a:t>
+            </a:r>
+            <a:r>
+              <a:rPr lang="en-US" sz="1000" dirty="0">
+                <a:latin typeface="Roboto Light" panose="02000000000000000000" pitchFamily="2" charset="0"/>
+                <a:ea typeface="Roboto Light" panose="02000000000000000000" pitchFamily="2" charset="0"/>
+              </a:rPr>
+              <a:t>	      </a:t>
+            </a:r>
+            <a:r>
+              <a:rPr lang="en-US" sz="1000" dirty="0" smtClean="0">
+                <a:latin typeface="Roboto Light" panose="02000000000000000000" pitchFamily="2" charset="0"/>
+                <a:ea typeface="Roboto Light" panose="02000000000000000000" pitchFamily="2" charset="0"/>
+              </a:rPr>
+              <a:t>                        </a:t>
+            </a:r>
+            <a:r>
+              <a:rPr lang="en-US" sz="1000" i="1" dirty="0" smtClean="0">
+                <a:solidFill>
+                  <a:schemeClr val="tx1">
+                    <a:lumMod val="75000"/>
+                    <a:lumOff val="25000"/>
+                  </a:schemeClr>
+                </a:solidFill>
+                <a:latin typeface="Roboto Light" panose="02000000000000000000" pitchFamily="2" charset="0"/>
+                <a:ea typeface="Roboto Light" panose="02000000000000000000" pitchFamily="2" charset="0"/>
+              </a:rPr>
+              <a:t>Dream </a:t>
+            </a:r>
+            <a:r>
+              <a:rPr lang="en-US" sz="1000" i="1" dirty="0">
+                <a:solidFill>
+                  <a:schemeClr val="tx1">
+                    <a:lumMod val="75000"/>
+                    <a:lumOff val="25000"/>
+                  </a:schemeClr>
+                </a:solidFill>
+                <a:latin typeface="Roboto Light" panose="02000000000000000000" pitchFamily="2" charset="0"/>
+                <a:ea typeface="Roboto Light" panose="02000000000000000000" pitchFamily="2" charset="0"/>
+              </a:rPr>
+              <a:t>questionnaires  </a:t>
+            </a:r>
+            <a:r>
+              <a:rPr lang="en-US" sz="1000" dirty="0">
+                <a:solidFill>
+                  <a:schemeClr val="tx1">
+                    <a:lumMod val="75000"/>
+                    <a:lumOff val="25000"/>
+                  </a:schemeClr>
+                </a:solidFill>
+                <a:latin typeface="Roboto Light" panose="02000000000000000000" pitchFamily="2" charset="0"/>
+                <a:ea typeface="Roboto Light" panose="02000000000000000000" pitchFamily="2" charset="0"/>
+              </a:rPr>
+              <a:t> </a:t>
+            </a:r>
+          </a:p>
+          <a:p>
+            <a:pPr>
+              <a:spcAft>
+                <a:spcPts val="300"/>
+              </a:spcAft>
+            </a:pPr>
+            <a:r>
+              <a:rPr lang="en-US" sz="1050" b="1" dirty="0">
+                <a:latin typeface="Helvetica Neue" panose="02000503000000020004" pitchFamily="50"/>
+              </a:rPr>
+              <a:t>The </a:t>
+            </a:r>
+            <a:r>
+              <a:rPr lang="en-US" sz="1050" b="1" dirty="0" smtClean="0">
+                <a:latin typeface="Helvetica Neue" panose="02000503000000020004" pitchFamily="50"/>
+              </a:rPr>
+              <a:t>link between waking life and dream content</a:t>
+            </a:r>
+            <a:endParaRPr lang="en-US" sz="1050" b="1" dirty="0">
+              <a:latin typeface="Helvetica Neue" panose="02000503000000020004" pitchFamily="50"/>
+            </a:endParaRPr>
+          </a:p>
+          <a:p>
+            <a:pPr algn="just"/>
+            <a:r>
+              <a:rPr lang="en-US" sz="1000" dirty="0">
+                <a:latin typeface="Helvetica Neue" panose="02000503000000020004" pitchFamily="50"/>
+              </a:rPr>
+              <a:t>We investigated the </a:t>
+            </a:r>
+            <a:r>
+              <a:rPr lang="en-US" sz="1000" dirty="0" smtClean="0">
+                <a:latin typeface="Helvetica Neue" panose="02000503000000020004" pitchFamily="50"/>
+              </a:rPr>
+              <a:t>characteristics of waking life experiences incorporated </a:t>
+            </a:r>
+            <a:r>
+              <a:rPr lang="en-US" sz="1000" dirty="0">
+                <a:latin typeface="Helvetica Neue" panose="02000503000000020004" pitchFamily="50"/>
+              </a:rPr>
+              <a:t>into </a:t>
+            </a:r>
+            <a:r>
+              <a:rPr lang="en-US" sz="1000" dirty="0" smtClean="0">
+                <a:latin typeface="Helvetica Neue" panose="02000503000000020004" pitchFamily="50"/>
+              </a:rPr>
+              <a:t>dreams</a:t>
+            </a:r>
+            <a:r>
+              <a:rPr lang="en-US" sz="1000" dirty="0">
+                <a:latin typeface="Helvetica Neue" panose="02000503000000020004" pitchFamily="50"/>
+              </a:rPr>
+              <a:t> </a:t>
+            </a:r>
+            <a:r>
+              <a:rPr lang="en-US" sz="1000" dirty="0" smtClean="0">
+                <a:latin typeface="Helvetica Neue" panose="02000503000000020004" pitchFamily="50"/>
+              </a:rPr>
+              <a:t>in order to improve our understanding of the filter that dreaming apply to waking life.</a:t>
+            </a:r>
+            <a:endParaRPr lang="en-US" sz="1000" dirty="0">
+              <a:latin typeface="Helvetica Neue" panose="02000503000000020004" pitchFamily="50"/>
+            </a:endParaRPr>
+          </a:p>
+        </p:txBody>
+      </p:sp>
+      <p:cxnSp>
+        <p:nvCxnSpPr>
+          <p:cNvPr id="16" name="Connecteur droit 15"/>
+          <p:cNvCxnSpPr/>
+          <p:nvPr/>
+        </p:nvCxnSpPr>
+        <p:spPr>
+          <a:xfrm>
+            <a:off x="81548" y="1765530"/>
+            <a:ext cx="7200000" cy="0"/>
+          </a:xfrm>
+          <a:prstGeom prst="line">
+            <a:avLst/>
+          </a:prstGeom>
+          <a:ln w="12700">
+            <a:solidFill>
+              <a:schemeClr val="tx1">
+                <a:lumMod val="65000"/>
+                <a:lumOff val="35000"/>
+              </a:schemeClr>
+            </a:solidFill>
+            <a:prstDash val="sysDot"/>
+          </a:ln>
+        </p:spPr>
+        <p:style>
+          <a:lnRef idx="1">
+            <a:schemeClr val="dk1"/>
+          </a:lnRef>
+          <a:fillRef idx="0">
+            <a:schemeClr val="dk1"/>
+          </a:fillRef>
+          <a:effectRef idx="0">
+            <a:schemeClr val="dk1"/>
+          </a:effectRef>
+          <a:fontRef idx="minor">
+            <a:schemeClr val="tx1"/>
+          </a:fontRef>
+        </p:style>
+      </p:cxnSp>
+      <p:cxnSp>
+        <p:nvCxnSpPr>
+          <p:cNvPr id="24" name="Connecteur droit 23"/>
+          <p:cNvCxnSpPr/>
+          <p:nvPr/>
+        </p:nvCxnSpPr>
+        <p:spPr>
+          <a:xfrm>
+            <a:off x="81548" y="3260240"/>
+            <a:ext cx="7200000" cy="0"/>
+          </a:xfrm>
+          <a:prstGeom prst="line">
+            <a:avLst/>
+          </a:prstGeom>
+          <a:ln w="12700">
+            <a:solidFill>
+              <a:schemeClr val="tx1">
+                <a:lumMod val="65000"/>
+                <a:lumOff val="35000"/>
+              </a:schemeClr>
+            </a:solidFill>
+            <a:prstDash val="sysDot"/>
+          </a:ln>
+        </p:spPr>
+        <p:style>
+          <a:lnRef idx="1">
+            <a:schemeClr val="dk1"/>
+          </a:lnRef>
+          <a:fillRef idx="0">
+            <a:schemeClr val="dk1"/>
+          </a:fillRef>
+          <a:effectRef idx="0">
+            <a:schemeClr val="dk1"/>
+          </a:effectRef>
+          <a:fontRef idx="minor">
+            <a:schemeClr val="tx1"/>
+          </a:fontRef>
+        </p:style>
+      </p:cxnSp>
+      <p:sp>
+        <p:nvSpPr>
+          <p:cNvPr id="14" name="ZoneTexte 13"/>
+          <p:cNvSpPr txBox="1"/>
+          <p:nvPr/>
+        </p:nvSpPr>
+        <p:spPr>
+          <a:xfrm>
+            <a:off x="699135" y="3438970"/>
+            <a:ext cx="6541568" cy="1138773"/>
+          </a:xfrm>
+          <a:prstGeom prst="rect">
+            <a:avLst/>
+          </a:prstGeom>
+          <a:solidFill>
+            <a:srgbClr val="B9E5D1"/>
+          </a:solidFill>
+          <a:effectLst>
+            <a:outerShdw blurRad="25400" dist="25400" dir="2700000" algn="tl" rotWithShape="0">
+              <a:schemeClr val="tx1">
+                <a:lumMod val="50000"/>
+                <a:lumOff val="50000"/>
+                <a:alpha val="60000"/>
+              </a:schemeClr>
+            </a:outerShdw>
+          </a:effectLst>
+        </p:spPr>
+        <p:txBody>
+          <a:bodyPr wrap="square" rtlCol="0">
+            <a:spAutoFit/>
+          </a:bodyPr>
+          <a:lstStyle/>
+          <a:p>
+            <a:pPr>
+              <a:spcAft>
+                <a:spcPts val="600"/>
+              </a:spcAft>
+            </a:pPr>
+            <a:r>
+              <a:rPr lang="en-US" sz="1000" dirty="0">
+                <a:latin typeface="Roboto Light" panose="02000000000000000000" pitchFamily="2" charset="0"/>
+                <a:ea typeface="Roboto Light" panose="02000000000000000000" pitchFamily="2" charset="0"/>
+              </a:rPr>
+              <a:t>Study </a:t>
+            </a:r>
+            <a:r>
+              <a:rPr lang="en-US" sz="1000" dirty="0" smtClean="0">
+                <a:latin typeface="Roboto Light" panose="02000000000000000000" pitchFamily="2" charset="0"/>
+                <a:ea typeface="Roboto Light" panose="02000000000000000000" pitchFamily="2" charset="0"/>
+              </a:rPr>
+              <a:t>6</a:t>
+            </a:r>
+            <a:r>
+              <a:rPr lang="en-US" sz="1000" dirty="0">
+                <a:latin typeface="Roboto Light" panose="02000000000000000000" pitchFamily="2" charset="0"/>
+                <a:ea typeface="Roboto Light" panose="02000000000000000000" pitchFamily="2" charset="0"/>
+              </a:rPr>
+              <a:t>		</a:t>
+            </a:r>
+            <a:r>
+              <a:rPr lang="en-US" sz="1000" dirty="0">
+                <a:solidFill>
+                  <a:schemeClr val="tx1">
+                    <a:lumMod val="75000"/>
+                    <a:lumOff val="25000"/>
+                  </a:schemeClr>
+                </a:solidFill>
+                <a:latin typeface="Roboto Light" panose="02000000000000000000" pitchFamily="2" charset="0"/>
+                <a:ea typeface="Roboto Light" panose="02000000000000000000" pitchFamily="2" charset="0"/>
+              </a:rPr>
+              <a:t> </a:t>
+            </a:r>
+            <a:r>
+              <a:rPr lang="en-US" sz="1000" dirty="0">
+                <a:solidFill>
+                  <a:schemeClr val="tx1">
+                    <a:lumMod val="75000"/>
+                    <a:lumOff val="25000"/>
+                  </a:schemeClr>
+                </a:solidFill>
+                <a:latin typeface="Roboto Light" panose="02000000000000000000" pitchFamily="2" charset="0"/>
+                <a:ea typeface="Roboto Light" panose="02000000000000000000" pitchFamily="2" charset="0"/>
+              </a:rPr>
+              <a:t>                       	 	                  </a:t>
+            </a:r>
+            <a:r>
+              <a:rPr lang="en-US" sz="1000" dirty="0" smtClean="0">
+                <a:solidFill>
+                  <a:schemeClr val="tx1">
+                    <a:lumMod val="75000"/>
+                    <a:lumOff val="25000"/>
+                  </a:schemeClr>
+                </a:solidFill>
+                <a:latin typeface="Roboto Light" panose="02000000000000000000" pitchFamily="2" charset="0"/>
+                <a:ea typeface="Roboto Light" panose="02000000000000000000" pitchFamily="2" charset="0"/>
+              </a:rPr>
+              <a:t>		   </a:t>
+            </a:r>
+            <a:r>
+              <a:rPr lang="en-US" sz="1000" i="1" dirty="0" smtClean="0">
+                <a:solidFill>
+                  <a:schemeClr val="tx1">
+                    <a:lumMod val="75000"/>
+                    <a:lumOff val="25000"/>
+                  </a:schemeClr>
+                </a:solidFill>
+                <a:latin typeface="Roboto Light" panose="02000000000000000000" pitchFamily="2" charset="0"/>
+                <a:ea typeface="Roboto Light" panose="02000000000000000000" pitchFamily="2" charset="0"/>
+              </a:rPr>
+              <a:t>Programming</a:t>
+            </a:r>
+            <a:endParaRPr lang="en-US" sz="1000" i="1" dirty="0">
+              <a:solidFill>
+                <a:schemeClr val="tx1">
+                  <a:lumMod val="75000"/>
+                  <a:lumOff val="25000"/>
+                </a:schemeClr>
+              </a:solidFill>
+              <a:latin typeface="Roboto Light" panose="02000000000000000000" pitchFamily="2" charset="0"/>
+              <a:ea typeface="Roboto Light" panose="02000000000000000000" pitchFamily="2" charset="0"/>
+            </a:endParaRPr>
+          </a:p>
+          <a:p>
+            <a:pPr>
+              <a:spcAft>
+                <a:spcPts val="300"/>
+              </a:spcAft>
+            </a:pPr>
+            <a:r>
+              <a:rPr lang="en-US" sz="1050" b="1" dirty="0">
+                <a:latin typeface="Helvetica Neue" panose="02000503000000020004" pitchFamily="50"/>
+              </a:rPr>
+              <a:t>An open-source software for </a:t>
+            </a:r>
+            <a:r>
+              <a:rPr lang="en-US" sz="1050" b="1" dirty="0" smtClean="0">
+                <a:latin typeface="Helvetica Neue" panose="02000503000000020004" pitchFamily="50"/>
+              </a:rPr>
+              <a:t>reading, scoring and analyzing sleep data</a:t>
+            </a:r>
+            <a:endParaRPr lang="en-US" sz="1050" b="1" dirty="0">
+              <a:latin typeface="Helvetica Neue" panose="02000503000000020004" pitchFamily="50"/>
+            </a:endParaRPr>
+          </a:p>
+          <a:p>
+            <a:pPr algn="just"/>
+            <a:r>
+              <a:rPr lang="en-US" sz="1000" dirty="0">
+                <a:latin typeface="Helvetica Neue" panose="02000503000000020004" pitchFamily="50"/>
+              </a:rPr>
+              <a:t>There is a lack of free and </a:t>
+            </a:r>
+            <a:r>
+              <a:rPr lang="en-US" sz="1000" dirty="0">
+                <a:latin typeface="Helvetica Neue" panose="02000503000000020004" pitchFamily="50"/>
+              </a:rPr>
+              <a:t>easy-to-use </a:t>
+            </a:r>
+            <a:r>
+              <a:rPr lang="en-US" sz="1000" dirty="0">
+                <a:latin typeface="Helvetica Neue" panose="02000503000000020004" pitchFamily="50"/>
+              </a:rPr>
+              <a:t>graphical user interface dedicated to sleep data visualization, scoring and analysis. </a:t>
+            </a:r>
+            <a:r>
+              <a:rPr lang="en-US" sz="1000" dirty="0">
+                <a:latin typeface="Helvetica Neue" panose="02000503000000020004" pitchFamily="50"/>
+              </a:rPr>
+              <a:t>To fill </a:t>
+            </a:r>
+            <a:r>
+              <a:rPr lang="en-US" sz="1000" dirty="0" smtClean="0">
+                <a:latin typeface="Helvetica Neue" panose="02000503000000020004" pitchFamily="50"/>
+              </a:rPr>
+              <a:t>in this </a:t>
+            </a:r>
+            <a:r>
+              <a:rPr lang="en-US" sz="1000" dirty="0">
+                <a:latin typeface="Helvetica Neue" panose="02000503000000020004" pitchFamily="50"/>
+              </a:rPr>
+              <a:t>gap, we developed </a:t>
+            </a:r>
+            <a:r>
+              <a:rPr lang="en-US" sz="1000" dirty="0" smtClean="0">
+                <a:latin typeface="Helvetica Neue" panose="02000503000000020004" pitchFamily="50"/>
+              </a:rPr>
+              <a:t>a cross-platform and open-source </a:t>
+            </a:r>
+            <a:r>
+              <a:rPr lang="en-US" sz="1000" dirty="0">
+                <a:latin typeface="Helvetica Neue" panose="02000503000000020004" pitchFamily="50"/>
+              </a:rPr>
+              <a:t>Python software capable of handling efficiently large datasets from several file </a:t>
+            </a:r>
+            <a:r>
+              <a:rPr lang="en-US" sz="1000" dirty="0" smtClean="0">
+                <a:latin typeface="Helvetica Neue" panose="02000503000000020004" pitchFamily="50"/>
+              </a:rPr>
+              <a:t>formats. The software integrates several advanced functionalities and signal processing tools such the automatic </a:t>
+            </a:r>
+            <a:r>
+              <a:rPr lang="en-US" sz="1000" dirty="0">
+                <a:latin typeface="Helvetica Neue" panose="02000503000000020004" pitchFamily="50"/>
+              </a:rPr>
+              <a:t>detection of </a:t>
+            </a:r>
+            <a:r>
+              <a:rPr lang="en-US" sz="1000" dirty="0" smtClean="0">
+                <a:latin typeface="Helvetica Neue" panose="02000503000000020004" pitchFamily="50"/>
+              </a:rPr>
+              <a:t>sleep microstructural events.</a:t>
+            </a:r>
+          </a:p>
+        </p:txBody>
+      </p:sp>
+      <p:sp>
+        <p:nvSpPr>
+          <p:cNvPr id="13" name="ZoneTexte 12"/>
+          <p:cNvSpPr txBox="1"/>
+          <p:nvPr/>
+        </p:nvSpPr>
+        <p:spPr>
+          <a:xfrm>
+            <a:off x="5116702" y="462420"/>
+            <a:ext cx="2124000" cy="1138773"/>
+          </a:xfrm>
+          <a:prstGeom prst="rect">
+            <a:avLst/>
+          </a:prstGeom>
+          <a:solidFill>
+            <a:srgbClr val="6FA7DB"/>
+          </a:solidFill>
+          <a:effectLst>
+            <a:outerShdw blurRad="25400" dist="25400" dir="2700000" algn="tl" rotWithShape="0">
+              <a:schemeClr val="tx1">
+                <a:lumMod val="50000"/>
+                <a:lumOff val="50000"/>
+                <a:alpha val="60000"/>
+              </a:schemeClr>
+            </a:outerShdw>
+          </a:effectLst>
+        </p:spPr>
+        <p:txBody>
+          <a:bodyPr wrap="square" rtlCol="0">
+            <a:spAutoFit/>
+          </a:bodyPr>
+          <a:lstStyle/>
+          <a:p>
+            <a:pPr>
+              <a:spcAft>
+                <a:spcPts val="600"/>
+              </a:spcAft>
+            </a:pPr>
+            <a:r>
+              <a:rPr lang="en-US" sz="1000" dirty="0">
+                <a:latin typeface="Roboto Light" panose="02000000000000000000" pitchFamily="2" charset="0"/>
+                <a:ea typeface="Roboto Light" panose="02000000000000000000" pitchFamily="2" charset="0"/>
+              </a:rPr>
+              <a:t>Study </a:t>
+            </a:r>
+            <a:r>
+              <a:rPr lang="en-US" sz="1000" dirty="0" smtClean="0">
+                <a:latin typeface="Roboto Light" panose="02000000000000000000" pitchFamily="2" charset="0"/>
+                <a:ea typeface="Roboto Light" panose="02000000000000000000" pitchFamily="2" charset="0"/>
+              </a:rPr>
+              <a:t>3                                         </a:t>
+            </a:r>
+            <a:r>
+              <a:rPr lang="en-US" sz="1000" i="1" dirty="0" smtClean="0">
+                <a:solidFill>
+                  <a:schemeClr val="tx1">
+                    <a:lumMod val="75000"/>
+                    <a:lumOff val="25000"/>
+                  </a:schemeClr>
+                </a:solidFill>
+                <a:latin typeface="Roboto Light" panose="02000000000000000000" pitchFamily="2" charset="0"/>
+                <a:ea typeface="Roboto Light" panose="02000000000000000000" pitchFamily="2" charset="0"/>
+              </a:rPr>
+              <a:t>fMRI </a:t>
+            </a:r>
+          </a:p>
+          <a:p>
+            <a:pPr>
+              <a:spcAft>
+                <a:spcPts val="300"/>
+              </a:spcAft>
+            </a:pPr>
+            <a:r>
+              <a:rPr lang="en-US" sz="1050" b="1" dirty="0" smtClean="0">
+                <a:latin typeface="Helvetica Neue" panose="02000503000000020004" pitchFamily="50"/>
+              </a:rPr>
+              <a:t>DRF and default network</a:t>
+            </a:r>
+          </a:p>
+          <a:p>
+            <a:pPr algn="just"/>
+            <a:r>
+              <a:rPr lang="en-US" sz="1000" dirty="0" smtClean="0">
+                <a:latin typeface="Helvetica Neue" panose="02000503000000020004" pitchFamily="50"/>
+              </a:rPr>
+              <a:t>We compared the personality traits, cognitive abilities, and  default mode network functional connectivity in HR and LR.</a:t>
+            </a:r>
+          </a:p>
+        </p:txBody>
+      </p:sp>
+    </p:spTree>
+    <p:extLst>
+      <p:ext uri="{BB962C8B-B14F-4D97-AF65-F5344CB8AC3E}">
+        <p14:creationId xmlns:p14="http://schemas.microsoft.com/office/powerpoint/2010/main" val="219207592"/>
+      </p:ext>
+    </p:extLst>
+  </p:cSld>
+  <p:clrMapOvr>
+    <a:masterClrMapping/>
+  </p:clrMapOvr>
+  <p:timing>
+    <p:tnLst>
+      <p:par>
+        <p:cTn id="1" dur="indefinite" restart="never" nodeType="tmRoot"/>
+      </p:par>
+    </p:tnLst>
+  </p:timing>
+</p:sld>
+</file>
+
+<file path=ppt/slides/slide2.xml><?xml version="1.0" encoding="utf-8"?>
+<p:sld xmlns:a="http://schemas.openxmlformats.org/drawingml/2006/main" xmlns:r="http://schemas.openxmlformats.org/officeDocument/2006/relationships" xmlns:p="http://schemas.openxmlformats.org/presentationml/2006/main">
+  <p:cSld>
+    <p:spTree>
+      <p:nvGrpSpPr>
+        <p:cNvPr id="1" name=""/>
+        <p:cNvGrpSpPr/>
+        <p:nvPr/>
+      </p:nvGrpSpPr>
+      <p:grpSpPr>
+        <a:xfrm>
+          <a:off x="0" y="0"/>
+          <a:ext cx="0" cy="0"/>
+          <a:chOff x="0" y="0"/>
+          <a:chExt cx="0" cy="0"/>
+        </a:xfrm>
+      </p:grpSpPr>
+      <p:sp>
+        <p:nvSpPr>
+          <p:cNvPr id="3" name="Rectangle à coins arrondis 2"/>
+          <p:cNvSpPr/>
+          <p:nvPr/>
+        </p:nvSpPr>
+        <p:spPr>
+          <a:xfrm>
+            <a:off x="974899" y="359349"/>
+            <a:ext cx="532801" cy="4311161"/>
+          </a:xfrm>
+          <a:prstGeom prst="roundRect">
+            <a:avLst>
+              <a:gd name="adj" fmla="val 10645"/>
+            </a:avLst>
+          </a:prstGeom>
+          <a:solidFill>
+            <a:srgbClr val="F3F3FA"/>
+          </a:solidFill>
+          <a:ln>
+            <a:noFill/>
+          </a:ln>
+          <a:effectLst>
+            <a:outerShdw blurRad="25400" dist="25400" dir="2700000" algn="tl" rotWithShape="0">
+              <a:schemeClr val="tx1">
+                <a:lumMod val="50000"/>
+                <a:lumOff val="50000"/>
+                <a:alpha val="70000"/>
+              </a:schemeClr>
+            </a:outerShdw>
+          </a:effectLst>
+        </p:spPr>
+        <p:style>
+          <a:lnRef idx="2">
+            <a:schemeClr val="accent1">
+              <a:shade val="50000"/>
+            </a:schemeClr>
+          </a:lnRef>
+          <a:fillRef idx="1">
+            <a:schemeClr val="accent1"/>
+          </a:fillRef>
+          <a:effectRef idx="0">
+            <a:schemeClr val="accent1"/>
+          </a:effectRef>
+          <a:fontRef idx="minor">
+            <a:schemeClr val="lt1"/>
+          </a:fontRef>
+        </p:style>
+        <p:txBody>
+          <a:bodyPr rtlCol="0" anchor="ctr"/>
+          <a:lstStyle/>
+          <a:p>
+            <a:pPr algn="ctr"/>
+            <a:endParaRPr lang="en-US"/>
+          </a:p>
+        </p:txBody>
+      </p:sp>
+      <p:sp>
+        <p:nvSpPr>
+          <p:cNvPr id="8" name="ZoneTexte 7"/>
+          <p:cNvSpPr txBox="1"/>
+          <p:nvPr/>
+        </p:nvSpPr>
+        <p:spPr>
+          <a:xfrm>
+            <a:off x="995077" y="359348"/>
+            <a:ext cx="492443" cy="1332000"/>
+          </a:xfrm>
+          <a:prstGeom prst="rect">
+            <a:avLst/>
+          </a:prstGeom>
+          <a:noFill/>
+          <a:ln>
+            <a:noFill/>
+          </a:ln>
+        </p:spPr>
+        <p:txBody>
+          <a:bodyPr vert="vert270" wrap="square" rtlCol="0">
+            <a:spAutoFit/>
+          </a:bodyPr>
+          <a:lstStyle/>
+          <a:p>
+            <a:pPr algn="ctr">
+              <a:spcAft>
+                <a:spcPts val="300"/>
+              </a:spcAft>
+            </a:pPr>
+            <a:r>
+              <a:rPr lang="en-US" sz="1000" dirty="0">
                 <a:solidFill>
                   <a:srgbClr val="061229"/>
                 </a:solidFill>
@@ -3185,7 +4367,7 @@
                 <a:ea typeface="Roboto" pitchFamily="2" charset="0"/>
                 <a:cs typeface="Times New Roman" panose="02020603050405020304" pitchFamily="18" charset="0"/>
               </a:rPr>
-              <a:t>SOFTWARE DEVELOPEMENT</a:t>
+              <a:t>NEURO-PHYSIOLOGY</a:t>
             </a:r>
             <a:endParaRPr lang="en-US" sz="1000" dirty="0">
               <a:solidFill>
@@ -3200,13 +4382,117 @@
       </p:sp>
       <p:sp>
         <p:nvSpPr>
+          <p:cNvPr id="20" name="ZoneTexte 19"/>
+          <p:cNvSpPr txBox="1"/>
+          <p:nvPr/>
+        </p:nvSpPr>
+        <p:spPr>
+          <a:xfrm>
+            <a:off x="1051843" y="1847138"/>
+            <a:ext cx="338554" cy="1332000"/>
+          </a:xfrm>
+          <a:prstGeom prst="rect">
+            <a:avLst/>
+          </a:prstGeom>
+          <a:noFill/>
+          <a:ln>
+            <a:noFill/>
+          </a:ln>
+        </p:spPr>
+        <p:txBody>
+          <a:bodyPr vert="vert270" wrap="square" rtlCol="0">
+            <a:spAutoFit/>
+          </a:bodyPr>
+          <a:lstStyle/>
+          <a:p>
+            <a:pPr algn="ctr">
+              <a:spcAft>
+                <a:spcPts val="300"/>
+              </a:spcAft>
+            </a:pPr>
+            <a:r>
+              <a:rPr lang="en-US" sz="1000" dirty="0">
+                <a:solidFill>
+                  <a:srgbClr val="061229"/>
+                </a:solidFill>
+                <a:latin typeface="Helvetica" pitchFamily="2" charset="0"/>
+                <a:ea typeface="Roboto" pitchFamily="2" charset="0"/>
+                <a:cs typeface="Times New Roman" panose="02020603050405020304" pitchFamily="18" charset="0"/>
+              </a:rPr>
+              <a:t>BEHAVIOR</a:t>
+            </a:r>
+            <a:endParaRPr lang="en-US" sz="1000" dirty="0">
+              <a:solidFill>
+                <a:srgbClr val="061229"/>
+              </a:solidFill>
+              <a:latin typeface="Helvetica" pitchFamily="2" charset="0"/>
+              <a:ea typeface="Roboto" pitchFamily="2" charset="0"/>
+              <a:cs typeface="Times New Roman" panose="02020603050405020304" pitchFamily="18" charset="0"/>
+            </a:endParaRPr>
+          </a:p>
+        </p:txBody>
+      </p:sp>
+      <p:sp>
+        <p:nvSpPr>
+          <p:cNvPr id="22" name="ZoneTexte 21"/>
+          <p:cNvSpPr txBox="1"/>
+          <p:nvPr/>
+        </p:nvSpPr>
+        <p:spPr>
+          <a:xfrm>
+            <a:off x="974900" y="3338509"/>
+            <a:ext cx="492443" cy="1332000"/>
+          </a:xfrm>
+          <a:prstGeom prst="rect">
+            <a:avLst/>
+          </a:prstGeom>
+          <a:noFill/>
+          <a:ln>
+            <a:noFill/>
+          </a:ln>
+        </p:spPr>
+        <p:txBody>
+          <a:bodyPr vert="vert270" wrap="square" rtlCol="0">
+            <a:spAutoFit/>
+          </a:bodyPr>
+          <a:lstStyle/>
+          <a:p>
+            <a:pPr algn="ctr">
+              <a:spcAft>
+                <a:spcPts val="300"/>
+              </a:spcAft>
+            </a:pPr>
+            <a:r>
+              <a:rPr lang="en-US" sz="1000" dirty="0">
+                <a:solidFill>
+                  <a:srgbClr val="061229"/>
+                </a:solidFill>
+                <a:latin typeface="Helvetica" pitchFamily="2" charset="0"/>
+                <a:ea typeface="Roboto" pitchFamily="2" charset="0"/>
+                <a:cs typeface="Times New Roman" panose="02020603050405020304" pitchFamily="18" charset="0"/>
+              </a:rPr>
+              <a:t>SOFTWARE DEVELOPEMENT</a:t>
+            </a:r>
+            <a:endParaRPr lang="en-US" sz="1000" dirty="0">
+              <a:solidFill>
+                <a:srgbClr val="061229"/>
+              </a:solidFill>
+              <a:latin typeface="Helvetica" pitchFamily="2" charset="0"/>
+              <a:ea typeface="Roboto" pitchFamily="2" charset="0"/>
+              <a:cs typeface="Times New Roman" panose="02020603050405020304" pitchFamily="18" charset="0"/>
+            </a:endParaRPr>
+          </a:p>
+        </p:txBody>
+      </p:sp>
+      <p:sp>
+        <p:nvSpPr>
           <p:cNvPr id="19" name="ZoneTexte 18"/>
           <p:cNvSpPr txBox="1"/>
           <p:nvPr/>
         </p:nvSpPr>
         <p:spPr>
           <a:xfrm>
-            <a:off x="683640" y="459809"/>
+            <a:off x="1592484" y="459810"/>
             <a:ext cx="2520000" cy="1138773"/>
           </a:xfrm>
           <a:prstGeom prst="rect">
@@ -3244,21 +4530,14 @@
               <a:t>Study </a:t>
             </a:r>
             <a:r>
-              <a:rPr lang="en-US" sz="1000" dirty="0" smtClean="0">
+              <a:rPr lang="en-US" sz="1000" dirty="0">
                 <a:latin typeface="Roboto Light" panose="02000000000000000000" pitchFamily="2" charset="0"/>
                 <a:ea typeface="Roboto Light" panose="02000000000000000000" pitchFamily="2" charset="0"/>
               </a:rPr>
-              <a:t>1 	            </a:t>
-            </a:r>
-            <a:r>
-              <a:rPr lang="en-US" sz="1000" dirty="0" smtClean="0">
-                <a:latin typeface="Roboto Light" panose="02000000000000000000" pitchFamily="2" charset="0"/>
-                <a:ea typeface="Roboto Light" panose="02000000000000000000" pitchFamily="2" charset="0"/>
-              </a:rPr>
-              <a:t>	         </a:t>
-            </a:r>
-            <a:r>
-              <a:rPr lang="en-US" sz="1000" i="1" dirty="0" smtClean="0">
+              <a:t>1 	            	         </a:t>
+            </a:r>
+            <a:r>
+              <a:rPr lang="en-US" sz="1000" i="1" dirty="0">
                 <a:solidFill>
                   <a:schemeClr val="tx1">
                     <a:lumMod val="75000"/>
@@ -3270,7 +4549,7 @@
               </a:rPr>
               <a:t>EEG</a:t>
             </a:r>
-            <a:endParaRPr lang="en-US" sz="1000" dirty="0" smtClean="0">
+            <a:endParaRPr lang="en-US" sz="1000" dirty="0">
               <a:solidFill>
                 <a:schemeClr val="tx1">
                   <a:lumMod val="75000"/>
@@ -3288,7 +4567,7 @@
               </a:spcAft>
             </a:pPr>
             <a:r>
-              <a:rPr lang="en-US" sz="1050" b="1" dirty="0" smtClean="0">
+              <a:rPr lang="en-US" sz="1050" b="1" dirty="0">
                 <a:latin typeface="Helvetica Neue" panose="02000503000000020004" pitchFamily="50"/>
               </a:rPr>
               <a:t>DRF and arousals</a:t>
@@ -3300,14 +4579,11 @@
           <a:p>
             <a:pPr algn="just"/>
             <a:r>
-              <a:rPr lang="en-US" sz="1000" dirty="0" smtClean="0">
+              <a:rPr lang="en-US" sz="1000" dirty="0">
                 <a:latin typeface="Helvetica Neue" panose="02000503000000020004" pitchFamily="50"/>
               </a:rPr>
               <a:t>We investigated the sleep macro- and micro-structure of high and low dream-recallers, as well as their brain responses to arousing stimuli during sleep.</a:t>
             </a:r>
-            <a:endParaRPr lang="en-US" sz="1000" dirty="0" smtClean="0">
-              <a:latin typeface="Helvetica Neue" panose="02000503000000020004" pitchFamily="50"/>
-            </a:endParaRPr>
           </a:p>
         </p:txBody>
       </p:sp>
@@ -3319,7 +4595,7 @@
         </p:nvSpPr>
         <p:spPr>
           <a:xfrm>
-            <a:off x="3321123" y="459809"/>
+            <a:off x="4229968" y="459810"/>
             <a:ext cx="2520001" cy="1138773"/>
           </a:xfrm>
           <a:prstGeom prst="rect">
@@ -3357,21 +4633,14 @@
               <a:t>Study </a:t>
             </a:r>
             <a:r>
-              <a:rPr lang="en-US" sz="1000" dirty="0" smtClean="0">
+              <a:rPr lang="en-US" sz="1000" dirty="0">
                 <a:latin typeface="Roboto Light" panose="02000000000000000000" pitchFamily="2" charset="0"/>
                 <a:ea typeface="Roboto Light" panose="02000000000000000000" pitchFamily="2" charset="0"/>
               </a:rPr>
-              <a:t>2	  </a:t>
-            </a:r>
-            <a:r>
-              <a:rPr lang="en-US" sz="1000" dirty="0" smtClean="0">
-                <a:latin typeface="Roboto Light" panose="02000000000000000000" pitchFamily="2" charset="0"/>
-                <a:ea typeface="Roboto Light" panose="02000000000000000000" pitchFamily="2" charset="0"/>
-              </a:rPr>
-              <a:t>                           </a:t>
-            </a:r>
-            <a:r>
-              <a:rPr lang="en-US" sz="1000" i="1" dirty="0" smtClean="0">
+              <a:t>2	                             </a:t>
+            </a:r>
+            <a:r>
+              <a:rPr lang="en-US" sz="1000" i="1" dirty="0">
                 <a:solidFill>
                   <a:schemeClr val="tx1">
                     <a:lumMod val="75000"/>
@@ -3383,16 +4652,6 @@
               </a:rPr>
               <a:t>EEG-fMRI</a:t>
             </a:r>
-            <a:endParaRPr lang="en-US" sz="1000" i="1" dirty="0" smtClean="0">
-              <a:solidFill>
-                <a:schemeClr val="tx1">
-                  <a:lumMod val="75000"/>
-                  <a:lumOff val="25000"/>
-                </a:schemeClr>
-              </a:solidFill>
-              <a:latin typeface="Roboto Light" panose="02000000000000000000" pitchFamily="2" charset="0"/>
-              <a:ea typeface="Roboto Light" panose="02000000000000000000" pitchFamily="2" charset="0"/>
-            </a:endParaRPr>
           </a:p>
           <a:p>
             <a:pPr>
@@ -3401,7 +4660,7 @@
               </a:spcAft>
             </a:pPr>
             <a:r>
-              <a:rPr lang="en-US" sz="1050" b="1" dirty="0" smtClean="0">
+              <a:rPr lang="en-US" sz="1050" b="1" dirty="0">
                 <a:latin typeface="Helvetica Neue" panose="02000503000000020004" pitchFamily="50"/>
               </a:rPr>
               <a:t>DRF and sleep inertia</a:t>
@@ -3413,16 +4672,10 @@
           <a:p>
             <a:pPr algn="just"/>
             <a:r>
-              <a:rPr lang="en-US" sz="1000" dirty="0" smtClean="0">
-                <a:latin typeface="Helvetica Neue" panose="02000503000000020004" pitchFamily="50"/>
-              </a:rPr>
-              <a:t>We tested the hypothesis of a differential sleep inertia in </a:t>
-            </a:r>
-            <a:r>
-              <a:rPr lang="en-US" sz="1000" dirty="0" smtClean="0">
-                <a:latin typeface="Helvetica Neue" panose="02000503000000020004" pitchFamily="50"/>
-              </a:rPr>
-              <a:t>high and low dream recallers and provided at the same time an overview of the awakening brain.</a:t>
+              <a:rPr lang="en-US" sz="1000" dirty="0">
+                <a:latin typeface="Helvetica Neue" panose="02000503000000020004" pitchFamily="50"/>
+              </a:rPr>
+              <a:t>We tested the hypothesis of a differential sleep inertia in high and low dream recallers and provided at the same time an overview of the awakening brain.</a:t>
             </a:r>
             <a:endParaRPr lang="en-US" sz="1000" dirty="0">
               <a:latin typeface="Helvetica Neue" panose="02000503000000020004" pitchFamily="50"/>
@@ -3438,7 +4691,7 @@
         </p:nvSpPr>
         <p:spPr>
           <a:xfrm>
-            <a:off x="686976" y="1943751"/>
+            <a:off x="1595820" y="1943752"/>
             <a:ext cx="2520000" cy="1138773"/>
           </a:xfrm>
           <a:prstGeom prst="rect">
@@ -3479,21 +4732,14 @@
               <a:t>Study </a:t>
             </a:r>
             <a:r>
-              <a:rPr lang="en-US" sz="1000" dirty="0" smtClean="0">
+              <a:rPr lang="en-US" sz="1000" dirty="0">
                 <a:latin typeface="Roboto Light" panose="02000000000000000000" pitchFamily="2" charset="0"/>
                 <a:ea typeface="Roboto Light" panose="02000000000000000000" pitchFamily="2" charset="0"/>
               </a:rPr>
-              <a:t>3 	       </a:t>
-            </a:r>
-            <a:r>
-              <a:rPr lang="en-US" sz="1000" dirty="0" smtClean="0">
-                <a:latin typeface="Roboto Light" panose="02000000000000000000" pitchFamily="2" charset="0"/>
-                <a:ea typeface="Roboto Light" panose="02000000000000000000" pitchFamily="2" charset="0"/>
-              </a:rPr>
-              <a:t>	    </a:t>
-            </a:r>
-            <a:r>
-              <a:rPr lang="en-US" sz="1000" i="1" dirty="0" smtClean="0">
+              <a:t>3 	       	    </a:t>
+            </a:r>
+            <a:r>
+              <a:rPr lang="en-US" sz="1000" i="1" dirty="0">
                 <a:solidFill>
                   <a:schemeClr val="tx1">
                     <a:lumMod val="75000"/>
@@ -3505,16 +4751,6 @@
               </a:rPr>
               <a:t>Survey</a:t>
             </a:r>
-            <a:endParaRPr lang="en-US" sz="1000" i="1" dirty="0" smtClean="0">
-              <a:solidFill>
-                <a:schemeClr val="tx1">
-                  <a:lumMod val="75000"/>
-                  <a:lumOff val="25000"/>
-                </a:schemeClr>
-              </a:solidFill>
-              <a:latin typeface="Roboto Light" panose="02000000000000000000" pitchFamily="2" charset="0"/>
-              <a:ea typeface="Roboto Light" panose="02000000000000000000" pitchFamily="2" charset="0"/>
-            </a:endParaRPr>
           </a:p>
           <a:p>
             <a:pPr>
@@ -3523,7 +4759,7 @@
               </a:spcAft>
             </a:pPr>
             <a:r>
-              <a:rPr lang="en-US" sz="1050" b="1" dirty="0" smtClean="0">
+              <a:rPr lang="en-US" sz="1050" b="1" dirty="0">
                 <a:latin typeface="Helvetica Neue" panose="02000503000000020004" pitchFamily="50"/>
               </a:rPr>
               <a:t>Sleep and dream habits</a:t>
@@ -3536,16 +4772,10 @@
               </a:spcAft>
             </a:pPr>
             <a:r>
-              <a:rPr lang="en-US" sz="1000" dirty="0" smtClean="0">
-                <a:latin typeface="Helvetica Neue" panose="02000503000000020004" pitchFamily="50"/>
-              </a:rPr>
-              <a:t>We used an online questionnaire to collect data on sleep </a:t>
-            </a:r>
-            <a:r>
-              <a:rPr lang="en-US" sz="1000" dirty="0" smtClean="0">
-                <a:latin typeface="Helvetica Neue" panose="02000503000000020004" pitchFamily="50"/>
-              </a:rPr>
-              <a:t>and dream habits of a large sample of French college students.</a:t>
+              <a:rPr lang="en-US" sz="1000" dirty="0">
+                <a:latin typeface="Helvetica Neue" panose="02000503000000020004" pitchFamily="50"/>
+              </a:rPr>
+              <a:t>We used an online questionnaire to collect data on sleep and dream habits of a large sample of French college students.</a:t>
             </a:r>
             <a:endParaRPr lang="en-US" sz="1000" dirty="0">
               <a:latin typeface="Helvetica Neue" panose="02000503000000020004" pitchFamily="50"/>
@@ -3561,7 +4791,7 @@
         </p:nvSpPr>
         <p:spPr>
           <a:xfrm>
-            <a:off x="3321124" y="1942739"/>
+            <a:off x="4229968" y="1942740"/>
             <a:ext cx="2520000" cy="1138773"/>
           </a:xfrm>
           <a:prstGeom prst="rect">
@@ -3599,14 +4829,14 @@
               <a:t>Study </a:t>
             </a:r>
             <a:r>
-              <a:rPr lang="en-US" sz="1000" dirty="0" smtClean="0">
+              <a:rPr lang="en-US" sz="1000" dirty="0">
                 <a:latin typeface="Roboto Light" panose="02000000000000000000" pitchFamily="2" charset="0"/>
                 <a:ea typeface="Roboto Light" panose="02000000000000000000" pitchFamily="2" charset="0"/>
               </a:rPr>
               <a:t>4 	      </a:t>
             </a:r>
             <a:r>
-              <a:rPr lang="en-US" sz="1000" i="1" dirty="0" smtClean="0">
+              <a:rPr lang="en-US" sz="1000" i="1" dirty="0">
                 <a:solidFill>
                   <a:schemeClr val="tx1">
                     <a:lumMod val="75000"/>
@@ -3619,7 +4849,7 @@
               <a:t>Dream questionnaires  </a:t>
             </a:r>
             <a:r>
-              <a:rPr lang="en-US" sz="1000" dirty="0" smtClean="0">
+              <a:rPr lang="en-US" sz="1000" dirty="0">
                 <a:solidFill>
                   <a:schemeClr val="tx1">
                     <a:lumMod val="75000"/>
@@ -3631,16 +4861,6 @@
               </a:rPr>
               <a:t> </a:t>
             </a:r>
-            <a:endParaRPr lang="en-US" sz="1000" dirty="0" smtClean="0">
-              <a:solidFill>
-                <a:schemeClr val="tx1">
-                  <a:lumMod val="75000"/>
-                  <a:lumOff val="25000"/>
-                </a:schemeClr>
-              </a:solidFill>
-              <a:latin typeface="Roboto Light" panose="02000000000000000000" pitchFamily="2" charset="0"/>
-              <a:ea typeface="Roboto Light" panose="02000000000000000000" pitchFamily="2" charset="0"/>
-            </a:endParaRPr>
           </a:p>
           <a:p>
             <a:pPr>
@@ -3649,7 +4869,7 @@
               </a:spcAft>
             </a:pPr>
             <a:r>
-              <a:rPr lang="en-US" sz="1050" b="1" dirty="0" smtClean="0">
+              <a:rPr lang="en-US" sz="1050" b="1" dirty="0">
                 <a:latin typeface="Helvetica Neue" panose="02000503000000020004" pitchFamily="50"/>
               </a:rPr>
               <a:t>The memory sources of dreams</a:t>
@@ -3661,26 +4881,11 @@
           <a:p>
             <a:pPr algn="just"/>
             <a:r>
-              <a:rPr lang="en-US" sz="1000" dirty="0" smtClean="0">
-                <a:latin typeface="Helvetica Neue" panose="02000503000000020004" pitchFamily="50"/>
-              </a:rPr>
-              <a:t>We investigated the </a:t>
-            </a:r>
-            <a:r>
-              <a:rPr lang="en-US" sz="1000" dirty="0" smtClean="0">
-                <a:latin typeface="Helvetica Neue" panose="02000503000000020004" pitchFamily="50"/>
-              </a:rPr>
-              <a:t>characteristics of the memory sources incorporated into dreams, especially remote and trivial </a:t>
-            </a:r>
-            <a:r>
-              <a:rPr lang="en-US" sz="1000" dirty="0" smtClean="0">
-                <a:latin typeface="Helvetica Neue" panose="02000503000000020004" pitchFamily="50"/>
-              </a:rPr>
-              <a:t>ones.</a:t>
-            </a:r>
-            <a:endParaRPr lang="en-US" sz="1000" dirty="0" smtClean="0">
-              <a:latin typeface="Helvetica Neue" panose="02000503000000020004" pitchFamily="50"/>
-            </a:endParaRPr>
+              <a:rPr lang="en-US" sz="1000" dirty="0">
+                <a:latin typeface="Helvetica Neue" panose="02000503000000020004" pitchFamily="50"/>
+              </a:rPr>
+              <a:t>We investigated the characteristics of the memory sources incorporated into dreams, especially remote and trivial ones.</a:t>
+            </a:r>
           </a:p>
         </p:txBody>
       </p:sp>
@@ -3692,7 +4897,7 @@
         </p:nvCxnSpPr>
         <p:spPr>
           <a:xfrm>
-            <a:off x="66054" y="1765530"/>
+            <a:off x="974898" y="1765530"/>
             <a:ext cx="5796000" cy="0"/>
           </a:xfrm>
           <a:prstGeom prst="line">
@@ -3728,7 +4933,7 @@
         </p:nvCxnSpPr>
         <p:spPr>
           <a:xfrm>
-            <a:off x="66054" y="3260240"/>
+            <a:off x="974898" y="3260240"/>
             <a:ext cx="5796000" cy="0"/>
           </a:xfrm>
           <a:prstGeom prst="line">
@@ -3764,7 +4969,7 @@
         </p:nvSpPr>
         <p:spPr>
           <a:xfrm>
-            <a:off x="683641" y="3438969"/>
+            <a:off x="1592485" y="3438970"/>
             <a:ext cx="5157484" cy="1138773"/>
           </a:xfrm>
           <a:prstGeom prst="rect">
@@ -3802,7 +5007,7 @@
               <a:t>Study </a:t>
             </a:r>
             <a:r>
-              <a:rPr lang="en-US" sz="1000" dirty="0" smtClean="0">
+              <a:rPr lang="en-US" sz="1000" dirty="0">
                 <a:latin typeface="Roboto Light" panose="02000000000000000000" pitchFamily="2" charset="0"/>
                 <a:ea typeface="Roboto Light" panose="02000000000000000000" pitchFamily="2" charset="0"/>
               </a:rPr>
@@ -3822,7 +5027,7 @@
               <a:t> </a:t>
             </a:r>
             <a:r>
-              <a:rPr lang="en-US" sz="1000" dirty="0" smtClean="0">
+              <a:rPr lang="en-US" sz="1000" dirty="0">
                 <a:solidFill>
                   <a:schemeClr val="tx1">
                     <a:lumMod val="75000"/>
@@ -3832,10 +5037,10 @@
                 <a:latin typeface="Roboto Light" panose="02000000000000000000" pitchFamily="2" charset="0"/>
                 <a:ea typeface="Roboto Light" panose="02000000000000000000" pitchFamily="2" charset="0"/>
               </a:rPr>
-              <a:t>                      </a:t>
-            </a:r>
-            <a:r>
-              <a:rPr lang="en-US" sz="1000" dirty="0" smtClean="0">
+              <a:t>                       	 	                  </a:t>
+            </a:r>
+            <a:r>
+              <a:rPr lang="en-US" sz="1000" i="1" dirty="0">
                 <a:solidFill>
                   <a:schemeClr val="tx1">
                     <a:lumMod val="75000"/>
@@ -3845,31 +5050,8 @@
                 <a:latin typeface="Roboto Light" panose="02000000000000000000" pitchFamily="2" charset="0"/>
                 <a:ea typeface="Roboto Light" panose="02000000000000000000" pitchFamily="2" charset="0"/>
               </a:rPr>
-              <a:t> 	 	                  </a:t>
-            </a:r>
-            <a:r>
-              <a:rPr lang="en-US" sz="1000" i="1" dirty="0" smtClean="0">
-                <a:solidFill>
-                  <a:schemeClr val="tx1">
-                    <a:lumMod val="75000"/>
-                    <a:lumOff val="25000"/>
-                  </a:schemeClr>
-                </a:solidFill>
-                <a:latin typeface="Roboto Light" panose="02000000000000000000" pitchFamily="2" charset="0"/>
-                <a:ea typeface="Roboto Light" panose="02000000000000000000" pitchFamily="2" charset="0"/>
-              </a:rPr>
               <a:t>Programming</a:t>
             </a:r>
-            <a:endParaRPr lang="en-US" sz="1000" i="1" dirty="0" smtClean="0">
-              <a:solidFill>
-                <a:schemeClr val="tx1">
-                  <a:lumMod val="75000"/>
-                  <a:lumOff val="25000"/>
-                </a:schemeClr>
-              </a:solidFill>
-              <a:latin typeface="Roboto Light" panose="02000000000000000000" pitchFamily="2" charset="0"/>
-              <a:ea typeface="Roboto Light" panose="02000000000000000000" pitchFamily="2" charset="0"/>
-            </a:endParaRPr>
           </a:p>
           <a:p>
             <a:pPr>
@@ -3878,7 +5060,7 @@
               </a:spcAft>
             </a:pPr>
             <a:r>
-              <a:rPr lang="en-US" sz="1050" b="1" dirty="0" smtClean="0">
+              <a:rPr lang="en-US" sz="1050" b="1" dirty="0">
                 <a:latin typeface="Helvetica Neue" panose="02000503000000020004" pitchFamily="50"/>
               </a:rPr>
               <a:t>An open-source software for sleep data</a:t>
@@ -3890,7 +5072,7 @@
           <a:p>
             <a:pPr algn="just"/>
             <a:r>
-              <a:rPr lang="en-US" sz="1000" dirty="0" smtClean="0">
+              <a:rPr lang="en-US" sz="1000" dirty="0">
                 <a:latin typeface="Helvetica Neue" panose="02000503000000020004" pitchFamily="50"/>
               </a:rPr>
               <a:t>There is a lack of free and </a:t>
@@ -3902,28 +5084,10 @@
               <a:t>easy-to-use </a:t>
             </a:r>
             <a:r>
-              <a:rPr lang="en-US" sz="1000" dirty="0" smtClean="0">
-                <a:latin typeface="Helvetica Neue" panose="02000503000000020004" pitchFamily="50"/>
-              </a:rPr>
-              <a:t>graphical user interface dedicated to sleep data visualization, scoring and analysis. To fill this gap, we developed an </a:t>
-            </a:r>
-            <a:r>
-              <a:rPr lang="en-US" sz="1000" dirty="0" smtClean="0">
-                <a:latin typeface="Helvetica Neue" panose="02000503000000020004" pitchFamily="50"/>
-              </a:rPr>
-              <a:t>open-source </a:t>
-            </a:r>
-            <a:r>
-              <a:rPr lang="en-US" sz="1000" dirty="0" smtClean="0">
-                <a:latin typeface="Helvetica Neue" panose="02000503000000020004" pitchFamily="50"/>
-              </a:rPr>
-              <a:t>Python </a:t>
-            </a:r>
-            <a:r>
-              <a:rPr lang="en-US" sz="1000" dirty="0" smtClean="0">
-                <a:latin typeface="Helvetica Neue" panose="02000503000000020004" pitchFamily="50"/>
-              </a:rPr>
-              <a:t>software capable of handling efficiently large datasets from several file formats, and integrating automatic detection of several sleep microstructural features.</a:t>
+              <a:rPr lang="en-US" sz="1000" dirty="0">
+                <a:latin typeface="Helvetica Neue" panose="02000503000000020004" pitchFamily="50"/>
+              </a:rPr>
+              <a:t>graphical user interface dedicated to sleep data visualization, scoring and analysis. To fill this gap, we developed an open-source Python software capable of handling efficiently large datasets from several file formats, and integrating automatic detection of several sleep microstructural features.</a:t>
             </a:r>
             <a:endParaRPr lang="en-US" sz="1000" dirty="0">
               <a:latin typeface="Helvetica Neue" panose="02000503000000020004" pitchFamily="50"/>
@@ -3935,2911 +5099,6 @@
     <p:extLst>
       <p:ext uri="{BB962C8B-B14F-4D97-AF65-F5344CB8AC3E}">
         <p14:creationId xmlns:p14="http://schemas.microsoft.com/office/powerpoint/2010/main" val="3792130701"/>
-      </p:ext>
-    </p:extLst>
-  </p:cSld>
-  <p:clrMapOvr>
-    <a:masterClrMapping/>
-  </p:clrMapOvr>
-  <p:timing>
-    <p:tnLst>
-      <p:par>
-        <p:cTn id="1" dur="indefinite" restart="never" nodeType="tmRoot"/>
-      </p:par>
-    </p:tnLst>
-  </p:timing>
-</p:sld>
-</file>
-
-<file path=ppt/slides/slide2.xml><?xml version="1.0" encoding="utf-8"?>
-<p:sld xmlns:a="http://schemas.openxmlformats.org/drawingml/2006/main" xmlns:r="http://schemas.openxmlformats.org/officeDocument/2006/relationships" xmlns:p="http://schemas.openxmlformats.org/presentationml/2006/main">
-  <p:cSld>
-    <p:spTree>
-      <p:nvGrpSpPr>
-        <p:cNvPr id="1" name=""/>
-        <p:cNvGrpSpPr/>
-        <p:nvPr/>
-      </p:nvGrpSpPr>
-      <p:grpSpPr>
-        <a:xfrm>
-          <a:off x="0" y="0"/>
-          <a:ext cx="0" cy="0"/>
-          <a:chOff x="0" y="0"/>
-          <a:chExt cx="0" cy="0"/>
-        </a:xfrm>
-      </p:grpSpPr>
-      <p:sp>
-        <p:nvSpPr>
-          <p:cNvPr id="3" name="Rectangle à coins arrondis 2"/>
-          <p:cNvSpPr/>
-          <p:nvPr/>
-        </p:nvSpPr>
-        <p:spPr>
-          <a:xfrm>
-            <a:off x="66054" y="359348"/>
-            <a:ext cx="532801" cy="4311161"/>
-          </a:xfrm>
-          <a:prstGeom prst="roundRect">
-            <a:avLst>
-              <a:gd name="adj" fmla="val 10645"/>
-            </a:avLst>
-          </a:prstGeom>
-          <a:gradFill flip="none" rotWithShape="1">
-            <a:gsLst>
-              <a:gs pos="11000">
-                <a:srgbClr val="061229"/>
-              </a:gs>
-              <a:gs pos="44000">
-                <a:srgbClr val="717885"/>
-              </a:gs>
-              <a:gs pos="73000">
-                <a:srgbClr val="DBDDE0"/>
-              </a:gs>
-            </a:gsLst>
-            <a:lin ang="16200000" scaled="1"/>
-            <a:tileRect/>
-          </a:gradFill>
-          <a:ln>
-            <a:noFill/>
-          </a:ln>
-          <a:effectLst>
-            <a:outerShdw blurRad="25400" dist="25400" dir="2700000" algn="tl" rotWithShape="0">
-              <a:schemeClr val="tx1">
-                <a:lumMod val="50000"/>
-                <a:lumOff val="50000"/>
-                <a:alpha val="70000"/>
-              </a:schemeClr>
-            </a:outerShdw>
-          </a:effectLst>
-        </p:spPr>
-        <p:style>
-          <a:lnRef idx="2">
-            <a:schemeClr val="accent1">
-              <a:shade val="50000"/>
-            </a:schemeClr>
-          </a:lnRef>
-          <a:fillRef idx="1">
-            <a:schemeClr val="accent1"/>
-          </a:fillRef>
-          <a:effectRef idx="0">
-            <a:schemeClr val="accent1"/>
-          </a:effectRef>
-          <a:fontRef idx="minor">
-            <a:schemeClr val="lt1"/>
-          </a:fontRef>
-        </p:style>
-        <p:txBody>
-          <a:bodyPr rtlCol="0" anchor="ctr"/>
-          <a:lstStyle/>
-          <a:p>
-            <a:pPr algn="ctr"/>
-            <a:endParaRPr lang="en-US"/>
-          </a:p>
-        </p:txBody>
-      </p:sp>
-      <p:sp>
-        <p:nvSpPr>
-          <p:cNvPr id="8" name="ZoneTexte 7"/>
-          <p:cNvSpPr txBox="1"/>
-          <p:nvPr/>
-        </p:nvSpPr>
-        <p:spPr>
-          <a:xfrm>
-            <a:off x="67941" y="359348"/>
-            <a:ext cx="530915" cy="1332000"/>
-          </a:xfrm>
-          <a:prstGeom prst="rect">
-            <a:avLst/>
-          </a:prstGeom>
-          <a:noFill/>
-          <a:ln>
-            <a:noFill/>
-          </a:ln>
-        </p:spPr>
-        <p:txBody>
-          <a:bodyPr vert="vert270" wrap="square" rtlCol="0">
-            <a:spAutoFit/>
-          </a:bodyPr>
-          <a:lstStyle/>
-          <a:p>
-            <a:pPr algn="ctr">
-              <a:spcAft>
-                <a:spcPts val="300"/>
-              </a:spcAft>
-            </a:pPr>
-            <a:r>
-              <a:rPr lang="en-US" sz="1000" b="1" dirty="0">
-                <a:solidFill>
-                  <a:srgbClr val="061229"/>
-                </a:solidFill>
-                <a:latin typeface="Helvetica Neue" panose="02000503000000020004" pitchFamily="50"/>
-                <a:ea typeface="Roboto" pitchFamily="2" charset="0"/>
-                <a:cs typeface="Times New Roman" panose="02020603050405020304" pitchFamily="18" charset="0"/>
-              </a:rPr>
-              <a:t>DREAM RECALL </a:t>
-            </a:r>
-            <a:endParaRPr lang="en-US" sz="1000" b="1" dirty="0" smtClean="0">
-              <a:solidFill>
-                <a:srgbClr val="061229"/>
-              </a:solidFill>
-              <a:latin typeface="Helvetica Neue" panose="02000503000000020004" pitchFamily="50"/>
-              <a:ea typeface="Roboto" pitchFamily="2" charset="0"/>
-              <a:cs typeface="Times New Roman" panose="02020603050405020304" pitchFamily="18" charset="0"/>
-            </a:endParaRPr>
-          </a:p>
-          <a:p>
-            <a:pPr algn="ctr">
-              <a:spcAft>
-                <a:spcPts val="300"/>
-              </a:spcAft>
-            </a:pPr>
-            <a:r>
-              <a:rPr lang="en-US" sz="1000" b="1" dirty="0" smtClean="0">
-                <a:solidFill>
-                  <a:srgbClr val="061229"/>
-                </a:solidFill>
-                <a:latin typeface="Helvetica Neue" panose="02000503000000020004" pitchFamily="50"/>
-                <a:ea typeface="Roboto" pitchFamily="2" charset="0"/>
-                <a:cs typeface="Times New Roman" panose="02020603050405020304" pitchFamily="18" charset="0"/>
-              </a:rPr>
-              <a:t>FREQUENCY</a:t>
-            </a:r>
-            <a:endParaRPr lang="en-US" sz="1000" b="1" dirty="0">
-              <a:solidFill>
-                <a:srgbClr val="061229"/>
-              </a:solidFill>
-              <a:latin typeface="Helvetica Neue" panose="02000503000000020004" pitchFamily="50"/>
-              <a:ea typeface="Roboto" pitchFamily="2" charset="0"/>
-              <a:cs typeface="Times New Roman" panose="02020603050405020304" pitchFamily="18" charset="0"/>
-            </a:endParaRPr>
-          </a:p>
-        </p:txBody>
-      </p:sp>
-      <p:sp>
-        <p:nvSpPr>
-          <p:cNvPr id="20" name="ZoneTexte 19"/>
-          <p:cNvSpPr txBox="1"/>
-          <p:nvPr/>
-        </p:nvSpPr>
-        <p:spPr>
-          <a:xfrm>
-            <a:off x="67941" y="1847139"/>
-            <a:ext cx="530915" cy="1332000"/>
-          </a:xfrm>
-          <a:prstGeom prst="rect">
-            <a:avLst/>
-          </a:prstGeom>
-          <a:noFill/>
-          <a:ln>
-            <a:noFill/>
-          </a:ln>
-        </p:spPr>
-        <p:txBody>
-          <a:bodyPr vert="vert270" wrap="square" rtlCol="0">
-            <a:spAutoFit/>
-          </a:bodyPr>
-          <a:lstStyle/>
-          <a:p>
-            <a:pPr algn="ctr">
-              <a:spcAft>
-                <a:spcPts val="300"/>
-              </a:spcAft>
-            </a:pPr>
-            <a:r>
-              <a:rPr lang="en-US" sz="1000" b="1" dirty="0" smtClean="0">
-                <a:solidFill>
-                  <a:srgbClr val="FFFFFF"/>
-                </a:solidFill>
-                <a:latin typeface="Helvetica Neue" panose="02000503000000020004" pitchFamily="50"/>
-                <a:ea typeface="Roboto" pitchFamily="2" charset="0"/>
-                <a:cs typeface="Times New Roman" panose="02020603050405020304" pitchFamily="18" charset="0"/>
-              </a:rPr>
-              <a:t>DREAM </a:t>
-            </a:r>
-          </a:p>
-          <a:p>
-            <a:pPr algn="ctr">
-              <a:spcAft>
-                <a:spcPts val="300"/>
-              </a:spcAft>
-            </a:pPr>
-            <a:r>
-              <a:rPr lang="en-US" sz="1000" b="1" dirty="0" smtClean="0">
-                <a:solidFill>
-                  <a:srgbClr val="FFFFFF"/>
-                </a:solidFill>
-                <a:latin typeface="Helvetica Neue" panose="02000503000000020004" pitchFamily="50"/>
-                <a:ea typeface="Roboto" pitchFamily="2" charset="0"/>
-                <a:cs typeface="Times New Roman" panose="02020603050405020304" pitchFamily="18" charset="0"/>
-              </a:rPr>
-              <a:t>CONTENT</a:t>
-            </a:r>
-            <a:endParaRPr lang="en-US" sz="1000" b="1" dirty="0">
-              <a:solidFill>
-                <a:srgbClr val="FFFFFF"/>
-              </a:solidFill>
-              <a:latin typeface="Helvetica Neue" panose="02000503000000020004" pitchFamily="50"/>
-              <a:ea typeface="Roboto" pitchFamily="2" charset="0"/>
-              <a:cs typeface="Times New Roman" panose="02020603050405020304" pitchFamily="18" charset="0"/>
-            </a:endParaRPr>
-          </a:p>
-        </p:txBody>
-      </p:sp>
-      <p:sp>
-        <p:nvSpPr>
-          <p:cNvPr id="22" name="ZoneTexte 21"/>
-          <p:cNvSpPr txBox="1"/>
-          <p:nvPr/>
-        </p:nvSpPr>
-        <p:spPr>
-          <a:xfrm>
-            <a:off x="66055" y="3338509"/>
-            <a:ext cx="492443" cy="1332000"/>
-          </a:xfrm>
-          <a:prstGeom prst="rect">
-            <a:avLst/>
-          </a:prstGeom>
-          <a:noFill/>
-          <a:ln>
-            <a:noFill/>
-          </a:ln>
-        </p:spPr>
-        <p:txBody>
-          <a:bodyPr vert="vert270" wrap="square" rtlCol="0">
-            <a:spAutoFit/>
-          </a:bodyPr>
-          <a:lstStyle/>
-          <a:p>
-            <a:pPr algn="ctr">
-              <a:spcAft>
-                <a:spcPts val="300"/>
-              </a:spcAft>
-            </a:pPr>
-            <a:r>
-              <a:rPr lang="en-US" sz="1000" b="1" dirty="0" smtClean="0">
-                <a:solidFill>
-                  <a:srgbClr val="FFFFFF"/>
-                </a:solidFill>
-                <a:latin typeface="Helvetica Neue" panose="02000503000000020004" pitchFamily="50"/>
-                <a:ea typeface="Roboto" pitchFamily="2" charset="0"/>
-                <a:cs typeface="Times New Roman" panose="02020603050405020304" pitchFamily="18" charset="0"/>
-              </a:rPr>
-              <a:t>SOFTWARE DEVELOPEMENT</a:t>
-            </a:r>
-            <a:endParaRPr lang="en-US" sz="1000" b="1" dirty="0">
-              <a:solidFill>
-                <a:srgbClr val="FFFFFF"/>
-              </a:solidFill>
-              <a:latin typeface="Helvetica Neue" panose="02000503000000020004" pitchFamily="50"/>
-              <a:ea typeface="Roboto" pitchFamily="2" charset="0"/>
-              <a:cs typeface="Times New Roman" panose="02020603050405020304" pitchFamily="18" charset="0"/>
-            </a:endParaRPr>
-          </a:p>
-        </p:txBody>
-      </p:sp>
-      <p:sp>
-        <p:nvSpPr>
-          <p:cNvPr id="34" name="ZoneTexte 33"/>
-          <p:cNvSpPr txBox="1"/>
-          <p:nvPr/>
-        </p:nvSpPr>
-        <p:spPr>
-          <a:xfrm>
-            <a:off x="683641" y="3438969"/>
-            <a:ext cx="3488384" cy="1138773"/>
-          </a:xfrm>
-          <a:prstGeom prst="rect">
-            <a:avLst/>
-          </a:prstGeom>
-          <a:solidFill>
-            <a:srgbClr val="A2D2C8"/>
-          </a:solidFill>
-          <a:effectLst>
-            <a:outerShdw blurRad="50800" dist="25400" dir="2700000" algn="tl" rotWithShape="0">
-              <a:schemeClr val="tx1">
-                <a:lumMod val="50000"/>
-                <a:lumOff val="50000"/>
-                <a:alpha val="20000"/>
-              </a:schemeClr>
-            </a:outerShdw>
-          </a:effectLst>
-        </p:spPr>
-        <p:txBody>
-          <a:bodyPr wrap="square" rtlCol="0">
-            <a:spAutoFit/>
-          </a:bodyPr>
-          <a:lstStyle/>
-          <a:p>
-            <a:pPr>
-              <a:spcAft>
-                <a:spcPts val="600"/>
-              </a:spcAft>
-            </a:pPr>
-            <a:r>
-              <a:rPr lang="en-US" sz="1000" dirty="0">
-                <a:latin typeface="Roboto Light" panose="02000000000000000000" pitchFamily="2" charset="0"/>
-                <a:ea typeface="Roboto Light" panose="02000000000000000000" pitchFamily="2" charset="0"/>
-              </a:rPr>
-              <a:t>Study </a:t>
-            </a:r>
-            <a:r>
-              <a:rPr lang="en-US" sz="1000" dirty="0" smtClean="0">
-                <a:latin typeface="Roboto Light" panose="02000000000000000000" pitchFamily="2" charset="0"/>
-                <a:ea typeface="Roboto Light" panose="02000000000000000000" pitchFamily="2" charset="0"/>
-              </a:rPr>
-              <a:t>5		</a:t>
-            </a:r>
-            <a:r>
-              <a:rPr lang="en-US" sz="1000" dirty="0">
-                <a:solidFill>
-                  <a:schemeClr val="tx1">
-                    <a:lumMod val="75000"/>
-                    <a:lumOff val="25000"/>
-                  </a:schemeClr>
-                </a:solidFill>
-                <a:latin typeface="Roboto Light" panose="02000000000000000000" pitchFamily="2" charset="0"/>
-                <a:ea typeface="Roboto Light" panose="02000000000000000000" pitchFamily="2" charset="0"/>
-              </a:rPr>
-              <a:t> </a:t>
-            </a:r>
-            <a:r>
-              <a:rPr lang="en-US" sz="1000" dirty="0" smtClean="0">
-                <a:solidFill>
-                  <a:schemeClr val="tx1">
-                    <a:lumMod val="75000"/>
-                    <a:lumOff val="25000"/>
-                  </a:schemeClr>
-                </a:solidFill>
-                <a:latin typeface="Roboto Light" panose="02000000000000000000" pitchFamily="2" charset="0"/>
-                <a:ea typeface="Roboto Light" panose="02000000000000000000" pitchFamily="2" charset="0"/>
-              </a:rPr>
-              <a:t>                      </a:t>
-            </a:r>
-            <a:r>
-              <a:rPr lang="en-US" sz="1000" i="1" dirty="0" smtClean="0">
-                <a:solidFill>
-                  <a:schemeClr val="tx1">
-                    <a:lumMod val="75000"/>
-                    <a:lumOff val="25000"/>
-                  </a:schemeClr>
-                </a:solidFill>
-                <a:latin typeface="Roboto Light" panose="02000000000000000000" pitchFamily="2" charset="0"/>
-                <a:ea typeface="Roboto Light" panose="02000000000000000000" pitchFamily="2" charset="0"/>
-              </a:rPr>
-              <a:t>Programming</a:t>
-            </a:r>
-          </a:p>
-          <a:p>
-            <a:pPr>
-              <a:spcAft>
-                <a:spcPts val="300"/>
-              </a:spcAft>
-            </a:pPr>
-            <a:r>
-              <a:rPr lang="en-US" sz="1050" b="1" dirty="0" smtClean="0">
-                <a:latin typeface="Helvetica Neue" panose="02000503000000020004" pitchFamily="50"/>
-              </a:rPr>
-              <a:t>An open-source software for sleep data</a:t>
-            </a:r>
-            <a:endParaRPr lang="en-US" sz="1050" b="1" dirty="0">
-              <a:latin typeface="Helvetica Neue" panose="02000503000000020004" pitchFamily="50"/>
-            </a:endParaRPr>
-          </a:p>
-          <a:p>
-            <a:pPr algn="just"/>
-            <a:r>
-              <a:rPr lang="en-US" sz="1000" dirty="0" smtClean="0">
-                <a:latin typeface="Helvetica Neue" panose="02000503000000020004" pitchFamily="50"/>
-              </a:rPr>
-              <a:t>Development of an open-source Python software for visualizing, scoring and analyzing polysomnographic sleep data.</a:t>
-            </a:r>
-          </a:p>
-          <a:p>
-            <a:pPr algn="just"/>
-            <a:endParaRPr lang="en-US" sz="1000" dirty="0">
-              <a:latin typeface="Helvetica Neue" panose="02000503000000020004" pitchFamily="50"/>
-            </a:endParaRPr>
-          </a:p>
-        </p:txBody>
-      </p:sp>
-      <p:grpSp>
-        <p:nvGrpSpPr>
-          <p:cNvPr id="2" name="Groupe 1"/>
-          <p:cNvGrpSpPr/>
-          <p:nvPr/>
-        </p:nvGrpSpPr>
-        <p:grpSpPr>
-          <a:xfrm>
-            <a:off x="683640" y="459808"/>
-            <a:ext cx="5274970" cy="1138774"/>
-            <a:chOff x="683641" y="531253"/>
-            <a:chExt cx="5274970" cy="1138774"/>
-          </a:xfrm>
-          <a:solidFill>
-            <a:srgbClr val="F9FBFD"/>
-          </a:solidFill>
-          <a:effectLst>
-            <a:outerShdw blurRad="50800" dist="25400" dir="2700000" algn="tl" rotWithShape="0">
-              <a:schemeClr val="tx1">
-                <a:lumMod val="50000"/>
-                <a:lumOff val="50000"/>
-                <a:alpha val="20000"/>
-              </a:schemeClr>
-            </a:outerShdw>
-          </a:effectLst>
-        </p:grpSpPr>
-        <p:sp>
-          <p:nvSpPr>
-            <p:cNvPr id="19" name="ZoneTexte 18"/>
-            <p:cNvSpPr txBox="1"/>
-            <p:nvPr/>
-          </p:nvSpPr>
-          <p:spPr>
-            <a:xfrm>
-              <a:off x="683641" y="531254"/>
-              <a:ext cx="1701800" cy="1138773"/>
-            </a:xfrm>
-            <a:prstGeom prst="rect">
-              <a:avLst/>
-            </a:prstGeom>
-            <a:solidFill>
-              <a:srgbClr val="E7F7FD"/>
-            </a:solidFill>
-            <a:effectLst>
-              <a:outerShdw blurRad="50800" dist="38100" dir="2700000" sx="82000" sy="82000" algn="tl" rotWithShape="0">
-                <a:prstClr val="black">
-                  <a:alpha val="40000"/>
-                </a:prstClr>
-              </a:outerShdw>
-            </a:effectLst>
-          </p:spPr>
-          <p:txBody>
-            <a:bodyPr wrap="square" rtlCol="0">
-              <a:spAutoFit/>
-            </a:bodyPr>
-            <a:lstStyle/>
-            <a:p>
-              <a:pPr>
-                <a:spcAft>
-                  <a:spcPts val="600"/>
-                </a:spcAft>
-              </a:pPr>
-              <a:r>
-                <a:rPr lang="en-US" sz="1000" dirty="0">
-                  <a:latin typeface="Roboto Light" panose="02000000000000000000" pitchFamily="2" charset="0"/>
-                  <a:ea typeface="Roboto Light" panose="02000000000000000000" pitchFamily="2" charset="0"/>
-                </a:rPr>
-                <a:t>Study </a:t>
-              </a:r>
-              <a:r>
-                <a:rPr lang="en-US" sz="1000" dirty="0" smtClean="0">
-                  <a:latin typeface="Roboto Light" panose="02000000000000000000" pitchFamily="2" charset="0"/>
-                  <a:ea typeface="Roboto Light" panose="02000000000000000000" pitchFamily="2" charset="0"/>
-                </a:rPr>
-                <a:t>1 	            </a:t>
-              </a:r>
-              <a:r>
-                <a:rPr lang="en-US" sz="1000" i="1" dirty="0" smtClean="0">
-                  <a:solidFill>
-                    <a:schemeClr val="tx1">
-                      <a:lumMod val="75000"/>
-                      <a:lumOff val="25000"/>
-                    </a:schemeClr>
-                  </a:solidFill>
-                  <a:latin typeface="Roboto Light" panose="02000000000000000000" pitchFamily="2" charset="0"/>
-                  <a:ea typeface="Roboto Light" panose="02000000000000000000" pitchFamily="2" charset="0"/>
-                </a:rPr>
-                <a:t>EEG</a:t>
-              </a:r>
-              <a:endParaRPr lang="en-US" sz="1000" dirty="0" smtClean="0">
-                <a:solidFill>
-                  <a:schemeClr val="tx1">
-                    <a:lumMod val="75000"/>
-                    <a:lumOff val="25000"/>
-                  </a:schemeClr>
-                </a:solidFill>
-                <a:latin typeface="Roboto Light" panose="02000000000000000000" pitchFamily="2" charset="0"/>
-                <a:ea typeface="Roboto Light" panose="02000000000000000000" pitchFamily="2" charset="0"/>
-              </a:endParaRPr>
-            </a:p>
-            <a:p>
-              <a:pPr>
-                <a:spcAft>
-                  <a:spcPts val="300"/>
-                </a:spcAft>
-              </a:pPr>
-              <a:r>
-                <a:rPr lang="en-US" sz="1050" b="1" dirty="0" smtClean="0">
-                  <a:latin typeface="Helvetica Neue" panose="02000503000000020004" pitchFamily="50"/>
-                </a:rPr>
-                <a:t>DRF and arousals</a:t>
-              </a:r>
-              <a:endParaRPr lang="en-US" sz="1050" b="1" dirty="0">
-                <a:latin typeface="Helvetica Neue" panose="02000503000000020004" pitchFamily="50"/>
-              </a:endParaRPr>
-            </a:p>
-            <a:p>
-              <a:pPr algn="just"/>
-              <a:r>
-                <a:rPr lang="en-US" sz="1000" dirty="0">
-                  <a:latin typeface="Helvetica Neue" panose="02000503000000020004" pitchFamily="50"/>
-                </a:rPr>
-                <a:t>Are there </a:t>
-              </a:r>
-              <a:r>
-                <a:rPr lang="en-US" sz="1000" dirty="0" smtClean="0">
-                  <a:latin typeface="Helvetica Neue" panose="02000503000000020004" pitchFamily="50"/>
-                </a:rPr>
-                <a:t>differences in arousals between high and low dream recallers?</a:t>
-              </a:r>
-            </a:p>
-            <a:p>
-              <a:pPr algn="just"/>
-              <a:endParaRPr lang="en-US" sz="1000" dirty="0" smtClean="0">
-                <a:latin typeface="Helvetica Neue" panose="02000503000000020004" pitchFamily="50"/>
-              </a:endParaRPr>
-            </a:p>
-          </p:txBody>
-        </p:sp>
-        <p:sp>
-          <p:nvSpPr>
-            <p:cNvPr id="27" name="ZoneTexte 26"/>
-            <p:cNvSpPr txBox="1"/>
-            <p:nvPr/>
-          </p:nvSpPr>
-          <p:spPr>
-            <a:xfrm>
-              <a:off x="2470226" y="531253"/>
-              <a:ext cx="1701800" cy="1138773"/>
-            </a:xfrm>
-            <a:prstGeom prst="rect">
-              <a:avLst/>
-            </a:prstGeom>
-            <a:solidFill>
-              <a:srgbClr val="C7ECF9"/>
-            </a:solidFill>
-            <a:effectLst>
-              <a:outerShdw blurRad="50800" dist="38100" dir="2700000" sx="82000" sy="82000" algn="tl" rotWithShape="0">
-                <a:prstClr val="black">
-                  <a:alpha val="40000"/>
-                </a:prstClr>
-              </a:outerShdw>
-            </a:effectLst>
-          </p:spPr>
-          <p:txBody>
-            <a:bodyPr wrap="square" rtlCol="0">
-              <a:spAutoFit/>
-            </a:bodyPr>
-            <a:lstStyle/>
-            <a:p>
-              <a:pPr>
-                <a:spcAft>
-                  <a:spcPts val="600"/>
-                </a:spcAft>
-              </a:pPr>
-              <a:r>
-                <a:rPr lang="en-US" sz="1000" dirty="0">
-                  <a:latin typeface="Roboto Light" panose="02000000000000000000" pitchFamily="2" charset="0"/>
-                  <a:ea typeface="Roboto Light" panose="02000000000000000000" pitchFamily="2" charset="0"/>
-                </a:rPr>
-                <a:t>Study </a:t>
-              </a:r>
-              <a:r>
-                <a:rPr lang="en-US" sz="1000" dirty="0" smtClean="0">
-                  <a:latin typeface="Roboto Light" panose="02000000000000000000" pitchFamily="2" charset="0"/>
-                  <a:ea typeface="Roboto Light" panose="02000000000000000000" pitchFamily="2" charset="0"/>
-                </a:rPr>
-                <a:t>2	  </a:t>
-              </a:r>
-              <a:r>
-                <a:rPr lang="en-US" sz="1000" i="1" dirty="0" smtClean="0">
-                  <a:solidFill>
-                    <a:schemeClr val="tx1">
-                      <a:lumMod val="75000"/>
-                      <a:lumOff val="25000"/>
-                    </a:schemeClr>
-                  </a:solidFill>
-                  <a:latin typeface="Roboto Light" panose="02000000000000000000" pitchFamily="2" charset="0"/>
-                  <a:ea typeface="Roboto Light" panose="02000000000000000000" pitchFamily="2" charset="0"/>
-                </a:rPr>
-                <a:t>EEG-fMRI</a:t>
-              </a:r>
-            </a:p>
-            <a:p>
-              <a:pPr>
-                <a:spcAft>
-                  <a:spcPts val="300"/>
-                </a:spcAft>
-              </a:pPr>
-              <a:r>
-                <a:rPr lang="en-US" sz="1050" b="1" dirty="0" smtClean="0">
-                  <a:latin typeface="Helvetica Neue" panose="02000503000000020004" pitchFamily="50"/>
-                </a:rPr>
-                <a:t>DRF and sleep inertia</a:t>
-              </a:r>
-              <a:endParaRPr lang="en-US" sz="1050" b="1" dirty="0">
-                <a:latin typeface="Helvetica Neue" panose="02000503000000020004" pitchFamily="50"/>
-              </a:endParaRPr>
-            </a:p>
-            <a:p>
-              <a:pPr algn="just"/>
-              <a:r>
-                <a:rPr lang="en-US" sz="1000" dirty="0">
-                  <a:latin typeface="Helvetica Neue" panose="02000503000000020004" pitchFamily="50"/>
-                </a:rPr>
-                <a:t>Are there differences in sleep </a:t>
-              </a:r>
-              <a:r>
-                <a:rPr lang="en-US" sz="1000" dirty="0" smtClean="0">
-                  <a:latin typeface="Helvetica Neue" panose="02000503000000020004" pitchFamily="50"/>
-                </a:rPr>
-                <a:t>inertia between high and low dream recallers?</a:t>
-              </a:r>
-            </a:p>
-            <a:p>
-              <a:endParaRPr lang="en-US" sz="1000" dirty="0">
-                <a:latin typeface="Helvetica Neue" panose="02000503000000020004" pitchFamily="50"/>
-              </a:endParaRPr>
-            </a:p>
-          </p:txBody>
-        </p:sp>
-        <p:sp>
-          <p:nvSpPr>
-            <p:cNvPr id="36" name="ZoneTexte 35"/>
-            <p:cNvSpPr txBox="1"/>
-            <p:nvPr/>
-          </p:nvSpPr>
-          <p:spPr>
-            <a:xfrm>
-              <a:off x="4256811" y="531253"/>
-              <a:ext cx="1701800" cy="1138773"/>
-            </a:xfrm>
-            <a:prstGeom prst="rect">
-              <a:avLst/>
-            </a:prstGeom>
-            <a:solidFill>
-              <a:srgbClr val="9DDEF5"/>
-            </a:solidFill>
-            <a:effectLst>
-              <a:outerShdw blurRad="50800" dist="38100" dir="2700000" sx="82000" sy="82000" algn="tl" rotWithShape="0">
-                <a:prstClr val="black">
-                  <a:alpha val="40000"/>
-                </a:prstClr>
-              </a:outerShdw>
-            </a:effectLst>
-          </p:spPr>
-          <p:txBody>
-            <a:bodyPr wrap="square" rtlCol="0">
-              <a:spAutoFit/>
-            </a:bodyPr>
-            <a:lstStyle/>
-            <a:p>
-              <a:pPr>
-                <a:spcAft>
-                  <a:spcPts val="600"/>
-                </a:spcAft>
-              </a:pPr>
-              <a:r>
-                <a:rPr lang="en-US" sz="1000" dirty="0">
-                  <a:latin typeface="Roboto Light" panose="02000000000000000000" pitchFamily="2" charset="0"/>
-                  <a:ea typeface="Roboto Light" panose="02000000000000000000" pitchFamily="2" charset="0"/>
-                </a:rPr>
-                <a:t>Study </a:t>
-              </a:r>
-              <a:r>
-                <a:rPr lang="en-US" sz="1000" dirty="0" smtClean="0">
-                  <a:latin typeface="Roboto Light" panose="02000000000000000000" pitchFamily="2" charset="0"/>
-                  <a:ea typeface="Roboto Light" panose="02000000000000000000" pitchFamily="2" charset="0"/>
-                </a:rPr>
-                <a:t>3 	       </a:t>
-              </a:r>
-              <a:r>
-                <a:rPr lang="en-US" sz="1000" i="1" dirty="0" smtClean="0">
-                  <a:solidFill>
-                    <a:schemeClr val="tx1">
-                      <a:lumMod val="75000"/>
-                      <a:lumOff val="25000"/>
-                    </a:schemeClr>
-                  </a:solidFill>
-                  <a:latin typeface="Roboto Light" panose="02000000000000000000" pitchFamily="2" charset="0"/>
-                  <a:ea typeface="Roboto Light" panose="02000000000000000000" pitchFamily="2" charset="0"/>
-                </a:rPr>
-                <a:t>Survey</a:t>
-              </a:r>
-            </a:p>
-            <a:p>
-              <a:pPr>
-                <a:spcAft>
-                  <a:spcPts val="300"/>
-                </a:spcAft>
-              </a:pPr>
-              <a:r>
-                <a:rPr lang="en-US" sz="1050" b="1" dirty="0" smtClean="0">
-                  <a:latin typeface="Helvetica Neue" panose="02000503000000020004" pitchFamily="50"/>
-                </a:rPr>
-                <a:t>Sleep and dream habits</a:t>
-              </a:r>
-            </a:p>
-            <a:p>
-              <a:pPr algn="just">
-                <a:spcAft>
-                  <a:spcPts val="300"/>
-                </a:spcAft>
-              </a:pPr>
-              <a:r>
-                <a:rPr lang="en-US" sz="1000" dirty="0" smtClean="0">
-                  <a:latin typeface="Helvetica Neue" panose="02000503000000020004" pitchFamily="50"/>
-                </a:rPr>
-                <a:t>Survey of the sleep and dream habits of a large sample of French college students.</a:t>
-              </a:r>
-              <a:endParaRPr lang="en-US" sz="1000" dirty="0">
-                <a:latin typeface="Helvetica Neue" panose="02000503000000020004" pitchFamily="50"/>
-              </a:endParaRPr>
-            </a:p>
-          </p:txBody>
-        </p:sp>
-      </p:grpSp>
-      <p:sp>
-        <p:nvSpPr>
-          <p:cNvPr id="37" name="ZoneTexte 36"/>
-          <p:cNvSpPr txBox="1"/>
-          <p:nvPr/>
-        </p:nvSpPr>
-        <p:spPr>
-          <a:xfrm>
-            <a:off x="683640" y="1943752"/>
-            <a:ext cx="3488385" cy="1138773"/>
-          </a:xfrm>
-          <a:prstGeom prst="rect">
-            <a:avLst/>
-          </a:prstGeom>
-          <a:solidFill>
-            <a:srgbClr val="FFDCCD"/>
-          </a:solidFill>
-          <a:effectLst>
-            <a:outerShdw blurRad="50800" dist="25400" dir="2700000" algn="tl" rotWithShape="0">
-              <a:schemeClr val="tx1">
-                <a:lumMod val="50000"/>
-                <a:lumOff val="50000"/>
-                <a:alpha val="20000"/>
-              </a:schemeClr>
-            </a:outerShdw>
-          </a:effectLst>
-        </p:spPr>
-        <p:txBody>
-          <a:bodyPr wrap="square" rtlCol="0">
-            <a:spAutoFit/>
-          </a:bodyPr>
-          <a:lstStyle/>
-          <a:p>
-            <a:pPr>
-              <a:spcAft>
-                <a:spcPts val="600"/>
-              </a:spcAft>
-            </a:pPr>
-            <a:r>
-              <a:rPr lang="en-US" sz="1000" dirty="0">
-                <a:latin typeface="Roboto Light" panose="02000000000000000000" pitchFamily="2" charset="0"/>
-                <a:ea typeface="Roboto Light" panose="02000000000000000000" pitchFamily="2" charset="0"/>
-              </a:rPr>
-              <a:t>Study </a:t>
-            </a:r>
-            <a:r>
-              <a:rPr lang="en-US" sz="1000" dirty="0" smtClean="0">
-                <a:latin typeface="Roboto Light" panose="02000000000000000000" pitchFamily="2" charset="0"/>
-                <a:ea typeface="Roboto Light" panose="02000000000000000000" pitchFamily="2" charset="0"/>
-              </a:rPr>
-              <a:t>4			</a:t>
-            </a:r>
-            <a:r>
-              <a:rPr lang="en-US" sz="1000" dirty="0" smtClean="0">
-                <a:solidFill>
-                  <a:schemeClr val="tx1">
-                    <a:lumMod val="75000"/>
-                    <a:lumOff val="25000"/>
-                  </a:schemeClr>
-                </a:solidFill>
-                <a:latin typeface="Roboto Light" panose="02000000000000000000" pitchFamily="2" charset="0"/>
-                <a:ea typeface="Roboto Light" panose="02000000000000000000" pitchFamily="2" charset="0"/>
-              </a:rPr>
-              <a:t>  </a:t>
-            </a:r>
-            <a:r>
-              <a:rPr lang="en-US" sz="1000" i="1" dirty="0" smtClean="0">
-                <a:solidFill>
-                  <a:schemeClr val="tx1">
-                    <a:lumMod val="75000"/>
-                    <a:lumOff val="25000"/>
-                  </a:schemeClr>
-                </a:solidFill>
-                <a:latin typeface="Roboto Light" panose="02000000000000000000" pitchFamily="2" charset="0"/>
-                <a:ea typeface="Roboto Light" panose="02000000000000000000" pitchFamily="2" charset="0"/>
-              </a:rPr>
-              <a:t>Behavior </a:t>
-            </a:r>
-            <a:r>
-              <a:rPr lang="en-US" sz="1000" dirty="0" smtClean="0">
-                <a:solidFill>
-                  <a:schemeClr val="tx1">
-                    <a:lumMod val="75000"/>
-                    <a:lumOff val="25000"/>
-                  </a:schemeClr>
-                </a:solidFill>
-                <a:latin typeface="Roboto Light" panose="02000000000000000000" pitchFamily="2" charset="0"/>
-                <a:ea typeface="Roboto Light" panose="02000000000000000000" pitchFamily="2" charset="0"/>
-              </a:rPr>
-              <a:t> </a:t>
-            </a:r>
-          </a:p>
-          <a:p>
-            <a:pPr>
-              <a:spcAft>
-                <a:spcPts val="300"/>
-              </a:spcAft>
-            </a:pPr>
-            <a:r>
-              <a:rPr lang="en-US" sz="1050" b="1" dirty="0" smtClean="0">
-                <a:latin typeface="Helvetica Neue" panose="02000503000000020004" pitchFamily="50"/>
-              </a:rPr>
-              <a:t>The memory sources of dreams</a:t>
-            </a:r>
-            <a:endParaRPr lang="en-US" sz="1050" b="1" dirty="0">
-              <a:latin typeface="Helvetica Neue" panose="02000503000000020004" pitchFamily="50"/>
-            </a:endParaRPr>
-          </a:p>
-          <a:p>
-            <a:r>
-              <a:rPr lang="en-US" sz="1000" dirty="0" smtClean="0">
-                <a:latin typeface="Helvetica Neue" panose="02000503000000020004" pitchFamily="50"/>
-              </a:rPr>
-              <a:t>Investigation of the characteristics of the memory sources incorporated into dreams, especially remote and trivial memories.</a:t>
-            </a:r>
-          </a:p>
-          <a:p>
-            <a:endParaRPr lang="en-US" sz="1000" dirty="0" smtClean="0">
-              <a:latin typeface="Helvetica Neue" panose="02000503000000020004" pitchFamily="50"/>
-            </a:endParaRPr>
-          </a:p>
-        </p:txBody>
-      </p:sp>
-      <p:cxnSp>
-        <p:nvCxnSpPr>
-          <p:cNvPr id="16" name="Connecteur droit 15"/>
-          <p:cNvCxnSpPr/>
-          <p:nvPr/>
-        </p:nvCxnSpPr>
-        <p:spPr>
-          <a:xfrm>
-            <a:off x="66054" y="1765530"/>
-            <a:ext cx="5940000" cy="0"/>
-          </a:xfrm>
-          <a:prstGeom prst="line">
-            <a:avLst/>
-          </a:prstGeom>
-          <a:ln w="12700">
-            <a:solidFill>
-              <a:srgbClr val="1D1F21"/>
-            </a:solidFill>
-            <a:prstDash val="sysDot"/>
-          </a:ln>
-        </p:spPr>
-        <p:style>
-          <a:lnRef idx="1">
-            <a:schemeClr val="dk1"/>
-          </a:lnRef>
-          <a:fillRef idx="0">
-            <a:schemeClr val="dk1"/>
-          </a:fillRef>
-          <a:effectRef idx="0">
-            <a:schemeClr val="dk1"/>
-          </a:effectRef>
-          <a:fontRef idx="minor">
-            <a:schemeClr val="tx1"/>
-          </a:fontRef>
-        </p:style>
-      </p:cxnSp>
-      <p:cxnSp>
-        <p:nvCxnSpPr>
-          <p:cNvPr id="24" name="Connecteur droit 23"/>
-          <p:cNvCxnSpPr/>
-          <p:nvPr/>
-        </p:nvCxnSpPr>
-        <p:spPr>
-          <a:xfrm>
-            <a:off x="66054" y="3260240"/>
-            <a:ext cx="5940000" cy="0"/>
-          </a:xfrm>
-          <a:prstGeom prst="line">
-            <a:avLst/>
-          </a:prstGeom>
-          <a:ln w="12700">
-            <a:solidFill>
-              <a:srgbClr val="1D1F21"/>
-            </a:solidFill>
-            <a:prstDash val="sysDot"/>
-          </a:ln>
-        </p:spPr>
-        <p:style>
-          <a:lnRef idx="1">
-            <a:schemeClr val="dk1"/>
-          </a:lnRef>
-          <a:fillRef idx="0">
-            <a:schemeClr val="dk1"/>
-          </a:fillRef>
-          <a:effectRef idx="0">
-            <a:schemeClr val="dk1"/>
-          </a:effectRef>
-          <a:fontRef idx="minor">
-            <a:schemeClr val="tx1"/>
-          </a:fontRef>
-        </p:style>
-      </p:cxnSp>
-    </p:spTree>
-    <p:extLst>
-      <p:ext uri="{BB962C8B-B14F-4D97-AF65-F5344CB8AC3E}">
-        <p14:creationId xmlns:p14="http://schemas.microsoft.com/office/powerpoint/2010/main" val="4203217391"/>
-      </p:ext>
-    </p:extLst>
-  </p:cSld>
-  <p:clrMapOvr>
-    <a:masterClrMapping/>
-  </p:clrMapOvr>
-  <p:timing>
-    <p:tnLst>
-      <p:par>
-        <p:cTn id="1" dur="indefinite" restart="never" nodeType="tmRoot"/>
-      </p:par>
-    </p:tnLst>
-  </p:timing>
-</p:sld>
-</file>
-
-<file path=ppt/slides/slide3.xml><?xml version="1.0" encoding="utf-8"?>
-<p:sld xmlns:a="http://schemas.openxmlformats.org/drawingml/2006/main" xmlns:r="http://schemas.openxmlformats.org/officeDocument/2006/relationships" xmlns:p="http://schemas.openxmlformats.org/presentationml/2006/main">
-  <p:cSld>
-    <p:spTree>
-      <p:nvGrpSpPr>
-        <p:cNvPr id="1" name=""/>
-        <p:cNvGrpSpPr/>
-        <p:nvPr/>
-      </p:nvGrpSpPr>
-      <p:grpSpPr>
-        <a:xfrm>
-          <a:off x="0" y="0"/>
-          <a:ext cx="0" cy="0"/>
-          <a:chOff x="0" y="0"/>
-          <a:chExt cx="0" cy="0"/>
-        </a:xfrm>
-      </p:grpSpPr>
-      <p:sp>
-        <p:nvSpPr>
-          <p:cNvPr id="3" name="Rectangle à coins arrondis 2"/>
-          <p:cNvSpPr/>
-          <p:nvPr/>
-        </p:nvSpPr>
-        <p:spPr>
-          <a:xfrm>
-            <a:off x="66054" y="359348"/>
-            <a:ext cx="532801" cy="4311161"/>
-          </a:xfrm>
-          <a:prstGeom prst="roundRect">
-            <a:avLst>
-              <a:gd name="adj" fmla="val 10645"/>
-            </a:avLst>
-          </a:prstGeom>
-          <a:gradFill flip="none" rotWithShape="1">
-            <a:gsLst>
-              <a:gs pos="11000">
-                <a:srgbClr val="061229"/>
-              </a:gs>
-              <a:gs pos="44000">
-                <a:srgbClr val="717885"/>
-              </a:gs>
-              <a:gs pos="73000">
-                <a:srgbClr val="DBDDE0"/>
-              </a:gs>
-            </a:gsLst>
-            <a:lin ang="16200000" scaled="1"/>
-            <a:tileRect/>
-          </a:gradFill>
-          <a:ln>
-            <a:noFill/>
-          </a:ln>
-          <a:effectLst>
-            <a:outerShdw blurRad="25400" dist="25400" dir="2700000" algn="tl" rotWithShape="0">
-              <a:schemeClr val="tx1">
-                <a:lumMod val="50000"/>
-                <a:lumOff val="50000"/>
-                <a:alpha val="70000"/>
-              </a:schemeClr>
-            </a:outerShdw>
-          </a:effectLst>
-        </p:spPr>
-        <p:style>
-          <a:lnRef idx="2">
-            <a:schemeClr val="accent1">
-              <a:shade val="50000"/>
-            </a:schemeClr>
-          </a:lnRef>
-          <a:fillRef idx="1">
-            <a:schemeClr val="accent1"/>
-          </a:fillRef>
-          <a:effectRef idx="0">
-            <a:schemeClr val="accent1"/>
-          </a:effectRef>
-          <a:fontRef idx="minor">
-            <a:schemeClr val="lt1"/>
-          </a:fontRef>
-        </p:style>
-        <p:txBody>
-          <a:bodyPr rtlCol="0" anchor="ctr"/>
-          <a:lstStyle/>
-          <a:p>
-            <a:pPr algn="ctr"/>
-            <a:endParaRPr lang="en-US"/>
-          </a:p>
-        </p:txBody>
-      </p:sp>
-      <p:sp>
-        <p:nvSpPr>
-          <p:cNvPr id="8" name="ZoneTexte 7"/>
-          <p:cNvSpPr txBox="1"/>
-          <p:nvPr/>
-        </p:nvSpPr>
-        <p:spPr>
-          <a:xfrm>
-            <a:off x="67941" y="359348"/>
-            <a:ext cx="530915" cy="1332000"/>
-          </a:xfrm>
-          <a:prstGeom prst="rect">
-            <a:avLst/>
-          </a:prstGeom>
-          <a:noFill/>
-          <a:ln>
-            <a:noFill/>
-          </a:ln>
-        </p:spPr>
-        <p:txBody>
-          <a:bodyPr vert="vert270" wrap="square" rtlCol="0">
-            <a:spAutoFit/>
-          </a:bodyPr>
-          <a:lstStyle/>
-          <a:p>
-            <a:pPr algn="ctr">
-              <a:spcAft>
-                <a:spcPts val="300"/>
-              </a:spcAft>
-            </a:pPr>
-            <a:r>
-              <a:rPr lang="en-US" sz="1000" b="1" dirty="0">
-                <a:solidFill>
-                  <a:srgbClr val="061229"/>
-                </a:solidFill>
-                <a:latin typeface="Helvetica Neue" panose="02000503000000020004" pitchFamily="50"/>
-                <a:ea typeface="Roboto" pitchFamily="2" charset="0"/>
-                <a:cs typeface="Times New Roman" panose="02020603050405020304" pitchFamily="18" charset="0"/>
-              </a:rPr>
-              <a:t>DREAM RECALL </a:t>
-            </a:r>
-            <a:endParaRPr lang="en-US" sz="1000" b="1" dirty="0" smtClean="0">
-              <a:solidFill>
-                <a:srgbClr val="061229"/>
-              </a:solidFill>
-              <a:latin typeface="Helvetica Neue" panose="02000503000000020004" pitchFamily="50"/>
-              <a:ea typeface="Roboto" pitchFamily="2" charset="0"/>
-              <a:cs typeface="Times New Roman" panose="02020603050405020304" pitchFamily="18" charset="0"/>
-            </a:endParaRPr>
-          </a:p>
-          <a:p>
-            <a:pPr algn="ctr">
-              <a:spcAft>
-                <a:spcPts val="300"/>
-              </a:spcAft>
-            </a:pPr>
-            <a:r>
-              <a:rPr lang="en-US" sz="1000" b="1" dirty="0" smtClean="0">
-                <a:solidFill>
-                  <a:srgbClr val="061229"/>
-                </a:solidFill>
-                <a:latin typeface="Helvetica Neue" panose="02000503000000020004" pitchFamily="50"/>
-                <a:ea typeface="Roboto" pitchFamily="2" charset="0"/>
-                <a:cs typeface="Times New Roman" panose="02020603050405020304" pitchFamily="18" charset="0"/>
-              </a:rPr>
-              <a:t>FREQUENCY</a:t>
-            </a:r>
-            <a:endParaRPr lang="en-US" sz="1000" b="1" dirty="0">
-              <a:solidFill>
-                <a:srgbClr val="061229"/>
-              </a:solidFill>
-              <a:latin typeface="Helvetica Neue" panose="02000503000000020004" pitchFamily="50"/>
-              <a:ea typeface="Roboto" pitchFamily="2" charset="0"/>
-              <a:cs typeface="Times New Roman" panose="02020603050405020304" pitchFamily="18" charset="0"/>
-            </a:endParaRPr>
-          </a:p>
-        </p:txBody>
-      </p:sp>
-      <p:sp>
-        <p:nvSpPr>
-          <p:cNvPr id="20" name="ZoneTexte 19"/>
-          <p:cNvSpPr txBox="1"/>
-          <p:nvPr/>
-        </p:nvSpPr>
-        <p:spPr>
-          <a:xfrm>
-            <a:off x="67941" y="1847139"/>
-            <a:ext cx="530915" cy="1332000"/>
-          </a:xfrm>
-          <a:prstGeom prst="rect">
-            <a:avLst/>
-          </a:prstGeom>
-          <a:noFill/>
-          <a:ln>
-            <a:noFill/>
-          </a:ln>
-        </p:spPr>
-        <p:txBody>
-          <a:bodyPr vert="vert270" wrap="square" rtlCol="0">
-            <a:spAutoFit/>
-          </a:bodyPr>
-          <a:lstStyle/>
-          <a:p>
-            <a:pPr algn="ctr">
-              <a:spcAft>
-                <a:spcPts val="300"/>
-              </a:spcAft>
-            </a:pPr>
-            <a:r>
-              <a:rPr lang="en-US" sz="1000" b="1" dirty="0" smtClean="0">
-                <a:solidFill>
-                  <a:srgbClr val="FFFFFF"/>
-                </a:solidFill>
-                <a:latin typeface="Helvetica Neue" panose="02000503000000020004" pitchFamily="50"/>
-                <a:ea typeface="Roboto" pitchFamily="2" charset="0"/>
-                <a:cs typeface="Times New Roman" panose="02020603050405020304" pitchFamily="18" charset="0"/>
-              </a:rPr>
-              <a:t>DREAM </a:t>
-            </a:r>
-          </a:p>
-          <a:p>
-            <a:pPr algn="ctr">
-              <a:spcAft>
-                <a:spcPts val="300"/>
-              </a:spcAft>
-            </a:pPr>
-            <a:r>
-              <a:rPr lang="en-US" sz="1000" b="1" dirty="0" smtClean="0">
-                <a:solidFill>
-                  <a:srgbClr val="FFFFFF"/>
-                </a:solidFill>
-                <a:latin typeface="Helvetica Neue" panose="02000503000000020004" pitchFamily="50"/>
-                <a:ea typeface="Roboto" pitchFamily="2" charset="0"/>
-                <a:cs typeface="Times New Roman" panose="02020603050405020304" pitchFamily="18" charset="0"/>
-              </a:rPr>
-              <a:t>CONTENT</a:t>
-            </a:r>
-            <a:endParaRPr lang="en-US" sz="1000" b="1" dirty="0">
-              <a:solidFill>
-                <a:srgbClr val="FFFFFF"/>
-              </a:solidFill>
-              <a:latin typeface="Helvetica Neue" panose="02000503000000020004" pitchFamily="50"/>
-              <a:ea typeface="Roboto" pitchFamily="2" charset="0"/>
-              <a:cs typeface="Times New Roman" panose="02020603050405020304" pitchFamily="18" charset="0"/>
-            </a:endParaRPr>
-          </a:p>
-        </p:txBody>
-      </p:sp>
-      <p:sp>
-        <p:nvSpPr>
-          <p:cNvPr id="22" name="ZoneTexte 21"/>
-          <p:cNvSpPr txBox="1"/>
-          <p:nvPr/>
-        </p:nvSpPr>
-        <p:spPr>
-          <a:xfrm>
-            <a:off x="66055" y="3338509"/>
-            <a:ext cx="492443" cy="1332000"/>
-          </a:xfrm>
-          <a:prstGeom prst="rect">
-            <a:avLst/>
-          </a:prstGeom>
-          <a:noFill/>
-          <a:ln>
-            <a:noFill/>
-          </a:ln>
-        </p:spPr>
-        <p:txBody>
-          <a:bodyPr vert="vert270" wrap="square" rtlCol="0">
-            <a:spAutoFit/>
-          </a:bodyPr>
-          <a:lstStyle/>
-          <a:p>
-            <a:pPr algn="ctr">
-              <a:spcAft>
-                <a:spcPts val="300"/>
-              </a:spcAft>
-            </a:pPr>
-            <a:r>
-              <a:rPr lang="en-US" sz="1000" b="1" dirty="0" smtClean="0">
-                <a:solidFill>
-                  <a:srgbClr val="FFFFFF"/>
-                </a:solidFill>
-                <a:latin typeface="Helvetica Neue" panose="02000503000000020004" pitchFamily="50"/>
-                <a:ea typeface="Roboto" pitchFamily="2" charset="0"/>
-                <a:cs typeface="Times New Roman" panose="02020603050405020304" pitchFamily="18" charset="0"/>
-              </a:rPr>
-              <a:t>SOFTWARE DEVELOPEMENT</a:t>
-            </a:r>
-            <a:endParaRPr lang="en-US" sz="1000" b="1" dirty="0">
-              <a:solidFill>
-                <a:srgbClr val="FFFFFF"/>
-              </a:solidFill>
-              <a:latin typeface="Helvetica Neue" panose="02000503000000020004" pitchFamily="50"/>
-              <a:ea typeface="Roboto" pitchFamily="2" charset="0"/>
-              <a:cs typeface="Times New Roman" panose="02020603050405020304" pitchFamily="18" charset="0"/>
-            </a:endParaRPr>
-          </a:p>
-        </p:txBody>
-      </p:sp>
-      <p:sp>
-        <p:nvSpPr>
-          <p:cNvPr id="34" name="ZoneTexte 33"/>
-          <p:cNvSpPr txBox="1"/>
-          <p:nvPr/>
-        </p:nvSpPr>
-        <p:spPr>
-          <a:xfrm>
-            <a:off x="683640" y="3438969"/>
-            <a:ext cx="5274969" cy="1138773"/>
-          </a:xfrm>
-          <a:prstGeom prst="rect">
-            <a:avLst/>
-          </a:prstGeom>
-          <a:solidFill>
-            <a:srgbClr val="A2D2C8"/>
-          </a:solidFill>
-          <a:effectLst>
-            <a:outerShdw blurRad="50800" dist="25400" dir="2700000" algn="tl" rotWithShape="0">
-              <a:schemeClr val="tx1">
-                <a:lumMod val="50000"/>
-                <a:lumOff val="50000"/>
-                <a:alpha val="20000"/>
-              </a:schemeClr>
-            </a:outerShdw>
-          </a:effectLst>
-        </p:spPr>
-        <p:txBody>
-          <a:bodyPr wrap="square" rtlCol="0">
-            <a:spAutoFit/>
-          </a:bodyPr>
-          <a:lstStyle/>
-          <a:p>
-            <a:pPr>
-              <a:spcAft>
-                <a:spcPts val="600"/>
-              </a:spcAft>
-            </a:pPr>
-            <a:r>
-              <a:rPr lang="en-US" sz="1000" dirty="0">
-                <a:latin typeface="Roboto Light" panose="02000000000000000000" pitchFamily="2" charset="0"/>
-                <a:ea typeface="Roboto Light" panose="02000000000000000000" pitchFamily="2" charset="0"/>
-              </a:rPr>
-              <a:t>Study </a:t>
-            </a:r>
-            <a:r>
-              <a:rPr lang="en-US" sz="1000" dirty="0" smtClean="0">
-                <a:latin typeface="Roboto Light" panose="02000000000000000000" pitchFamily="2" charset="0"/>
-                <a:ea typeface="Roboto Light" panose="02000000000000000000" pitchFamily="2" charset="0"/>
-              </a:rPr>
-              <a:t>5		</a:t>
-            </a:r>
-            <a:r>
-              <a:rPr lang="en-US" sz="1000" dirty="0">
-                <a:solidFill>
-                  <a:schemeClr val="tx1">
-                    <a:lumMod val="75000"/>
-                    <a:lumOff val="25000"/>
-                  </a:schemeClr>
-                </a:solidFill>
-                <a:latin typeface="Roboto Light" panose="02000000000000000000" pitchFamily="2" charset="0"/>
-                <a:ea typeface="Roboto Light" panose="02000000000000000000" pitchFamily="2" charset="0"/>
-              </a:rPr>
-              <a:t> </a:t>
-            </a:r>
-            <a:r>
-              <a:rPr lang="en-US" sz="1000" dirty="0" smtClean="0">
-                <a:solidFill>
-                  <a:schemeClr val="tx1">
-                    <a:lumMod val="75000"/>
-                    <a:lumOff val="25000"/>
-                  </a:schemeClr>
-                </a:solidFill>
-                <a:latin typeface="Roboto Light" panose="02000000000000000000" pitchFamily="2" charset="0"/>
-                <a:ea typeface="Roboto Light" panose="02000000000000000000" pitchFamily="2" charset="0"/>
-              </a:rPr>
-              <a:t>                      </a:t>
-            </a:r>
-            <a:r>
-              <a:rPr lang="en-US" sz="1000" dirty="0" smtClean="0">
-                <a:solidFill>
-                  <a:schemeClr val="tx1">
-                    <a:lumMod val="75000"/>
-                    <a:lumOff val="25000"/>
-                  </a:schemeClr>
-                </a:solidFill>
-                <a:latin typeface="Roboto Light" panose="02000000000000000000" pitchFamily="2" charset="0"/>
-                <a:ea typeface="Roboto Light" panose="02000000000000000000" pitchFamily="2" charset="0"/>
-              </a:rPr>
-              <a:t> 	 	                      </a:t>
-            </a:r>
-            <a:r>
-              <a:rPr lang="en-US" sz="1000" i="1" dirty="0" smtClean="0">
-                <a:solidFill>
-                  <a:schemeClr val="tx1">
-                    <a:lumMod val="75000"/>
-                    <a:lumOff val="25000"/>
-                  </a:schemeClr>
-                </a:solidFill>
-                <a:latin typeface="Roboto Light" panose="02000000000000000000" pitchFamily="2" charset="0"/>
-                <a:ea typeface="Roboto Light" panose="02000000000000000000" pitchFamily="2" charset="0"/>
-              </a:rPr>
-              <a:t>Programming</a:t>
-            </a:r>
-            <a:endParaRPr lang="en-US" sz="1000" i="1" dirty="0" smtClean="0">
-              <a:solidFill>
-                <a:schemeClr val="tx1">
-                  <a:lumMod val="75000"/>
-                  <a:lumOff val="25000"/>
-                </a:schemeClr>
-              </a:solidFill>
-              <a:latin typeface="Roboto Light" panose="02000000000000000000" pitchFamily="2" charset="0"/>
-              <a:ea typeface="Roboto Light" panose="02000000000000000000" pitchFamily="2" charset="0"/>
-            </a:endParaRPr>
-          </a:p>
-          <a:p>
-            <a:pPr>
-              <a:spcAft>
-                <a:spcPts val="300"/>
-              </a:spcAft>
-            </a:pPr>
-            <a:r>
-              <a:rPr lang="en-US" sz="1050" b="1" dirty="0" smtClean="0">
-                <a:latin typeface="Helvetica Neue" panose="02000503000000020004" pitchFamily="50"/>
-              </a:rPr>
-              <a:t>An open-source software for sleep data</a:t>
-            </a:r>
-            <a:endParaRPr lang="en-US" sz="1050" b="1" dirty="0">
-              <a:latin typeface="Helvetica Neue" panose="02000503000000020004" pitchFamily="50"/>
-            </a:endParaRPr>
-          </a:p>
-          <a:p>
-            <a:pPr algn="just"/>
-            <a:r>
-              <a:rPr lang="en-US" sz="1000" dirty="0" smtClean="0">
-                <a:latin typeface="Helvetica Neue" panose="02000503000000020004" pitchFamily="50"/>
-              </a:rPr>
-              <a:t>There is a lack of free and </a:t>
-            </a:r>
-            <a:r>
-              <a:rPr lang="en-US" sz="1000" dirty="0">
-                <a:latin typeface="Helvetica Neue" panose="02000503000000020004" pitchFamily="50"/>
-              </a:rPr>
-              <a:t>easy-to-use </a:t>
-            </a:r>
-            <a:r>
-              <a:rPr lang="en-US" sz="1000" dirty="0" smtClean="0">
-                <a:latin typeface="Helvetica Neue" panose="02000503000000020004" pitchFamily="50"/>
-              </a:rPr>
-              <a:t>graphical user interface dedicated to sleep data visualization, scoring and analysis. To fill this gap, we developed an </a:t>
-            </a:r>
-            <a:r>
-              <a:rPr lang="en-US" sz="1000" dirty="0" smtClean="0">
-                <a:latin typeface="Helvetica Neue" panose="02000503000000020004" pitchFamily="50"/>
-              </a:rPr>
-              <a:t>open-source </a:t>
-            </a:r>
-            <a:r>
-              <a:rPr lang="en-US" sz="1000" dirty="0" smtClean="0">
-                <a:latin typeface="Helvetica Neue" panose="02000503000000020004" pitchFamily="50"/>
-              </a:rPr>
-              <a:t>Python </a:t>
-            </a:r>
-            <a:r>
-              <a:rPr lang="en-US" sz="1000" dirty="0" smtClean="0">
-                <a:latin typeface="Helvetica Neue" panose="02000503000000020004" pitchFamily="50"/>
-              </a:rPr>
-              <a:t>software capable of handling efficiently large datasets from several file formats, and integrating automatic detection of several sleep microstructural features.</a:t>
-            </a:r>
-            <a:endParaRPr lang="en-US" sz="1000" dirty="0">
-              <a:latin typeface="Helvetica Neue" panose="02000503000000020004" pitchFamily="50"/>
-            </a:endParaRPr>
-          </a:p>
-        </p:txBody>
-      </p:sp>
-      <p:grpSp>
-        <p:nvGrpSpPr>
-          <p:cNvPr id="2" name="Groupe 1"/>
-          <p:cNvGrpSpPr/>
-          <p:nvPr/>
-        </p:nvGrpSpPr>
-        <p:grpSpPr>
-          <a:xfrm>
-            <a:off x="683640" y="459808"/>
-            <a:ext cx="5274970" cy="1138774"/>
-            <a:chOff x="683641" y="531253"/>
-            <a:chExt cx="5274970" cy="1138774"/>
-          </a:xfrm>
-          <a:solidFill>
-            <a:srgbClr val="F9FBFD"/>
-          </a:solidFill>
-          <a:effectLst>
-            <a:outerShdw blurRad="50800" dist="25400" dir="2700000" algn="tl" rotWithShape="0">
-              <a:schemeClr val="tx1">
-                <a:lumMod val="50000"/>
-                <a:lumOff val="50000"/>
-                <a:alpha val="20000"/>
-              </a:schemeClr>
-            </a:outerShdw>
-          </a:effectLst>
-        </p:grpSpPr>
-        <p:sp>
-          <p:nvSpPr>
-            <p:cNvPr id="19" name="ZoneTexte 18"/>
-            <p:cNvSpPr txBox="1"/>
-            <p:nvPr/>
-          </p:nvSpPr>
-          <p:spPr>
-            <a:xfrm>
-              <a:off x="683641" y="531254"/>
-              <a:ext cx="1701800" cy="1138773"/>
-            </a:xfrm>
-            <a:prstGeom prst="rect">
-              <a:avLst/>
-            </a:prstGeom>
-            <a:solidFill>
-              <a:srgbClr val="E7F7FD"/>
-            </a:solidFill>
-            <a:effectLst>
-              <a:outerShdw blurRad="50800" dist="38100" dir="2700000" sx="82000" sy="82000" algn="tl" rotWithShape="0">
-                <a:prstClr val="black">
-                  <a:alpha val="40000"/>
-                </a:prstClr>
-              </a:outerShdw>
-            </a:effectLst>
-          </p:spPr>
-          <p:txBody>
-            <a:bodyPr wrap="square" rtlCol="0">
-              <a:spAutoFit/>
-            </a:bodyPr>
-            <a:lstStyle/>
-            <a:p>
-              <a:pPr>
-                <a:spcAft>
-                  <a:spcPts val="600"/>
-                </a:spcAft>
-              </a:pPr>
-              <a:r>
-                <a:rPr lang="en-US" sz="1000" dirty="0">
-                  <a:latin typeface="Roboto Light" panose="02000000000000000000" pitchFamily="2" charset="0"/>
-                  <a:ea typeface="Roboto Light" panose="02000000000000000000" pitchFamily="2" charset="0"/>
-                </a:rPr>
-                <a:t>Study </a:t>
-              </a:r>
-              <a:r>
-                <a:rPr lang="en-US" sz="1000" dirty="0" smtClean="0">
-                  <a:latin typeface="Roboto Light" panose="02000000000000000000" pitchFamily="2" charset="0"/>
-                  <a:ea typeface="Roboto Light" panose="02000000000000000000" pitchFamily="2" charset="0"/>
-                </a:rPr>
-                <a:t>1 	            </a:t>
-              </a:r>
-              <a:r>
-                <a:rPr lang="en-US" sz="1000" i="1" dirty="0" smtClean="0">
-                  <a:solidFill>
-                    <a:schemeClr val="tx1">
-                      <a:lumMod val="75000"/>
-                      <a:lumOff val="25000"/>
-                    </a:schemeClr>
-                  </a:solidFill>
-                  <a:latin typeface="Roboto Light" panose="02000000000000000000" pitchFamily="2" charset="0"/>
-                  <a:ea typeface="Roboto Light" panose="02000000000000000000" pitchFamily="2" charset="0"/>
-                </a:rPr>
-                <a:t>EEG</a:t>
-              </a:r>
-              <a:endParaRPr lang="en-US" sz="1000" dirty="0" smtClean="0">
-                <a:solidFill>
-                  <a:schemeClr val="tx1">
-                    <a:lumMod val="75000"/>
-                    <a:lumOff val="25000"/>
-                  </a:schemeClr>
-                </a:solidFill>
-                <a:latin typeface="Roboto Light" panose="02000000000000000000" pitchFamily="2" charset="0"/>
-                <a:ea typeface="Roboto Light" panose="02000000000000000000" pitchFamily="2" charset="0"/>
-              </a:endParaRPr>
-            </a:p>
-            <a:p>
-              <a:pPr>
-                <a:spcAft>
-                  <a:spcPts val="300"/>
-                </a:spcAft>
-              </a:pPr>
-              <a:r>
-                <a:rPr lang="en-US" sz="1050" b="1" dirty="0" smtClean="0">
-                  <a:latin typeface="Helvetica Neue" panose="02000503000000020004" pitchFamily="50"/>
-                </a:rPr>
-                <a:t>DRF and arousals</a:t>
-              </a:r>
-              <a:endParaRPr lang="en-US" sz="1050" b="1" dirty="0">
-                <a:latin typeface="Helvetica Neue" panose="02000503000000020004" pitchFamily="50"/>
-              </a:endParaRPr>
-            </a:p>
-            <a:p>
-              <a:pPr algn="just"/>
-              <a:r>
-                <a:rPr lang="en-US" sz="1000" dirty="0">
-                  <a:latin typeface="Helvetica Neue" panose="02000503000000020004" pitchFamily="50"/>
-                </a:rPr>
-                <a:t>Are there </a:t>
-              </a:r>
-              <a:r>
-                <a:rPr lang="en-US" sz="1000" dirty="0" smtClean="0">
-                  <a:latin typeface="Helvetica Neue" panose="02000503000000020004" pitchFamily="50"/>
-                </a:rPr>
-                <a:t>differences in arousals between high and low dream recallers?</a:t>
-              </a:r>
-            </a:p>
-            <a:p>
-              <a:pPr algn="just"/>
-              <a:endParaRPr lang="en-US" sz="1000" dirty="0" smtClean="0">
-                <a:latin typeface="Helvetica Neue" panose="02000503000000020004" pitchFamily="50"/>
-              </a:endParaRPr>
-            </a:p>
-          </p:txBody>
-        </p:sp>
-        <p:sp>
-          <p:nvSpPr>
-            <p:cNvPr id="27" name="ZoneTexte 26"/>
-            <p:cNvSpPr txBox="1"/>
-            <p:nvPr/>
-          </p:nvSpPr>
-          <p:spPr>
-            <a:xfrm>
-              <a:off x="2470226" y="531253"/>
-              <a:ext cx="1701800" cy="1138773"/>
-            </a:xfrm>
-            <a:prstGeom prst="rect">
-              <a:avLst/>
-            </a:prstGeom>
-            <a:solidFill>
-              <a:srgbClr val="C7ECF9"/>
-            </a:solidFill>
-            <a:effectLst>
-              <a:outerShdw blurRad="50800" dist="38100" dir="2700000" sx="82000" sy="82000" algn="tl" rotWithShape="0">
-                <a:prstClr val="black">
-                  <a:alpha val="40000"/>
-                </a:prstClr>
-              </a:outerShdw>
-            </a:effectLst>
-          </p:spPr>
-          <p:txBody>
-            <a:bodyPr wrap="square" rtlCol="0">
-              <a:spAutoFit/>
-            </a:bodyPr>
-            <a:lstStyle/>
-            <a:p>
-              <a:pPr>
-                <a:spcAft>
-                  <a:spcPts val="600"/>
-                </a:spcAft>
-              </a:pPr>
-              <a:r>
-                <a:rPr lang="en-US" sz="1000" dirty="0">
-                  <a:latin typeface="Roboto Light" panose="02000000000000000000" pitchFamily="2" charset="0"/>
-                  <a:ea typeface="Roboto Light" panose="02000000000000000000" pitchFamily="2" charset="0"/>
-                </a:rPr>
-                <a:t>Study </a:t>
-              </a:r>
-              <a:r>
-                <a:rPr lang="en-US" sz="1000" dirty="0" smtClean="0">
-                  <a:latin typeface="Roboto Light" panose="02000000000000000000" pitchFamily="2" charset="0"/>
-                  <a:ea typeface="Roboto Light" panose="02000000000000000000" pitchFamily="2" charset="0"/>
-                </a:rPr>
-                <a:t>2	  </a:t>
-              </a:r>
-              <a:r>
-                <a:rPr lang="en-US" sz="1000" i="1" dirty="0" smtClean="0">
-                  <a:solidFill>
-                    <a:schemeClr val="tx1">
-                      <a:lumMod val="75000"/>
-                      <a:lumOff val="25000"/>
-                    </a:schemeClr>
-                  </a:solidFill>
-                  <a:latin typeface="Roboto Light" panose="02000000000000000000" pitchFamily="2" charset="0"/>
-                  <a:ea typeface="Roboto Light" panose="02000000000000000000" pitchFamily="2" charset="0"/>
-                </a:rPr>
-                <a:t>EEG-fMRI</a:t>
-              </a:r>
-            </a:p>
-            <a:p>
-              <a:pPr>
-                <a:spcAft>
-                  <a:spcPts val="300"/>
-                </a:spcAft>
-              </a:pPr>
-              <a:r>
-                <a:rPr lang="en-US" sz="1050" b="1" dirty="0" smtClean="0">
-                  <a:latin typeface="Helvetica Neue" panose="02000503000000020004" pitchFamily="50"/>
-                </a:rPr>
-                <a:t>DRF and sleep inertia</a:t>
-              </a:r>
-              <a:endParaRPr lang="en-US" sz="1050" b="1" dirty="0">
-                <a:latin typeface="Helvetica Neue" panose="02000503000000020004" pitchFamily="50"/>
-              </a:endParaRPr>
-            </a:p>
-            <a:p>
-              <a:pPr algn="just"/>
-              <a:r>
-                <a:rPr lang="en-US" sz="1000" dirty="0">
-                  <a:latin typeface="Helvetica Neue" panose="02000503000000020004" pitchFamily="50"/>
-                </a:rPr>
-                <a:t>Are there differences in sleep </a:t>
-              </a:r>
-              <a:r>
-                <a:rPr lang="en-US" sz="1000" dirty="0" smtClean="0">
-                  <a:latin typeface="Helvetica Neue" panose="02000503000000020004" pitchFamily="50"/>
-                </a:rPr>
-                <a:t>inertia between high and low dream recallers?</a:t>
-              </a:r>
-            </a:p>
-            <a:p>
-              <a:endParaRPr lang="en-US" sz="1000" dirty="0">
-                <a:latin typeface="Helvetica Neue" panose="02000503000000020004" pitchFamily="50"/>
-              </a:endParaRPr>
-            </a:p>
-          </p:txBody>
-        </p:sp>
-        <p:sp>
-          <p:nvSpPr>
-            <p:cNvPr id="36" name="ZoneTexte 35"/>
-            <p:cNvSpPr txBox="1"/>
-            <p:nvPr/>
-          </p:nvSpPr>
-          <p:spPr>
-            <a:xfrm>
-              <a:off x="4256811" y="531253"/>
-              <a:ext cx="1701800" cy="1138773"/>
-            </a:xfrm>
-            <a:prstGeom prst="rect">
-              <a:avLst/>
-            </a:prstGeom>
-            <a:solidFill>
-              <a:srgbClr val="9DDEF5"/>
-            </a:solidFill>
-            <a:effectLst>
-              <a:outerShdw blurRad="50800" dist="38100" dir="2700000" sx="82000" sy="82000" algn="tl" rotWithShape="0">
-                <a:prstClr val="black">
-                  <a:alpha val="40000"/>
-                </a:prstClr>
-              </a:outerShdw>
-            </a:effectLst>
-          </p:spPr>
-          <p:txBody>
-            <a:bodyPr wrap="square" rtlCol="0">
-              <a:spAutoFit/>
-            </a:bodyPr>
-            <a:lstStyle/>
-            <a:p>
-              <a:pPr>
-                <a:spcAft>
-                  <a:spcPts val="600"/>
-                </a:spcAft>
-              </a:pPr>
-              <a:r>
-                <a:rPr lang="en-US" sz="1000" dirty="0">
-                  <a:latin typeface="Roboto Light" panose="02000000000000000000" pitchFamily="2" charset="0"/>
-                  <a:ea typeface="Roboto Light" panose="02000000000000000000" pitchFamily="2" charset="0"/>
-                </a:rPr>
-                <a:t>Study </a:t>
-              </a:r>
-              <a:r>
-                <a:rPr lang="en-US" sz="1000" dirty="0" smtClean="0">
-                  <a:latin typeface="Roboto Light" panose="02000000000000000000" pitchFamily="2" charset="0"/>
-                  <a:ea typeface="Roboto Light" panose="02000000000000000000" pitchFamily="2" charset="0"/>
-                </a:rPr>
-                <a:t>3 	       </a:t>
-              </a:r>
-              <a:r>
-                <a:rPr lang="en-US" sz="1000" i="1" dirty="0" smtClean="0">
-                  <a:solidFill>
-                    <a:schemeClr val="tx1">
-                      <a:lumMod val="75000"/>
-                      <a:lumOff val="25000"/>
-                    </a:schemeClr>
-                  </a:solidFill>
-                  <a:latin typeface="Roboto Light" panose="02000000000000000000" pitchFamily="2" charset="0"/>
-                  <a:ea typeface="Roboto Light" panose="02000000000000000000" pitchFamily="2" charset="0"/>
-                </a:rPr>
-                <a:t>Survey</a:t>
-              </a:r>
-            </a:p>
-            <a:p>
-              <a:pPr>
-                <a:spcAft>
-                  <a:spcPts val="300"/>
-                </a:spcAft>
-              </a:pPr>
-              <a:r>
-                <a:rPr lang="en-US" sz="1050" b="1" dirty="0" smtClean="0">
-                  <a:latin typeface="Helvetica Neue" panose="02000503000000020004" pitchFamily="50"/>
-                </a:rPr>
-                <a:t>Sleep and dream habits</a:t>
-              </a:r>
-            </a:p>
-            <a:p>
-              <a:pPr algn="just">
-                <a:spcAft>
-                  <a:spcPts val="300"/>
-                </a:spcAft>
-              </a:pPr>
-              <a:r>
-                <a:rPr lang="en-US" sz="1000" dirty="0" smtClean="0">
-                  <a:latin typeface="Helvetica Neue" panose="02000503000000020004" pitchFamily="50"/>
-                </a:rPr>
-                <a:t>Survey of the sleep </a:t>
-              </a:r>
-              <a:r>
-                <a:rPr lang="en-US" sz="1000" dirty="0" smtClean="0">
-                  <a:latin typeface="Helvetica Neue" panose="02000503000000020004" pitchFamily="50"/>
-                </a:rPr>
-                <a:t>and dream habits of a large sample of </a:t>
-              </a:r>
-              <a:r>
-                <a:rPr lang="en-US" sz="1000" dirty="0" smtClean="0">
-                  <a:latin typeface="Helvetica Neue" panose="02000503000000020004" pitchFamily="50"/>
-                </a:rPr>
-                <a:t>French college students.</a:t>
-              </a:r>
-              <a:endParaRPr lang="en-US" sz="1000" dirty="0">
-                <a:latin typeface="Helvetica Neue" panose="02000503000000020004" pitchFamily="50"/>
-              </a:endParaRPr>
-            </a:p>
-          </p:txBody>
-        </p:sp>
-      </p:grpSp>
-      <p:sp>
-        <p:nvSpPr>
-          <p:cNvPr id="37" name="ZoneTexte 36"/>
-          <p:cNvSpPr txBox="1"/>
-          <p:nvPr/>
-        </p:nvSpPr>
-        <p:spPr>
-          <a:xfrm>
-            <a:off x="683640" y="1943752"/>
-            <a:ext cx="5274970" cy="1138773"/>
-          </a:xfrm>
-          <a:prstGeom prst="rect">
-            <a:avLst/>
-          </a:prstGeom>
-          <a:solidFill>
-            <a:srgbClr val="FFDCCD"/>
-          </a:solidFill>
-          <a:effectLst>
-            <a:outerShdw blurRad="50800" dist="25400" dir="2700000" algn="tl" rotWithShape="0">
-              <a:schemeClr val="tx1">
-                <a:lumMod val="50000"/>
-                <a:lumOff val="50000"/>
-                <a:alpha val="20000"/>
-              </a:schemeClr>
-            </a:outerShdw>
-          </a:effectLst>
-        </p:spPr>
-        <p:txBody>
-          <a:bodyPr wrap="square" rtlCol="0">
-            <a:spAutoFit/>
-          </a:bodyPr>
-          <a:lstStyle/>
-          <a:p>
-            <a:pPr>
-              <a:spcAft>
-                <a:spcPts val="600"/>
-              </a:spcAft>
-            </a:pPr>
-            <a:r>
-              <a:rPr lang="en-US" sz="1000" dirty="0">
-                <a:latin typeface="Roboto Light" panose="02000000000000000000" pitchFamily="2" charset="0"/>
-                <a:ea typeface="Roboto Light" panose="02000000000000000000" pitchFamily="2" charset="0"/>
-              </a:rPr>
-              <a:t>Study </a:t>
-            </a:r>
-            <a:r>
-              <a:rPr lang="en-US" sz="1000" dirty="0" smtClean="0">
-                <a:latin typeface="Roboto Light" panose="02000000000000000000" pitchFamily="2" charset="0"/>
-                <a:ea typeface="Roboto Light" panose="02000000000000000000" pitchFamily="2" charset="0"/>
-              </a:rPr>
-              <a:t>4			</a:t>
-            </a:r>
-            <a:r>
-              <a:rPr lang="en-US" sz="1000" dirty="0" smtClean="0">
-                <a:solidFill>
-                  <a:schemeClr val="tx1">
-                    <a:lumMod val="75000"/>
-                    <a:lumOff val="25000"/>
-                  </a:schemeClr>
-                </a:solidFill>
-                <a:latin typeface="Roboto Light" panose="02000000000000000000" pitchFamily="2" charset="0"/>
-                <a:ea typeface="Roboto Light" panose="02000000000000000000" pitchFamily="2" charset="0"/>
-              </a:rPr>
-              <a:t>  </a:t>
-            </a:r>
-            <a:r>
-              <a:rPr lang="en-US" sz="1000" dirty="0" smtClean="0">
-                <a:solidFill>
-                  <a:schemeClr val="tx1">
-                    <a:lumMod val="75000"/>
-                    <a:lumOff val="25000"/>
-                  </a:schemeClr>
-                </a:solidFill>
-                <a:latin typeface="Roboto Light" panose="02000000000000000000" pitchFamily="2" charset="0"/>
-                <a:ea typeface="Roboto Light" panose="02000000000000000000" pitchFamily="2" charset="0"/>
-              </a:rPr>
-              <a:t>		 </a:t>
-            </a:r>
-            <a:r>
-              <a:rPr lang="en-US" sz="1000" i="1" dirty="0" smtClean="0">
-                <a:solidFill>
-                  <a:schemeClr val="tx1">
-                    <a:lumMod val="75000"/>
-                    <a:lumOff val="25000"/>
-                  </a:schemeClr>
-                </a:solidFill>
-                <a:latin typeface="Roboto Light" panose="02000000000000000000" pitchFamily="2" charset="0"/>
-                <a:ea typeface="Roboto Light" panose="02000000000000000000" pitchFamily="2" charset="0"/>
-              </a:rPr>
-              <a:t>Behavior </a:t>
-            </a:r>
-            <a:r>
-              <a:rPr lang="en-US" sz="1000" dirty="0" smtClean="0">
-                <a:solidFill>
-                  <a:schemeClr val="tx1">
-                    <a:lumMod val="75000"/>
-                    <a:lumOff val="25000"/>
-                  </a:schemeClr>
-                </a:solidFill>
-                <a:latin typeface="Roboto Light" panose="02000000000000000000" pitchFamily="2" charset="0"/>
-                <a:ea typeface="Roboto Light" panose="02000000000000000000" pitchFamily="2" charset="0"/>
-              </a:rPr>
-              <a:t> </a:t>
-            </a:r>
-            <a:endParaRPr lang="en-US" sz="1000" dirty="0" smtClean="0">
-              <a:solidFill>
-                <a:schemeClr val="tx1">
-                  <a:lumMod val="75000"/>
-                  <a:lumOff val="25000"/>
-                </a:schemeClr>
-              </a:solidFill>
-              <a:latin typeface="Roboto Light" panose="02000000000000000000" pitchFamily="2" charset="0"/>
-              <a:ea typeface="Roboto Light" panose="02000000000000000000" pitchFamily="2" charset="0"/>
-            </a:endParaRPr>
-          </a:p>
-          <a:p>
-            <a:pPr>
-              <a:spcAft>
-                <a:spcPts val="300"/>
-              </a:spcAft>
-            </a:pPr>
-            <a:r>
-              <a:rPr lang="en-US" sz="1050" b="1" dirty="0" smtClean="0">
-                <a:latin typeface="Helvetica Neue" panose="02000503000000020004" pitchFamily="50"/>
-              </a:rPr>
-              <a:t>The memory sources of dreams</a:t>
-            </a:r>
-            <a:endParaRPr lang="en-US" sz="1050" b="1" dirty="0">
-              <a:latin typeface="Helvetica Neue" panose="02000503000000020004" pitchFamily="50"/>
-            </a:endParaRPr>
-          </a:p>
-          <a:p>
-            <a:pPr algn="just"/>
-            <a:r>
-              <a:rPr lang="en-US" sz="1000" dirty="0" smtClean="0">
-                <a:latin typeface="Helvetica Neue" panose="02000503000000020004" pitchFamily="50"/>
-              </a:rPr>
-              <a:t>Dream content is related to the waking life of the dreamer. Yet, the </a:t>
-            </a:r>
-            <a:r>
-              <a:rPr lang="en-US" sz="1000" dirty="0">
-                <a:latin typeface="Helvetica Neue" panose="02000503000000020004" pitchFamily="50"/>
-              </a:rPr>
-              <a:t>characteristics of the memory sources incorporated into dreams are still </a:t>
-            </a:r>
-            <a:r>
-              <a:rPr lang="en-US" sz="1000" dirty="0" smtClean="0">
-                <a:latin typeface="Helvetica Neue" panose="02000503000000020004" pitchFamily="50"/>
-              </a:rPr>
-              <a:t>unclear. We designed a new protocol to investigate remote and / or mundane memories that are hitherto relatively unexplored.</a:t>
-            </a:r>
-            <a:endParaRPr lang="en-US" sz="1000" dirty="0" smtClean="0">
-              <a:latin typeface="Helvetica Neue" panose="02000503000000020004" pitchFamily="50"/>
-            </a:endParaRPr>
-          </a:p>
-          <a:p>
-            <a:endParaRPr lang="en-US" sz="1000" dirty="0" smtClean="0">
-              <a:latin typeface="Helvetica Neue" panose="02000503000000020004" pitchFamily="50"/>
-            </a:endParaRPr>
-          </a:p>
-        </p:txBody>
-      </p:sp>
-      <p:cxnSp>
-        <p:nvCxnSpPr>
-          <p:cNvPr id="16" name="Connecteur droit 15"/>
-          <p:cNvCxnSpPr/>
-          <p:nvPr/>
-        </p:nvCxnSpPr>
-        <p:spPr>
-          <a:xfrm>
-            <a:off x="66054" y="1765530"/>
-            <a:ext cx="5940000" cy="0"/>
-          </a:xfrm>
-          <a:prstGeom prst="line">
-            <a:avLst/>
-          </a:prstGeom>
-          <a:ln w="12700">
-            <a:solidFill>
-              <a:srgbClr val="1D1F21"/>
-            </a:solidFill>
-            <a:prstDash val="sysDot"/>
-          </a:ln>
-        </p:spPr>
-        <p:style>
-          <a:lnRef idx="1">
-            <a:schemeClr val="dk1"/>
-          </a:lnRef>
-          <a:fillRef idx="0">
-            <a:schemeClr val="dk1"/>
-          </a:fillRef>
-          <a:effectRef idx="0">
-            <a:schemeClr val="dk1"/>
-          </a:effectRef>
-          <a:fontRef idx="minor">
-            <a:schemeClr val="tx1"/>
-          </a:fontRef>
-        </p:style>
-      </p:cxnSp>
-      <p:cxnSp>
-        <p:nvCxnSpPr>
-          <p:cNvPr id="24" name="Connecteur droit 23"/>
-          <p:cNvCxnSpPr/>
-          <p:nvPr/>
-        </p:nvCxnSpPr>
-        <p:spPr>
-          <a:xfrm>
-            <a:off x="66054" y="3260240"/>
-            <a:ext cx="5940000" cy="0"/>
-          </a:xfrm>
-          <a:prstGeom prst="line">
-            <a:avLst/>
-          </a:prstGeom>
-          <a:ln w="12700">
-            <a:solidFill>
-              <a:srgbClr val="1D1F21"/>
-            </a:solidFill>
-            <a:prstDash val="sysDot"/>
-          </a:ln>
-        </p:spPr>
-        <p:style>
-          <a:lnRef idx="1">
-            <a:schemeClr val="dk1"/>
-          </a:lnRef>
-          <a:fillRef idx="0">
-            <a:schemeClr val="dk1"/>
-          </a:fillRef>
-          <a:effectRef idx="0">
-            <a:schemeClr val="dk1"/>
-          </a:effectRef>
-          <a:fontRef idx="minor">
-            <a:schemeClr val="tx1"/>
-          </a:fontRef>
-        </p:style>
-      </p:cxnSp>
-    </p:spTree>
-    <p:extLst>
-      <p:ext uri="{BB962C8B-B14F-4D97-AF65-F5344CB8AC3E}">
-        <p14:creationId xmlns:p14="http://schemas.microsoft.com/office/powerpoint/2010/main" val="2133675662"/>
-      </p:ext>
-    </p:extLst>
-  </p:cSld>
-  <p:clrMapOvr>
-    <a:masterClrMapping/>
-  </p:clrMapOvr>
-  <p:timing>
-    <p:tnLst>
-      <p:par>
-        <p:cTn id="1" dur="indefinite" restart="never" nodeType="tmRoot"/>
-      </p:par>
-    </p:tnLst>
-  </p:timing>
-</p:sld>
-</file>
-
-<file path=ppt/slides/slide4.xml><?xml version="1.0" encoding="utf-8"?>
-<p:sld xmlns:a="http://schemas.openxmlformats.org/drawingml/2006/main" xmlns:r="http://schemas.openxmlformats.org/officeDocument/2006/relationships" xmlns:p="http://schemas.openxmlformats.org/presentationml/2006/main">
-  <p:cSld>
-    <p:spTree>
-      <p:nvGrpSpPr>
-        <p:cNvPr id="1" name=""/>
-        <p:cNvGrpSpPr/>
-        <p:nvPr/>
-      </p:nvGrpSpPr>
-      <p:grpSpPr>
-        <a:xfrm>
-          <a:off x="0" y="0"/>
-          <a:ext cx="0" cy="0"/>
-          <a:chOff x="0" y="0"/>
-          <a:chExt cx="0" cy="0"/>
-        </a:xfrm>
-      </p:grpSpPr>
-      <p:sp>
-        <p:nvSpPr>
-          <p:cNvPr id="8" name="ZoneTexte 7"/>
-          <p:cNvSpPr txBox="1"/>
-          <p:nvPr/>
-        </p:nvSpPr>
-        <p:spPr>
-          <a:xfrm>
-            <a:off x="67941" y="359348"/>
-            <a:ext cx="530915" cy="1332000"/>
-          </a:xfrm>
-          <a:prstGeom prst="rect">
-            <a:avLst/>
-          </a:prstGeom>
-          <a:noFill/>
-          <a:ln>
-            <a:noFill/>
-          </a:ln>
-        </p:spPr>
-        <p:txBody>
-          <a:bodyPr vert="vert270" wrap="square" rtlCol="0">
-            <a:spAutoFit/>
-          </a:bodyPr>
-          <a:lstStyle/>
-          <a:p>
-            <a:pPr algn="ctr">
-              <a:spcAft>
-                <a:spcPts val="300"/>
-              </a:spcAft>
-            </a:pPr>
-            <a:r>
-              <a:rPr lang="en-US" sz="1000" b="1" dirty="0">
-                <a:latin typeface="Helvetica Neue" panose="02000503000000020004" pitchFamily="50"/>
-              </a:rPr>
-              <a:t>DREAM RECALL </a:t>
-            </a:r>
-            <a:endParaRPr lang="en-US" sz="1000" b="1" dirty="0" smtClean="0">
-              <a:latin typeface="Helvetica Neue" panose="02000503000000020004" pitchFamily="50"/>
-            </a:endParaRPr>
-          </a:p>
-          <a:p>
-            <a:pPr algn="ctr">
-              <a:spcAft>
-                <a:spcPts val="300"/>
-              </a:spcAft>
-            </a:pPr>
-            <a:r>
-              <a:rPr lang="en-US" sz="1000" b="1" dirty="0" smtClean="0">
-                <a:latin typeface="Helvetica Neue" panose="02000503000000020004" pitchFamily="50"/>
-              </a:rPr>
-              <a:t>FREQUENCY</a:t>
-            </a:r>
-            <a:endParaRPr lang="en-US" sz="1000" b="1" dirty="0">
-              <a:latin typeface="Helvetica Neue" panose="02000503000000020004" pitchFamily="50"/>
-            </a:endParaRPr>
-          </a:p>
-        </p:txBody>
-      </p:sp>
-      <p:sp>
-        <p:nvSpPr>
-          <p:cNvPr id="20" name="ZoneTexte 19"/>
-          <p:cNvSpPr txBox="1"/>
-          <p:nvPr/>
-        </p:nvSpPr>
-        <p:spPr>
-          <a:xfrm>
-            <a:off x="67941" y="1847139"/>
-            <a:ext cx="530915" cy="1332000"/>
-          </a:xfrm>
-          <a:prstGeom prst="rect">
-            <a:avLst/>
-          </a:prstGeom>
-          <a:noFill/>
-          <a:ln>
-            <a:noFill/>
-          </a:ln>
-        </p:spPr>
-        <p:txBody>
-          <a:bodyPr vert="vert270" wrap="square" rtlCol="0">
-            <a:spAutoFit/>
-          </a:bodyPr>
-          <a:lstStyle/>
-          <a:p>
-            <a:pPr algn="ctr">
-              <a:spcAft>
-                <a:spcPts val="300"/>
-              </a:spcAft>
-            </a:pPr>
-            <a:r>
-              <a:rPr lang="en-US" sz="1000" b="1" dirty="0" smtClean="0">
-                <a:latin typeface="Helvetica Neue" panose="02000503000000020004" pitchFamily="50"/>
-              </a:rPr>
-              <a:t>DREAM </a:t>
-            </a:r>
-          </a:p>
-          <a:p>
-            <a:pPr algn="ctr">
-              <a:spcAft>
-                <a:spcPts val="300"/>
-              </a:spcAft>
-            </a:pPr>
-            <a:r>
-              <a:rPr lang="en-US" sz="1000" b="1" dirty="0" smtClean="0">
-                <a:latin typeface="Helvetica Neue" panose="02000503000000020004" pitchFamily="50"/>
-              </a:rPr>
-              <a:t>CONTENT</a:t>
-            </a:r>
-            <a:endParaRPr lang="en-US" sz="1000" b="1" dirty="0">
-              <a:latin typeface="Helvetica Neue" panose="02000503000000020004" pitchFamily="50"/>
-            </a:endParaRPr>
-          </a:p>
-        </p:txBody>
-      </p:sp>
-      <p:sp>
-        <p:nvSpPr>
-          <p:cNvPr id="22" name="ZoneTexte 21"/>
-          <p:cNvSpPr txBox="1"/>
-          <p:nvPr/>
-        </p:nvSpPr>
-        <p:spPr>
-          <a:xfrm>
-            <a:off x="66055" y="3338509"/>
-            <a:ext cx="532800" cy="1332000"/>
-          </a:xfrm>
-          <a:prstGeom prst="rect">
-            <a:avLst/>
-          </a:prstGeom>
-          <a:noFill/>
-          <a:ln>
-            <a:noFill/>
-          </a:ln>
-        </p:spPr>
-        <p:txBody>
-          <a:bodyPr vert="vert270" wrap="square" rtlCol="0">
-            <a:spAutoFit/>
-          </a:bodyPr>
-          <a:lstStyle/>
-          <a:p>
-            <a:pPr algn="ctr">
-              <a:spcAft>
-                <a:spcPts val="300"/>
-              </a:spcAft>
-            </a:pPr>
-            <a:r>
-              <a:rPr lang="en-US" sz="1000" b="1" dirty="0" smtClean="0">
-                <a:latin typeface="Helvetica Neue" panose="02000503000000020004" pitchFamily="50"/>
-              </a:rPr>
-              <a:t>SOFTWARE DEVELOPEMENT</a:t>
-            </a:r>
-            <a:endParaRPr lang="en-US" sz="1000" b="1" dirty="0">
-              <a:latin typeface="Helvetica Neue" panose="02000503000000020004" pitchFamily="50"/>
-            </a:endParaRPr>
-          </a:p>
-        </p:txBody>
-      </p:sp>
-      <p:sp>
-        <p:nvSpPr>
-          <p:cNvPr id="34" name="ZoneTexte 33"/>
-          <p:cNvSpPr txBox="1"/>
-          <p:nvPr/>
-        </p:nvSpPr>
-        <p:spPr>
-          <a:xfrm>
-            <a:off x="683641" y="3438969"/>
-            <a:ext cx="3488384" cy="1138773"/>
-          </a:xfrm>
-          <a:prstGeom prst="rect">
-            <a:avLst/>
-          </a:prstGeom>
-          <a:solidFill>
-            <a:srgbClr val="FFF6E7"/>
-          </a:solidFill>
-          <a:effectLst>
-            <a:outerShdw blurRad="50800" dist="25400" dir="2700000" algn="tl" rotWithShape="0">
-              <a:schemeClr val="tx1">
-                <a:lumMod val="50000"/>
-                <a:lumOff val="50000"/>
-                <a:alpha val="20000"/>
-              </a:schemeClr>
-            </a:outerShdw>
-          </a:effectLst>
-        </p:spPr>
-        <p:txBody>
-          <a:bodyPr wrap="square" rtlCol="0">
-            <a:spAutoFit/>
-          </a:bodyPr>
-          <a:lstStyle/>
-          <a:p>
-            <a:pPr>
-              <a:spcAft>
-                <a:spcPts val="600"/>
-              </a:spcAft>
-            </a:pPr>
-            <a:r>
-              <a:rPr lang="en-US" sz="1000" dirty="0">
-                <a:latin typeface="Roboto Light" panose="02000000000000000000" pitchFamily="2" charset="0"/>
-                <a:ea typeface="Roboto Light" panose="02000000000000000000" pitchFamily="2" charset="0"/>
-              </a:rPr>
-              <a:t>Study </a:t>
-            </a:r>
-            <a:r>
-              <a:rPr lang="en-US" sz="1000" dirty="0" smtClean="0">
-                <a:latin typeface="Roboto Light" panose="02000000000000000000" pitchFamily="2" charset="0"/>
-                <a:ea typeface="Roboto Light" panose="02000000000000000000" pitchFamily="2" charset="0"/>
-              </a:rPr>
-              <a:t>5		</a:t>
-            </a:r>
-            <a:r>
-              <a:rPr lang="en-US" sz="1000" dirty="0">
-                <a:solidFill>
-                  <a:schemeClr val="tx1">
-                    <a:lumMod val="75000"/>
-                    <a:lumOff val="25000"/>
-                  </a:schemeClr>
-                </a:solidFill>
-                <a:latin typeface="Roboto Light" panose="02000000000000000000" pitchFamily="2" charset="0"/>
-                <a:ea typeface="Roboto Light" panose="02000000000000000000" pitchFamily="2" charset="0"/>
-              </a:rPr>
-              <a:t> </a:t>
-            </a:r>
-            <a:r>
-              <a:rPr lang="en-US" sz="1000" dirty="0" smtClean="0">
-                <a:solidFill>
-                  <a:schemeClr val="tx1">
-                    <a:lumMod val="75000"/>
-                    <a:lumOff val="25000"/>
-                  </a:schemeClr>
-                </a:solidFill>
-                <a:latin typeface="Roboto Light" panose="02000000000000000000" pitchFamily="2" charset="0"/>
-                <a:ea typeface="Roboto Light" panose="02000000000000000000" pitchFamily="2" charset="0"/>
-              </a:rPr>
-              <a:t>                      </a:t>
-            </a:r>
-            <a:r>
-              <a:rPr lang="en-US" sz="1000" i="1" dirty="0" smtClean="0">
-                <a:solidFill>
-                  <a:schemeClr val="tx1">
-                    <a:lumMod val="75000"/>
-                    <a:lumOff val="25000"/>
-                  </a:schemeClr>
-                </a:solidFill>
-                <a:latin typeface="Roboto Light" panose="02000000000000000000" pitchFamily="2" charset="0"/>
-                <a:ea typeface="Roboto Light" panose="02000000000000000000" pitchFamily="2" charset="0"/>
-              </a:rPr>
-              <a:t>Programming</a:t>
-            </a:r>
-          </a:p>
-          <a:p>
-            <a:pPr>
-              <a:spcAft>
-                <a:spcPts val="300"/>
-              </a:spcAft>
-            </a:pPr>
-            <a:r>
-              <a:rPr lang="en-US" sz="1050" b="1" dirty="0" smtClean="0">
-                <a:latin typeface="Helvetica Neue" panose="02000503000000020004" pitchFamily="50"/>
-              </a:rPr>
-              <a:t>An open-source software for sleep data</a:t>
-            </a:r>
-            <a:endParaRPr lang="en-US" sz="1050" b="1" dirty="0">
-              <a:latin typeface="Helvetica Neue" panose="02000503000000020004" pitchFamily="50"/>
-            </a:endParaRPr>
-          </a:p>
-          <a:p>
-            <a:pPr algn="just"/>
-            <a:r>
-              <a:rPr lang="en-US" sz="1000" dirty="0" smtClean="0">
-                <a:latin typeface="Helvetica Neue" panose="02000503000000020004" pitchFamily="50"/>
-              </a:rPr>
-              <a:t>Development of an open-source Python software for visualizing, scoring and analyzing polysomnographic sleep data.</a:t>
-            </a:r>
-          </a:p>
-          <a:p>
-            <a:pPr algn="just"/>
-            <a:endParaRPr lang="en-US" sz="1000" dirty="0">
-              <a:latin typeface="Helvetica Neue" panose="02000503000000020004" pitchFamily="50"/>
-            </a:endParaRPr>
-          </a:p>
-        </p:txBody>
-      </p:sp>
-      <p:grpSp>
-        <p:nvGrpSpPr>
-          <p:cNvPr id="2" name="Groupe 1"/>
-          <p:cNvGrpSpPr/>
-          <p:nvPr/>
-        </p:nvGrpSpPr>
-        <p:grpSpPr>
-          <a:xfrm>
-            <a:off x="683640" y="459808"/>
-            <a:ext cx="5274970" cy="1138774"/>
-            <a:chOff x="683641" y="531253"/>
-            <a:chExt cx="5274970" cy="1138774"/>
-          </a:xfrm>
-          <a:solidFill>
-            <a:srgbClr val="F9FBFD"/>
-          </a:solidFill>
-          <a:effectLst>
-            <a:outerShdw blurRad="50800" dist="25400" dir="2700000" algn="tl" rotWithShape="0">
-              <a:schemeClr val="tx1">
-                <a:lumMod val="50000"/>
-                <a:lumOff val="50000"/>
-                <a:alpha val="20000"/>
-              </a:schemeClr>
-            </a:outerShdw>
-          </a:effectLst>
-        </p:grpSpPr>
-        <p:sp>
-          <p:nvSpPr>
-            <p:cNvPr id="19" name="ZoneTexte 18"/>
-            <p:cNvSpPr txBox="1"/>
-            <p:nvPr/>
-          </p:nvSpPr>
-          <p:spPr>
-            <a:xfrm>
-              <a:off x="683641" y="531254"/>
-              <a:ext cx="1701800" cy="1138773"/>
-            </a:xfrm>
-            <a:prstGeom prst="rect">
-              <a:avLst/>
-            </a:prstGeom>
-            <a:grpFill/>
-            <a:effectLst>
-              <a:outerShdw blurRad="50800" dist="38100" dir="2700000" sx="82000" sy="82000" algn="tl" rotWithShape="0">
-                <a:prstClr val="black">
-                  <a:alpha val="40000"/>
-                </a:prstClr>
-              </a:outerShdw>
-            </a:effectLst>
-          </p:spPr>
-          <p:txBody>
-            <a:bodyPr wrap="square" rtlCol="0">
-              <a:spAutoFit/>
-            </a:bodyPr>
-            <a:lstStyle/>
-            <a:p>
-              <a:pPr>
-                <a:spcAft>
-                  <a:spcPts val="600"/>
-                </a:spcAft>
-              </a:pPr>
-              <a:r>
-                <a:rPr lang="en-US" sz="1000" dirty="0">
-                  <a:latin typeface="Roboto Light" panose="02000000000000000000" pitchFamily="2" charset="0"/>
-                  <a:ea typeface="Roboto Light" panose="02000000000000000000" pitchFamily="2" charset="0"/>
-                </a:rPr>
-                <a:t>Study </a:t>
-              </a:r>
-              <a:r>
-                <a:rPr lang="en-US" sz="1000" dirty="0" smtClean="0">
-                  <a:latin typeface="Roboto Light" panose="02000000000000000000" pitchFamily="2" charset="0"/>
-                  <a:ea typeface="Roboto Light" panose="02000000000000000000" pitchFamily="2" charset="0"/>
-                </a:rPr>
-                <a:t>1 	            </a:t>
-              </a:r>
-              <a:r>
-                <a:rPr lang="en-US" sz="1000" i="1" dirty="0" smtClean="0">
-                  <a:solidFill>
-                    <a:schemeClr val="tx1">
-                      <a:lumMod val="75000"/>
-                      <a:lumOff val="25000"/>
-                    </a:schemeClr>
-                  </a:solidFill>
-                  <a:latin typeface="Roboto Light" panose="02000000000000000000" pitchFamily="2" charset="0"/>
-                  <a:ea typeface="Roboto Light" panose="02000000000000000000" pitchFamily="2" charset="0"/>
-                </a:rPr>
-                <a:t>EEG</a:t>
-              </a:r>
-              <a:endParaRPr lang="en-US" sz="1000" dirty="0" smtClean="0">
-                <a:solidFill>
-                  <a:schemeClr val="tx1">
-                    <a:lumMod val="75000"/>
-                    <a:lumOff val="25000"/>
-                  </a:schemeClr>
-                </a:solidFill>
-                <a:latin typeface="Roboto Light" panose="02000000000000000000" pitchFamily="2" charset="0"/>
-                <a:ea typeface="Roboto Light" panose="02000000000000000000" pitchFamily="2" charset="0"/>
-              </a:endParaRPr>
-            </a:p>
-            <a:p>
-              <a:pPr>
-                <a:spcAft>
-                  <a:spcPts val="300"/>
-                </a:spcAft>
-              </a:pPr>
-              <a:r>
-                <a:rPr lang="en-US" sz="1050" b="1" dirty="0" smtClean="0">
-                  <a:latin typeface="Helvetica Neue" panose="02000503000000020004" pitchFamily="50"/>
-                </a:rPr>
-                <a:t>DRF and arousals</a:t>
-              </a:r>
-              <a:endParaRPr lang="en-US" sz="1050" b="1" dirty="0">
-                <a:latin typeface="Helvetica Neue" panose="02000503000000020004" pitchFamily="50"/>
-              </a:endParaRPr>
-            </a:p>
-            <a:p>
-              <a:pPr algn="just"/>
-              <a:r>
-                <a:rPr lang="en-US" sz="1000" dirty="0">
-                  <a:latin typeface="Helvetica Neue" panose="02000503000000020004" pitchFamily="50"/>
-                </a:rPr>
-                <a:t>Are there </a:t>
-              </a:r>
-              <a:r>
-                <a:rPr lang="en-US" sz="1000" dirty="0" smtClean="0">
-                  <a:latin typeface="Helvetica Neue" panose="02000503000000020004" pitchFamily="50"/>
-                </a:rPr>
-                <a:t>differences in arousals between high and low dream recallers?</a:t>
-              </a:r>
-            </a:p>
-            <a:p>
-              <a:pPr algn="just"/>
-              <a:endParaRPr lang="en-US" sz="1000" dirty="0" smtClean="0">
-                <a:latin typeface="Helvetica Neue" panose="02000503000000020004" pitchFamily="50"/>
-              </a:endParaRPr>
-            </a:p>
-          </p:txBody>
-        </p:sp>
-        <p:sp>
-          <p:nvSpPr>
-            <p:cNvPr id="27" name="ZoneTexte 26"/>
-            <p:cNvSpPr txBox="1"/>
-            <p:nvPr/>
-          </p:nvSpPr>
-          <p:spPr>
-            <a:xfrm>
-              <a:off x="2470226" y="531253"/>
-              <a:ext cx="1701800" cy="1138773"/>
-            </a:xfrm>
-            <a:prstGeom prst="rect">
-              <a:avLst/>
-            </a:prstGeom>
-            <a:grpFill/>
-            <a:effectLst>
-              <a:outerShdw blurRad="50800" dist="38100" dir="2700000" sx="82000" sy="82000" algn="tl" rotWithShape="0">
-                <a:prstClr val="black">
-                  <a:alpha val="40000"/>
-                </a:prstClr>
-              </a:outerShdw>
-            </a:effectLst>
-          </p:spPr>
-          <p:txBody>
-            <a:bodyPr wrap="square" rtlCol="0">
-              <a:spAutoFit/>
-            </a:bodyPr>
-            <a:lstStyle/>
-            <a:p>
-              <a:pPr>
-                <a:spcAft>
-                  <a:spcPts val="600"/>
-                </a:spcAft>
-              </a:pPr>
-              <a:r>
-                <a:rPr lang="en-US" sz="1000" dirty="0">
-                  <a:latin typeface="Roboto Light" panose="02000000000000000000" pitchFamily="2" charset="0"/>
-                  <a:ea typeface="Roboto Light" panose="02000000000000000000" pitchFamily="2" charset="0"/>
-                </a:rPr>
-                <a:t>Study </a:t>
-              </a:r>
-              <a:r>
-                <a:rPr lang="en-US" sz="1000" dirty="0" smtClean="0">
-                  <a:latin typeface="Roboto Light" panose="02000000000000000000" pitchFamily="2" charset="0"/>
-                  <a:ea typeface="Roboto Light" panose="02000000000000000000" pitchFamily="2" charset="0"/>
-                </a:rPr>
-                <a:t>2	  </a:t>
-              </a:r>
-              <a:r>
-                <a:rPr lang="en-US" sz="1000" i="1" dirty="0" smtClean="0">
-                  <a:solidFill>
-                    <a:schemeClr val="tx1">
-                      <a:lumMod val="75000"/>
-                      <a:lumOff val="25000"/>
-                    </a:schemeClr>
-                  </a:solidFill>
-                  <a:latin typeface="Roboto Light" panose="02000000000000000000" pitchFamily="2" charset="0"/>
-                  <a:ea typeface="Roboto Light" panose="02000000000000000000" pitchFamily="2" charset="0"/>
-                </a:rPr>
-                <a:t>EEG-fMRI</a:t>
-              </a:r>
-            </a:p>
-            <a:p>
-              <a:pPr>
-                <a:spcAft>
-                  <a:spcPts val="300"/>
-                </a:spcAft>
-              </a:pPr>
-              <a:r>
-                <a:rPr lang="en-US" sz="1050" b="1" dirty="0" smtClean="0">
-                  <a:latin typeface="Helvetica Neue" panose="02000503000000020004" pitchFamily="50"/>
-                </a:rPr>
-                <a:t>DRF and sleep inertia</a:t>
-              </a:r>
-              <a:endParaRPr lang="en-US" sz="1050" b="1" dirty="0">
-                <a:latin typeface="Helvetica Neue" panose="02000503000000020004" pitchFamily="50"/>
-              </a:endParaRPr>
-            </a:p>
-            <a:p>
-              <a:pPr algn="just"/>
-              <a:r>
-                <a:rPr lang="en-US" sz="1000" dirty="0">
-                  <a:latin typeface="Helvetica Neue" panose="02000503000000020004" pitchFamily="50"/>
-                </a:rPr>
-                <a:t>Are there differences in sleep </a:t>
-              </a:r>
-              <a:r>
-                <a:rPr lang="en-US" sz="1000" dirty="0" smtClean="0">
-                  <a:latin typeface="Helvetica Neue" panose="02000503000000020004" pitchFamily="50"/>
-                </a:rPr>
-                <a:t>inertia between high and low dream recallers?</a:t>
-              </a:r>
-            </a:p>
-            <a:p>
-              <a:endParaRPr lang="en-US" sz="1000" dirty="0">
-                <a:latin typeface="Helvetica Neue" panose="02000503000000020004" pitchFamily="50"/>
-              </a:endParaRPr>
-            </a:p>
-          </p:txBody>
-        </p:sp>
-        <p:sp>
-          <p:nvSpPr>
-            <p:cNvPr id="36" name="ZoneTexte 35"/>
-            <p:cNvSpPr txBox="1"/>
-            <p:nvPr/>
-          </p:nvSpPr>
-          <p:spPr>
-            <a:xfrm>
-              <a:off x="4256811" y="531253"/>
-              <a:ext cx="1701800" cy="1138773"/>
-            </a:xfrm>
-            <a:prstGeom prst="rect">
-              <a:avLst/>
-            </a:prstGeom>
-            <a:grpFill/>
-            <a:effectLst>
-              <a:outerShdw blurRad="50800" dist="38100" dir="2700000" sx="82000" sy="82000" algn="tl" rotWithShape="0">
-                <a:prstClr val="black">
-                  <a:alpha val="40000"/>
-                </a:prstClr>
-              </a:outerShdw>
-            </a:effectLst>
-          </p:spPr>
-          <p:txBody>
-            <a:bodyPr wrap="square" rtlCol="0">
-              <a:spAutoFit/>
-            </a:bodyPr>
-            <a:lstStyle/>
-            <a:p>
-              <a:pPr>
-                <a:spcAft>
-                  <a:spcPts val="600"/>
-                </a:spcAft>
-              </a:pPr>
-              <a:r>
-                <a:rPr lang="en-US" sz="1000" dirty="0">
-                  <a:latin typeface="Roboto Light" panose="02000000000000000000" pitchFamily="2" charset="0"/>
-                  <a:ea typeface="Roboto Light" panose="02000000000000000000" pitchFamily="2" charset="0"/>
-                </a:rPr>
-                <a:t>Study </a:t>
-              </a:r>
-              <a:r>
-                <a:rPr lang="en-US" sz="1000" dirty="0" smtClean="0">
-                  <a:latin typeface="Roboto Light" panose="02000000000000000000" pitchFamily="2" charset="0"/>
-                  <a:ea typeface="Roboto Light" panose="02000000000000000000" pitchFamily="2" charset="0"/>
-                </a:rPr>
-                <a:t>3 	       </a:t>
-              </a:r>
-              <a:r>
-                <a:rPr lang="en-US" sz="1000" i="1" dirty="0" smtClean="0">
-                  <a:solidFill>
-                    <a:schemeClr val="tx1">
-                      <a:lumMod val="75000"/>
-                      <a:lumOff val="25000"/>
-                    </a:schemeClr>
-                  </a:solidFill>
-                  <a:latin typeface="Roboto Light" panose="02000000000000000000" pitchFamily="2" charset="0"/>
-                  <a:ea typeface="Roboto Light" panose="02000000000000000000" pitchFamily="2" charset="0"/>
-                </a:rPr>
-                <a:t>Survey</a:t>
-              </a:r>
-            </a:p>
-            <a:p>
-              <a:pPr>
-                <a:spcAft>
-                  <a:spcPts val="300"/>
-                </a:spcAft>
-              </a:pPr>
-              <a:r>
-                <a:rPr lang="en-US" sz="1050" b="1" dirty="0" smtClean="0">
-                  <a:latin typeface="Helvetica Neue" panose="02000503000000020004" pitchFamily="50"/>
-                </a:rPr>
-                <a:t>Sleep and dream habits</a:t>
-              </a:r>
-            </a:p>
-            <a:p>
-              <a:pPr algn="just">
-                <a:spcAft>
-                  <a:spcPts val="300"/>
-                </a:spcAft>
-              </a:pPr>
-              <a:r>
-                <a:rPr lang="en-US" sz="1000" dirty="0" smtClean="0">
-                  <a:latin typeface="Helvetica Neue" panose="02000503000000020004" pitchFamily="50"/>
-                </a:rPr>
-                <a:t>Survey of the sleep and dream habits of a large sample of French college students.</a:t>
-              </a:r>
-              <a:endParaRPr lang="en-US" sz="1000" dirty="0">
-                <a:latin typeface="Helvetica Neue" panose="02000503000000020004" pitchFamily="50"/>
-              </a:endParaRPr>
-            </a:p>
-          </p:txBody>
-        </p:sp>
-      </p:grpSp>
-      <p:sp>
-        <p:nvSpPr>
-          <p:cNvPr id="37" name="ZoneTexte 36"/>
-          <p:cNvSpPr txBox="1"/>
-          <p:nvPr/>
-        </p:nvSpPr>
-        <p:spPr>
-          <a:xfrm>
-            <a:off x="683640" y="1943752"/>
-            <a:ext cx="3488385" cy="1138773"/>
-          </a:xfrm>
-          <a:prstGeom prst="rect">
-            <a:avLst/>
-          </a:prstGeom>
-          <a:solidFill>
-            <a:srgbClr val="F8F6FA"/>
-          </a:solidFill>
-          <a:effectLst>
-            <a:outerShdw blurRad="50800" dist="25400" dir="2700000" algn="tl" rotWithShape="0">
-              <a:schemeClr val="tx1">
-                <a:lumMod val="50000"/>
-                <a:lumOff val="50000"/>
-                <a:alpha val="20000"/>
-              </a:schemeClr>
-            </a:outerShdw>
-          </a:effectLst>
-        </p:spPr>
-        <p:txBody>
-          <a:bodyPr wrap="square" rtlCol="0">
-            <a:spAutoFit/>
-          </a:bodyPr>
-          <a:lstStyle/>
-          <a:p>
-            <a:pPr>
-              <a:spcAft>
-                <a:spcPts val="600"/>
-              </a:spcAft>
-            </a:pPr>
-            <a:r>
-              <a:rPr lang="en-US" sz="1000" dirty="0">
-                <a:latin typeface="Roboto Light" panose="02000000000000000000" pitchFamily="2" charset="0"/>
-                <a:ea typeface="Roboto Light" panose="02000000000000000000" pitchFamily="2" charset="0"/>
-              </a:rPr>
-              <a:t>Study </a:t>
-            </a:r>
-            <a:r>
-              <a:rPr lang="en-US" sz="1000" dirty="0" smtClean="0">
-                <a:latin typeface="Roboto Light" panose="02000000000000000000" pitchFamily="2" charset="0"/>
-                <a:ea typeface="Roboto Light" panose="02000000000000000000" pitchFamily="2" charset="0"/>
-              </a:rPr>
-              <a:t>4			</a:t>
-            </a:r>
-            <a:r>
-              <a:rPr lang="en-US" sz="1000" dirty="0" smtClean="0">
-                <a:solidFill>
-                  <a:schemeClr val="tx1">
-                    <a:lumMod val="75000"/>
-                    <a:lumOff val="25000"/>
-                  </a:schemeClr>
-                </a:solidFill>
-                <a:latin typeface="Roboto Light" panose="02000000000000000000" pitchFamily="2" charset="0"/>
-                <a:ea typeface="Roboto Light" panose="02000000000000000000" pitchFamily="2" charset="0"/>
-              </a:rPr>
-              <a:t>  </a:t>
-            </a:r>
-            <a:r>
-              <a:rPr lang="en-US" sz="1000" i="1" dirty="0" smtClean="0">
-                <a:solidFill>
-                  <a:schemeClr val="tx1">
-                    <a:lumMod val="75000"/>
-                    <a:lumOff val="25000"/>
-                  </a:schemeClr>
-                </a:solidFill>
-                <a:latin typeface="Roboto Light" panose="02000000000000000000" pitchFamily="2" charset="0"/>
-                <a:ea typeface="Roboto Light" panose="02000000000000000000" pitchFamily="2" charset="0"/>
-              </a:rPr>
-              <a:t>Behavior </a:t>
-            </a:r>
-            <a:r>
-              <a:rPr lang="en-US" sz="1000" dirty="0" smtClean="0">
-                <a:solidFill>
-                  <a:schemeClr val="tx1">
-                    <a:lumMod val="75000"/>
-                    <a:lumOff val="25000"/>
-                  </a:schemeClr>
-                </a:solidFill>
-                <a:latin typeface="Roboto Light" panose="02000000000000000000" pitchFamily="2" charset="0"/>
-                <a:ea typeface="Roboto Light" panose="02000000000000000000" pitchFamily="2" charset="0"/>
-              </a:rPr>
-              <a:t> </a:t>
-            </a:r>
-          </a:p>
-          <a:p>
-            <a:pPr>
-              <a:spcAft>
-                <a:spcPts val="300"/>
-              </a:spcAft>
-            </a:pPr>
-            <a:r>
-              <a:rPr lang="en-US" sz="1050" b="1" dirty="0" smtClean="0">
-                <a:latin typeface="Helvetica Neue" panose="02000503000000020004" pitchFamily="50"/>
-              </a:rPr>
-              <a:t>The memory sources of dreams</a:t>
-            </a:r>
-            <a:endParaRPr lang="en-US" sz="1050" b="1" dirty="0">
-              <a:latin typeface="Helvetica Neue" panose="02000503000000020004" pitchFamily="50"/>
-            </a:endParaRPr>
-          </a:p>
-          <a:p>
-            <a:r>
-              <a:rPr lang="en-US" sz="1000" dirty="0" smtClean="0">
-                <a:latin typeface="Helvetica Neue" panose="02000503000000020004" pitchFamily="50"/>
-              </a:rPr>
-              <a:t>Investigation of the characteristics of the memory sources incorporated into dreams, especially remote and trivial memories.</a:t>
-            </a:r>
-          </a:p>
-          <a:p>
-            <a:endParaRPr lang="en-US" sz="1000" dirty="0" smtClean="0">
-              <a:latin typeface="Helvetica Neue" panose="02000503000000020004" pitchFamily="50"/>
-            </a:endParaRPr>
-          </a:p>
-        </p:txBody>
-      </p:sp>
-      <p:cxnSp>
-        <p:nvCxnSpPr>
-          <p:cNvPr id="4" name="Connecteur droit 3"/>
-          <p:cNvCxnSpPr/>
-          <p:nvPr/>
-        </p:nvCxnSpPr>
-        <p:spPr>
-          <a:xfrm>
-            <a:off x="598855" y="359348"/>
-            <a:ext cx="0" cy="4311161"/>
-          </a:xfrm>
-          <a:prstGeom prst="line">
-            <a:avLst/>
-          </a:prstGeom>
-          <a:ln w="19050">
-            <a:solidFill>
-              <a:srgbClr val="1D1F21"/>
-            </a:solidFill>
-          </a:ln>
-        </p:spPr>
-        <p:style>
-          <a:lnRef idx="1">
-            <a:schemeClr val="dk1"/>
-          </a:lnRef>
-          <a:fillRef idx="0">
-            <a:schemeClr val="dk1"/>
-          </a:fillRef>
-          <a:effectRef idx="0">
-            <a:schemeClr val="dk1"/>
-          </a:effectRef>
-          <a:fontRef idx="minor">
-            <a:schemeClr val="tx1"/>
-          </a:fontRef>
-        </p:style>
-      </p:cxnSp>
-      <p:cxnSp>
-        <p:nvCxnSpPr>
-          <p:cNvPr id="16" name="Connecteur droit 15"/>
-          <p:cNvCxnSpPr/>
-          <p:nvPr/>
-        </p:nvCxnSpPr>
-        <p:spPr>
-          <a:xfrm>
-            <a:off x="66054" y="1765530"/>
-            <a:ext cx="6012000" cy="0"/>
-          </a:xfrm>
-          <a:prstGeom prst="line">
-            <a:avLst/>
-          </a:prstGeom>
-          <a:ln w="12700">
-            <a:solidFill>
-              <a:srgbClr val="1D1F21"/>
-            </a:solidFill>
-            <a:prstDash val="sysDot"/>
-          </a:ln>
-        </p:spPr>
-        <p:style>
-          <a:lnRef idx="1">
-            <a:schemeClr val="dk1"/>
-          </a:lnRef>
-          <a:fillRef idx="0">
-            <a:schemeClr val="dk1"/>
-          </a:fillRef>
-          <a:effectRef idx="0">
-            <a:schemeClr val="dk1"/>
-          </a:effectRef>
-          <a:fontRef idx="minor">
-            <a:schemeClr val="tx1"/>
-          </a:fontRef>
-        </p:style>
-      </p:cxnSp>
-      <p:cxnSp>
-        <p:nvCxnSpPr>
-          <p:cNvPr id="24" name="Connecteur droit 23"/>
-          <p:cNvCxnSpPr/>
-          <p:nvPr/>
-        </p:nvCxnSpPr>
-        <p:spPr>
-          <a:xfrm>
-            <a:off x="66054" y="3260240"/>
-            <a:ext cx="6012000" cy="0"/>
-          </a:xfrm>
-          <a:prstGeom prst="line">
-            <a:avLst/>
-          </a:prstGeom>
-          <a:ln w="12700">
-            <a:solidFill>
-              <a:srgbClr val="1D1F21"/>
-            </a:solidFill>
-            <a:prstDash val="sysDot"/>
-          </a:ln>
-        </p:spPr>
-        <p:style>
-          <a:lnRef idx="1">
-            <a:schemeClr val="dk1"/>
-          </a:lnRef>
-          <a:fillRef idx="0">
-            <a:schemeClr val="dk1"/>
-          </a:fillRef>
-          <a:effectRef idx="0">
-            <a:schemeClr val="dk1"/>
-          </a:effectRef>
-          <a:fontRef idx="minor">
-            <a:schemeClr val="tx1"/>
-          </a:fontRef>
-        </p:style>
-      </p:cxnSp>
-    </p:spTree>
-    <p:extLst>
-      <p:ext uri="{BB962C8B-B14F-4D97-AF65-F5344CB8AC3E}">
-        <p14:creationId xmlns:p14="http://schemas.microsoft.com/office/powerpoint/2010/main" val="3717003478"/>
       </p:ext>
     </p:extLst>
   </p:cSld>

--- a/Fig/Intro/Intro_Problematics/Intro_Problematics.pptx
+++ b/Fig/Intro/Intro_Problematics/Intro_Problematics.pptx
@@ -265,7 +265,7 @@
           <a:p>
             <a:fld id="{B39C0367-C9DB-4397-8272-6097457C4212}" type="datetimeFigureOut">
               <a:rPr lang="en-US" smtClean="0"/>
-              <a:t>10/22/2017</a:t>
+              <a:t>10/27/2017</a:t>
             </a:fld>
             <a:endParaRPr lang="en-US"/>
           </a:p>
@@ -435,7 +435,7 @@
           <a:p>
             <a:fld id="{B39C0367-C9DB-4397-8272-6097457C4212}" type="datetimeFigureOut">
               <a:rPr lang="en-US" smtClean="0"/>
-              <a:t>10/22/2017</a:t>
+              <a:t>10/27/2017</a:t>
             </a:fld>
             <a:endParaRPr lang="en-US"/>
           </a:p>
@@ -615,7 +615,7 @@
           <a:p>
             <a:fld id="{B39C0367-C9DB-4397-8272-6097457C4212}" type="datetimeFigureOut">
               <a:rPr lang="en-US" smtClean="0"/>
-              <a:t>10/22/2017</a:t>
+              <a:t>10/27/2017</a:t>
             </a:fld>
             <a:endParaRPr lang="en-US"/>
           </a:p>
@@ -785,7 +785,7 @@
           <a:p>
             <a:fld id="{B39C0367-C9DB-4397-8272-6097457C4212}" type="datetimeFigureOut">
               <a:rPr lang="en-US" smtClean="0"/>
-              <a:t>10/22/2017</a:t>
+              <a:t>10/27/2017</a:t>
             </a:fld>
             <a:endParaRPr lang="en-US"/>
           </a:p>
@@ -1031,7 +1031,7 @@
           <a:p>
             <a:fld id="{B39C0367-C9DB-4397-8272-6097457C4212}" type="datetimeFigureOut">
               <a:rPr lang="en-US" smtClean="0"/>
-              <a:t>10/22/2017</a:t>
+              <a:t>10/27/2017</a:t>
             </a:fld>
             <a:endParaRPr lang="en-US"/>
           </a:p>
@@ -1263,7 +1263,7 @@
           <a:p>
             <a:fld id="{B39C0367-C9DB-4397-8272-6097457C4212}" type="datetimeFigureOut">
               <a:rPr lang="en-US" smtClean="0"/>
-              <a:t>10/22/2017</a:t>
+              <a:t>10/27/2017</a:t>
             </a:fld>
             <a:endParaRPr lang="en-US"/>
           </a:p>
@@ -1630,7 +1630,7 @@
           <a:p>
             <a:fld id="{B39C0367-C9DB-4397-8272-6097457C4212}" type="datetimeFigureOut">
               <a:rPr lang="en-US" smtClean="0"/>
-              <a:t>10/22/2017</a:t>
+              <a:t>10/27/2017</a:t>
             </a:fld>
             <a:endParaRPr lang="en-US"/>
           </a:p>
@@ -1748,7 +1748,7 @@
           <a:p>
             <a:fld id="{B39C0367-C9DB-4397-8272-6097457C4212}" type="datetimeFigureOut">
               <a:rPr lang="en-US" smtClean="0"/>
-              <a:t>10/22/2017</a:t>
+              <a:t>10/27/2017</a:t>
             </a:fld>
             <a:endParaRPr lang="en-US"/>
           </a:p>
@@ -1843,7 +1843,7 @@
           <a:p>
             <a:fld id="{B39C0367-C9DB-4397-8272-6097457C4212}" type="datetimeFigureOut">
               <a:rPr lang="en-US" smtClean="0"/>
-              <a:t>10/22/2017</a:t>
+              <a:t>10/27/2017</a:t>
             </a:fld>
             <a:endParaRPr lang="en-US"/>
           </a:p>
@@ -2120,7 +2120,7 @@
           <a:p>
             <a:fld id="{B39C0367-C9DB-4397-8272-6097457C4212}" type="datetimeFigureOut">
               <a:rPr lang="en-US" smtClean="0"/>
-              <a:t>10/22/2017</a:t>
+              <a:t>10/27/2017</a:t>
             </a:fld>
             <a:endParaRPr lang="en-US"/>
           </a:p>
@@ -2377,7 +2377,7 @@
           <a:p>
             <a:fld id="{B39C0367-C9DB-4397-8272-6097457C4212}" type="datetimeFigureOut">
               <a:rPr lang="en-US" smtClean="0"/>
-              <a:t>10/22/2017</a:t>
+              <a:t>10/27/2017</a:t>
             </a:fld>
             <a:endParaRPr lang="en-US"/>
           </a:p>
@@ -2590,7 +2590,7 @@
           <a:p>
             <a:fld id="{B39C0367-C9DB-4397-8272-6097457C4212}" type="datetimeFigureOut">
               <a:rPr lang="en-US" smtClean="0"/>
-              <a:t>10/22/2017</a:t>
+              <a:t>10/27/2017</a:t>
             </a:fld>
             <a:endParaRPr lang="en-US"/>
           </a:p>
@@ -3093,14 +3093,6 @@
               </a:rPr>
               <a:t>NEURO-PHYSIOLOGY</a:t>
             </a:r>
-            <a:endParaRPr lang="en-US" sz="1000" dirty="0">
-              <a:solidFill>
-                <a:srgbClr val="061229"/>
-              </a:solidFill>
-              <a:latin typeface="Helvetica Neue" panose="02000503000000020004" pitchFamily="50"/>
-              <a:ea typeface="Roboto" pitchFamily="2" charset="0"/>
-              <a:cs typeface="Times New Roman" panose="02020603050405020304" pitchFamily="18" charset="0"/>
-            </a:endParaRPr>
           </a:p>
         </p:txBody>
       </p:sp>
@@ -3145,14 +3137,6 @@
               </a:rPr>
               <a:t>BEHAVIOR</a:t>
             </a:r>
-            <a:endParaRPr lang="en-US" sz="1000" dirty="0">
-              <a:solidFill>
-                <a:srgbClr val="061229"/>
-              </a:solidFill>
-              <a:latin typeface="Helvetica Neue" panose="02000503000000020004" pitchFamily="50"/>
-              <a:ea typeface="Roboto" pitchFamily="2" charset="0"/>
-              <a:cs typeface="Times New Roman" panose="02020603050405020304" pitchFamily="18" charset="0"/>
-            </a:endParaRPr>
           </a:p>
         </p:txBody>
       </p:sp>
@@ -3197,14 +3181,6 @@
               </a:rPr>
               <a:t>SOFTWARE DEVELOPEMENT</a:t>
             </a:r>
-            <a:endParaRPr lang="en-US" sz="1000" dirty="0">
-              <a:solidFill>
-                <a:srgbClr val="061229"/>
-              </a:solidFill>
-              <a:latin typeface="Helvetica Neue" panose="02000503000000020004" pitchFamily="50"/>
-              <a:ea typeface="Roboto" pitchFamily="2" charset="0"/>
-              <a:cs typeface="Times New Roman" panose="02020603050405020304" pitchFamily="18" charset="0"/>
-            </a:endParaRPr>
           </a:p>
         </p:txBody>
       </p:sp>
@@ -3251,14 +3227,7 @@
                 <a:latin typeface="Roboto Light" panose="02000000000000000000" pitchFamily="2" charset="0"/>
                 <a:ea typeface="Roboto Light" panose="02000000000000000000" pitchFamily="2" charset="0"/>
               </a:rPr>
-              <a:t>Study </a:t>
-            </a:r>
-            <a:r>
-              <a:rPr lang="en-US" sz="1000" dirty="0">
-                <a:latin typeface="Roboto Light" panose="02000000000000000000" pitchFamily="2" charset="0"/>
-                <a:ea typeface="Roboto Light" panose="02000000000000000000" pitchFamily="2" charset="0"/>
-              </a:rPr>
-              <a:t>1 	 </a:t>
+              <a:t>Study 1 	 </a:t>
             </a:r>
             <a:r>
               <a:rPr lang="en-US" sz="1000" dirty="0" smtClean="0">
@@ -3310,9 +3279,6 @@
               </a:rPr>
               <a:t>DRF and arousals</a:t>
             </a:r>
-            <a:endParaRPr lang="en-US" sz="1050" b="1" dirty="0">
-              <a:latin typeface="Helvetica Neue" panose="02000503000000020004" pitchFamily="50"/>
-            </a:endParaRPr>
           </a:p>
           <a:p>
             <a:pPr algn="just"/>
@@ -3404,14 +3370,7 @@
                 <a:latin typeface="Roboto Light" panose="02000000000000000000" pitchFamily="2" charset="0"/>
                 <a:ea typeface="Roboto Light" panose="02000000000000000000" pitchFamily="2" charset="0"/>
               </a:rPr>
-              <a:t>Study </a:t>
-            </a:r>
-            <a:r>
-              <a:rPr lang="en-US" sz="1000" dirty="0">
-                <a:latin typeface="Roboto Light" panose="02000000000000000000" pitchFamily="2" charset="0"/>
-                <a:ea typeface="Roboto Light" panose="02000000000000000000" pitchFamily="2" charset="0"/>
-              </a:rPr>
-              <a:t>2	               </a:t>
+              <a:t>Study 2	               </a:t>
             </a:r>
             <a:r>
               <a:rPr lang="en-US" sz="1000" dirty="0" smtClean="0">
@@ -3454,7 +3413,13 @@
               <a:rPr lang="en-US" sz="1050" b="1" dirty="0">
                 <a:latin typeface="Helvetica Neue" panose="02000503000000020004" pitchFamily="50"/>
               </a:rPr>
-              <a:t>DRF and sleep inertia</a:t>
+              <a:t>DRF and </a:t>
+            </a:r>
+            <a:r>
+              <a:rPr lang="en-US" sz="1050" b="1" dirty="0" smtClean="0">
+                <a:latin typeface="Helvetica Neue" panose="02000503000000020004" pitchFamily="50"/>
+              </a:rPr>
+              <a:t>the awakening brain</a:t>
             </a:r>
             <a:endParaRPr lang="en-US" sz="1050" b="1" dirty="0">
               <a:latin typeface="Helvetica Neue" panose="02000503000000020004" pitchFamily="50"/>
@@ -3504,9 +3469,6 @@
               </a:rPr>
               <a:t>overview of the awakening brain.</a:t>
             </a:r>
-            <a:endParaRPr lang="en-US" sz="1000" dirty="0">
-              <a:latin typeface="Helvetica Neue" panose="02000503000000020004" pitchFamily="50"/>
-            </a:endParaRPr>
           </a:p>
         </p:txBody>
       </p:sp>
@@ -3999,20 +3961,7 @@
                 <a:latin typeface="Roboto Light" panose="02000000000000000000" pitchFamily="2" charset="0"/>
                 <a:ea typeface="Roboto Light" panose="02000000000000000000" pitchFamily="2" charset="0"/>
               </a:rPr>
-              <a:t> </a:t>
-            </a:r>
-            <a:r>
-              <a:rPr lang="en-US" sz="1000" dirty="0">
-                <a:solidFill>
-                  <a:schemeClr val="tx1">
-                    <a:lumMod val="75000"/>
-                    <a:lumOff val="25000"/>
-                  </a:schemeClr>
-                </a:solidFill>
-                <a:latin typeface="Roboto Light" panose="02000000000000000000" pitchFamily="2" charset="0"/>
-                <a:ea typeface="Roboto Light" panose="02000000000000000000" pitchFamily="2" charset="0"/>
-              </a:rPr>
-              <a:t>                       	 	                  </a:t>
+              <a:t>                        	 	                  </a:t>
             </a:r>
             <a:r>
               <a:rPr lang="en-US" sz="1000" dirty="0" smtClean="0">
@@ -4079,25 +4028,7 @@
               <a:rPr lang="en-US" sz="1000" dirty="0">
                 <a:latin typeface="Helvetica Neue" panose="02000503000000020004" pitchFamily="50"/>
               </a:rPr>
-              <a:t>There is a lack of free and </a:t>
-            </a:r>
-            <a:r>
-              <a:rPr lang="en-US" sz="1000" dirty="0">
-                <a:latin typeface="Helvetica Neue" panose="02000503000000020004" pitchFamily="50"/>
-              </a:rPr>
-              <a:t>easy-to-use </a:t>
-            </a:r>
-            <a:r>
-              <a:rPr lang="en-US" sz="1000" dirty="0">
-                <a:latin typeface="Helvetica Neue" panose="02000503000000020004" pitchFamily="50"/>
-              </a:rPr>
-              <a:t>graphical user interface dedicated to sleep data visualization, scoring and analysis. </a:t>
-            </a:r>
-            <a:r>
-              <a:rPr lang="en-US" sz="1000" dirty="0">
-                <a:latin typeface="Helvetica Neue" panose="02000503000000020004" pitchFamily="50"/>
-              </a:rPr>
-              <a:t>To fill </a:t>
+              <a:t>There is a lack of free and easy-to-use graphical user interface dedicated to sleep data visualization, scoring and analysis. To fill </a:t>
             </a:r>
             <a:r>
               <a:rPr lang="en-US" sz="1000" dirty="0" smtClean="0">
@@ -4220,7 +4151,25 @@
               <a:rPr lang="en-US" sz="1050" b="1" dirty="0" smtClean="0">
                 <a:latin typeface="Helvetica Neue" panose="02000503000000020004" pitchFamily="50"/>
               </a:rPr>
-              <a:t>DRF and default network</a:t>
+              <a:t>DRF </a:t>
+            </a:r>
+            <a:r>
+              <a:rPr lang="en-US" sz="1050" b="1" smtClean="0">
+                <a:latin typeface="Helvetica Neue" panose="02000503000000020004" pitchFamily="50"/>
+              </a:rPr>
+              <a:t>and </a:t>
+            </a:r>
+            <a:r>
+              <a:rPr lang="en-US" sz="1050" b="1" smtClean="0">
+                <a:latin typeface="Helvetica Neue" panose="02000503000000020004" pitchFamily="50"/>
+              </a:rPr>
+              <a:t>the default </a:t>
+            </a:r>
+            <a:r>
+              <a:rPr lang="en-US" sz="1050" b="1" dirty="0" smtClean="0">
+                <a:latin typeface="Helvetica Neue" panose="02000503000000020004" pitchFamily="50"/>
+              </a:rPr>
+              <a:t>network</a:t>
             </a:r>
           </a:p>
           <a:p>
@@ -4369,14 +4318,6 @@
               </a:rPr>
               <a:t>NEURO-PHYSIOLOGY</a:t>
             </a:r>
-            <a:endParaRPr lang="en-US" sz="1000" dirty="0">
-              <a:solidFill>
-                <a:srgbClr val="061229"/>
-              </a:solidFill>
-              <a:latin typeface="Helvetica" pitchFamily="2" charset="0"/>
-              <a:ea typeface="Roboto" pitchFamily="2" charset="0"/>
-              <a:cs typeface="Times New Roman" panose="02020603050405020304" pitchFamily="18" charset="0"/>
-            </a:endParaRPr>
           </a:p>
         </p:txBody>
       </p:sp>
@@ -4421,14 +4362,6 @@
               </a:rPr>
               <a:t>BEHAVIOR</a:t>
             </a:r>
-            <a:endParaRPr lang="en-US" sz="1000" dirty="0">
-              <a:solidFill>
-                <a:srgbClr val="061229"/>
-              </a:solidFill>
-              <a:latin typeface="Helvetica" pitchFamily="2" charset="0"/>
-              <a:ea typeface="Roboto" pitchFamily="2" charset="0"/>
-              <a:cs typeface="Times New Roman" panose="02020603050405020304" pitchFamily="18" charset="0"/>
-            </a:endParaRPr>
           </a:p>
         </p:txBody>
       </p:sp>
@@ -4473,14 +4406,6 @@
               </a:rPr>
               <a:t>SOFTWARE DEVELOPEMENT</a:t>
             </a:r>
-            <a:endParaRPr lang="en-US" sz="1000" dirty="0">
-              <a:solidFill>
-                <a:srgbClr val="061229"/>
-              </a:solidFill>
-              <a:latin typeface="Helvetica" pitchFamily="2" charset="0"/>
-              <a:ea typeface="Roboto" pitchFamily="2" charset="0"/>
-              <a:cs typeface="Times New Roman" panose="02020603050405020304" pitchFamily="18" charset="0"/>
-            </a:endParaRPr>
           </a:p>
         </p:txBody>
       </p:sp>
@@ -4527,14 +4452,7 @@
                 <a:latin typeface="Roboto Light" panose="02000000000000000000" pitchFamily="2" charset="0"/>
                 <a:ea typeface="Roboto Light" panose="02000000000000000000" pitchFamily="2" charset="0"/>
               </a:rPr>
-              <a:t>Study </a:t>
-            </a:r>
-            <a:r>
-              <a:rPr lang="en-US" sz="1000" dirty="0">
-                <a:latin typeface="Roboto Light" panose="02000000000000000000" pitchFamily="2" charset="0"/>
-                <a:ea typeface="Roboto Light" panose="02000000000000000000" pitchFamily="2" charset="0"/>
-              </a:rPr>
-              <a:t>1 	            	         </a:t>
+              <a:t>Study 1 	            	         </a:t>
             </a:r>
             <a:r>
               <a:rPr lang="en-US" sz="1000" i="1" dirty="0">
@@ -4572,9 +4490,6 @@
               </a:rPr>
               <a:t>DRF and arousals</a:t>
             </a:r>
-            <a:endParaRPr lang="en-US" sz="1050" b="1" dirty="0">
-              <a:latin typeface="Helvetica Neue" panose="02000503000000020004" pitchFamily="50"/>
-            </a:endParaRPr>
           </a:p>
           <a:p>
             <a:pPr algn="just"/>
@@ -4630,14 +4545,7 @@
                 <a:latin typeface="Roboto Light" panose="02000000000000000000" pitchFamily="2" charset="0"/>
                 <a:ea typeface="Roboto Light" panose="02000000000000000000" pitchFamily="2" charset="0"/>
               </a:rPr>
-              <a:t>Study </a:t>
-            </a:r>
-            <a:r>
-              <a:rPr lang="en-US" sz="1000" dirty="0">
-                <a:latin typeface="Roboto Light" panose="02000000000000000000" pitchFamily="2" charset="0"/>
-                <a:ea typeface="Roboto Light" panose="02000000000000000000" pitchFamily="2" charset="0"/>
-              </a:rPr>
-              <a:t>2	                             </a:t>
+              <a:t>Study 2	                             </a:t>
             </a:r>
             <a:r>
               <a:rPr lang="en-US" sz="1000" i="1" dirty="0">
@@ -4665,9 +4573,6 @@
               </a:rPr>
               <a:t>DRF and sleep inertia</a:t>
             </a:r>
-            <a:endParaRPr lang="en-US" sz="1050" b="1" dirty="0">
-              <a:latin typeface="Helvetica Neue" panose="02000503000000020004" pitchFamily="50"/>
-            </a:endParaRPr>
           </a:p>
           <a:p>
             <a:pPr algn="just"/>
@@ -4677,9 +4582,6 @@
               </a:rPr>
               <a:t>We tested the hypothesis of a differential sleep inertia in high and low dream recallers and provided at the same time an overview of the awakening brain.</a:t>
             </a:r>
-            <a:endParaRPr lang="en-US" sz="1000" dirty="0">
-              <a:latin typeface="Helvetica Neue" panose="02000503000000020004" pitchFamily="50"/>
-            </a:endParaRPr>
           </a:p>
         </p:txBody>
       </p:sp>
@@ -4729,14 +4631,7 @@
                 <a:latin typeface="Roboto Light" panose="02000000000000000000" pitchFamily="2" charset="0"/>
                 <a:ea typeface="Roboto Light" panose="02000000000000000000" pitchFamily="2" charset="0"/>
               </a:rPr>
-              <a:t>Study </a:t>
-            </a:r>
-            <a:r>
-              <a:rPr lang="en-US" sz="1000" dirty="0">
-                <a:latin typeface="Roboto Light" panose="02000000000000000000" pitchFamily="2" charset="0"/>
-                <a:ea typeface="Roboto Light" panose="02000000000000000000" pitchFamily="2" charset="0"/>
-              </a:rPr>
-              <a:t>3 	       	    </a:t>
+              <a:t>Study 3 	       	    </a:t>
             </a:r>
             <a:r>
               <a:rPr lang="en-US" sz="1000" i="1" dirty="0">
@@ -4777,9 +4672,6 @@
               </a:rPr>
               <a:t>We used an online questionnaire to collect data on sleep and dream habits of a large sample of French college students.</a:t>
             </a:r>
-            <a:endParaRPr lang="en-US" sz="1000" dirty="0">
-              <a:latin typeface="Helvetica Neue" panose="02000503000000020004" pitchFamily="50"/>
-            </a:endParaRPr>
           </a:p>
         </p:txBody>
       </p:sp>
@@ -4826,14 +4718,7 @@
                 <a:latin typeface="Roboto Light" panose="02000000000000000000" pitchFamily="2" charset="0"/>
                 <a:ea typeface="Roboto Light" panose="02000000000000000000" pitchFamily="2" charset="0"/>
               </a:rPr>
-              <a:t>Study </a:t>
-            </a:r>
-            <a:r>
-              <a:rPr lang="en-US" sz="1000" dirty="0">
-                <a:latin typeface="Roboto Light" panose="02000000000000000000" pitchFamily="2" charset="0"/>
-                <a:ea typeface="Roboto Light" panose="02000000000000000000" pitchFamily="2" charset="0"/>
-              </a:rPr>
-              <a:t>4 	      </a:t>
+              <a:t>Study 4 	      </a:t>
             </a:r>
             <a:r>
               <a:rPr lang="en-US" sz="1000" i="1" dirty="0">
@@ -4874,9 +4759,6 @@
               </a:rPr>
               <a:t>The memory sources of dreams</a:t>
             </a:r>
-            <a:endParaRPr lang="en-US" sz="1050" b="1" dirty="0">
-              <a:latin typeface="Helvetica Neue" panose="02000503000000020004" pitchFamily="50"/>
-            </a:endParaRPr>
           </a:p>
           <a:p>
             <a:pPr algn="just"/>
@@ -5004,14 +4886,7 @@
                 <a:latin typeface="Roboto Light" panose="02000000000000000000" pitchFamily="2" charset="0"/>
                 <a:ea typeface="Roboto Light" panose="02000000000000000000" pitchFamily="2" charset="0"/>
               </a:rPr>
-              <a:t>Study </a:t>
-            </a:r>
-            <a:r>
-              <a:rPr lang="en-US" sz="1000" dirty="0">
-                <a:latin typeface="Roboto Light" panose="02000000000000000000" pitchFamily="2" charset="0"/>
-                <a:ea typeface="Roboto Light" panose="02000000000000000000" pitchFamily="2" charset="0"/>
-              </a:rPr>
-              <a:t>5		</a:t>
+              <a:t>Study 5		</a:t>
             </a:r>
             <a:r>
               <a:rPr lang="en-US" sz="1000" dirty="0">
@@ -5024,20 +4899,7 @@
                 <a:latin typeface="Roboto Light" panose="02000000000000000000" pitchFamily="2" charset="0"/>
                 <a:ea typeface="Roboto Light" panose="02000000000000000000" pitchFamily="2" charset="0"/>
               </a:rPr>
-              <a:t> </a:t>
-            </a:r>
-            <a:r>
-              <a:rPr lang="en-US" sz="1000" dirty="0">
-                <a:solidFill>
-                  <a:schemeClr val="tx1">
-                    <a:lumMod val="75000"/>
-                    <a:lumOff val="25000"/>
-                  </a:schemeClr>
-                </a:solidFill>
-                <a:latin typeface="Roboto Light" panose="02000000000000000000" pitchFamily="2" charset="0"/>
-                <a:ea typeface="Roboto Light" panose="02000000000000000000" pitchFamily="2" charset="0"/>
-              </a:rPr>
-              <a:t>                       	 	                  </a:t>
+              <a:t>                        	 	                  </a:t>
             </a:r>
             <a:r>
               <a:rPr lang="en-US" sz="1000" i="1" dirty="0">
@@ -5065,9 +4927,6 @@
               </a:rPr>
               <a:t>An open-source software for sleep data</a:t>
             </a:r>
-            <a:endParaRPr lang="en-US" sz="1050" b="1" dirty="0">
-              <a:latin typeface="Helvetica Neue" panose="02000503000000020004" pitchFamily="50"/>
-            </a:endParaRPr>
           </a:p>
           <a:p>
             <a:pPr algn="just"/>
@@ -5075,23 +4934,8 @@
               <a:rPr lang="en-US" sz="1000" dirty="0">
                 <a:latin typeface="Helvetica Neue" panose="02000503000000020004" pitchFamily="50"/>
               </a:rPr>
-              <a:t>There is a lack of free and </a:t>
-            </a:r>
-            <a:r>
-              <a:rPr lang="en-US" sz="1000" dirty="0">
-                <a:latin typeface="Helvetica Neue" panose="02000503000000020004" pitchFamily="50"/>
-              </a:rPr>
-              <a:t>easy-to-use </a:t>
-            </a:r>
-            <a:r>
-              <a:rPr lang="en-US" sz="1000" dirty="0">
-                <a:latin typeface="Helvetica Neue" panose="02000503000000020004" pitchFamily="50"/>
-              </a:rPr>
-              <a:t>graphical user interface dedicated to sleep data visualization, scoring and analysis. To fill this gap, we developed an open-source Python software capable of handling efficiently large datasets from several file formats, and integrating automatic detection of several sleep microstructural features.</a:t>
-            </a:r>
-            <a:endParaRPr lang="en-US" sz="1000" dirty="0">
-              <a:latin typeface="Helvetica Neue" panose="02000503000000020004" pitchFamily="50"/>
-            </a:endParaRPr>
+              <a:t>There is a lack of free and easy-to-use graphical user interface dedicated to sleep data visualization, scoring and analysis. To fill this gap, we developed an open-source Python software capable of handling efficiently large datasets from several file formats, and integrating automatic detection of several sleep microstructural features.</a:t>
+            </a:r>
           </a:p>
         </p:txBody>
       </p:sp>
